--- a/documents/presentation.pptx
+++ b/documents/presentation.pptx
@@ -6,6 +6,10 @@
   </p:sldMasterIdLst>
   <p:sldIdLst>
     <p:sldId id="256" r:id="rId2"/>
+    <p:sldId id="257" r:id="rId3"/>
+    <p:sldId id="259" r:id="rId4"/>
+    <p:sldId id="260" r:id="rId5"/>
+    <p:sldId id="261" r:id="rId6"/>
   </p:sldIdLst>
   <p:sldSz cx="12192000" cy="6858000"/>
   <p:notesSz cx="6858000" cy="9144000"/>
@@ -104,6 +108,11 @@
       </a:defRPr>
     </a:lvl9pPr>
   </p:defaultTextStyle>
+  <p:extLst>
+    <p:ext uri="{EFAFB233-063F-42B5-8137-9DF3F51BA10A}">
+      <p15:sldGuideLst xmlns:p15="http://schemas.microsoft.com/office/powerpoint/2012/main"/>
+    </p:ext>
+  </p:extLst>
 </p:presentation>
 </file>
 
@@ -5373,46 +5382,112 @@
             <p:ph type="ctrTitle"/>
           </p:nvPr>
         </p:nvSpPr>
+        <p:spPr>
+          <a:xfrm>
+            <a:off x="684212" y="685799"/>
+            <a:ext cx="9085430" cy="2971801"/>
+          </a:xfrm>
+        </p:spPr>
+        <p:txBody>
+          <a:bodyPr>
+            <a:normAutofit/>
+          </a:bodyPr>
+          <a:lstStyle/>
+          <a:p>
+            <a:r>
+              <a:rPr lang="en-US" sz="6000" dirty="0" smtClean="0"/>
+              <a:t>Self watering plant</a:t>
+            </a:r>
+            <a:br>
+              <a:rPr lang="en-US" sz="6000" dirty="0" smtClean="0"/>
+            </a:br>
+            <a:r>
+              <a:rPr lang="en-US" sz="6000" dirty="0" smtClean="0"/>
+              <a:t>Group 12</a:t>
+            </a:r>
+            <a:endParaRPr lang="en-US" sz="6000" dirty="0"/>
+          </a:p>
+        </p:txBody>
+      </p:sp>
+      <p:sp>
+        <p:nvSpPr>
+          <p:cNvPr id="5" name="Subtitle 4"/>
+          <p:cNvSpPr>
+            <a:spLocks noGrp="1"/>
+          </p:cNvSpPr>
+          <p:nvPr>
+            <p:ph type="subTitle" idx="1"/>
+          </p:nvPr>
+        </p:nvSpPr>
         <p:spPr/>
         <p:txBody>
           <a:bodyPr/>
           <a:lstStyle/>
           <a:p>
             <a:r>
-              <a:rPr lang="en-US" dirty="0" smtClean="0"/>
-              <a:t>Self watering plant</a:t>
-            </a:r>
-            <a:r>
-              <a:rPr lang="en-US" smtClean="0"/>
-              <a:t/>
-            </a:r>
-            <a:br>
-              <a:rPr lang="en-US" smtClean="0"/>
-            </a:br>
-            <a:r>
-              <a:rPr lang="en-US" smtClean="0"/>
-              <a:t>Group 12</a:t>
-            </a:r>
-            <a:endParaRPr lang="en-US" dirty="0"/>
-          </a:p>
-        </p:txBody>
-      </p:sp>
-      <p:sp>
-        <p:nvSpPr>
-          <p:cNvPr id="5" name="Subtitle 4"/>
-          <p:cNvSpPr>
-            <a:spLocks noGrp="1"/>
-          </p:cNvSpPr>
-          <p:nvPr>
-            <p:ph type="subTitle" idx="1"/>
-          </p:nvPr>
-        </p:nvSpPr>
-        <p:spPr/>
-        <p:txBody>
-          <a:bodyPr/>
-          <a:lstStyle/>
-          <a:p>
-            <a:endParaRPr lang="en-US"/>
+              <a:rPr lang="en-US" dirty="0" smtClean="0">
+                <a:solidFill>
+                  <a:schemeClr val="tx1"/>
+                </a:solidFill>
+              </a:rPr>
+              <a:t>Jon </a:t>
+            </a:r>
+            <a:r>
+              <a:rPr lang="en-US" dirty="0" err="1" smtClean="0">
+                <a:solidFill>
+                  <a:schemeClr val="tx1"/>
+                </a:solidFill>
+              </a:rPr>
+              <a:t>Lampman</a:t>
+            </a:r>
+            <a:endParaRPr lang="en-US" dirty="0">
+              <a:solidFill>
+                <a:schemeClr val="tx1"/>
+              </a:solidFill>
+            </a:endParaRPr>
+          </a:p>
+          <a:p>
+            <a:r>
+              <a:rPr lang="en-US" dirty="0" smtClean="0">
+                <a:solidFill>
+                  <a:schemeClr val="tx1"/>
+                </a:solidFill>
+              </a:rPr>
+              <a:t>Bruno Duregon</a:t>
+            </a:r>
+          </a:p>
+          <a:p>
+            <a:r>
+              <a:rPr lang="en-US" dirty="0" smtClean="0">
+                <a:solidFill>
+                  <a:schemeClr val="tx1"/>
+                </a:solidFill>
+              </a:rPr>
+              <a:t>Justin Patterson</a:t>
+            </a:r>
+          </a:p>
+          <a:p>
+            <a:r>
+              <a:rPr lang="en-US" dirty="0" smtClean="0">
+                <a:solidFill>
+                  <a:schemeClr val="tx1"/>
+                </a:solidFill>
+              </a:rPr>
+              <a:t>Jian </a:t>
+            </a:r>
+            <a:r>
+              <a:rPr lang="en-US" dirty="0" err="1" smtClean="0">
+                <a:solidFill>
+                  <a:schemeClr val="tx1"/>
+                </a:solidFill>
+              </a:rPr>
+              <a:t>Meng</a:t>
+            </a:r>
+            <a:endParaRPr lang="en-US" dirty="0">
+              <a:solidFill>
+                <a:schemeClr val="tx1"/>
+              </a:solidFill>
+            </a:endParaRPr>
           </a:p>
         </p:txBody>
       </p:sp>
@@ -5420,6 +5495,467 @@
     <p:extLst>
       <p:ext uri="{BB962C8B-B14F-4D97-AF65-F5344CB8AC3E}">
         <p14:creationId xmlns:p14="http://schemas.microsoft.com/office/powerpoint/2010/main" val="1595821048"/>
+      </p:ext>
+    </p:extLst>
+  </p:cSld>
+  <p:clrMapOvr>
+    <a:masterClrMapping/>
+  </p:clrMapOvr>
+  <p:timing>
+    <p:tnLst>
+      <p:par>
+        <p:cTn id="1" dur="indefinite" restart="never" nodeType="tmRoot"/>
+      </p:par>
+    </p:tnLst>
+  </p:timing>
+</p:sld>
+</file>
+
+<file path=ppt/slides/slide2.xml><?xml version="1.0" encoding="utf-8"?>
+<p:sld xmlns:a="http://schemas.openxmlformats.org/drawingml/2006/main" xmlns:r="http://schemas.openxmlformats.org/officeDocument/2006/relationships" xmlns:p="http://schemas.openxmlformats.org/presentationml/2006/main">
+  <p:cSld>
+    <p:spTree>
+      <p:nvGrpSpPr>
+        <p:cNvPr id="1" name=""/>
+        <p:cNvGrpSpPr/>
+        <p:nvPr/>
+      </p:nvGrpSpPr>
+      <p:grpSpPr>
+        <a:xfrm>
+          <a:off x="0" y="0"/>
+          <a:ext cx="0" cy="0"/>
+          <a:chOff x="0" y="0"/>
+          <a:chExt cx="0" cy="0"/>
+        </a:xfrm>
+      </p:grpSpPr>
+      <p:sp>
+        <p:nvSpPr>
+          <p:cNvPr id="4" name="Title 3"/>
+          <p:cNvSpPr>
+            <a:spLocks noGrp="1"/>
+          </p:cNvSpPr>
+          <p:nvPr>
+            <p:ph type="title"/>
+          </p:nvPr>
+        </p:nvSpPr>
+        <p:spPr>
+          <a:xfrm>
+            <a:off x="684213" y="685800"/>
+            <a:ext cx="10058400" cy="645695"/>
+          </a:xfrm>
+        </p:spPr>
+        <p:txBody>
+          <a:bodyPr>
+            <a:noAutofit/>
+          </a:bodyPr>
+          <a:lstStyle/>
+          <a:p>
+            <a:r>
+              <a:rPr lang="en-US" sz="6000" dirty="0" smtClean="0"/>
+              <a:t>Overview of problem </a:t>
+            </a:r>
+            <a:endParaRPr lang="en-US" sz="6000" dirty="0"/>
+          </a:p>
+        </p:txBody>
+      </p:sp>
+      <p:sp>
+        <p:nvSpPr>
+          <p:cNvPr id="7" name="TextBox 6"/>
+          <p:cNvSpPr txBox="1"/>
+          <p:nvPr/>
+        </p:nvSpPr>
+        <p:spPr>
+          <a:xfrm>
+            <a:off x="684213" y="2085473"/>
+            <a:ext cx="10930271" cy="4154984"/>
+          </a:xfrm>
+          <a:prstGeom prst="rect">
+            <a:avLst/>
+          </a:prstGeom>
+          <a:noFill/>
+        </p:spPr>
+        <p:txBody>
+          <a:bodyPr wrap="square" rtlCol="0">
+            <a:spAutoFit/>
+          </a:bodyPr>
+          <a:lstStyle/>
+          <a:p>
+            <a:pPr marL="342900" indent="-342900">
+              <a:buFont typeface="Arial" panose="020B0604020202020204" pitchFamily="34" charset="0"/>
+              <a:buChar char="•"/>
+            </a:pPr>
+            <a:r>
+              <a:rPr lang="en-US" sz="4400" dirty="0" smtClean="0"/>
+              <a:t>Making the home garden watering process more efficient</a:t>
+            </a:r>
+          </a:p>
+          <a:p>
+            <a:pPr marL="342900" indent="-342900">
+              <a:buFont typeface="Arial" panose="020B0604020202020204" pitchFamily="34" charset="0"/>
+              <a:buChar char="•"/>
+            </a:pPr>
+            <a:r>
+              <a:rPr lang="en-US" sz="4400" dirty="0" smtClean="0"/>
+              <a:t>Necessity to water house plants without being present</a:t>
+            </a:r>
+          </a:p>
+          <a:p>
+            <a:pPr marL="342900" indent="-342900">
+              <a:buFont typeface="Arial" panose="020B0604020202020204" pitchFamily="34" charset="0"/>
+              <a:buChar char="•"/>
+            </a:pPr>
+            <a:r>
+              <a:rPr lang="en-US" sz="4400" dirty="0" smtClean="0"/>
+              <a:t>Rethinking water usage</a:t>
+            </a:r>
+          </a:p>
+          <a:p>
+            <a:pPr marL="342900" indent="-342900">
+              <a:buFont typeface="Arial" panose="020B0604020202020204" pitchFamily="34" charset="0"/>
+              <a:buChar char="•"/>
+            </a:pPr>
+            <a:endParaRPr lang="en-US" sz="4400" dirty="0"/>
+          </a:p>
+        </p:txBody>
+      </p:sp>
+    </p:spTree>
+    <p:extLst>
+      <p:ext uri="{BB962C8B-B14F-4D97-AF65-F5344CB8AC3E}">
+        <p14:creationId xmlns:p14="http://schemas.microsoft.com/office/powerpoint/2010/main" val="1111726825"/>
+      </p:ext>
+    </p:extLst>
+  </p:cSld>
+  <p:clrMapOvr>
+    <a:masterClrMapping/>
+  </p:clrMapOvr>
+  <p:timing>
+    <p:tnLst>
+      <p:par>
+        <p:cTn id="1" dur="indefinite" restart="never" nodeType="tmRoot"/>
+      </p:par>
+    </p:tnLst>
+  </p:timing>
+</p:sld>
+</file>
+
+<file path=ppt/slides/slide3.xml><?xml version="1.0" encoding="utf-8"?>
+<p:sld xmlns:a="http://schemas.openxmlformats.org/drawingml/2006/main" xmlns:r="http://schemas.openxmlformats.org/officeDocument/2006/relationships" xmlns:p="http://schemas.openxmlformats.org/presentationml/2006/main">
+  <p:cSld>
+    <p:spTree>
+      <p:nvGrpSpPr>
+        <p:cNvPr id="1" name=""/>
+        <p:cNvGrpSpPr/>
+        <p:nvPr/>
+      </p:nvGrpSpPr>
+      <p:grpSpPr>
+        <a:xfrm>
+          <a:off x="0" y="0"/>
+          <a:ext cx="0" cy="0"/>
+          <a:chOff x="0" y="0"/>
+          <a:chExt cx="0" cy="0"/>
+        </a:xfrm>
+      </p:grpSpPr>
+      <p:sp>
+        <p:nvSpPr>
+          <p:cNvPr id="4" name="Title 3"/>
+          <p:cNvSpPr>
+            <a:spLocks noGrp="1"/>
+          </p:cNvSpPr>
+          <p:nvPr>
+            <p:ph type="title"/>
+          </p:nvPr>
+        </p:nvSpPr>
+        <p:spPr>
+          <a:xfrm>
+            <a:off x="684213" y="685800"/>
+            <a:ext cx="10058400" cy="645695"/>
+          </a:xfrm>
+        </p:spPr>
+        <p:txBody>
+          <a:bodyPr>
+            <a:noAutofit/>
+          </a:bodyPr>
+          <a:lstStyle/>
+          <a:p>
+            <a:r>
+              <a:rPr lang="en-US" sz="6000" dirty="0" smtClean="0"/>
+              <a:t>Solution</a:t>
+            </a:r>
+            <a:endParaRPr lang="en-US" sz="6000" dirty="0"/>
+          </a:p>
+        </p:txBody>
+      </p:sp>
+      <p:sp>
+        <p:nvSpPr>
+          <p:cNvPr id="7" name="TextBox 6"/>
+          <p:cNvSpPr txBox="1"/>
+          <p:nvPr/>
+        </p:nvSpPr>
+        <p:spPr>
+          <a:xfrm>
+            <a:off x="684213" y="2085473"/>
+            <a:ext cx="10930271" cy="4154984"/>
+          </a:xfrm>
+          <a:prstGeom prst="rect">
+            <a:avLst/>
+          </a:prstGeom>
+          <a:noFill/>
+        </p:spPr>
+        <p:txBody>
+          <a:bodyPr wrap="square" rtlCol="0">
+            <a:spAutoFit/>
+          </a:bodyPr>
+          <a:lstStyle/>
+          <a:p>
+            <a:pPr marL="342900" indent="-342900">
+              <a:buFont typeface="Arial" panose="020B0604020202020204" pitchFamily="34" charset="0"/>
+              <a:buChar char="•"/>
+            </a:pPr>
+            <a:r>
+              <a:rPr lang="en-US" sz="4400" dirty="0" smtClean="0"/>
+              <a:t>Self watering plant system</a:t>
+            </a:r>
+          </a:p>
+          <a:p>
+            <a:pPr marL="800100" lvl="1" indent="-342900">
+              <a:buFont typeface="Arial" panose="020B0604020202020204" pitchFamily="34" charset="0"/>
+              <a:buChar char="•"/>
+            </a:pPr>
+            <a:r>
+              <a:rPr lang="en-US" sz="4400" dirty="0" smtClean="0"/>
+              <a:t>Turns on at night</a:t>
+            </a:r>
+          </a:p>
+          <a:p>
+            <a:pPr marL="800100" lvl="1" indent="-342900">
+              <a:buFont typeface="Arial" panose="020B0604020202020204" pitchFamily="34" charset="0"/>
+              <a:buChar char="•"/>
+            </a:pPr>
+            <a:r>
+              <a:rPr lang="en-US" sz="4400" dirty="0" smtClean="0"/>
+              <a:t>Checks moisture level</a:t>
+            </a:r>
+          </a:p>
+          <a:p>
+            <a:pPr marL="800100" lvl="1" indent="-342900">
+              <a:buFont typeface="Arial" panose="020B0604020202020204" pitchFamily="34" charset="0"/>
+              <a:buChar char="•"/>
+            </a:pPr>
+            <a:r>
+              <a:rPr lang="en-US" sz="4400" dirty="0" smtClean="0"/>
+              <a:t>Waters appropriate amount</a:t>
+            </a:r>
+          </a:p>
+          <a:p>
+            <a:pPr marL="800100" lvl="1" indent="-342900">
+              <a:buFont typeface="Arial" panose="020B0604020202020204" pitchFamily="34" charset="0"/>
+              <a:buChar char="•"/>
+            </a:pPr>
+            <a:r>
+              <a:rPr lang="en-US" sz="4400" dirty="0" smtClean="0"/>
+              <a:t>Logs historical data for more accurate watering</a:t>
+            </a:r>
+          </a:p>
+        </p:txBody>
+      </p:sp>
+    </p:spTree>
+    <p:extLst>
+      <p:ext uri="{BB962C8B-B14F-4D97-AF65-F5344CB8AC3E}">
+        <p14:creationId xmlns:p14="http://schemas.microsoft.com/office/powerpoint/2010/main" val="446184131"/>
+      </p:ext>
+    </p:extLst>
+  </p:cSld>
+  <p:clrMapOvr>
+    <a:masterClrMapping/>
+  </p:clrMapOvr>
+  <p:timing>
+    <p:tnLst>
+      <p:par>
+        <p:cTn id="1" dur="indefinite" restart="never" nodeType="tmRoot"/>
+      </p:par>
+    </p:tnLst>
+  </p:timing>
+</p:sld>
+</file>
+
+<file path=ppt/slides/slide4.xml><?xml version="1.0" encoding="utf-8"?>
+<p:sld xmlns:a="http://schemas.openxmlformats.org/drawingml/2006/main" xmlns:r="http://schemas.openxmlformats.org/officeDocument/2006/relationships" xmlns:p="http://schemas.openxmlformats.org/presentationml/2006/main">
+  <p:cSld>
+    <p:spTree>
+      <p:nvGrpSpPr>
+        <p:cNvPr id="1" name=""/>
+        <p:cNvGrpSpPr/>
+        <p:nvPr/>
+      </p:nvGrpSpPr>
+      <p:grpSpPr>
+        <a:xfrm>
+          <a:off x="0" y="0"/>
+          <a:ext cx="0" cy="0"/>
+          <a:chOff x="0" y="0"/>
+          <a:chExt cx="0" cy="0"/>
+        </a:xfrm>
+      </p:grpSpPr>
+      <p:sp>
+        <p:nvSpPr>
+          <p:cNvPr id="4" name="Title 3"/>
+          <p:cNvSpPr>
+            <a:spLocks noGrp="1"/>
+          </p:cNvSpPr>
+          <p:nvPr>
+            <p:ph type="title"/>
+          </p:nvPr>
+        </p:nvSpPr>
+        <p:spPr>
+          <a:xfrm>
+            <a:off x="684213" y="685800"/>
+            <a:ext cx="10058400" cy="645695"/>
+          </a:xfrm>
+        </p:spPr>
+        <p:txBody>
+          <a:bodyPr>
+            <a:noAutofit/>
+          </a:bodyPr>
+          <a:lstStyle/>
+          <a:p>
+            <a:r>
+              <a:rPr lang="en-US" sz="6000" dirty="0" smtClean="0"/>
+              <a:t>Block Diagram level 0</a:t>
+            </a:r>
+            <a:endParaRPr lang="en-US" sz="6000" dirty="0"/>
+          </a:p>
+        </p:txBody>
+      </p:sp>
+      <p:pic>
+        <p:nvPicPr>
+          <p:cNvPr id="2" name="Picture 1"/>
+          <p:cNvPicPr>
+            <a:picLocks noChangeAspect="1"/>
+          </p:cNvPicPr>
+          <p:nvPr/>
+        </p:nvPicPr>
+        <p:blipFill>
+          <a:blip r:embed="rId2">
+            <a:extLst>
+              <a:ext uri="{28A0092B-C50C-407E-A947-70E740481C1C}">
+                <a14:useLocalDpi xmlns:a14="http://schemas.microsoft.com/office/drawing/2010/main" val="0"/>
+              </a:ext>
+            </a:extLst>
+          </a:blip>
+          <a:stretch>
+            <a:fillRect/>
+          </a:stretch>
+        </p:blipFill>
+        <p:spPr>
+          <a:xfrm>
+            <a:off x="684213" y="2236991"/>
+            <a:ext cx="10502141" cy="3217323"/>
+          </a:xfrm>
+          <a:prstGeom prst="rect">
+            <a:avLst/>
+          </a:prstGeom>
+        </p:spPr>
+      </p:pic>
+    </p:spTree>
+    <p:extLst>
+      <p:ext uri="{BB962C8B-B14F-4D97-AF65-F5344CB8AC3E}">
+        <p14:creationId xmlns:p14="http://schemas.microsoft.com/office/powerpoint/2010/main" val="2481556077"/>
+      </p:ext>
+    </p:extLst>
+  </p:cSld>
+  <p:clrMapOvr>
+    <a:masterClrMapping/>
+  </p:clrMapOvr>
+  <p:timing>
+    <p:tnLst>
+      <p:par>
+        <p:cTn id="1" dur="indefinite" restart="never" nodeType="tmRoot"/>
+      </p:par>
+    </p:tnLst>
+  </p:timing>
+</p:sld>
+</file>
+
+<file path=ppt/slides/slide5.xml><?xml version="1.0" encoding="utf-8"?>
+<p:sld xmlns:a="http://schemas.openxmlformats.org/drawingml/2006/main" xmlns:r="http://schemas.openxmlformats.org/officeDocument/2006/relationships" xmlns:p="http://schemas.openxmlformats.org/presentationml/2006/main">
+  <p:cSld>
+    <p:spTree>
+      <p:nvGrpSpPr>
+        <p:cNvPr id="1" name=""/>
+        <p:cNvGrpSpPr/>
+        <p:nvPr/>
+      </p:nvGrpSpPr>
+      <p:grpSpPr>
+        <a:xfrm>
+          <a:off x="0" y="0"/>
+          <a:ext cx="0" cy="0"/>
+          <a:chOff x="0" y="0"/>
+          <a:chExt cx="0" cy="0"/>
+        </a:xfrm>
+      </p:grpSpPr>
+      <p:sp>
+        <p:nvSpPr>
+          <p:cNvPr id="4" name="Title 3"/>
+          <p:cNvSpPr>
+            <a:spLocks noGrp="1"/>
+          </p:cNvSpPr>
+          <p:nvPr>
+            <p:ph type="title"/>
+          </p:nvPr>
+        </p:nvSpPr>
+        <p:spPr>
+          <a:xfrm>
+            <a:off x="684213" y="685800"/>
+            <a:ext cx="10058400" cy="645695"/>
+          </a:xfrm>
+        </p:spPr>
+        <p:txBody>
+          <a:bodyPr>
+            <a:noAutofit/>
+          </a:bodyPr>
+          <a:lstStyle/>
+          <a:p>
+            <a:r>
+              <a:rPr lang="en-US" sz="6000" dirty="0" smtClean="0"/>
+              <a:t>Block diagram level 1</a:t>
+            </a:r>
+            <a:endParaRPr lang="en-US" sz="6000" dirty="0"/>
+          </a:p>
+        </p:txBody>
+      </p:sp>
+      <p:pic>
+        <p:nvPicPr>
+          <p:cNvPr id="2" name="Picture 1"/>
+          <p:cNvPicPr>
+            <a:picLocks noChangeAspect="1"/>
+          </p:cNvPicPr>
+          <p:nvPr/>
+        </p:nvPicPr>
+        <p:blipFill>
+          <a:blip r:embed="rId2">
+            <a:extLst>
+              <a:ext uri="{28A0092B-C50C-407E-A947-70E740481C1C}">
+                <a14:useLocalDpi xmlns:a14="http://schemas.microsoft.com/office/drawing/2010/main" val="0"/>
+              </a:ext>
+            </a:extLst>
+          </a:blip>
+          <a:stretch>
+            <a:fillRect/>
+          </a:stretch>
+        </p:blipFill>
+        <p:spPr>
+          <a:xfrm>
+            <a:off x="2341453" y="1774923"/>
+            <a:ext cx="8262594" cy="4385245"/>
+          </a:xfrm>
+          <a:prstGeom prst="rect">
+            <a:avLst/>
+          </a:prstGeom>
+        </p:spPr>
+      </p:pic>
+    </p:spTree>
+    <p:extLst>
+      <p:ext uri="{BB962C8B-B14F-4D97-AF65-F5344CB8AC3E}">
+        <p14:creationId xmlns:p14="http://schemas.microsoft.com/office/powerpoint/2010/main" val="2375352249"/>
       </p:ext>
     </p:extLst>
   </p:cSld>

--- a/documents/presentation.pptx
+++ b/documents/presentation.pptx
@@ -10,6 +10,8 @@
     <p:sldId id="259" r:id="rId4"/>
     <p:sldId id="260" r:id="rId5"/>
     <p:sldId id="261" r:id="rId6"/>
+    <p:sldId id="262" r:id="rId7"/>
+    <p:sldId id="263" r:id="rId8"/>
   </p:sldIdLst>
   <p:sldSz cx="12192000" cy="6858000"/>
   <p:notesSz cx="6858000" cy="9144000"/>
@@ -5944,8 +5946,8 @@
         </p:blipFill>
         <p:spPr>
           <a:xfrm>
-            <a:off x="2341453" y="1774923"/>
-            <a:ext cx="8262594" cy="4385245"/>
+            <a:off x="1113609" y="1694712"/>
+            <a:ext cx="9199608" cy="4882551"/>
           </a:xfrm>
           <a:prstGeom prst="rect">
             <a:avLst/>
@@ -5956,6 +5958,1427 @@
     <p:extLst>
       <p:ext uri="{BB962C8B-B14F-4D97-AF65-F5344CB8AC3E}">
         <p14:creationId xmlns:p14="http://schemas.microsoft.com/office/powerpoint/2010/main" val="2375352249"/>
+      </p:ext>
+    </p:extLst>
+  </p:cSld>
+  <p:clrMapOvr>
+    <a:masterClrMapping/>
+  </p:clrMapOvr>
+  <p:timing>
+    <p:tnLst>
+      <p:par>
+        <p:cTn id="1" dur="indefinite" restart="never" nodeType="tmRoot"/>
+      </p:par>
+    </p:tnLst>
+  </p:timing>
+</p:sld>
+</file>
+
+<file path=ppt/slides/slide6.xml><?xml version="1.0" encoding="utf-8"?>
+<p:sld xmlns:a="http://schemas.openxmlformats.org/drawingml/2006/main" xmlns:r="http://schemas.openxmlformats.org/officeDocument/2006/relationships" xmlns:p="http://schemas.openxmlformats.org/presentationml/2006/main">
+  <p:cSld>
+    <p:spTree>
+      <p:nvGrpSpPr>
+        <p:cNvPr id="1" name=""/>
+        <p:cNvGrpSpPr/>
+        <p:nvPr/>
+      </p:nvGrpSpPr>
+      <p:grpSpPr>
+        <a:xfrm>
+          <a:off x="0" y="0"/>
+          <a:ext cx="0" cy="0"/>
+          <a:chOff x="0" y="0"/>
+          <a:chExt cx="0" cy="0"/>
+        </a:xfrm>
+      </p:grpSpPr>
+      <p:sp>
+        <p:nvSpPr>
+          <p:cNvPr id="4" name="Title 3"/>
+          <p:cNvSpPr>
+            <a:spLocks noGrp="1"/>
+          </p:cNvSpPr>
+          <p:nvPr>
+            <p:ph type="title"/>
+          </p:nvPr>
+        </p:nvSpPr>
+        <p:spPr>
+          <a:xfrm>
+            <a:off x="684213" y="685800"/>
+            <a:ext cx="10058400" cy="645695"/>
+          </a:xfrm>
+        </p:spPr>
+        <p:txBody>
+          <a:bodyPr>
+            <a:noAutofit/>
+          </a:bodyPr>
+          <a:lstStyle/>
+          <a:p>
+            <a:r>
+              <a:rPr lang="en-US" sz="6000" dirty="0" smtClean="0"/>
+              <a:t>Design matrix</a:t>
+            </a:r>
+            <a:endParaRPr lang="en-US" sz="6000" dirty="0"/>
+          </a:p>
+        </p:txBody>
+      </p:sp>
+      <p:graphicFrame>
+        <p:nvGraphicFramePr>
+          <p:cNvPr id="2" name="Table 1"/>
+          <p:cNvGraphicFramePr>
+            <a:graphicFrameLocks noGrp="1"/>
+          </p:cNvGraphicFramePr>
+          <p:nvPr>
+            <p:extLst>
+              <p:ext uri="{D42A27DB-BD31-4B8C-83A1-F6EECF244321}">
+                <p14:modId xmlns:p14="http://schemas.microsoft.com/office/powerpoint/2010/main" val="1875736892"/>
+              </p:ext>
+            </p:extLst>
+          </p:nvPr>
+        </p:nvGraphicFramePr>
+        <p:xfrm>
+          <a:off x="625643" y="1731169"/>
+          <a:ext cx="10667998" cy="4043322"/>
+        </p:xfrm>
+        <a:graphic>
+          <a:graphicData uri="http://schemas.openxmlformats.org/drawingml/2006/table">
+            <a:tbl>
+              <a:tblPr>
+                <a:tableStyleId>{5C22544A-7EE6-4342-B048-85BDC9FD1C3A}</a:tableStyleId>
+              </a:tblPr>
+              <a:tblGrid>
+                <a:gridCol w="2655240">
+                  <a:extLst>
+                    <a:ext uri="{9D8B030D-6E8A-4147-A177-3AD203B41FA5}">
+                      <a16:colId xmlns:a16="http://schemas.microsoft.com/office/drawing/2014/main" val="2376783171"/>
+                    </a:ext>
+                  </a:extLst>
+                </a:gridCol>
+                <a:gridCol w="889792">
+                  <a:extLst>
+                    <a:ext uri="{9D8B030D-6E8A-4147-A177-3AD203B41FA5}">
+                      <a16:colId xmlns:a16="http://schemas.microsoft.com/office/drawing/2014/main" val="1795286384"/>
+                    </a:ext>
+                  </a:extLst>
+                </a:gridCol>
+                <a:gridCol w="1598844">
+                  <a:extLst>
+                    <a:ext uri="{9D8B030D-6E8A-4147-A177-3AD203B41FA5}">
+                      <a16:colId xmlns:a16="http://schemas.microsoft.com/office/drawing/2014/main" val="3203620858"/>
+                    </a:ext>
+                  </a:extLst>
+                </a:gridCol>
+                <a:gridCol w="1779583">
+                  <a:extLst>
+                    <a:ext uri="{9D8B030D-6E8A-4147-A177-3AD203B41FA5}">
+                      <a16:colId xmlns:a16="http://schemas.microsoft.com/office/drawing/2014/main" val="3872188925"/>
+                    </a:ext>
+                  </a:extLst>
+                </a:gridCol>
+                <a:gridCol w="1427374">
+                  <a:extLst>
+                    <a:ext uri="{9D8B030D-6E8A-4147-A177-3AD203B41FA5}">
+                      <a16:colId xmlns:a16="http://schemas.microsoft.com/office/drawing/2014/main" val="449998661"/>
+                    </a:ext>
+                  </a:extLst>
+                </a:gridCol>
+                <a:gridCol w="2317165">
+                  <a:extLst>
+                    <a:ext uri="{9D8B030D-6E8A-4147-A177-3AD203B41FA5}">
+                      <a16:colId xmlns:a16="http://schemas.microsoft.com/office/drawing/2014/main" val="2239687173"/>
+                    </a:ext>
+                  </a:extLst>
+                </a:gridCol>
+              </a:tblGrid>
+              <a:tr h="657243">
+                <a:tc>
+                  <a:txBody>
+                    <a:bodyPr/>
+                    <a:lstStyle/>
+                    <a:p>
+                      <a:pPr algn="l" fontAlgn="b"/>
+                      <a:endParaRPr lang="en-US" sz="2000" b="0" i="0" u="none" strike="noStrike">
+                        <a:solidFill>
+                          <a:srgbClr val="000000"/>
+                        </a:solidFill>
+                        <a:effectLst/>
+                        <a:latin typeface="Calibri" panose="020F0502020204030204" pitchFamily="34" charset="0"/>
+                      </a:endParaRPr>
+                    </a:p>
+                  </a:txBody>
+                  <a:tcPr marL="9525" marR="9525" marT="9525" marB="0" anchor="b"/>
+                </a:tc>
+                <a:tc>
+                  <a:txBody>
+                    <a:bodyPr/>
+                    <a:lstStyle/>
+                    <a:p>
+                      <a:pPr algn="l" fontAlgn="b"/>
+                      <a:endParaRPr lang="en-US" sz="2000" b="0" i="0" u="none" strike="noStrike">
+                        <a:solidFill>
+                          <a:srgbClr val="000000"/>
+                        </a:solidFill>
+                        <a:effectLst/>
+                        <a:latin typeface="Calibri" panose="020F0502020204030204" pitchFamily="34" charset="0"/>
+                      </a:endParaRPr>
+                    </a:p>
+                  </a:txBody>
+                  <a:tcPr marL="9525" marR="9525" marT="9525" marB="0" anchor="b"/>
+                </a:tc>
+                <a:tc>
+                  <a:txBody>
+                    <a:bodyPr/>
+                    <a:lstStyle/>
+                    <a:p>
+                      <a:pPr algn="l" fontAlgn="b"/>
+                      <a:r>
+                        <a:rPr lang="en-US" sz="2000" u="none" strike="noStrike">
+                          <a:effectLst/>
+                        </a:rPr>
+                        <a:t>Magnetic Gripper</a:t>
+                      </a:r>
+                      <a:endParaRPr lang="en-US" sz="2000" b="1" i="0" u="none" strike="noStrike">
+                        <a:solidFill>
+                          <a:srgbClr val="000000"/>
+                        </a:solidFill>
+                        <a:effectLst/>
+                        <a:latin typeface="Calibri" panose="020F0502020204030204" pitchFamily="34" charset="0"/>
+                      </a:endParaRPr>
+                    </a:p>
+                  </a:txBody>
+                  <a:tcPr marL="9525" marR="9525" marT="9525" marB="0" anchor="b"/>
+                </a:tc>
+                <a:tc>
+                  <a:txBody>
+                    <a:bodyPr/>
+                    <a:lstStyle/>
+                    <a:p>
+                      <a:pPr algn="l" fontAlgn="b"/>
+                      <a:r>
+                        <a:rPr lang="en-US" sz="2000" u="none" strike="noStrike">
+                          <a:effectLst/>
+                        </a:rPr>
+                        <a:t>Self Watering Plant</a:t>
+                      </a:r>
+                      <a:endParaRPr lang="en-US" sz="2000" b="1" i="0" u="none" strike="noStrike">
+                        <a:solidFill>
+                          <a:srgbClr val="000000"/>
+                        </a:solidFill>
+                        <a:effectLst/>
+                        <a:latin typeface="Calibri" panose="020F0502020204030204" pitchFamily="34" charset="0"/>
+                      </a:endParaRPr>
+                    </a:p>
+                  </a:txBody>
+                  <a:tcPr marL="9525" marR="9525" marT="9525" marB="0" anchor="b"/>
+                </a:tc>
+                <a:tc>
+                  <a:txBody>
+                    <a:bodyPr/>
+                    <a:lstStyle/>
+                    <a:p>
+                      <a:pPr algn="l" fontAlgn="b"/>
+                      <a:r>
+                        <a:rPr lang="en-US" sz="2000" u="none" strike="noStrike">
+                          <a:effectLst/>
+                        </a:rPr>
+                        <a:t>Cleaning Robot</a:t>
+                      </a:r>
+                      <a:endParaRPr lang="en-US" sz="2000" b="1" i="0" u="none" strike="noStrike">
+                        <a:solidFill>
+                          <a:srgbClr val="000000"/>
+                        </a:solidFill>
+                        <a:effectLst/>
+                        <a:latin typeface="Calibri" panose="020F0502020204030204" pitchFamily="34" charset="0"/>
+                      </a:endParaRPr>
+                    </a:p>
+                  </a:txBody>
+                  <a:tcPr marL="9525" marR="9525" marT="9525" marB="0" anchor="b"/>
+                </a:tc>
+                <a:tc>
+                  <a:txBody>
+                    <a:bodyPr/>
+                    <a:lstStyle/>
+                    <a:p>
+                      <a:pPr algn="l" fontAlgn="b"/>
+                      <a:r>
+                        <a:rPr lang="en-US" sz="2000" u="none" strike="noStrike">
+                          <a:effectLst/>
+                        </a:rPr>
+                        <a:t>Snack Dispening Machine</a:t>
+                      </a:r>
+                      <a:endParaRPr lang="en-US" sz="2000" b="1" i="0" u="none" strike="noStrike">
+                        <a:solidFill>
+                          <a:srgbClr val="000000"/>
+                        </a:solidFill>
+                        <a:effectLst/>
+                        <a:latin typeface="Calibri" panose="020F0502020204030204" pitchFamily="34" charset="0"/>
+                      </a:endParaRPr>
+                    </a:p>
+                  </a:txBody>
+                  <a:tcPr marL="9525" marR="9525" marT="9525" marB="0" anchor="b"/>
+                </a:tc>
+                <a:extLst>
+                  <a:ext uri="{0D108BD9-81ED-4DB2-BD59-A6C34878D82A}">
+                    <a16:rowId xmlns:a16="http://schemas.microsoft.com/office/drawing/2014/main" val="2605050690"/>
+                  </a:ext>
+                </a:extLst>
+              </a:tr>
+              <a:tr h="363117">
+                <a:tc>
+                  <a:txBody>
+                    <a:bodyPr/>
+                    <a:lstStyle/>
+                    <a:p>
+                      <a:pPr algn="ctr" fontAlgn="b"/>
+                      <a:r>
+                        <a:rPr lang="en-US" sz="2000" u="none" strike="noStrike">
+                          <a:effectLst/>
+                        </a:rPr>
+                        <a:t>Cost</a:t>
+                      </a:r>
+                      <a:endParaRPr lang="en-US" sz="2000" b="1" i="0" u="none" strike="noStrike">
+                        <a:solidFill>
+                          <a:srgbClr val="000000"/>
+                        </a:solidFill>
+                        <a:effectLst/>
+                        <a:latin typeface="Calibri" panose="020F0502020204030204" pitchFamily="34" charset="0"/>
+                      </a:endParaRPr>
+                    </a:p>
+                  </a:txBody>
+                  <a:tcPr marL="9525" marR="9525" marT="9525" marB="0" anchor="b"/>
+                </a:tc>
+                <a:tc>
+                  <a:txBody>
+                    <a:bodyPr/>
+                    <a:lstStyle/>
+                    <a:p>
+                      <a:pPr algn="ctr" fontAlgn="b"/>
+                      <a:r>
+                        <a:rPr lang="en-US" sz="2000" u="none" strike="noStrike">
+                          <a:effectLst/>
+                        </a:rPr>
+                        <a:t>5</a:t>
+                      </a:r>
+                      <a:endParaRPr lang="en-US" sz="2000" b="1" i="0" u="none" strike="noStrike">
+                        <a:solidFill>
+                          <a:srgbClr val="000000"/>
+                        </a:solidFill>
+                        <a:effectLst/>
+                        <a:latin typeface="Calibri" panose="020F0502020204030204" pitchFamily="34" charset="0"/>
+                      </a:endParaRPr>
+                    </a:p>
+                  </a:txBody>
+                  <a:tcPr marL="9525" marR="9525" marT="9525" marB="0" anchor="b"/>
+                </a:tc>
+                <a:tc>
+                  <a:txBody>
+                    <a:bodyPr/>
+                    <a:lstStyle/>
+                    <a:p>
+                      <a:pPr algn="ctr" fontAlgn="b"/>
+                      <a:r>
+                        <a:rPr lang="en-US" sz="2000" u="none" strike="noStrike">
+                          <a:effectLst/>
+                        </a:rPr>
+                        <a:t>1</a:t>
+                      </a:r>
+                      <a:endParaRPr lang="en-US" sz="2000" b="0" i="0" u="none" strike="noStrike">
+                        <a:solidFill>
+                          <a:srgbClr val="000000"/>
+                        </a:solidFill>
+                        <a:effectLst/>
+                        <a:latin typeface="Calibri" panose="020F0502020204030204" pitchFamily="34" charset="0"/>
+                      </a:endParaRPr>
+                    </a:p>
+                  </a:txBody>
+                  <a:tcPr marL="9525" marR="9525" marT="9525" marB="0" anchor="b"/>
+                </a:tc>
+                <a:tc>
+                  <a:txBody>
+                    <a:bodyPr/>
+                    <a:lstStyle/>
+                    <a:p>
+                      <a:pPr algn="ctr" fontAlgn="b"/>
+                      <a:r>
+                        <a:rPr lang="en-US" sz="2000" u="none" strike="noStrike">
+                          <a:effectLst/>
+                        </a:rPr>
+                        <a:t>4</a:t>
+                      </a:r>
+                      <a:endParaRPr lang="en-US" sz="2000" b="0" i="0" u="none" strike="noStrike">
+                        <a:solidFill>
+                          <a:srgbClr val="000000"/>
+                        </a:solidFill>
+                        <a:effectLst/>
+                        <a:latin typeface="Calibri" panose="020F0502020204030204" pitchFamily="34" charset="0"/>
+                      </a:endParaRPr>
+                    </a:p>
+                  </a:txBody>
+                  <a:tcPr marL="9525" marR="9525" marT="9525" marB="0" anchor="b"/>
+                </a:tc>
+                <a:tc>
+                  <a:txBody>
+                    <a:bodyPr/>
+                    <a:lstStyle/>
+                    <a:p>
+                      <a:pPr algn="ctr" fontAlgn="b"/>
+                      <a:r>
+                        <a:rPr lang="en-US" sz="2000" u="none" strike="noStrike">
+                          <a:effectLst/>
+                        </a:rPr>
+                        <a:t>2</a:t>
+                      </a:r>
+                      <a:endParaRPr lang="en-US" sz="2000" b="0" i="0" u="none" strike="noStrike">
+                        <a:solidFill>
+                          <a:srgbClr val="000000"/>
+                        </a:solidFill>
+                        <a:effectLst/>
+                        <a:latin typeface="Calibri" panose="020F0502020204030204" pitchFamily="34" charset="0"/>
+                      </a:endParaRPr>
+                    </a:p>
+                  </a:txBody>
+                  <a:tcPr marL="9525" marR="9525" marT="9525" marB="0" anchor="b"/>
+                </a:tc>
+                <a:tc>
+                  <a:txBody>
+                    <a:bodyPr/>
+                    <a:lstStyle/>
+                    <a:p>
+                      <a:pPr algn="ctr" fontAlgn="b"/>
+                      <a:r>
+                        <a:rPr lang="en-US" sz="2000" u="none" strike="noStrike">
+                          <a:effectLst/>
+                        </a:rPr>
+                        <a:t>4</a:t>
+                      </a:r>
+                      <a:endParaRPr lang="en-US" sz="2000" b="0" i="0" u="none" strike="noStrike">
+                        <a:solidFill>
+                          <a:srgbClr val="000000"/>
+                        </a:solidFill>
+                        <a:effectLst/>
+                        <a:latin typeface="Calibri" panose="020F0502020204030204" pitchFamily="34" charset="0"/>
+                      </a:endParaRPr>
+                    </a:p>
+                  </a:txBody>
+                  <a:tcPr marL="9525" marR="9525" marT="9525" marB="0" anchor="b"/>
+                </a:tc>
+                <a:extLst>
+                  <a:ext uri="{0D108BD9-81ED-4DB2-BD59-A6C34878D82A}">
+                    <a16:rowId xmlns:a16="http://schemas.microsoft.com/office/drawing/2014/main" val="3253068926"/>
+                  </a:ext>
+                </a:extLst>
+              </a:tr>
+              <a:tr h="363117">
+                <a:tc>
+                  <a:txBody>
+                    <a:bodyPr/>
+                    <a:lstStyle/>
+                    <a:p>
+                      <a:pPr algn="ctr" fontAlgn="b"/>
+                      <a:r>
+                        <a:rPr lang="en-US" sz="2000" u="none" strike="noStrike">
+                          <a:effectLst/>
+                        </a:rPr>
+                        <a:t>Feasibility</a:t>
+                      </a:r>
+                      <a:endParaRPr lang="en-US" sz="2000" b="1" i="0" u="none" strike="noStrike">
+                        <a:solidFill>
+                          <a:srgbClr val="000000"/>
+                        </a:solidFill>
+                        <a:effectLst/>
+                        <a:latin typeface="Calibri" panose="020F0502020204030204" pitchFamily="34" charset="0"/>
+                      </a:endParaRPr>
+                    </a:p>
+                  </a:txBody>
+                  <a:tcPr marL="9525" marR="9525" marT="9525" marB="0" anchor="b"/>
+                </a:tc>
+                <a:tc>
+                  <a:txBody>
+                    <a:bodyPr/>
+                    <a:lstStyle/>
+                    <a:p>
+                      <a:pPr algn="ctr" fontAlgn="b"/>
+                      <a:r>
+                        <a:rPr lang="en-US" sz="2000" u="none" strike="noStrike">
+                          <a:effectLst/>
+                        </a:rPr>
+                        <a:t>5</a:t>
+                      </a:r>
+                      <a:endParaRPr lang="en-US" sz="2000" b="1" i="0" u="none" strike="noStrike">
+                        <a:solidFill>
+                          <a:srgbClr val="000000"/>
+                        </a:solidFill>
+                        <a:effectLst/>
+                        <a:latin typeface="Calibri" panose="020F0502020204030204" pitchFamily="34" charset="0"/>
+                      </a:endParaRPr>
+                    </a:p>
+                  </a:txBody>
+                  <a:tcPr marL="9525" marR="9525" marT="9525" marB="0" anchor="b"/>
+                </a:tc>
+                <a:tc>
+                  <a:txBody>
+                    <a:bodyPr/>
+                    <a:lstStyle/>
+                    <a:p>
+                      <a:pPr algn="ctr" fontAlgn="b"/>
+                      <a:r>
+                        <a:rPr lang="en-US" sz="2000" u="none" strike="noStrike">
+                          <a:effectLst/>
+                        </a:rPr>
+                        <a:t>2</a:t>
+                      </a:r>
+                      <a:endParaRPr lang="en-US" sz="2000" b="0" i="0" u="none" strike="noStrike">
+                        <a:solidFill>
+                          <a:srgbClr val="000000"/>
+                        </a:solidFill>
+                        <a:effectLst/>
+                        <a:latin typeface="Calibri" panose="020F0502020204030204" pitchFamily="34" charset="0"/>
+                      </a:endParaRPr>
+                    </a:p>
+                  </a:txBody>
+                  <a:tcPr marL="9525" marR="9525" marT="9525" marB="0" anchor="b"/>
+                </a:tc>
+                <a:tc>
+                  <a:txBody>
+                    <a:bodyPr/>
+                    <a:lstStyle/>
+                    <a:p>
+                      <a:pPr algn="ctr" fontAlgn="b"/>
+                      <a:r>
+                        <a:rPr lang="en-US" sz="2000" u="none" strike="noStrike">
+                          <a:effectLst/>
+                        </a:rPr>
+                        <a:t>4</a:t>
+                      </a:r>
+                      <a:endParaRPr lang="en-US" sz="2000" b="0" i="0" u="none" strike="noStrike">
+                        <a:solidFill>
+                          <a:srgbClr val="000000"/>
+                        </a:solidFill>
+                        <a:effectLst/>
+                        <a:latin typeface="Calibri" panose="020F0502020204030204" pitchFamily="34" charset="0"/>
+                      </a:endParaRPr>
+                    </a:p>
+                  </a:txBody>
+                  <a:tcPr marL="9525" marR="9525" marT="9525" marB="0" anchor="b"/>
+                </a:tc>
+                <a:tc>
+                  <a:txBody>
+                    <a:bodyPr/>
+                    <a:lstStyle/>
+                    <a:p>
+                      <a:pPr algn="ctr" fontAlgn="b"/>
+                      <a:r>
+                        <a:rPr lang="en-US" sz="2000" u="none" strike="noStrike">
+                          <a:effectLst/>
+                        </a:rPr>
+                        <a:t>2</a:t>
+                      </a:r>
+                      <a:endParaRPr lang="en-US" sz="2000" b="0" i="0" u="none" strike="noStrike">
+                        <a:solidFill>
+                          <a:srgbClr val="000000"/>
+                        </a:solidFill>
+                        <a:effectLst/>
+                        <a:latin typeface="Calibri" panose="020F0502020204030204" pitchFamily="34" charset="0"/>
+                      </a:endParaRPr>
+                    </a:p>
+                  </a:txBody>
+                  <a:tcPr marL="9525" marR="9525" marT="9525" marB="0" anchor="b"/>
+                </a:tc>
+                <a:tc>
+                  <a:txBody>
+                    <a:bodyPr/>
+                    <a:lstStyle/>
+                    <a:p>
+                      <a:pPr algn="ctr" fontAlgn="b"/>
+                      <a:r>
+                        <a:rPr lang="en-US" sz="2000" u="none" strike="noStrike">
+                          <a:effectLst/>
+                        </a:rPr>
+                        <a:t>4</a:t>
+                      </a:r>
+                      <a:endParaRPr lang="en-US" sz="2000" b="0" i="0" u="none" strike="noStrike">
+                        <a:solidFill>
+                          <a:srgbClr val="000000"/>
+                        </a:solidFill>
+                        <a:effectLst/>
+                        <a:latin typeface="Calibri" panose="020F0502020204030204" pitchFamily="34" charset="0"/>
+                      </a:endParaRPr>
+                    </a:p>
+                  </a:txBody>
+                  <a:tcPr marL="9525" marR="9525" marT="9525" marB="0" anchor="b"/>
+                </a:tc>
+                <a:extLst>
+                  <a:ext uri="{0D108BD9-81ED-4DB2-BD59-A6C34878D82A}">
+                    <a16:rowId xmlns:a16="http://schemas.microsoft.com/office/drawing/2014/main" val="4271548510"/>
+                  </a:ext>
+                </a:extLst>
+              </a:tr>
+              <a:tr h="657243">
+                <a:tc>
+                  <a:txBody>
+                    <a:bodyPr/>
+                    <a:lstStyle/>
+                    <a:p>
+                      <a:pPr algn="ctr" fontAlgn="b"/>
+                      <a:r>
+                        <a:rPr lang="en-US" sz="2000" u="none" strike="noStrike">
+                          <a:effectLst/>
+                        </a:rPr>
+                        <a:t>Sensor/Actuator Complexity</a:t>
+                      </a:r>
+                      <a:endParaRPr lang="en-US" sz="2000" b="1" i="0" u="none" strike="noStrike">
+                        <a:solidFill>
+                          <a:srgbClr val="000000"/>
+                        </a:solidFill>
+                        <a:effectLst/>
+                        <a:latin typeface="Calibri" panose="020F0502020204030204" pitchFamily="34" charset="0"/>
+                      </a:endParaRPr>
+                    </a:p>
+                  </a:txBody>
+                  <a:tcPr marL="9525" marR="9525" marT="9525" marB="0" anchor="b"/>
+                </a:tc>
+                <a:tc>
+                  <a:txBody>
+                    <a:bodyPr/>
+                    <a:lstStyle/>
+                    <a:p>
+                      <a:pPr algn="ctr" fontAlgn="b"/>
+                      <a:r>
+                        <a:rPr lang="en-US" sz="2000" u="none" strike="noStrike">
+                          <a:effectLst/>
+                        </a:rPr>
+                        <a:t>2</a:t>
+                      </a:r>
+                      <a:endParaRPr lang="en-US" sz="2000" b="1" i="0" u="none" strike="noStrike">
+                        <a:solidFill>
+                          <a:srgbClr val="000000"/>
+                        </a:solidFill>
+                        <a:effectLst/>
+                        <a:latin typeface="Calibri" panose="020F0502020204030204" pitchFamily="34" charset="0"/>
+                      </a:endParaRPr>
+                    </a:p>
+                  </a:txBody>
+                  <a:tcPr marL="9525" marR="9525" marT="9525" marB="0" anchor="b"/>
+                </a:tc>
+                <a:tc>
+                  <a:txBody>
+                    <a:bodyPr/>
+                    <a:lstStyle/>
+                    <a:p>
+                      <a:pPr algn="ctr" fontAlgn="b"/>
+                      <a:r>
+                        <a:rPr lang="en-US" sz="2000" u="none" strike="noStrike">
+                          <a:effectLst/>
+                        </a:rPr>
+                        <a:t>3</a:t>
+                      </a:r>
+                      <a:endParaRPr lang="en-US" sz="2000" b="0" i="0" u="none" strike="noStrike">
+                        <a:solidFill>
+                          <a:srgbClr val="000000"/>
+                        </a:solidFill>
+                        <a:effectLst/>
+                        <a:latin typeface="Calibri" panose="020F0502020204030204" pitchFamily="34" charset="0"/>
+                      </a:endParaRPr>
+                    </a:p>
+                  </a:txBody>
+                  <a:tcPr marL="9525" marR="9525" marT="9525" marB="0" anchor="b"/>
+                </a:tc>
+                <a:tc>
+                  <a:txBody>
+                    <a:bodyPr/>
+                    <a:lstStyle/>
+                    <a:p>
+                      <a:pPr algn="ctr" fontAlgn="b"/>
+                      <a:r>
+                        <a:rPr lang="en-US" sz="2000" u="none" strike="noStrike">
+                          <a:effectLst/>
+                        </a:rPr>
+                        <a:t>5</a:t>
+                      </a:r>
+                      <a:endParaRPr lang="en-US" sz="2000" b="0" i="0" u="none" strike="noStrike">
+                        <a:solidFill>
+                          <a:srgbClr val="000000"/>
+                        </a:solidFill>
+                        <a:effectLst/>
+                        <a:latin typeface="Calibri" panose="020F0502020204030204" pitchFamily="34" charset="0"/>
+                      </a:endParaRPr>
+                    </a:p>
+                  </a:txBody>
+                  <a:tcPr marL="9525" marR="9525" marT="9525" marB="0" anchor="b"/>
+                </a:tc>
+                <a:tc>
+                  <a:txBody>
+                    <a:bodyPr/>
+                    <a:lstStyle/>
+                    <a:p>
+                      <a:pPr algn="ctr" fontAlgn="b"/>
+                      <a:r>
+                        <a:rPr lang="en-US" sz="2000" u="none" strike="noStrike">
+                          <a:effectLst/>
+                        </a:rPr>
+                        <a:t>2</a:t>
+                      </a:r>
+                      <a:endParaRPr lang="en-US" sz="2000" b="0" i="0" u="none" strike="noStrike">
+                        <a:solidFill>
+                          <a:srgbClr val="000000"/>
+                        </a:solidFill>
+                        <a:effectLst/>
+                        <a:latin typeface="Calibri" panose="020F0502020204030204" pitchFamily="34" charset="0"/>
+                      </a:endParaRPr>
+                    </a:p>
+                  </a:txBody>
+                  <a:tcPr marL="9525" marR="9525" marT="9525" marB="0" anchor="b"/>
+                </a:tc>
+                <a:tc>
+                  <a:txBody>
+                    <a:bodyPr/>
+                    <a:lstStyle/>
+                    <a:p>
+                      <a:pPr algn="ctr" fontAlgn="b"/>
+                      <a:r>
+                        <a:rPr lang="en-US" sz="2000" u="none" strike="noStrike">
+                          <a:effectLst/>
+                        </a:rPr>
+                        <a:t>3</a:t>
+                      </a:r>
+                      <a:endParaRPr lang="en-US" sz="2000" b="0" i="0" u="none" strike="noStrike">
+                        <a:solidFill>
+                          <a:srgbClr val="000000"/>
+                        </a:solidFill>
+                        <a:effectLst/>
+                        <a:latin typeface="Calibri" panose="020F0502020204030204" pitchFamily="34" charset="0"/>
+                      </a:endParaRPr>
+                    </a:p>
+                  </a:txBody>
+                  <a:tcPr marL="9525" marR="9525" marT="9525" marB="0" anchor="b"/>
+                </a:tc>
+                <a:extLst>
+                  <a:ext uri="{0D108BD9-81ED-4DB2-BD59-A6C34878D82A}">
+                    <a16:rowId xmlns:a16="http://schemas.microsoft.com/office/drawing/2014/main" val="851520397"/>
+                  </a:ext>
+                </a:extLst>
+              </a:tr>
+              <a:tr h="363117">
+                <a:tc>
+                  <a:txBody>
+                    <a:bodyPr/>
+                    <a:lstStyle/>
+                    <a:p>
+                      <a:pPr algn="ctr" fontAlgn="b"/>
+                      <a:r>
+                        <a:rPr lang="en-US" sz="2000" u="none" strike="noStrike">
+                          <a:effectLst/>
+                        </a:rPr>
+                        <a:t>Algorithmic Complexity</a:t>
+                      </a:r>
+                      <a:endParaRPr lang="en-US" sz="2000" b="1" i="0" u="none" strike="noStrike">
+                        <a:solidFill>
+                          <a:srgbClr val="000000"/>
+                        </a:solidFill>
+                        <a:effectLst/>
+                        <a:latin typeface="Calibri" panose="020F0502020204030204" pitchFamily="34" charset="0"/>
+                      </a:endParaRPr>
+                    </a:p>
+                  </a:txBody>
+                  <a:tcPr marL="9525" marR="9525" marT="9525" marB="0" anchor="b"/>
+                </a:tc>
+                <a:tc>
+                  <a:txBody>
+                    <a:bodyPr/>
+                    <a:lstStyle/>
+                    <a:p>
+                      <a:pPr algn="ctr" fontAlgn="b"/>
+                      <a:r>
+                        <a:rPr lang="en-US" sz="2000" u="none" strike="noStrike">
+                          <a:effectLst/>
+                        </a:rPr>
+                        <a:t>3</a:t>
+                      </a:r>
+                      <a:endParaRPr lang="en-US" sz="2000" b="1" i="0" u="none" strike="noStrike">
+                        <a:solidFill>
+                          <a:srgbClr val="000000"/>
+                        </a:solidFill>
+                        <a:effectLst/>
+                        <a:latin typeface="Calibri" panose="020F0502020204030204" pitchFamily="34" charset="0"/>
+                      </a:endParaRPr>
+                    </a:p>
+                  </a:txBody>
+                  <a:tcPr marL="9525" marR="9525" marT="9525" marB="0" anchor="b"/>
+                </a:tc>
+                <a:tc>
+                  <a:txBody>
+                    <a:bodyPr/>
+                    <a:lstStyle/>
+                    <a:p>
+                      <a:pPr algn="ctr" fontAlgn="b"/>
+                      <a:r>
+                        <a:rPr lang="en-US" sz="2000" u="none" strike="noStrike">
+                          <a:effectLst/>
+                        </a:rPr>
+                        <a:t>4</a:t>
+                      </a:r>
+                      <a:endParaRPr lang="en-US" sz="2000" b="0" i="0" u="none" strike="noStrike">
+                        <a:solidFill>
+                          <a:srgbClr val="000000"/>
+                        </a:solidFill>
+                        <a:effectLst/>
+                        <a:latin typeface="Calibri" panose="020F0502020204030204" pitchFamily="34" charset="0"/>
+                      </a:endParaRPr>
+                    </a:p>
+                  </a:txBody>
+                  <a:tcPr marL="9525" marR="9525" marT="9525" marB="0" anchor="b"/>
+                </a:tc>
+                <a:tc>
+                  <a:txBody>
+                    <a:bodyPr/>
+                    <a:lstStyle/>
+                    <a:p>
+                      <a:pPr algn="ctr" fontAlgn="b"/>
+                      <a:r>
+                        <a:rPr lang="en-US" sz="2000" u="none" strike="noStrike">
+                          <a:effectLst/>
+                        </a:rPr>
+                        <a:t>5</a:t>
+                      </a:r>
+                      <a:endParaRPr lang="en-US" sz="2000" b="0" i="0" u="none" strike="noStrike">
+                        <a:solidFill>
+                          <a:srgbClr val="000000"/>
+                        </a:solidFill>
+                        <a:effectLst/>
+                        <a:latin typeface="Calibri" panose="020F0502020204030204" pitchFamily="34" charset="0"/>
+                      </a:endParaRPr>
+                    </a:p>
+                  </a:txBody>
+                  <a:tcPr marL="9525" marR="9525" marT="9525" marB="0" anchor="b"/>
+                </a:tc>
+                <a:tc>
+                  <a:txBody>
+                    <a:bodyPr/>
+                    <a:lstStyle/>
+                    <a:p>
+                      <a:pPr algn="ctr" fontAlgn="b"/>
+                      <a:r>
+                        <a:rPr lang="en-US" sz="2000" u="none" strike="noStrike">
+                          <a:effectLst/>
+                        </a:rPr>
+                        <a:t>1</a:t>
+                      </a:r>
+                      <a:endParaRPr lang="en-US" sz="2000" b="0" i="0" u="none" strike="noStrike">
+                        <a:solidFill>
+                          <a:srgbClr val="000000"/>
+                        </a:solidFill>
+                        <a:effectLst/>
+                        <a:latin typeface="Calibri" panose="020F0502020204030204" pitchFamily="34" charset="0"/>
+                      </a:endParaRPr>
+                    </a:p>
+                  </a:txBody>
+                  <a:tcPr marL="9525" marR="9525" marT="9525" marB="0" anchor="b"/>
+                </a:tc>
+                <a:tc>
+                  <a:txBody>
+                    <a:bodyPr/>
+                    <a:lstStyle/>
+                    <a:p>
+                      <a:pPr algn="ctr" fontAlgn="b"/>
+                      <a:r>
+                        <a:rPr lang="en-US" sz="2000" u="none" strike="noStrike">
+                          <a:effectLst/>
+                        </a:rPr>
+                        <a:t>5</a:t>
+                      </a:r>
+                      <a:endParaRPr lang="en-US" sz="2000" b="0" i="0" u="none" strike="noStrike">
+                        <a:solidFill>
+                          <a:srgbClr val="000000"/>
+                        </a:solidFill>
+                        <a:effectLst/>
+                        <a:latin typeface="Calibri" panose="020F0502020204030204" pitchFamily="34" charset="0"/>
+                      </a:endParaRPr>
+                    </a:p>
+                  </a:txBody>
+                  <a:tcPr marL="9525" marR="9525" marT="9525" marB="0" anchor="b"/>
+                </a:tc>
+                <a:extLst>
+                  <a:ext uri="{0D108BD9-81ED-4DB2-BD59-A6C34878D82A}">
+                    <a16:rowId xmlns:a16="http://schemas.microsoft.com/office/drawing/2014/main" val="1604857101"/>
+                  </a:ext>
+                </a:extLst>
+              </a:tr>
+              <a:tr h="657243">
+                <a:tc>
+                  <a:txBody>
+                    <a:bodyPr/>
+                    <a:lstStyle/>
+                    <a:p>
+                      <a:pPr algn="ctr" fontAlgn="b"/>
+                      <a:r>
+                        <a:rPr lang="en-US" sz="2000" u="none" strike="noStrike">
+                          <a:effectLst/>
+                        </a:rPr>
+                        <a:t>Programming Requirements</a:t>
+                      </a:r>
+                      <a:endParaRPr lang="en-US" sz="2000" b="1" i="0" u="none" strike="noStrike">
+                        <a:solidFill>
+                          <a:srgbClr val="000000"/>
+                        </a:solidFill>
+                        <a:effectLst/>
+                        <a:latin typeface="Calibri" panose="020F0502020204030204" pitchFamily="34" charset="0"/>
+                      </a:endParaRPr>
+                    </a:p>
+                  </a:txBody>
+                  <a:tcPr marL="9525" marR="9525" marT="9525" marB="0" anchor="b"/>
+                </a:tc>
+                <a:tc>
+                  <a:txBody>
+                    <a:bodyPr/>
+                    <a:lstStyle/>
+                    <a:p>
+                      <a:pPr algn="ctr" fontAlgn="b"/>
+                      <a:r>
+                        <a:rPr lang="en-US" sz="2000" u="none" strike="noStrike">
+                          <a:effectLst/>
+                        </a:rPr>
+                        <a:t>5</a:t>
+                      </a:r>
+                      <a:endParaRPr lang="en-US" sz="2000" b="1" i="0" u="none" strike="noStrike">
+                        <a:solidFill>
+                          <a:srgbClr val="000000"/>
+                        </a:solidFill>
+                        <a:effectLst/>
+                        <a:latin typeface="Calibri" panose="020F0502020204030204" pitchFamily="34" charset="0"/>
+                      </a:endParaRPr>
+                    </a:p>
+                  </a:txBody>
+                  <a:tcPr marL="9525" marR="9525" marT="9525" marB="0" anchor="b"/>
+                </a:tc>
+                <a:tc>
+                  <a:txBody>
+                    <a:bodyPr/>
+                    <a:lstStyle/>
+                    <a:p>
+                      <a:pPr algn="ctr" fontAlgn="b"/>
+                      <a:r>
+                        <a:rPr lang="en-US" sz="2000" u="none" strike="noStrike">
+                          <a:effectLst/>
+                        </a:rPr>
+                        <a:t>1</a:t>
+                      </a:r>
+                      <a:endParaRPr lang="en-US" sz="2000" b="0" i="0" u="none" strike="noStrike">
+                        <a:solidFill>
+                          <a:srgbClr val="000000"/>
+                        </a:solidFill>
+                        <a:effectLst/>
+                        <a:latin typeface="Calibri" panose="020F0502020204030204" pitchFamily="34" charset="0"/>
+                      </a:endParaRPr>
+                    </a:p>
+                  </a:txBody>
+                  <a:tcPr marL="9525" marR="9525" marT="9525" marB="0" anchor="b"/>
+                </a:tc>
+                <a:tc>
+                  <a:txBody>
+                    <a:bodyPr/>
+                    <a:lstStyle/>
+                    <a:p>
+                      <a:pPr algn="ctr" fontAlgn="b"/>
+                      <a:r>
+                        <a:rPr lang="en-US" sz="2000" u="none" strike="noStrike">
+                          <a:effectLst/>
+                        </a:rPr>
+                        <a:t>4</a:t>
+                      </a:r>
+                      <a:endParaRPr lang="en-US" sz="2000" b="0" i="0" u="none" strike="noStrike">
+                        <a:solidFill>
+                          <a:srgbClr val="000000"/>
+                        </a:solidFill>
+                        <a:effectLst/>
+                        <a:latin typeface="Calibri" panose="020F0502020204030204" pitchFamily="34" charset="0"/>
+                      </a:endParaRPr>
+                    </a:p>
+                  </a:txBody>
+                  <a:tcPr marL="9525" marR="9525" marT="9525" marB="0" anchor="b"/>
+                </a:tc>
+                <a:tc>
+                  <a:txBody>
+                    <a:bodyPr/>
+                    <a:lstStyle/>
+                    <a:p>
+                      <a:pPr algn="ctr" fontAlgn="b"/>
+                      <a:r>
+                        <a:rPr lang="en-US" sz="2000" u="none" strike="noStrike">
+                          <a:effectLst/>
+                        </a:rPr>
+                        <a:t>1</a:t>
+                      </a:r>
+                      <a:endParaRPr lang="en-US" sz="2000" b="0" i="0" u="none" strike="noStrike">
+                        <a:solidFill>
+                          <a:srgbClr val="000000"/>
+                        </a:solidFill>
+                        <a:effectLst/>
+                        <a:latin typeface="Calibri" panose="020F0502020204030204" pitchFamily="34" charset="0"/>
+                      </a:endParaRPr>
+                    </a:p>
+                  </a:txBody>
+                  <a:tcPr marL="9525" marR="9525" marT="9525" marB="0" anchor="b"/>
+                </a:tc>
+                <a:tc>
+                  <a:txBody>
+                    <a:bodyPr/>
+                    <a:lstStyle/>
+                    <a:p>
+                      <a:pPr algn="ctr" fontAlgn="b"/>
+                      <a:r>
+                        <a:rPr lang="en-US" sz="2000" u="none" strike="noStrike">
+                          <a:effectLst/>
+                        </a:rPr>
+                        <a:t>4</a:t>
+                      </a:r>
+                      <a:endParaRPr lang="en-US" sz="2000" b="0" i="0" u="none" strike="noStrike">
+                        <a:solidFill>
+                          <a:srgbClr val="000000"/>
+                        </a:solidFill>
+                        <a:effectLst/>
+                        <a:latin typeface="Calibri" panose="020F0502020204030204" pitchFamily="34" charset="0"/>
+                      </a:endParaRPr>
+                    </a:p>
+                  </a:txBody>
+                  <a:tcPr marL="9525" marR="9525" marT="9525" marB="0" anchor="b"/>
+                </a:tc>
+                <a:extLst>
+                  <a:ext uri="{0D108BD9-81ED-4DB2-BD59-A6C34878D82A}">
+                    <a16:rowId xmlns:a16="http://schemas.microsoft.com/office/drawing/2014/main" val="669612929"/>
+                  </a:ext>
+                </a:extLst>
+              </a:tr>
+              <a:tr h="363117">
+                <a:tc>
+                  <a:txBody>
+                    <a:bodyPr/>
+                    <a:lstStyle/>
+                    <a:p>
+                      <a:pPr algn="ctr" fontAlgn="b"/>
+                      <a:r>
+                        <a:rPr lang="en-US" sz="2000" u="none" strike="noStrike">
+                          <a:effectLst/>
+                        </a:rPr>
+                        <a:t>Time Commitment</a:t>
+                      </a:r>
+                      <a:endParaRPr lang="en-US" sz="2000" b="1" i="0" u="none" strike="noStrike">
+                        <a:solidFill>
+                          <a:srgbClr val="000000"/>
+                        </a:solidFill>
+                        <a:effectLst/>
+                        <a:latin typeface="Calibri" panose="020F0502020204030204" pitchFamily="34" charset="0"/>
+                      </a:endParaRPr>
+                    </a:p>
+                  </a:txBody>
+                  <a:tcPr marL="9525" marR="9525" marT="9525" marB="0" anchor="b"/>
+                </a:tc>
+                <a:tc>
+                  <a:txBody>
+                    <a:bodyPr/>
+                    <a:lstStyle/>
+                    <a:p>
+                      <a:pPr algn="ctr" fontAlgn="b"/>
+                      <a:r>
+                        <a:rPr lang="en-US" sz="2000" u="none" strike="noStrike">
+                          <a:effectLst/>
+                        </a:rPr>
+                        <a:t>2</a:t>
+                      </a:r>
+                      <a:endParaRPr lang="en-US" sz="2000" b="1" i="0" u="none" strike="noStrike">
+                        <a:solidFill>
+                          <a:srgbClr val="000000"/>
+                        </a:solidFill>
+                        <a:effectLst/>
+                        <a:latin typeface="Calibri" panose="020F0502020204030204" pitchFamily="34" charset="0"/>
+                      </a:endParaRPr>
+                    </a:p>
+                  </a:txBody>
+                  <a:tcPr marL="9525" marR="9525" marT="9525" marB="0" anchor="b"/>
+                </a:tc>
+                <a:tc>
+                  <a:txBody>
+                    <a:bodyPr/>
+                    <a:lstStyle/>
+                    <a:p>
+                      <a:pPr algn="ctr" fontAlgn="b"/>
+                      <a:r>
+                        <a:rPr lang="en-US" sz="2000" u="none" strike="noStrike">
+                          <a:effectLst/>
+                        </a:rPr>
+                        <a:t>2</a:t>
+                      </a:r>
+                      <a:endParaRPr lang="en-US" sz="2000" b="0" i="0" u="none" strike="noStrike">
+                        <a:solidFill>
+                          <a:srgbClr val="000000"/>
+                        </a:solidFill>
+                        <a:effectLst/>
+                        <a:latin typeface="Calibri" panose="020F0502020204030204" pitchFamily="34" charset="0"/>
+                      </a:endParaRPr>
+                    </a:p>
+                  </a:txBody>
+                  <a:tcPr marL="9525" marR="9525" marT="9525" marB="0" anchor="b"/>
+                </a:tc>
+                <a:tc>
+                  <a:txBody>
+                    <a:bodyPr/>
+                    <a:lstStyle/>
+                    <a:p>
+                      <a:pPr algn="ctr" fontAlgn="b"/>
+                      <a:r>
+                        <a:rPr lang="en-US" sz="2000" u="none" strike="noStrike">
+                          <a:effectLst/>
+                        </a:rPr>
+                        <a:t>4</a:t>
+                      </a:r>
+                      <a:endParaRPr lang="en-US" sz="2000" b="0" i="0" u="none" strike="noStrike">
+                        <a:solidFill>
+                          <a:srgbClr val="000000"/>
+                        </a:solidFill>
+                        <a:effectLst/>
+                        <a:latin typeface="Calibri" panose="020F0502020204030204" pitchFamily="34" charset="0"/>
+                      </a:endParaRPr>
+                    </a:p>
+                  </a:txBody>
+                  <a:tcPr marL="9525" marR="9525" marT="9525" marB="0" anchor="b"/>
+                </a:tc>
+                <a:tc>
+                  <a:txBody>
+                    <a:bodyPr/>
+                    <a:lstStyle/>
+                    <a:p>
+                      <a:pPr algn="ctr" fontAlgn="b"/>
+                      <a:r>
+                        <a:rPr lang="en-US" sz="2000" u="none" strike="noStrike">
+                          <a:effectLst/>
+                        </a:rPr>
+                        <a:t>1</a:t>
+                      </a:r>
+                      <a:endParaRPr lang="en-US" sz="2000" b="0" i="0" u="none" strike="noStrike">
+                        <a:solidFill>
+                          <a:srgbClr val="000000"/>
+                        </a:solidFill>
+                        <a:effectLst/>
+                        <a:latin typeface="Calibri" panose="020F0502020204030204" pitchFamily="34" charset="0"/>
+                      </a:endParaRPr>
+                    </a:p>
+                  </a:txBody>
+                  <a:tcPr marL="9525" marR="9525" marT="9525" marB="0" anchor="b"/>
+                </a:tc>
+                <a:tc>
+                  <a:txBody>
+                    <a:bodyPr/>
+                    <a:lstStyle/>
+                    <a:p>
+                      <a:pPr algn="ctr" fontAlgn="b"/>
+                      <a:r>
+                        <a:rPr lang="en-US" sz="2000" u="none" strike="noStrike">
+                          <a:effectLst/>
+                        </a:rPr>
+                        <a:t>2</a:t>
+                      </a:r>
+                      <a:endParaRPr lang="en-US" sz="2000" b="0" i="0" u="none" strike="noStrike">
+                        <a:solidFill>
+                          <a:srgbClr val="000000"/>
+                        </a:solidFill>
+                        <a:effectLst/>
+                        <a:latin typeface="Calibri" panose="020F0502020204030204" pitchFamily="34" charset="0"/>
+                      </a:endParaRPr>
+                    </a:p>
+                  </a:txBody>
+                  <a:tcPr marL="9525" marR="9525" marT="9525" marB="0" anchor="b"/>
+                </a:tc>
+                <a:extLst>
+                  <a:ext uri="{0D108BD9-81ED-4DB2-BD59-A6C34878D82A}">
+                    <a16:rowId xmlns:a16="http://schemas.microsoft.com/office/drawing/2014/main" val="3881794510"/>
+                  </a:ext>
+                </a:extLst>
+              </a:tr>
+              <a:tr h="363117">
+                <a:tc>
+                  <a:txBody>
+                    <a:bodyPr/>
+                    <a:lstStyle/>
+                    <a:p>
+                      <a:pPr algn="r" fontAlgn="b"/>
+                      <a:endParaRPr lang="en-US" sz="2000" b="1" i="0" u="none" strike="noStrike">
+                        <a:solidFill>
+                          <a:srgbClr val="000000"/>
+                        </a:solidFill>
+                        <a:effectLst/>
+                        <a:latin typeface="Calibri" panose="020F0502020204030204" pitchFamily="34" charset="0"/>
+                      </a:endParaRPr>
+                    </a:p>
+                  </a:txBody>
+                  <a:tcPr marL="9525" marR="9525" marT="9525" marB="0" anchor="b"/>
+                </a:tc>
+                <a:tc>
+                  <a:txBody>
+                    <a:bodyPr/>
+                    <a:lstStyle/>
+                    <a:p>
+                      <a:pPr algn="r" fontAlgn="b"/>
+                      <a:r>
+                        <a:rPr lang="en-US" sz="2000" u="none" strike="noStrike">
+                          <a:effectLst/>
+                        </a:rPr>
+                        <a:t>Score</a:t>
+                      </a:r>
+                      <a:endParaRPr lang="en-US" sz="2000" b="1" i="0" u="none" strike="noStrike">
+                        <a:solidFill>
+                          <a:srgbClr val="000000"/>
+                        </a:solidFill>
+                        <a:effectLst/>
+                        <a:latin typeface="Calibri" panose="020F0502020204030204" pitchFamily="34" charset="0"/>
+                      </a:endParaRPr>
+                    </a:p>
+                  </a:txBody>
+                  <a:tcPr marL="9525" marR="9525" marT="9525" marB="0" anchor="b"/>
+                </a:tc>
+                <a:tc>
+                  <a:txBody>
+                    <a:bodyPr/>
+                    <a:lstStyle/>
+                    <a:p>
+                      <a:pPr algn="ctr" fontAlgn="b"/>
+                      <a:r>
+                        <a:rPr lang="en-US" sz="2000" u="none" strike="noStrike">
+                          <a:effectLst/>
+                        </a:rPr>
+                        <a:t>42</a:t>
+                      </a:r>
+                      <a:endParaRPr lang="en-US" sz="2000" b="1" i="0" u="none" strike="noStrike">
+                        <a:solidFill>
+                          <a:srgbClr val="000000"/>
+                        </a:solidFill>
+                        <a:effectLst/>
+                        <a:latin typeface="Calibri" panose="020F0502020204030204" pitchFamily="34" charset="0"/>
+                      </a:endParaRPr>
+                    </a:p>
+                  </a:txBody>
+                  <a:tcPr marL="9525" marR="9525" marT="9525" marB="0" anchor="b"/>
+                </a:tc>
+                <a:tc>
+                  <a:txBody>
+                    <a:bodyPr/>
+                    <a:lstStyle/>
+                    <a:p>
+                      <a:pPr algn="ctr" fontAlgn="b"/>
+                      <a:r>
+                        <a:rPr lang="en-US" sz="2000" u="none" strike="noStrike">
+                          <a:effectLst/>
+                        </a:rPr>
+                        <a:t>93</a:t>
+                      </a:r>
+                      <a:endParaRPr lang="en-US" sz="2000" b="1" i="0" u="none" strike="noStrike">
+                        <a:solidFill>
+                          <a:srgbClr val="000000"/>
+                        </a:solidFill>
+                        <a:effectLst/>
+                        <a:latin typeface="Calibri" panose="020F0502020204030204" pitchFamily="34" charset="0"/>
+                      </a:endParaRPr>
+                    </a:p>
+                  </a:txBody>
+                  <a:tcPr marL="9525" marR="9525" marT="9525" marB="0" anchor="b"/>
+                </a:tc>
+                <a:tc>
+                  <a:txBody>
+                    <a:bodyPr/>
+                    <a:lstStyle/>
+                    <a:p>
+                      <a:pPr algn="ctr" fontAlgn="b"/>
+                      <a:r>
+                        <a:rPr lang="en-US" sz="2000" u="none" strike="noStrike">
+                          <a:effectLst/>
+                        </a:rPr>
+                        <a:t>34</a:t>
+                      </a:r>
+                      <a:endParaRPr lang="en-US" sz="2000" b="1" i="0" u="none" strike="noStrike">
+                        <a:solidFill>
+                          <a:srgbClr val="000000"/>
+                        </a:solidFill>
+                        <a:effectLst/>
+                        <a:latin typeface="Calibri" panose="020F0502020204030204" pitchFamily="34" charset="0"/>
+                      </a:endParaRPr>
+                    </a:p>
+                  </a:txBody>
+                  <a:tcPr marL="9525" marR="9525" marT="9525" marB="0" anchor="b"/>
+                </a:tc>
+                <a:tc>
+                  <a:txBody>
+                    <a:bodyPr/>
+                    <a:lstStyle/>
+                    <a:p>
+                      <a:pPr algn="ctr" fontAlgn="b"/>
+                      <a:r>
+                        <a:rPr lang="en-US" sz="2000" u="none" strike="noStrike" dirty="0">
+                          <a:effectLst/>
+                        </a:rPr>
+                        <a:t>91</a:t>
+                      </a:r>
+                      <a:endParaRPr lang="en-US" sz="2000" b="1" i="0" u="none" strike="noStrike" dirty="0">
+                        <a:solidFill>
+                          <a:srgbClr val="000000"/>
+                        </a:solidFill>
+                        <a:effectLst/>
+                        <a:latin typeface="Calibri" panose="020F0502020204030204" pitchFamily="34" charset="0"/>
+                      </a:endParaRPr>
+                    </a:p>
+                  </a:txBody>
+                  <a:tcPr marL="9525" marR="9525" marT="9525" marB="0" anchor="b"/>
+                </a:tc>
+                <a:extLst>
+                  <a:ext uri="{0D108BD9-81ED-4DB2-BD59-A6C34878D82A}">
+                    <a16:rowId xmlns:a16="http://schemas.microsoft.com/office/drawing/2014/main" val="1609049877"/>
+                  </a:ext>
+                </a:extLst>
+              </a:tr>
+            </a:tbl>
+          </a:graphicData>
+        </a:graphic>
+      </p:graphicFrame>
+    </p:spTree>
+    <p:extLst>
+      <p:ext uri="{BB962C8B-B14F-4D97-AF65-F5344CB8AC3E}">
+        <p14:creationId xmlns:p14="http://schemas.microsoft.com/office/powerpoint/2010/main" val="382832918"/>
+      </p:ext>
+    </p:extLst>
+  </p:cSld>
+  <p:clrMapOvr>
+    <a:masterClrMapping/>
+  </p:clrMapOvr>
+  <p:timing>
+    <p:tnLst>
+      <p:par>
+        <p:cTn id="1" dur="indefinite" restart="never" nodeType="tmRoot"/>
+      </p:par>
+    </p:tnLst>
+  </p:timing>
+</p:sld>
+</file>
+
+<file path=ppt/slides/slide7.xml><?xml version="1.0" encoding="utf-8"?>
+<p:sld xmlns:a="http://schemas.openxmlformats.org/drawingml/2006/main" xmlns:r="http://schemas.openxmlformats.org/officeDocument/2006/relationships" xmlns:p="http://schemas.openxmlformats.org/presentationml/2006/main">
+  <p:cSld>
+    <p:spTree>
+      <p:nvGrpSpPr>
+        <p:cNvPr id="1" name=""/>
+        <p:cNvGrpSpPr/>
+        <p:nvPr/>
+      </p:nvGrpSpPr>
+      <p:grpSpPr>
+        <a:xfrm>
+          <a:off x="0" y="0"/>
+          <a:ext cx="0" cy="0"/>
+          <a:chOff x="0" y="0"/>
+          <a:chExt cx="0" cy="0"/>
+        </a:xfrm>
+      </p:grpSpPr>
+      <p:sp>
+        <p:nvSpPr>
+          <p:cNvPr id="4" name="Title 3"/>
+          <p:cNvSpPr>
+            <a:spLocks noGrp="1"/>
+          </p:cNvSpPr>
+          <p:nvPr>
+            <p:ph type="title"/>
+          </p:nvPr>
+        </p:nvSpPr>
+        <p:spPr>
+          <a:xfrm>
+            <a:off x="684213" y="685800"/>
+            <a:ext cx="10058400" cy="645695"/>
+          </a:xfrm>
+        </p:spPr>
+        <p:txBody>
+          <a:bodyPr>
+            <a:noAutofit/>
+          </a:bodyPr>
+          <a:lstStyle/>
+          <a:p>
+            <a:r>
+              <a:rPr lang="en-US" sz="6000" dirty="0" smtClean="0"/>
+              <a:t>Solution</a:t>
+            </a:r>
+            <a:endParaRPr lang="en-US" sz="6000" dirty="0"/>
+          </a:p>
+        </p:txBody>
+      </p:sp>
+      <p:sp>
+        <p:nvSpPr>
+          <p:cNvPr id="7" name="TextBox 6"/>
+          <p:cNvSpPr txBox="1"/>
+          <p:nvPr/>
+        </p:nvSpPr>
+        <p:spPr>
+          <a:xfrm>
+            <a:off x="684213" y="2085473"/>
+            <a:ext cx="10930271" cy="4154984"/>
+          </a:xfrm>
+          <a:prstGeom prst="rect">
+            <a:avLst/>
+          </a:prstGeom>
+          <a:noFill/>
+        </p:spPr>
+        <p:txBody>
+          <a:bodyPr wrap="square" rtlCol="0">
+            <a:spAutoFit/>
+          </a:bodyPr>
+          <a:lstStyle/>
+          <a:p>
+            <a:pPr marL="342900" indent="-342900">
+              <a:buFont typeface="Arial" panose="020B0604020202020204" pitchFamily="34" charset="0"/>
+              <a:buChar char="•"/>
+            </a:pPr>
+            <a:r>
+              <a:rPr lang="en-US" sz="4400" dirty="0" smtClean="0"/>
+              <a:t>Self watering plant system</a:t>
+            </a:r>
+          </a:p>
+          <a:p>
+            <a:pPr marL="800100" lvl="1" indent="-342900">
+              <a:buFont typeface="Arial" panose="020B0604020202020204" pitchFamily="34" charset="0"/>
+              <a:buChar char="•"/>
+            </a:pPr>
+            <a:r>
+              <a:rPr lang="en-US" sz="4400" dirty="0" smtClean="0"/>
+              <a:t>Turns on at night</a:t>
+            </a:r>
+          </a:p>
+          <a:p>
+            <a:pPr marL="800100" lvl="1" indent="-342900">
+              <a:buFont typeface="Arial" panose="020B0604020202020204" pitchFamily="34" charset="0"/>
+              <a:buChar char="•"/>
+            </a:pPr>
+            <a:r>
+              <a:rPr lang="en-US" sz="4400" dirty="0" smtClean="0"/>
+              <a:t>Checks moisture level</a:t>
+            </a:r>
+          </a:p>
+          <a:p>
+            <a:pPr marL="800100" lvl="1" indent="-342900">
+              <a:buFont typeface="Arial" panose="020B0604020202020204" pitchFamily="34" charset="0"/>
+              <a:buChar char="•"/>
+            </a:pPr>
+            <a:r>
+              <a:rPr lang="en-US" sz="4400" dirty="0" smtClean="0"/>
+              <a:t>Waters appropriate amount</a:t>
+            </a:r>
+          </a:p>
+          <a:p>
+            <a:pPr marL="800100" lvl="1" indent="-342900">
+              <a:buFont typeface="Arial" panose="020B0604020202020204" pitchFamily="34" charset="0"/>
+              <a:buChar char="•"/>
+            </a:pPr>
+            <a:r>
+              <a:rPr lang="en-US" sz="4400" dirty="0" smtClean="0"/>
+              <a:t>Logs historical data for more accurate watering</a:t>
+            </a:r>
+          </a:p>
+        </p:txBody>
+      </p:sp>
+    </p:spTree>
+    <p:extLst>
+      <p:ext uri="{BB962C8B-B14F-4D97-AF65-F5344CB8AC3E}">
+        <p14:creationId xmlns:p14="http://schemas.microsoft.com/office/powerpoint/2010/main" val="4015027886"/>
       </p:ext>
     </p:extLst>
   </p:cSld>

--- a/documents/presentation.pptx
+++ b/documents/presentation.pptx
@@ -12,6 +12,14 @@
     <p:sldId id="261" r:id="rId6"/>
     <p:sldId id="262" r:id="rId7"/>
     <p:sldId id="263" r:id="rId8"/>
+    <p:sldId id="264" r:id="rId9"/>
+    <p:sldId id="265" r:id="rId10"/>
+    <p:sldId id="266" r:id="rId11"/>
+    <p:sldId id="267" r:id="rId12"/>
+    <p:sldId id="268" r:id="rId13"/>
+    <p:sldId id="270" r:id="rId14"/>
+    <p:sldId id="271" r:id="rId15"/>
+    <p:sldId id="272" r:id="rId16"/>
   </p:sldIdLst>
   <p:sldSz cx="12192000" cy="6858000"/>
   <p:notesSz cx="6858000" cy="9144000"/>
@@ -5432,6 +5440,42 @@
                   <a:schemeClr val="tx1"/>
                 </a:solidFill>
               </a:rPr>
+              <a:t>Bruno </a:t>
+            </a:r>
+            <a:r>
+              <a:rPr lang="en-US" dirty="0" smtClean="0">
+                <a:solidFill>
+                  <a:schemeClr val="tx1"/>
+                </a:solidFill>
+              </a:rPr>
+              <a:t>Duregon</a:t>
+            </a:r>
+          </a:p>
+          <a:p>
+            <a:r>
+              <a:rPr lang="en-US" dirty="0" smtClean="0">
+                <a:solidFill>
+                  <a:schemeClr val="tx1"/>
+                </a:solidFill>
+              </a:rPr>
+              <a:t>Justin </a:t>
+            </a:r>
+            <a:r>
+              <a:rPr lang="en-US" dirty="0" smtClean="0">
+                <a:solidFill>
+                  <a:schemeClr val="tx1"/>
+                </a:solidFill>
+              </a:rPr>
+              <a:t>Patterson</a:t>
+            </a:r>
+          </a:p>
+          <a:p>
+            <a:r>
+              <a:rPr lang="en-US" dirty="0" smtClean="0">
+                <a:solidFill>
+                  <a:schemeClr val="tx1"/>
+                </a:solidFill>
+              </a:rPr>
               <a:t>Jon </a:t>
             </a:r>
             <a:r>
@@ -5440,33 +5484,13 @@
                   <a:schemeClr val="tx1"/>
                 </a:solidFill>
               </a:rPr>
-              <a:t>Lampman</a:t>
-            </a:r>
-            <a:endParaRPr lang="en-US" dirty="0">
+              <a:t>Lampguy</a:t>
+            </a:r>
+            <a:endParaRPr lang="en-US" dirty="0" smtClean="0">
               <a:solidFill>
                 <a:schemeClr val="tx1"/>
               </a:solidFill>
             </a:endParaRPr>
-          </a:p>
-          <a:p>
-            <a:r>
-              <a:rPr lang="en-US" dirty="0" smtClean="0">
-                <a:solidFill>
-                  <a:schemeClr val="tx1"/>
-                </a:solidFill>
-              </a:rPr>
-              <a:t>Bruno Duregon</a:t>
-            </a:r>
-          </a:p>
-          <a:p>
-            <a:r>
-              <a:rPr lang="en-US" dirty="0" smtClean="0">
-                <a:solidFill>
-                  <a:schemeClr val="tx1"/>
-                </a:solidFill>
-              </a:rPr>
-              <a:t>Justin Patterson</a:t>
-            </a:r>
           </a:p>
           <a:p>
             <a:r>
@@ -5497,6 +5521,6604 @@
     <p:extLst>
       <p:ext uri="{BB962C8B-B14F-4D97-AF65-F5344CB8AC3E}">
         <p14:creationId xmlns:p14="http://schemas.microsoft.com/office/powerpoint/2010/main" val="1595821048"/>
+      </p:ext>
+    </p:extLst>
+  </p:cSld>
+  <p:clrMapOvr>
+    <a:masterClrMapping/>
+  </p:clrMapOvr>
+  <p:timing>
+    <p:tnLst>
+      <p:par>
+        <p:cTn id="1" dur="indefinite" restart="never" nodeType="tmRoot"/>
+      </p:par>
+    </p:tnLst>
+  </p:timing>
+</p:sld>
+</file>
+
+<file path=ppt/slides/slide10.xml><?xml version="1.0" encoding="utf-8"?>
+<p:sld xmlns:a="http://schemas.openxmlformats.org/drawingml/2006/main" xmlns:r="http://schemas.openxmlformats.org/officeDocument/2006/relationships" xmlns:p="http://schemas.openxmlformats.org/presentationml/2006/main">
+  <p:cSld>
+    <p:spTree>
+      <p:nvGrpSpPr>
+        <p:cNvPr id="1" name=""/>
+        <p:cNvGrpSpPr/>
+        <p:nvPr/>
+      </p:nvGrpSpPr>
+      <p:grpSpPr>
+        <a:xfrm>
+          <a:off x="0" y="0"/>
+          <a:ext cx="0" cy="0"/>
+          <a:chOff x="0" y="0"/>
+          <a:chExt cx="0" cy="0"/>
+        </a:xfrm>
+      </p:grpSpPr>
+      <p:sp>
+        <p:nvSpPr>
+          <p:cNvPr id="4" name="Title 3"/>
+          <p:cNvSpPr>
+            <a:spLocks noGrp="1"/>
+          </p:cNvSpPr>
+          <p:nvPr>
+            <p:ph type="title"/>
+          </p:nvPr>
+        </p:nvSpPr>
+        <p:spPr>
+          <a:xfrm>
+            <a:off x="684213" y="685800"/>
+            <a:ext cx="10058400" cy="645695"/>
+          </a:xfrm>
+        </p:spPr>
+        <p:txBody>
+          <a:bodyPr>
+            <a:noAutofit/>
+          </a:bodyPr>
+          <a:lstStyle/>
+          <a:p>
+            <a:r>
+              <a:rPr lang="en-US" sz="6000" dirty="0" smtClean="0"/>
+              <a:t>IP used</a:t>
+            </a:r>
+            <a:endParaRPr lang="en-US" sz="6000" dirty="0"/>
+          </a:p>
+        </p:txBody>
+      </p:sp>
+      <p:sp>
+        <p:nvSpPr>
+          <p:cNvPr id="7" name="TextBox 6"/>
+          <p:cNvSpPr txBox="1"/>
+          <p:nvPr/>
+        </p:nvSpPr>
+        <p:spPr>
+          <a:xfrm>
+            <a:off x="684213" y="2085473"/>
+            <a:ext cx="10930271" cy="3477875"/>
+          </a:xfrm>
+          <a:prstGeom prst="rect">
+            <a:avLst/>
+          </a:prstGeom>
+          <a:noFill/>
+        </p:spPr>
+        <p:txBody>
+          <a:bodyPr wrap="square" rtlCol="0">
+            <a:spAutoFit/>
+          </a:bodyPr>
+          <a:lstStyle/>
+          <a:p>
+            <a:pPr marL="342900" indent="-342900">
+              <a:buFont typeface="Arial" panose="020B0604020202020204" pitchFamily="34" charset="0"/>
+              <a:buChar char="•"/>
+            </a:pPr>
+            <a:r>
+              <a:rPr lang="en-US" sz="4400" dirty="0" smtClean="0"/>
+              <a:t>Eagle</a:t>
+            </a:r>
+          </a:p>
+          <a:p>
+            <a:pPr marL="342900" indent="-342900">
+              <a:buFont typeface="Arial" panose="020B0604020202020204" pitchFamily="34" charset="0"/>
+              <a:buChar char="•"/>
+            </a:pPr>
+            <a:r>
+              <a:rPr lang="en-US" sz="4400" dirty="0" smtClean="0"/>
+              <a:t>LT Spice</a:t>
+            </a:r>
+          </a:p>
+          <a:p>
+            <a:pPr marL="342900" indent="-342900">
+              <a:buFont typeface="Arial" panose="020B0604020202020204" pitchFamily="34" charset="0"/>
+              <a:buChar char="•"/>
+            </a:pPr>
+            <a:r>
+              <a:rPr lang="en-US" sz="4400" dirty="0" smtClean="0"/>
+              <a:t>Microsoft Office</a:t>
+            </a:r>
+          </a:p>
+          <a:p>
+            <a:pPr marL="342900" indent="-342900">
+              <a:buFont typeface="Arial" panose="020B0604020202020204" pitchFamily="34" charset="0"/>
+              <a:buChar char="•"/>
+            </a:pPr>
+            <a:r>
+              <a:rPr lang="en-US" sz="4400" dirty="0" err="1" smtClean="0"/>
+              <a:t>Github</a:t>
+            </a:r>
+            <a:endParaRPr lang="en-US" sz="4400" dirty="0" smtClean="0"/>
+          </a:p>
+          <a:p>
+            <a:pPr marL="342900" indent="-342900">
+              <a:buFont typeface="Arial" panose="020B0604020202020204" pitchFamily="34" charset="0"/>
+              <a:buChar char="•"/>
+            </a:pPr>
+            <a:r>
+              <a:rPr lang="en-US" sz="4400" dirty="0" smtClean="0"/>
+              <a:t>Arduino</a:t>
+            </a:r>
+            <a:endParaRPr lang="en-US" sz="4400" dirty="0"/>
+          </a:p>
+        </p:txBody>
+      </p:sp>
+    </p:spTree>
+    <p:extLst>
+      <p:ext uri="{BB962C8B-B14F-4D97-AF65-F5344CB8AC3E}">
+        <p14:creationId xmlns:p14="http://schemas.microsoft.com/office/powerpoint/2010/main" val="139375834"/>
+      </p:ext>
+    </p:extLst>
+  </p:cSld>
+  <p:clrMapOvr>
+    <a:masterClrMapping/>
+  </p:clrMapOvr>
+  <p:timing>
+    <p:tnLst>
+      <p:par>
+        <p:cTn id="1" dur="indefinite" restart="never" nodeType="tmRoot"/>
+      </p:par>
+    </p:tnLst>
+  </p:timing>
+</p:sld>
+</file>
+
+<file path=ppt/slides/slide11.xml><?xml version="1.0" encoding="utf-8"?>
+<p:sld xmlns:a="http://schemas.openxmlformats.org/drawingml/2006/main" xmlns:r="http://schemas.openxmlformats.org/officeDocument/2006/relationships" xmlns:p="http://schemas.openxmlformats.org/presentationml/2006/main">
+  <p:cSld>
+    <p:spTree>
+      <p:nvGrpSpPr>
+        <p:cNvPr id="1" name=""/>
+        <p:cNvGrpSpPr/>
+        <p:nvPr/>
+      </p:nvGrpSpPr>
+      <p:grpSpPr>
+        <a:xfrm>
+          <a:off x="0" y="0"/>
+          <a:ext cx="0" cy="0"/>
+          <a:chOff x="0" y="0"/>
+          <a:chExt cx="0" cy="0"/>
+        </a:xfrm>
+      </p:grpSpPr>
+      <p:sp>
+        <p:nvSpPr>
+          <p:cNvPr id="4" name="Title 3"/>
+          <p:cNvSpPr>
+            <a:spLocks noGrp="1"/>
+          </p:cNvSpPr>
+          <p:nvPr>
+            <p:ph type="title"/>
+          </p:nvPr>
+        </p:nvSpPr>
+        <p:spPr>
+          <a:xfrm>
+            <a:off x="667587" y="120534"/>
+            <a:ext cx="10058400" cy="645695"/>
+          </a:xfrm>
+        </p:spPr>
+        <p:txBody>
+          <a:bodyPr>
+            <a:noAutofit/>
+          </a:bodyPr>
+          <a:lstStyle/>
+          <a:p>
+            <a:r>
+              <a:rPr lang="en-US" sz="3500" dirty="0" smtClean="0"/>
+              <a:t>Bill of Materials</a:t>
+            </a:r>
+            <a:endParaRPr lang="en-US" sz="3500" dirty="0"/>
+          </a:p>
+        </p:txBody>
+      </p:sp>
+      <p:graphicFrame>
+        <p:nvGraphicFramePr>
+          <p:cNvPr id="2" name="Table 1"/>
+          <p:cNvGraphicFramePr>
+            <a:graphicFrameLocks noGrp="1"/>
+          </p:cNvGraphicFramePr>
+          <p:nvPr>
+            <p:extLst>
+              <p:ext uri="{D42A27DB-BD31-4B8C-83A1-F6EECF244321}">
+                <p14:modId xmlns:p14="http://schemas.microsoft.com/office/powerpoint/2010/main" val="2638268666"/>
+              </p:ext>
+            </p:extLst>
+          </p:nvPr>
+        </p:nvGraphicFramePr>
+        <p:xfrm>
+          <a:off x="581892" y="656049"/>
+          <a:ext cx="11055925" cy="6089224"/>
+        </p:xfrm>
+        <a:graphic>
+          <a:graphicData uri="http://schemas.openxmlformats.org/drawingml/2006/table">
+            <a:tbl>
+              <a:tblPr>
+                <a:tableStyleId>{5C22544A-7EE6-4342-B048-85BDC9FD1C3A}</a:tableStyleId>
+              </a:tblPr>
+              <a:tblGrid>
+                <a:gridCol w="374475">
+                  <a:extLst>
+                    <a:ext uri="{9D8B030D-6E8A-4147-A177-3AD203B41FA5}">
+                      <a16:colId xmlns:a16="http://schemas.microsoft.com/office/drawing/2014/main" val="2107150481"/>
+                    </a:ext>
+                  </a:extLst>
+                </a:gridCol>
+                <a:gridCol w="879718">
+                  <a:extLst>
+                    <a:ext uri="{9D8B030D-6E8A-4147-A177-3AD203B41FA5}">
+                      <a16:colId xmlns:a16="http://schemas.microsoft.com/office/drawing/2014/main" val="1056419000"/>
+                    </a:ext>
+                  </a:extLst>
+                </a:gridCol>
+                <a:gridCol w="374475">
+                  <a:extLst>
+                    <a:ext uri="{9D8B030D-6E8A-4147-A177-3AD203B41FA5}">
+                      <a16:colId xmlns:a16="http://schemas.microsoft.com/office/drawing/2014/main" val="3791295225"/>
+                    </a:ext>
+                  </a:extLst>
+                </a:gridCol>
+                <a:gridCol w="1283914">
+                  <a:extLst>
+                    <a:ext uri="{9D8B030D-6E8A-4147-A177-3AD203B41FA5}">
+                      <a16:colId xmlns:a16="http://schemas.microsoft.com/office/drawing/2014/main" val="3266689937"/>
+                    </a:ext>
+                  </a:extLst>
+                </a:gridCol>
+                <a:gridCol w="1101629">
+                  <a:extLst>
+                    <a:ext uri="{9D8B030D-6E8A-4147-A177-3AD203B41FA5}">
+                      <a16:colId xmlns:a16="http://schemas.microsoft.com/office/drawing/2014/main" val="895799026"/>
+                    </a:ext>
+                  </a:extLst>
+                </a:gridCol>
+                <a:gridCol w="4677962">
+                  <a:extLst>
+                    <a:ext uri="{9D8B030D-6E8A-4147-A177-3AD203B41FA5}">
+                      <a16:colId xmlns:a16="http://schemas.microsoft.com/office/drawing/2014/main" val="448280772"/>
+                    </a:ext>
+                  </a:extLst>
+                </a:gridCol>
+                <a:gridCol w="422026">
+                  <a:extLst>
+                    <a:ext uri="{9D8B030D-6E8A-4147-A177-3AD203B41FA5}">
+                      <a16:colId xmlns:a16="http://schemas.microsoft.com/office/drawing/2014/main" val="4005928042"/>
+                    </a:ext>
+                  </a:extLst>
+                </a:gridCol>
+                <a:gridCol w="1022378">
+                  <a:extLst>
+                    <a:ext uri="{9D8B030D-6E8A-4147-A177-3AD203B41FA5}">
+                      <a16:colId xmlns:a16="http://schemas.microsoft.com/office/drawing/2014/main" val="2806383380"/>
+                    </a:ext>
+                  </a:extLst>
+                </a:gridCol>
+                <a:gridCol w="380419">
+                  <a:extLst>
+                    <a:ext uri="{9D8B030D-6E8A-4147-A177-3AD203B41FA5}">
+                      <a16:colId xmlns:a16="http://schemas.microsoft.com/office/drawing/2014/main" val="1670088822"/>
+                    </a:ext>
+                  </a:extLst>
+                </a:gridCol>
+                <a:gridCol w="538929">
+                  <a:extLst>
+                    <a:ext uri="{9D8B030D-6E8A-4147-A177-3AD203B41FA5}">
+                      <a16:colId xmlns:a16="http://schemas.microsoft.com/office/drawing/2014/main" val="3176299468"/>
+                    </a:ext>
+                  </a:extLst>
+                </a:gridCol>
+              </a:tblGrid>
+              <a:tr h="259701">
+                <a:tc>
+                  <a:txBody>
+                    <a:bodyPr/>
+                    <a:lstStyle/>
+                    <a:p>
+                      <a:pPr algn="l" fontAlgn="b"/>
+                      <a:r>
+                        <a:rPr lang="en-US" sz="900" u="none" strike="noStrike" dirty="0" err="1">
+                          <a:effectLst/>
+                        </a:rPr>
+                        <a:t>Cnt</a:t>
+                      </a:r>
+                      <a:endParaRPr lang="en-US" sz="900" b="1" i="0" u="none" strike="noStrike" dirty="0">
+                        <a:solidFill>
+                          <a:srgbClr val="000000"/>
+                        </a:solidFill>
+                        <a:effectLst/>
+                        <a:latin typeface="Sans"/>
+                      </a:endParaRPr>
+                    </a:p>
+                  </a:txBody>
+                  <a:tcPr marL="3384" marR="3384" marT="3384" marB="0" anchor="b"/>
+                </a:tc>
+                <a:tc>
+                  <a:txBody>
+                    <a:bodyPr/>
+                    <a:lstStyle/>
+                    <a:p>
+                      <a:pPr algn="l" fontAlgn="b"/>
+                      <a:r>
+                        <a:rPr lang="en-US" sz="900" u="none" strike="noStrike">
+                          <a:effectLst/>
+                        </a:rPr>
+                        <a:t>Part References</a:t>
+                      </a:r>
+                      <a:endParaRPr lang="en-US" sz="900" b="1" i="0" u="none" strike="noStrike">
+                        <a:solidFill>
+                          <a:srgbClr val="000000"/>
+                        </a:solidFill>
+                        <a:effectLst/>
+                        <a:latin typeface="Sans"/>
+                      </a:endParaRPr>
+                    </a:p>
+                  </a:txBody>
+                  <a:tcPr marL="3384" marR="3384" marT="3384" marB="0" anchor="b"/>
+                </a:tc>
+                <a:tc>
+                  <a:txBody>
+                    <a:bodyPr/>
+                    <a:lstStyle/>
+                    <a:p>
+                      <a:pPr algn="ctr" fontAlgn="b"/>
+                      <a:r>
+                        <a:rPr lang="en-US" sz="900" u="none" strike="noStrike">
+                          <a:effectLst/>
+                        </a:rPr>
+                        <a:t>P/DNP</a:t>
+                      </a:r>
+                      <a:endParaRPr lang="en-US" sz="900" b="1" i="0" u="none" strike="noStrike">
+                        <a:solidFill>
+                          <a:srgbClr val="000000"/>
+                        </a:solidFill>
+                        <a:effectLst/>
+                        <a:latin typeface="Sans"/>
+                      </a:endParaRPr>
+                    </a:p>
+                  </a:txBody>
+                  <a:tcPr marL="3384" marR="3384" marT="3384" marB="0" anchor="b"/>
+                </a:tc>
+                <a:tc>
+                  <a:txBody>
+                    <a:bodyPr/>
+                    <a:lstStyle/>
+                    <a:p>
+                      <a:pPr algn="l" fontAlgn="b"/>
+                      <a:r>
+                        <a:rPr lang="en-US" sz="900" u="none" strike="noStrike">
+                          <a:effectLst/>
+                        </a:rPr>
+                        <a:t>Mfg</a:t>
+                      </a:r>
+                      <a:endParaRPr lang="en-US" sz="900" b="1" i="0" u="none" strike="noStrike">
+                        <a:solidFill>
+                          <a:srgbClr val="000000"/>
+                        </a:solidFill>
+                        <a:effectLst/>
+                        <a:latin typeface="Sans"/>
+                      </a:endParaRPr>
+                    </a:p>
+                  </a:txBody>
+                  <a:tcPr marL="3384" marR="3384" marT="3384" marB="0" anchor="b"/>
+                </a:tc>
+                <a:tc>
+                  <a:txBody>
+                    <a:bodyPr/>
+                    <a:lstStyle/>
+                    <a:p>
+                      <a:pPr algn="l" fontAlgn="b"/>
+                      <a:r>
+                        <a:rPr lang="en-US" sz="900" u="none" strike="noStrike">
+                          <a:effectLst/>
+                        </a:rPr>
+                        <a:t>Mfg PN</a:t>
+                      </a:r>
+                      <a:endParaRPr lang="en-US" sz="900" b="1" i="0" u="none" strike="noStrike">
+                        <a:solidFill>
+                          <a:srgbClr val="000000"/>
+                        </a:solidFill>
+                        <a:effectLst/>
+                        <a:latin typeface="Sans"/>
+                      </a:endParaRPr>
+                    </a:p>
+                  </a:txBody>
+                  <a:tcPr marL="3384" marR="3384" marT="3384" marB="0" anchor="b"/>
+                </a:tc>
+                <a:tc>
+                  <a:txBody>
+                    <a:bodyPr/>
+                    <a:lstStyle/>
+                    <a:p>
+                      <a:pPr algn="l" fontAlgn="b"/>
+                      <a:r>
+                        <a:rPr lang="en-US" sz="900" u="none" strike="noStrike">
+                          <a:effectLst/>
+                        </a:rPr>
+                        <a:t>Description</a:t>
+                      </a:r>
+                      <a:endParaRPr lang="en-US" sz="900" b="1" i="0" u="none" strike="noStrike">
+                        <a:solidFill>
+                          <a:srgbClr val="000000"/>
+                        </a:solidFill>
+                        <a:effectLst/>
+                        <a:latin typeface="Sans"/>
+                      </a:endParaRPr>
+                    </a:p>
+                  </a:txBody>
+                  <a:tcPr marL="3384" marR="3384" marT="3384" marB="0" anchor="b"/>
+                </a:tc>
+                <a:tc>
+                  <a:txBody>
+                    <a:bodyPr/>
+                    <a:lstStyle/>
+                    <a:p>
+                      <a:pPr algn="l" fontAlgn="b"/>
+                      <a:r>
+                        <a:rPr lang="en-US" sz="900" u="none" strike="noStrike">
+                          <a:effectLst/>
+                        </a:rPr>
+                        <a:t>Distributor</a:t>
+                      </a:r>
+                      <a:endParaRPr lang="en-US" sz="900" b="1" i="0" u="none" strike="noStrike">
+                        <a:solidFill>
+                          <a:srgbClr val="000000"/>
+                        </a:solidFill>
+                        <a:effectLst/>
+                        <a:latin typeface="Sans"/>
+                      </a:endParaRPr>
+                    </a:p>
+                  </a:txBody>
+                  <a:tcPr marL="3384" marR="3384" marT="3384" marB="0" anchor="b"/>
+                </a:tc>
+                <a:tc>
+                  <a:txBody>
+                    <a:bodyPr/>
+                    <a:lstStyle/>
+                    <a:p>
+                      <a:pPr algn="l" fontAlgn="b"/>
+                      <a:r>
+                        <a:rPr lang="en-US" sz="900" u="none" strike="noStrike">
+                          <a:effectLst/>
+                        </a:rPr>
+                        <a:t>Dist. PN</a:t>
+                      </a:r>
+                      <a:endParaRPr lang="en-US" sz="900" b="1" i="0" u="none" strike="noStrike">
+                        <a:solidFill>
+                          <a:srgbClr val="000000"/>
+                        </a:solidFill>
+                        <a:effectLst/>
+                        <a:latin typeface="Sans"/>
+                      </a:endParaRPr>
+                    </a:p>
+                  </a:txBody>
+                  <a:tcPr marL="3384" marR="3384" marT="3384" marB="0" anchor="b"/>
+                </a:tc>
+                <a:tc>
+                  <a:txBody>
+                    <a:bodyPr/>
+                    <a:lstStyle/>
+                    <a:p>
+                      <a:pPr algn="ctr" fontAlgn="b"/>
+                      <a:r>
+                        <a:rPr lang="en-US" sz="900" u="none" strike="noStrike">
+                          <a:effectLst/>
+                        </a:rPr>
+                        <a:t> Cost Ea. </a:t>
+                      </a:r>
+                      <a:endParaRPr lang="en-US" sz="900" b="1" i="0" u="none" strike="noStrike">
+                        <a:solidFill>
+                          <a:srgbClr val="000000"/>
+                        </a:solidFill>
+                        <a:effectLst/>
+                        <a:latin typeface="Sans"/>
+                      </a:endParaRPr>
+                    </a:p>
+                  </a:txBody>
+                  <a:tcPr marL="3384" marR="3384" marT="3384" marB="0" anchor="b"/>
+                </a:tc>
+                <a:tc>
+                  <a:txBody>
+                    <a:bodyPr/>
+                    <a:lstStyle/>
+                    <a:p>
+                      <a:pPr algn="l" fontAlgn="b"/>
+                      <a:r>
+                        <a:rPr lang="en-US" sz="900" u="none" strike="noStrike">
+                          <a:effectLst/>
+                        </a:rPr>
+                        <a:t> Cost Ext. </a:t>
+                      </a:r>
+                      <a:endParaRPr lang="en-US" sz="900" b="1" i="0" u="none" strike="noStrike">
+                        <a:solidFill>
+                          <a:srgbClr val="000000"/>
+                        </a:solidFill>
+                        <a:effectLst/>
+                        <a:latin typeface="Sans"/>
+                      </a:endParaRPr>
+                    </a:p>
+                  </a:txBody>
+                  <a:tcPr marL="3384" marR="3384" marT="3384" marB="0" anchor="b"/>
+                </a:tc>
+                <a:extLst>
+                  <a:ext uri="{0D108BD9-81ED-4DB2-BD59-A6C34878D82A}">
+                    <a16:rowId xmlns:a16="http://schemas.microsoft.com/office/drawing/2014/main" val="814514663"/>
+                  </a:ext>
+                </a:extLst>
+              </a:tr>
+              <a:tr h="259701">
+                <a:tc>
+                  <a:txBody>
+                    <a:bodyPr/>
+                    <a:lstStyle/>
+                    <a:p>
+                      <a:pPr algn="r" fontAlgn="b"/>
+                      <a:r>
+                        <a:rPr lang="en-US" sz="900" u="none" strike="noStrike">
+                          <a:effectLst/>
+                        </a:rPr>
+                        <a:t>1</a:t>
+                      </a:r>
+                      <a:endParaRPr lang="en-US" sz="900" b="0" i="0" u="none" strike="noStrike">
+                        <a:solidFill>
+                          <a:srgbClr val="000000"/>
+                        </a:solidFill>
+                        <a:effectLst/>
+                        <a:latin typeface="Sans"/>
+                      </a:endParaRPr>
+                    </a:p>
+                  </a:txBody>
+                  <a:tcPr marL="3384" marR="3384" marT="3384" marB="0" anchor="b"/>
+                </a:tc>
+                <a:tc>
+                  <a:txBody>
+                    <a:bodyPr/>
+                    <a:lstStyle/>
+                    <a:p>
+                      <a:pPr algn="l" fontAlgn="b"/>
+                      <a:r>
+                        <a:rPr lang="en-US" sz="900" u="none" strike="noStrike">
+                          <a:effectLst/>
+                        </a:rPr>
+                        <a:t>Microcontroller</a:t>
+                      </a:r>
+                      <a:endParaRPr lang="en-US" sz="900" b="0" i="0" u="none" strike="noStrike">
+                        <a:solidFill>
+                          <a:srgbClr val="000000"/>
+                        </a:solidFill>
+                        <a:effectLst/>
+                        <a:latin typeface="Sans"/>
+                      </a:endParaRPr>
+                    </a:p>
+                  </a:txBody>
+                  <a:tcPr marL="3384" marR="3384" marT="3384" marB="0" anchor="b"/>
+                </a:tc>
+                <a:tc>
+                  <a:txBody>
+                    <a:bodyPr/>
+                    <a:lstStyle/>
+                    <a:p>
+                      <a:pPr algn="ctr" fontAlgn="b"/>
+                      <a:r>
+                        <a:rPr lang="en-US" sz="900" u="none" strike="noStrike">
+                          <a:effectLst/>
+                        </a:rPr>
+                        <a:t>P</a:t>
+                      </a:r>
+                      <a:endParaRPr lang="en-US" sz="900" b="0" i="0" u="none" strike="noStrike">
+                        <a:solidFill>
+                          <a:srgbClr val="000000"/>
+                        </a:solidFill>
+                        <a:effectLst/>
+                        <a:latin typeface="Sans"/>
+                      </a:endParaRPr>
+                    </a:p>
+                  </a:txBody>
+                  <a:tcPr marL="3384" marR="3384" marT="3384" marB="0" anchor="b"/>
+                </a:tc>
+                <a:tc>
+                  <a:txBody>
+                    <a:bodyPr/>
+                    <a:lstStyle/>
+                    <a:p>
+                      <a:pPr algn="l" fontAlgn="b"/>
+                      <a:r>
+                        <a:rPr lang="en-US" sz="900" u="none" strike="noStrike">
+                          <a:effectLst/>
+                        </a:rPr>
+                        <a:t>Microchip Technology</a:t>
+                      </a:r>
+                      <a:endParaRPr lang="en-US" sz="900" b="0" i="0" u="none" strike="noStrike">
+                        <a:solidFill>
+                          <a:srgbClr val="000000"/>
+                        </a:solidFill>
+                        <a:effectLst/>
+                        <a:latin typeface="Sans"/>
+                      </a:endParaRPr>
+                    </a:p>
+                  </a:txBody>
+                  <a:tcPr marL="3384" marR="3384" marT="3384" marB="0" anchor="b"/>
+                </a:tc>
+                <a:tc>
+                  <a:txBody>
+                    <a:bodyPr/>
+                    <a:lstStyle/>
+                    <a:p>
+                      <a:pPr algn="l" fontAlgn="b"/>
+                      <a:r>
+                        <a:rPr lang="en-US" sz="900" u="none" strike="noStrike">
+                          <a:effectLst/>
+                        </a:rPr>
+                        <a:t>ATMEGA32U4-AUR</a:t>
+                      </a:r>
+                      <a:endParaRPr lang="en-US" sz="900" b="0" i="0" u="none" strike="noStrike">
+                        <a:solidFill>
+                          <a:srgbClr val="000000"/>
+                        </a:solidFill>
+                        <a:effectLst/>
+                        <a:latin typeface="Sans"/>
+                      </a:endParaRPr>
+                    </a:p>
+                  </a:txBody>
+                  <a:tcPr marL="3384" marR="3384" marT="3384" marB="0" anchor="b"/>
+                </a:tc>
+                <a:tc>
+                  <a:txBody>
+                    <a:bodyPr/>
+                    <a:lstStyle/>
+                    <a:p>
+                      <a:pPr algn="l" fontAlgn="b"/>
+                      <a:r>
+                        <a:rPr lang="en-US" sz="900" u="none" strike="noStrike">
+                          <a:effectLst/>
+                        </a:rPr>
+                        <a:t>AVR AVR® ATmega Microcontroller IC 8-Bit 16MHz 32KB (16K x 16) FLASH 44-TQFP (10x10)</a:t>
+                      </a:r>
+                      <a:endParaRPr lang="en-US" sz="900" b="0" i="0" u="none" strike="noStrike">
+                        <a:solidFill>
+                          <a:srgbClr val="000000"/>
+                        </a:solidFill>
+                        <a:effectLst/>
+                        <a:latin typeface="Sans"/>
+                      </a:endParaRPr>
+                    </a:p>
+                  </a:txBody>
+                  <a:tcPr marL="3384" marR="3384" marT="3384" marB="0" anchor="b"/>
+                </a:tc>
+                <a:tc>
+                  <a:txBody>
+                    <a:bodyPr/>
+                    <a:lstStyle/>
+                    <a:p>
+                      <a:pPr algn="l" fontAlgn="b"/>
+                      <a:r>
+                        <a:rPr lang="en-US" sz="900" u="none" strike="noStrike">
+                          <a:effectLst/>
+                        </a:rPr>
+                        <a:t>Digikey</a:t>
+                      </a:r>
+                      <a:endParaRPr lang="en-US" sz="900" b="0" i="0" u="none" strike="noStrike">
+                        <a:solidFill>
+                          <a:srgbClr val="000000"/>
+                        </a:solidFill>
+                        <a:effectLst/>
+                        <a:latin typeface="Sans"/>
+                      </a:endParaRPr>
+                    </a:p>
+                  </a:txBody>
+                  <a:tcPr marL="3384" marR="3384" marT="3384" marB="0" anchor="b"/>
+                </a:tc>
+                <a:tc>
+                  <a:txBody>
+                    <a:bodyPr/>
+                    <a:lstStyle/>
+                    <a:p>
+                      <a:pPr algn="l" fontAlgn="b"/>
+                      <a:r>
+                        <a:rPr lang="en-US" sz="900" u="none" strike="noStrike">
+                          <a:effectLst/>
+                        </a:rPr>
+                        <a:t>ATMEGA32U4-AURTR-ND</a:t>
+                      </a:r>
+                      <a:endParaRPr lang="en-US" sz="900" b="0" i="0" u="none" strike="noStrike">
+                        <a:solidFill>
+                          <a:srgbClr val="000000"/>
+                        </a:solidFill>
+                        <a:effectLst/>
+                        <a:latin typeface="Sans"/>
+                      </a:endParaRPr>
+                    </a:p>
+                  </a:txBody>
+                  <a:tcPr marL="3384" marR="3384" marT="3384" marB="0" anchor="b"/>
+                </a:tc>
+                <a:tc>
+                  <a:txBody>
+                    <a:bodyPr/>
+                    <a:lstStyle/>
+                    <a:p>
+                      <a:pPr algn="r" fontAlgn="b"/>
+                      <a:r>
+                        <a:rPr lang="en-US" sz="900" u="none" strike="noStrike">
+                          <a:effectLst/>
+                        </a:rPr>
+                        <a:t>3.49</a:t>
+                      </a:r>
+                      <a:endParaRPr lang="en-US" sz="900" b="0" i="0" u="none" strike="noStrike">
+                        <a:solidFill>
+                          <a:srgbClr val="000000"/>
+                        </a:solidFill>
+                        <a:effectLst/>
+                        <a:latin typeface="Sans"/>
+                      </a:endParaRPr>
+                    </a:p>
+                  </a:txBody>
+                  <a:tcPr marL="3384" marR="3384" marT="3384" marB="0" anchor="b"/>
+                </a:tc>
+                <a:tc>
+                  <a:txBody>
+                    <a:bodyPr/>
+                    <a:lstStyle/>
+                    <a:p>
+                      <a:pPr algn="r" fontAlgn="b"/>
+                      <a:r>
+                        <a:rPr lang="en-US" sz="900" u="none" strike="noStrike">
+                          <a:effectLst/>
+                        </a:rPr>
+                        <a:t>3.49</a:t>
+                      </a:r>
+                      <a:endParaRPr lang="en-US" sz="900" b="0" i="0" u="none" strike="noStrike">
+                        <a:solidFill>
+                          <a:srgbClr val="000000"/>
+                        </a:solidFill>
+                        <a:effectLst/>
+                        <a:latin typeface="Sans"/>
+                      </a:endParaRPr>
+                    </a:p>
+                  </a:txBody>
+                  <a:tcPr marL="3384" marR="3384" marT="3384" marB="0" anchor="b"/>
+                </a:tc>
+                <a:extLst>
+                  <a:ext uri="{0D108BD9-81ED-4DB2-BD59-A6C34878D82A}">
+                    <a16:rowId xmlns:a16="http://schemas.microsoft.com/office/drawing/2014/main" val="991610878"/>
+                  </a:ext>
+                </a:extLst>
+              </a:tr>
+              <a:tr h="237502">
+                <a:tc>
+                  <a:txBody>
+                    <a:bodyPr/>
+                    <a:lstStyle/>
+                    <a:p>
+                      <a:pPr algn="r" fontAlgn="b"/>
+                      <a:r>
+                        <a:rPr lang="en-US" sz="900" u="none" strike="noStrike">
+                          <a:effectLst/>
+                        </a:rPr>
+                        <a:t>1</a:t>
+                      </a:r>
+                      <a:endParaRPr lang="en-US" sz="900" b="0" i="0" u="none" strike="noStrike">
+                        <a:solidFill>
+                          <a:srgbClr val="000000"/>
+                        </a:solidFill>
+                        <a:effectLst/>
+                        <a:latin typeface="Sans"/>
+                      </a:endParaRPr>
+                    </a:p>
+                  </a:txBody>
+                  <a:tcPr marL="3384" marR="3384" marT="3384" marB="0" anchor="b"/>
+                </a:tc>
+                <a:tc>
+                  <a:txBody>
+                    <a:bodyPr/>
+                    <a:lstStyle/>
+                    <a:p>
+                      <a:pPr algn="l" fontAlgn="b"/>
+                      <a:r>
+                        <a:rPr lang="en-US" sz="900" u="none" strike="noStrike">
+                          <a:effectLst/>
+                        </a:rPr>
+                        <a:t>REG</a:t>
+                      </a:r>
+                      <a:endParaRPr lang="en-US" sz="900" b="0" i="0" u="none" strike="noStrike">
+                        <a:solidFill>
+                          <a:srgbClr val="000000"/>
+                        </a:solidFill>
+                        <a:effectLst/>
+                        <a:latin typeface="Sans"/>
+                      </a:endParaRPr>
+                    </a:p>
+                  </a:txBody>
+                  <a:tcPr marL="3384" marR="3384" marT="3384" marB="0" anchor="b"/>
+                </a:tc>
+                <a:tc>
+                  <a:txBody>
+                    <a:bodyPr/>
+                    <a:lstStyle/>
+                    <a:p>
+                      <a:pPr algn="ctr" fontAlgn="b"/>
+                      <a:r>
+                        <a:rPr lang="en-US" sz="900" u="none" strike="noStrike">
+                          <a:effectLst/>
+                        </a:rPr>
+                        <a:t>P</a:t>
+                      </a:r>
+                      <a:endParaRPr lang="en-US" sz="900" b="0" i="0" u="none" strike="noStrike">
+                        <a:solidFill>
+                          <a:srgbClr val="000000"/>
+                        </a:solidFill>
+                        <a:effectLst/>
+                        <a:latin typeface="Sans"/>
+                      </a:endParaRPr>
+                    </a:p>
+                  </a:txBody>
+                  <a:tcPr marL="3384" marR="3384" marT="3384" marB="0" anchor="b"/>
+                </a:tc>
+                <a:tc>
+                  <a:txBody>
+                    <a:bodyPr/>
+                    <a:lstStyle/>
+                    <a:p>
+                      <a:pPr algn="l" fontAlgn="b"/>
+                      <a:r>
+                        <a:rPr lang="en-US" sz="900" u="none" strike="noStrike">
+                          <a:effectLst/>
+                        </a:rPr>
+                        <a:t>STMicroelectronics</a:t>
+                      </a:r>
+                      <a:endParaRPr lang="en-US" sz="900" b="0" i="0" u="none" strike="noStrike">
+                        <a:solidFill>
+                          <a:srgbClr val="000000"/>
+                        </a:solidFill>
+                        <a:effectLst/>
+                        <a:latin typeface="Sans"/>
+                      </a:endParaRPr>
+                    </a:p>
+                  </a:txBody>
+                  <a:tcPr marL="3384" marR="3384" marT="3384" marB="0" anchor="b"/>
+                </a:tc>
+                <a:tc>
+                  <a:txBody>
+                    <a:bodyPr/>
+                    <a:lstStyle/>
+                    <a:p>
+                      <a:pPr algn="l" fontAlgn="b"/>
+                      <a:r>
+                        <a:rPr lang="en-US" sz="900" u="none" strike="noStrike">
+                          <a:effectLst/>
+                        </a:rPr>
+                        <a:t>L7805ABD2T-TR</a:t>
+                      </a:r>
+                      <a:endParaRPr lang="en-US" sz="900" b="0" i="0" u="none" strike="noStrike">
+                        <a:solidFill>
+                          <a:srgbClr val="000000"/>
+                        </a:solidFill>
+                        <a:effectLst/>
+                        <a:latin typeface="Sans"/>
+                      </a:endParaRPr>
+                    </a:p>
+                  </a:txBody>
+                  <a:tcPr marL="3384" marR="3384" marT="3384" marB="0" anchor="b"/>
+                </a:tc>
+                <a:tc>
+                  <a:txBody>
+                    <a:bodyPr/>
+                    <a:lstStyle/>
+                    <a:p>
+                      <a:pPr algn="l" fontAlgn="b"/>
+                      <a:r>
+                        <a:rPr lang="en-US" sz="900" u="none" strike="noStrike">
+                          <a:effectLst/>
+                        </a:rPr>
+                        <a:t>Linear Voltage Regulator IC Positive Fixed 1 Output 5V 1.5A D2PAK</a:t>
+                      </a:r>
+                      <a:endParaRPr lang="en-US" sz="900" b="0" i="0" u="none" strike="noStrike">
+                        <a:solidFill>
+                          <a:srgbClr val="000000"/>
+                        </a:solidFill>
+                        <a:effectLst/>
+                        <a:latin typeface="Sans"/>
+                      </a:endParaRPr>
+                    </a:p>
+                  </a:txBody>
+                  <a:tcPr marL="3384" marR="3384" marT="3384" marB="0" anchor="b"/>
+                </a:tc>
+                <a:tc>
+                  <a:txBody>
+                    <a:bodyPr/>
+                    <a:lstStyle/>
+                    <a:p>
+                      <a:pPr algn="l" fontAlgn="b"/>
+                      <a:r>
+                        <a:rPr lang="en-US" sz="900" u="none" strike="noStrike">
+                          <a:effectLst/>
+                        </a:rPr>
+                        <a:t>Digikey</a:t>
+                      </a:r>
+                      <a:endParaRPr lang="en-US" sz="900" b="0" i="0" u="none" strike="noStrike">
+                        <a:solidFill>
+                          <a:srgbClr val="000000"/>
+                        </a:solidFill>
+                        <a:effectLst/>
+                        <a:latin typeface="Sans"/>
+                      </a:endParaRPr>
+                    </a:p>
+                  </a:txBody>
+                  <a:tcPr marL="3384" marR="3384" marT="3384" marB="0" anchor="b"/>
+                </a:tc>
+                <a:tc>
+                  <a:txBody>
+                    <a:bodyPr/>
+                    <a:lstStyle/>
+                    <a:p>
+                      <a:pPr algn="l" fontAlgn="b"/>
+                      <a:r>
+                        <a:rPr lang="en-US" sz="900" u="none" strike="noStrike">
+                          <a:effectLst/>
+                        </a:rPr>
+                        <a:t>497-1170-1-ND</a:t>
+                      </a:r>
+                      <a:endParaRPr lang="en-US" sz="900" b="0" i="0" u="none" strike="noStrike">
+                        <a:solidFill>
+                          <a:srgbClr val="000000"/>
+                        </a:solidFill>
+                        <a:effectLst/>
+                        <a:latin typeface="Sans"/>
+                      </a:endParaRPr>
+                    </a:p>
+                  </a:txBody>
+                  <a:tcPr marL="3384" marR="3384" marT="3384" marB="0" anchor="b"/>
+                </a:tc>
+                <a:tc>
+                  <a:txBody>
+                    <a:bodyPr/>
+                    <a:lstStyle/>
+                    <a:p>
+                      <a:pPr algn="r" fontAlgn="b"/>
+                      <a:r>
+                        <a:rPr lang="en-US" sz="900" u="none" strike="noStrike">
+                          <a:effectLst/>
+                        </a:rPr>
+                        <a:t>0.82</a:t>
+                      </a:r>
+                      <a:endParaRPr lang="en-US" sz="900" b="0" i="0" u="none" strike="noStrike">
+                        <a:solidFill>
+                          <a:srgbClr val="000000"/>
+                        </a:solidFill>
+                        <a:effectLst/>
+                        <a:latin typeface="Sans"/>
+                      </a:endParaRPr>
+                    </a:p>
+                  </a:txBody>
+                  <a:tcPr marL="3384" marR="3384" marT="3384" marB="0" anchor="b"/>
+                </a:tc>
+                <a:tc>
+                  <a:txBody>
+                    <a:bodyPr/>
+                    <a:lstStyle/>
+                    <a:p>
+                      <a:pPr algn="r" fontAlgn="b"/>
+                      <a:r>
+                        <a:rPr lang="en-US" sz="900" u="none" strike="noStrike">
+                          <a:effectLst/>
+                        </a:rPr>
+                        <a:t>0.82</a:t>
+                      </a:r>
+                      <a:endParaRPr lang="en-US" sz="900" b="0" i="0" u="none" strike="noStrike">
+                        <a:solidFill>
+                          <a:srgbClr val="000000"/>
+                        </a:solidFill>
+                        <a:effectLst/>
+                        <a:latin typeface="Sans"/>
+                      </a:endParaRPr>
+                    </a:p>
+                  </a:txBody>
+                  <a:tcPr marL="3384" marR="3384" marT="3384" marB="0" anchor="b"/>
+                </a:tc>
+                <a:extLst>
+                  <a:ext uri="{0D108BD9-81ED-4DB2-BD59-A6C34878D82A}">
+                    <a16:rowId xmlns:a16="http://schemas.microsoft.com/office/drawing/2014/main" val="654832758"/>
+                  </a:ext>
+                </a:extLst>
+              </a:tr>
+              <a:tr h="259701">
+                <a:tc>
+                  <a:txBody>
+                    <a:bodyPr/>
+                    <a:lstStyle/>
+                    <a:p>
+                      <a:pPr algn="r" fontAlgn="b"/>
+                      <a:r>
+                        <a:rPr lang="en-US" sz="900" u="none" strike="noStrike">
+                          <a:effectLst/>
+                        </a:rPr>
+                        <a:t>1</a:t>
+                      </a:r>
+                      <a:endParaRPr lang="en-US" sz="900" b="0" i="0" u="none" strike="noStrike">
+                        <a:solidFill>
+                          <a:srgbClr val="000000"/>
+                        </a:solidFill>
+                        <a:effectLst/>
+                        <a:latin typeface="Sans"/>
+                      </a:endParaRPr>
+                    </a:p>
+                  </a:txBody>
+                  <a:tcPr marL="3384" marR="3384" marT="3384" marB="0" anchor="b"/>
+                </a:tc>
+                <a:tc>
+                  <a:txBody>
+                    <a:bodyPr/>
+                    <a:lstStyle/>
+                    <a:p>
+                      <a:pPr algn="l" fontAlgn="b"/>
+                      <a:r>
+                        <a:rPr lang="en-US" sz="900" u="none" strike="noStrike">
+                          <a:effectLst/>
+                        </a:rPr>
+                        <a:t>Q1</a:t>
+                      </a:r>
+                      <a:endParaRPr lang="en-US" sz="900" b="0" i="0" u="none" strike="noStrike">
+                        <a:solidFill>
+                          <a:srgbClr val="000000"/>
+                        </a:solidFill>
+                        <a:effectLst/>
+                        <a:latin typeface="Sans"/>
+                      </a:endParaRPr>
+                    </a:p>
+                  </a:txBody>
+                  <a:tcPr marL="3384" marR="3384" marT="3384" marB="0" anchor="b"/>
+                </a:tc>
+                <a:tc>
+                  <a:txBody>
+                    <a:bodyPr/>
+                    <a:lstStyle/>
+                    <a:p>
+                      <a:pPr algn="ctr" fontAlgn="b"/>
+                      <a:r>
+                        <a:rPr lang="en-US" sz="900" u="none" strike="noStrike">
+                          <a:effectLst/>
+                        </a:rPr>
+                        <a:t>P</a:t>
+                      </a:r>
+                      <a:endParaRPr lang="en-US" sz="900" b="0" i="0" u="none" strike="noStrike">
+                        <a:solidFill>
+                          <a:srgbClr val="000000"/>
+                        </a:solidFill>
+                        <a:effectLst/>
+                        <a:latin typeface="Sans"/>
+                      </a:endParaRPr>
+                    </a:p>
+                  </a:txBody>
+                  <a:tcPr marL="3384" marR="3384" marT="3384" marB="0" anchor="b"/>
+                </a:tc>
+                <a:tc>
+                  <a:txBody>
+                    <a:bodyPr/>
+                    <a:lstStyle/>
+                    <a:p>
+                      <a:pPr algn="l" fontAlgn="b"/>
+                      <a:r>
+                        <a:rPr lang="en-US" sz="900" u="none" strike="noStrike">
+                          <a:effectLst/>
+                        </a:rPr>
+                        <a:t>Diodes Incorporated</a:t>
+                      </a:r>
+                      <a:endParaRPr lang="en-US" sz="900" b="0" i="0" u="none" strike="noStrike">
+                        <a:solidFill>
+                          <a:srgbClr val="000000"/>
+                        </a:solidFill>
+                        <a:effectLst/>
+                        <a:latin typeface="Sans"/>
+                      </a:endParaRPr>
+                    </a:p>
+                  </a:txBody>
+                  <a:tcPr marL="3384" marR="3384" marT="3384" marB="0" anchor="b"/>
+                </a:tc>
+                <a:tc>
+                  <a:txBody>
+                    <a:bodyPr/>
+                    <a:lstStyle/>
+                    <a:p>
+                      <a:pPr algn="l" fontAlgn="b"/>
+                      <a:r>
+                        <a:rPr lang="en-US" sz="900" u="none" strike="noStrike">
+                          <a:effectLst/>
+                        </a:rPr>
+                        <a:t>DMG3406L-7</a:t>
+                      </a:r>
+                      <a:endParaRPr lang="en-US" sz="900" b="0" i="0" u="none" strike="noStrike">
+                        <a:solidFill>
+                          <a:srgbClr val="000000"/>
+                        </a:solidFill>
+                        <a:effectLst/>
+                        <a:latin typeface="Sans"/>
+                      </a:endParaRPr>
+                    </a:p>
+                  </a:txBody>
+                  <a:tcPr marL="3384" marR="3384" marT="3384" marB="0" anchor="b"/>
+                </a:tc>
+                <a:tc>
+                  <a:txBody>
+                    <a:bodyPr/>
+                    <a:lstStyle/>
+                    <a:p>
+                      <a:pPr algn="l" fontAlgn="b"/>
+                      <a:r>
+                        <a:rPr lang="fr-FR" sz="900" u="none" strike="noStrike">
+                          <a:effectLst/>
+                        </a:rPr>
+                        <a:t>N-Channel 30V 3.6A (Ta) 770mW (Ta) Surface Mount SOT-23</a:t>
+                      </a:r>
+                      <a:endParaRPr lang="fr-FR" sz="900" b="0" i="0" u="none" strike="noStrike">
+                        <a:solidFill>
+                          <a:srgbClr val="000000"/>
+                        </a:solidFill>
+                        <a:effectLst/>
+                        <a:latin typeface="Sans"/>
+                      </a:endParaRPr>
+                    </a:p>
+                  </a:txBody>
+                  <a:tcPr marL="3384" marR="3384" marT="3384" marB="0" anchor="b"/>
+                </a:tc>
+                <a:tc>
+                  <a:txBody>
+                    <a:bodyPr/>
+                    <a:lstStyle/>
+                    <a:p>
+                      <a:pPr algn="l" fontAlgn="b"/>
+                      <a:r>
+                        <a:rPr lang="en-US" sz="900" u="none" strike="noStrike">
+                          <a:effectLst/>
+                        </a:rPr>
+                        <a:t>Digikey</a:t>
+                      </a:r>
+                      <a:endParaRPr lang="en-US" sz="900" b="0" i="0" u="none" strike="noStrike">
+                        <a:solidFill>
+                          <a:srgbClr val="000000"/>
+                        </a:solidFill>
+                        <a:effectLst/>
+                        <a:latin typeface="Sans"/>
+                      </a:endParaRPr>
+                    </a:p>
+                  </a:txBody>
+                  <a:tcPr marL="3384" marR="3384" marT="3384" marB="0" anchor="b"/>
+                </a:tc>
+                <a:tc>
+                  <a:txBody>
+                    <a:bodyPr/>
+                    <a:lstStyle/>
+                    <a:p>
+                      <a:pPr algn="l" fontAlgn="b"/>
+                      <a:r>
+                        <a:rPr lang="en-US" sz="900" u="none" strike="noStrike">
+                          <a:effectLst/>
+                        </a:rPr>
+                        <a:t>DMG3406L-7DICT-ND</a:t>
+                      </a:r>
+                      <a:endParaRPr lang="en-US" sz="900" b="0" i="0" u="none" strike="noStrike">
+                        <a:solidFill>
+                          <a:srgbClr val="000000"/>
+                        </a:solidFill>
+                        <a:effectLst/>
+                        <a:latin typeface="Sans"/>
+                      </a:endParaRPr>
+                    </a:p>
+                  </a:txBody>
+                  <a:tcPr marL="3384" marR="3384" marT="3384" marB="0" anchor="b"/>
+                </a:tc>
+                <a:tc>
+                  <a:txBody>
+                    <a:bodyPr/>
+                    <a:lstStyle/>
+                    <a:p>
+                      <a:pPr algn="r" fontAlgn="b"/>
+                      <a:r>
+                        <a:rPr lang="en-US" sz="900" u="none" strike="noStrike">
+                          <a:effectLst/>
+                        </a:rPr>
+                        <a:t>0.53</a:t>
+                      </a:r>
+                      <a:endParaRPr lang="en-US" sz="900" b="0" i="0" u="none" strike="noStrike">
+                        <a:solidFill>
+                          <a:srgbClr val="000000"/>
+                        </a:solidFill>
+                        <a:effectLst/>
+                        <a:latin typeface="Sans"/>
+                      </a:endParaRPr>
+                    </a:p>
+                  </a:txBody>
+                  <a:tcPr marL="3384" marR="3384" marT="3384" marB="0" anchor="b"/>
+                </a:tc>
+                <a:tc>
+                  <a:txBody>
+                    <a:bodyPr/>
+                    <a:lstStyle/>
+                    <a:p>
+                      <a:pPr algn="r" fontAlgn="b"/>
+                      <a:r>
+                        <a:rPr lang="en-US" sz="900" u="none" strike="noStrike">
+                          <a:effectLst/>
+                        </a:rPr>
+                        <a:t>0.53</a:t>
+                      </a:r>
+                      <a:endParaRPr lang="en-US" sz="900" b="0" i="0" u="none" strike="noStrike">
+                        <a:solidFill>
+                          <a:srgbClr val="000000"/>
+                        </a:solidFill>
+                        <a:effectLst/>
+                        <a:latin typeface="Sans"/>
+                      </a:endParaRPr>
+                    </a:p>
+                  </a:txBody>
+                  <a:tcPr marL="3384" marR="3384" marT="3384" marB="0" anchor="b"/>
+                </a:tc>
+                <a:extLst>
+                  <a:ext uri="{0D108BD9-81ED-4DB2-BD59-A6C34878D82A}">
+                    <a16:rowId xmlns:a16="http://schemas.microsoft.com/office/drawing/2014/main" val="3290111606"/>
+                  </a:ext>
+                </a:extLst>
+              </a:tr>
+              <a:tr h="259701">
+                <a:tc>
+                  <a:txBody>
+                    <a:bodyPr/>
+                    <a:lstStyle/>
+                    <a:p>
+                      <a:pPr algn="r" fontAlgn="b"/>
+                      <a:r>
+                        <a:rPr lang="en-US" sz="900" u="none" strike="noStrike">
+                          <a:effectLst/>
+                        </a:rPr>
+                        <a:t>2</a:t>
+                      </a:r>
+                      <a:endParaRPr lang="en-US" sz="900" b="0" i="0" u="none" strike="noStrike">
+                        <a:solidFill>
+                          <a:srgbClr val="000000"/>
+                        </a:solidFill>
+                        <a:effectLst/>
+                        <a:latin typeface="Sans"/>
+                      </a:endParaRPr>
+                    </a:p>
+                  </a:txBody>
+                  <a:tcPr marL="3384" marR="3384" marT="3384" marB="0" anchor="b"/>
+                </a:tc>
+                <a:tc>
+                  <a:txBody>
+                    <a:bodyPr/>
+                    <a:lstStyle/>
+                    <a:p>
+                      <a:pPr algn="l" fontAlgn="b"/>
+                      <a:r>
+                        <a:rPr lang="en-US" sz="900" u="none" strike="noStrike">
+                          <a:effectLst/>
+                        </a:rPr>
+                        <a:t>R1</a:t>
+                      </a:r>
+                      <a:endParaRPr lang="en-US" sz="900" b="0" i="0" u="none" strike="noStrike">
+                        <a:solidFill>
+                          <a:srgbClr val="000000"/>
+                        </a:solidFill>
+                        <a:effectLst/>
+                        <a:latin typeface="Sans"/>
+                      </a:endParaRPr>
+                    </a:p>
+                  </a:txBody>
+                  <a:tcPr marL="3384" marR="3384" marT="3384" marB="0" anchor="b"/>
+                </a:tc>
+                <a:tc>
+                  <a:txBody>
+                    <a:bodyPr/>
+                    <a:lstStyle/>
+                    <a:p>
+                      <a:pPr algn="ctr" fontAlgn="b"/>
+                      <a:r>
+                        <a:rPr lang="en-US" sz="900" u="none" strike="noStrike">
+                          <a:effectLst/>
+                        </a:rPr>
+                        <a:t>P</a:t>
+                      </a:r>
+                      <a:endParaRPr lang="en-US" sz="900" b="0" i="0" u="none" strike="noStrike">
+                        <a:solidFill>
+                          <a:srgbClr val="000000"/>
+                        </a:solidFill>
+                        <a:effectLst/>
+                        <a:latin typeface="Sans"/>
+                      </a:endParaRPr>
+                    </a:p>
+                  </a:txBody>
+                  <a:tcPr marL="3384" marR="3384" marT="3384" marB="0" anchor="b"/>
+                </a:tc>
+                <a:tc>
+                  <a:txBody>
+                    <a:bodyPr/>
+                    <a:lstStyle/>
+                    <a:p>
+                      <a:pPr algn="l" fontAlgn="b"/>
+                      <a:r>
+                        <a:rPr lang="en-US" sz="900" u="none" strike="noStrike">
+                          <a:effectLst/>
+                        </a:rPr>
+                        <a:t>TE Connectivity Passive Product</a:t>
+                      </a:r>
+                      <a:endParaRPr lang="en-US" sz="900" b="0" i="0" u="none" strike="noStrike">
+                        <a:solidFill>
+                          <a:srgbClr val="000000"/>
+                        </a:solidFill>
+                        <a:effectLst/>
+                        <a:latin typeface="Sans"/>
+                      </a:endParaRPr>
+                    </a:p>
+                  </a:txBody>
+                  <a:tcPr marL="3384" marR="3384" marT="3384" marB="0" anchor="b"/>
+                </a:tc>
+                <a:tc>
+                  <a:txBody>
+                    <a:bodyPr/>
+                    <a:lstStyle/>
+                    <a:p>
+                      <a:pPr algn="l" fontAlgn="b"/>
+                      <a:r>
+                        <a:rPr lang="en-US" sz="900" u="none" strike="noStrike">
+                          <a:effectLst/>
+                        </a:rPr>
+                        <a:t>CRGP0805F10K</a:t>
+                      </a:r>
+                      <a:endParaRPr lang="en-US" sz="900" b="0" i="0" u="none" strike="noStrike">
+                        <a:solidFill>
+                          <a:srgbClr val="000000"/>
+                        </a:solidFill>
+                        <a:effectLst/>
+                        <a:latin typeface="Sans"/>
+                      </a:endParaRPr>
+                    </a:p>
+                  </a:txBody>
+                  <a:tcPr marL="3384" marR="3384" marT="3384" marB="0" anchor="b"/>
+                </a:tc>
+                <a:tc>
+                  <a:txBody>
+                    <a:bodyPr/>
+                    <a:lstStyle/>
+                    <a:p>
+                      <a:pPr algn="l" fontAlgn="b"/>
+                      <a:r>
+                        <a:rPr lang="en-US" sz="900" u="none" strike="noStrike">
+                          <a:effectLst/>
+                        </a:rPr>
+                        <a:t>10 kOhms ±1% 0.333W, 1/3W Chip Resistor 0805 (2012 Metric) Pulse Withstanding Thick Film</a:t>
+                      </a:r>
+                      <a:endParaRPr lang="en-US" sz="900" b="0" i="0" u="none" strike="noStrike">
+                        <a:solidFill>
+                          <a:srgbClr val="000000"/>
+                        </a:solidFill>
+                        <a:effectLst/>
+                        <a:latin typeface="Sans"/>
+                      </a:endParaRPr>
+                    </a:p>
+                  </a:txBody>
+                  <a:tcPr marL="3384" marR="3384" marT="3384" marB="0" anchor="b"/>
+                </a:tc>
+                <a:tc>
+                  <a:txBody>
+                    <a:bodyPr/>
+                    <a:lstStyle/>
+                    <a:p>
+                      <a:pPr algn="l" fontAlgn="b"/>
+                      <a:r>
+                        <a:rPr lang="en-US" sz="900" u="none" strike="noStrike">
+                          <a:effectLst/>
+                        </a:rPr>
+                        <a:t>Digikey</a:t>
+                      </a:r>
+                      <a:endParaRPr lang="en-US" sz="900" b="0" i="0" u="none" strike="noStrike">
+                        <a:solidFill>
+                          <a:srgbClr val="000000"/>
+                        </a:solidFill>
+                        <a:effectLst/>
+                        <a:latin typeface="Sans"/>
+                      </a:endParaRPr>
+                    </a:p>
+                  </a:txBody>
+                  <a:tcPr marL="3384" marR="3384" marT="3384" marB="0" anchor="b"/>
+                </a:tc>
+                <a:tc>
+                  <a:txBody>
+                    <a:bodyPr/>
+                    <a:lstStyle/>
+                    <a:p>
+                      <a:pPr algn="l" fontAlgn="ctr"/>
+                      <a:r>
+                        <a:rPr lang="en-US" sz="900" u="none" strike="noStrike">
+                          <a:effectLst/>
+                        </a:rPr>
+                        <a:t>A130489TR-ND</a:t>
+                      </a:r>
+                      <a:endParaRPr lang="en-US" sz="900" b="0" i="0" u="none" strike="noStrike">
+                        <a:solidFill>
+                          <a:srgbClr val="000000"/>
+                        </a:solidFill>
+                        <a:effectLst/>
+                        <a:latin typeface="Sans"/>
+                      </a:endParaRPr>
+                    </a:p>
+                  </a:txBody>
+                  <a:tcPr marL="3384" marR="3384" marT="3384" marB="0" anchor="ctr"/>
+                </a:tc>
+                <a:tc>
+                  <a:txBody>
+                    <a:bodyPr/>
+                    <a:lstStyle/>
+                    <a:p>
+                      <a:pPr algn="r" fontAlgn="b"/>
+                      <a:r>
+                        <a:rPr lang="en-US" sz="900" u="none" strike="noStrike">
+                          <a:effectLst/>
+                        </a:rPr>
+                        <a:t>0.02397</a:t>
+                      </a:r>
+                      <a:endParaRPr lang="en-US" sz="900" b="0" i="0" u="none" strike="noStrike">
+                        <a:solidFill>
+                          <a:srgbClr val="000000"/>
+                        </a:solidFill>
+                        <a:effectLst/>
+                        <a:latin typeface="Sans"/>
+                      </a:endParaRPr>
+                    </a:p>
+                  </a:txBody>
+                  <a:tcPr marL="3384" marR="3384" marT="3384" marB="0" anchor="b"/>
+                </a:tc>
+                <a:tc>
+                  <a:txBody>
+                    <a:bodyPr/>
+                    <a:lstStyle/>
+                    <a:p>
+                      <a:pPr algn="r" fontAlgn="b"/>
+                      <a:r>
+                        <a:rPr lang="en-US" sz="900" u="none" strike="noStrike">
+                          <a:effectLst/>
+                        </a:rPr>
+                        <a:t>0.04794</a:t>
+                      </a:r>
+                      <a:endParaRPr lang="en-US" sz="900" b="0" i="0" u="none" strike="noStrike">
+                        <a:solidFill>
+                          <a:srgbClr val="000000"/>
+                        </a:solidFill>
+                        <a:effectLst/>
+                        <a:latin typeface="Sans"/>
+                      </a:endParaRPr>
+                    </a:p>
+                  </a:txBody>
+                  <a:tcPr marL="3384" marR="3384" marT="3384" marB="0" anchor="b"/>
+                </a:tc>
+                <a:extLst>
+                  <a:ext uri="{0D108BD9-81ED-4DB2-BD59-A6C34878D82A}">
+                    <a16:rowId xmlns:a16="http://schemas.microsoft.com/office/drawing/2014/main" val="780321875"/>
+                  </a:ext>
+                </a:extLst>
+              </a:tr>
+              <a:tr h="259701">
+                <a:tc>
+                  <a:txBody>
+                    <a:bodyPr/>
+                    <a:lstStyle/>
+                    <a:p>
+                      <a:pPr algn="r" fontAlgn="b"/>
+                      <a:r>
+                        <a:rPr lang="en-US" sz="900" u="none" strike="noStrike">
+                          <a:effectLst/>
+                        </a:rPr>
+                        <a:t>1</a:t>
+                      </a:r>
+                      <a:endParaRPr lang="en-US" sz="900" b="0" i="0" u="none" strike="noStrike">
+                        <a:solidFill>
+                          <a:srgbClr val="000000"/>
+                        </a:solidFill>
+                        <a:effectLst/>
+                        <a:latin typeface="Sans"/>
+                      </a:endParaRPr>
+                    </a:p>
+                  </a:txBody>
+                  <a:tcPr marL="3384" marR="3384" marT="3384" marB="0" anchor="b"/>
+                </a:tc>
+                <a:tc>
+                  <a:txBody>
+                    <a:bodyPr/>
+                    <a:lstStyle/>
+                    <a:p>
+                      <a:pPr algn="l" fontAlgn="b"/>
+                      <a:r>
+                        <a:rPr lang="en-US" sz="900" u="none" strike="noStrike">
+                          <a:effectLst/>
+                        </a:rPr>
+                        <a:t>R2</a:t>
+                      </a:r>
+                      <a:endParaRPr lang="en-US" sz="900" b="0" i="0" u="none" strike="noStrike">
+                        <a:solidFill>
+                          <a:srgbClr val="000000"/>
+                        </a:solidFill>
+                        <a:effectLst/>
+                        <a:latin typeface="Sans"/>
+                      </a:endParaRPr>
+                    </a:p>
+                  </a:txBody>
+                  <a:tcPr marL="3384" marR="3384" marT="3384" marB="0" anchor="b"/>
+                </a:tc>
+                <a:tc>
+                  <a:txBody>
+                    <a:bodyPr/>
+                    <a:lstStyle/>
+                    <a:p>
+                      <a:pPr algn="ctr" fontAlgn="b"/>
+                      <a:r>
+                        <a:rPr lang="en-US" sz="900" u="none" strike="noStrike">
+                          <a:effectLst/>
+                        </a:rPr>
+                        <a:t>P</a:t>
+                      </a:r>
+                      <a:endParaRPr lang="en-US" sz="900" b="0" i="0" u="none" strike="noStrike">
+                        <a:solidFill>
+                          <a:srgbClr val="000000"/>
+                        </a:solidFill>
+                        <a:effectLst/>
+                        <a:latin typeface="Sans"/>
+                      </a:endParaRPr>
+                    </a:p>
+                  </a:txBody>
+                  <a:tcPr marL="3384" marR="3384" marT="3384" marB="0" anchor="b"/>
+                </a:tc>
+                <a:tc>
+                  <a:txBody>
+                    <a:bodyPr/>
+                    <a:lstStyle/>
+                    <a:p>
+                      <a:pPr algn="l" fontAlgn="b"/>
+                      <a:r>
+                        <a:rPr lang="en-US" sz="900" u="none" strike="noStrike">
+                          <a:effectLst/>
+                        </a:rPr>
+                        <a:t>TE Connectivity Passive Product</a:t>
+                      </a:r>
+                      <a:endParaRPr lang="en-US" sz="900" b="0" i="0" u="none" strike="noStrike">
+                        <a:solidFill>
+                          <a:srgbClr val="000000"/>
+                        </a:solidFill>
+                        <a:effectLst/>
+                        <a:latin typeface="Sans"/>
+                      </a:endParaRPr>
+                    </a:p>
+                  </a:txBody>
+                  <a:tcPr marL="3384" marR="3384" marT="3384" marB="0" anchor="b"/>
+                </a:tc>
+                <a:tc>
+                  <a:txBody>
+                    <a:bodyPr/>
+                    <a:lstStyle/>
+                    <a:p>
+                      <a:pPr algn="l" fontAlgn="b"/>
+                      <a:r>
+                        <a:rPr lang="en-US" sz="900" u="none" strike="noStrike">
+                          <a:effectLst/>
+                        </a:rPr>
+                        <a:t>CRGP0805F100K</a:t>
+                      </a:r>
+                      <a:endParaRPr lang="en-US" sz="900" b="0" i="0" u="none" strike="noStrike">
+                        <a:solidFill>
+                          <a:srgbClr val="000000"/>
+                        </a:solidFill>
+                        <a:effectLst/>
+                        <a:latin typeface="Sans"/>
+                      </a:endParaRPr>
+                    </a:p>
+                  </a:txBody>
+                  <a:tcPr marL="3384" marR="3384" marT="3384" marB="0" anchor="b"/>
+                </a:tc>
+                <a:tc>
+                  <a:txBody>
+                    <a:bodyPr/>
+                    <a:lstStyle/>
+                    <a:p>
+                      <a:pPr algn="l" fontAlgn="b"/>
+                      <a:r>
+                        <a:rPr lang="en-US" sz="900" u="none" strike="noStrike">
+                          <a:effectLst/>
+                        </a:rPr>
+                        <a:t>100 kOhms ±1% 0.333W, 1/3W Chip Resistor 0805 (2012 Metric) Pulse Withstanding Thick Film</a:t>
+                      </a:r>
+                      <a:endParaRPr lang="en-US" sz="900" b="0" i="0" u="none" strike="noStrike">
+                        <a:solidFill>
+                          <a:srgbClr val="000000"/>
+                        </a:solidFill>
+                        <a:effectLst/>
+                        <a:latin typeface="Sans"/>
+                      </a:endParaRPr>
+                    </a:p>
+                  </a:txBody>
+                  <a:tcPr marL="3384" marR="3384" marT="3384" marB="0" anchor="b"/>
+                </a:tc>
+                <a:tc>
+                  <a:txBody>
+                    <a:bodyPr/>
+                    <a:lstStyle/>
+                    <a:p>
+                      <a:pPr algn="l" fontAlgn="b"/>
+                      <a:r>
+                        <a:rPr lang="en-US" sz="900" u="none" strike="noStrike">
+                          <a:effectLst/>
+                        </a:rPr>
+                        <a:t>Digikey</a:t>
+                      </a:r>
+                      <a:endParaRPr lang="en-US" sz="900" b="0" i="0" u="none" strike="noStrike">
+                        <a:solidFill>
+                          <a:srgbClr val="000000"/>
+                        </a:solidFill>
+                        <a:effectLst/>
+                        <a:latin typeface="Sans"/>
+                      </a:endParaRPr>
+                    </a:p>
+                  </a:txBody>
+                  <a:tcPr marL="3384" marR="3384" marT="3384" marB="0" anchor="b"/>
+                </a:tc>
+                <a:tc>
+                  <a:txBody>
+                    <a:bodyPr/>
+                    <a:lstStyle/>
+                    <a:p>
+                      <a:pPr algn="l" fontAlgn="b"/>
+                      <a:r>
+                        <a:rPr lang="en-US" sz="900" u="none" strike="noStrike">
+                          <a:effectLst/>
+                        </a:rPr>
+                        <a:t>A130501TR-ND</a:t>
+                      </a:r>
+                      <a:endParaRPr lang="en-US" sz="900" b="0" i="0" u="none" strike="noStrike">
+                        <a:solidFill>
+                          <a:srgbClr val="000000"/>
+                        </a:solidFill>
+                        <a:effectLst/>
+                        <a:latin typeface="Sans"/>
+                      </a:endParaRPr>
+                    </a:p>
+                  </a:txBody>
+                  <a:tcPr marL="3384" marR="3384" marT="3384" marB="0" anchor="b"/>
+                </a:tc>
+                <a:tc>
+                  <a:txBody>
+                    <a:bodyPr/>
+                    <a:lstStyle/>
+                    <a:p>
+                      <a:pPr algn="r" fontAlgn="b"/>
+                      <a:r>
+                        <a:rPr lang="en-US" sz="900" u="none" strike="noStrike">
+                          <a:effectLst/>
+                        </a:rPr>
+                        <a:t>0.02397</a:t>
+                      </a:r>
+                      <a:endParaRPr lang="en-US" sz="900" b="0" i="0" u="none" strike="noStrike">
+                        <a:solidFill>
+                          <a:srgbClr val="000000"/>
+                        </a:solidFill>
+                        <a:effectLst/>
+                        <a:latin typeface="Sans"/>
+                      </a:endParaRPr>
+                    </a:p>
+                  </a:txBody>
+                  <a:tcPr marL="3384" marR="3384" marT="3384" marB="0" anchor="b"/>
+                </a:tc>
+                <a:tc>
+                  <a:txBody>
+                    <a:bodyPr/>
+                    <a:lstStyle/>
+                    <a:p>
+                      <a:pPr algn="r" fontAlgn="b"/>
+                      <a:r>
+                        <a:rPr lang="en-US" sz="900" u="none" strike="noStrike">
+                          <a:effectLst/>
+                        </a:rPr>
+                        <a:t>0.02397</a:t>
+                      </a:r>
+                      <a:endParaRPr lang="en-US" sz="900" b="0" i="0" u="none" strike="noStrike">
+                        <a:solidFill>
+                          <a:srgbClr val="000000"/>
+                        </a:solidFill>
+                        <a:effectLst/>
+                        <a:latin typeface="Sans"/>
+                      </a:endParaRPr>
+                    </a:p>
+                  </a:txBody>
+                  <a:tcPr marL="3384" marR="3384" marT="3384" marB="0" anchor="b"/>
+                </a:tc>
+                <a:extLst>
+                  <a:ext uri="{0D108BD9-81ED-4DB2-BD59-A6C34878D82A}">
+                    <a16:rowId xmlns:a16="http://schemas.microsoft.com/office/drawing/2014/main" val="3959106449"/>
+                  </a:ext>
+                </a:extLst>
+              </a:tr>
+              <a:tr h="259701">
+                <a:tc>
+                  <a:txBody>
+                    <a:bodyPr/>
+                    <a:lstStyle/>
+                    <a:p>
+                      <a:pPr algn="r" fontAlgn="b"/>
+                      <a:r>
+                        <a:rPr lang="en-US" sz="900" u="none" strike="noStrike">
+                          <a:effectLst/>
+                        </a:rPr>
+                        <a:t>1</a:t>
+                      </a:r>
+                      <a:endParaRPr lang="en-US" sz="900" b="0" i="0" u="none" strike="noStrike">
+                        <a:solidFill>
+                          <a:srgbClr val="000000"/>
+                        </a:solidFill>
+                        <a:effectLst/>
+                        <a:latin typeface="Sans"/>
+                      </a:endParaRPr>
+                    </a:p>
+                  </a:txBody>
+                  <a:tcPr marL="3384" marR="3384" marT="3384" marB="0" anchor="b"/>
+                </a:tc>
+                <a:tc>
+                  <a:txBody>
+                    <a:bodyPr/>
+                    <a:lstStyle/>
+                    <a:p>
+                      <a:pPr algn="l" fontAlgn="b"/>
+                      <a:r>
+                        <a:rPr lang="en-US" sz="900" u="none" strike="noStrike">
+                          <a:effectLst/>
+                        </a:rPr>
+                        <a:t>R3</a:t>
+                      </a:r>
+                      <a:endParaRPr lang="en-US" sz="900" b="0" i="0" u="none" strike="noStrike">
+                        <a:solidFill>
+                          <a:srgbClr val="000000"/>
+                        </a:solidFill>
+                        <a:effectLst/>
+                        <a:latin typeface="Sans"/>
+                      </a:endParaRPr>
+                    </a:p>
+                  </a:txBody>
+                  <a:tcPr marL="3384" marR="3384" marT="3384" marB="0" anchor="b"/>
+                </a:tc>
+                <a:tc>
+                  <a:txBody>
+                    <a:bodyPr/>
+                    <a:lstStyle/>
+                    <a:p>
+                      <a:pPr algn="ctr" fontAlgn="b"/>
+                      <a:r>
+                        <a:rPr lang="en-US" sz="900" u="none" strike="noStrike">
+                          <a:effectLst/>
+                        </a:rPr>
+                        <a:t>P</a:t>
+                      </a:r>
+                      <a:endParaRPr lang="en-US" sz="900" b="0" i="0" u="none" strike="noStrike">
+                        <a:solidFill>
+                          <a:srgbClr val="000000"/>
+                        </a:solidFill>
+                        <a:effectLst/>
+                        <a:latin typeface="Sans"/>
+                      </a:endParaRPr>
+                    </a:p>
+                  </a:txBody>
+                  <a:tcPr marL="3384" marR="3384" marT="3384" marB="0" anchor="b"/>
+                </a:tc>
+                <a:tc>
+                  <a:txBody>
+                    <a:bodyPr/>
+                    <a:lstStyle/>
+                    <a:p>
+                      <a:pPr algn="l" fontAlgn="b"/>
+                      <a:r>
+                        <a:rPr lang="en-US" sz="900" u="none" strike="noStrike">
+                          <a:effectLst/>
+                        </a:rPr>
+                        <a:t>TE Connectivity Passive Product</a:t>
+                      </a:r>
+                      <a:endParaRPr lang="en-US" sz="900" b="0" i="0" u="none" strike="noStrike">
+                        <a:solidFill>
+                          <a:srgbClr val="000000"/>
+                        </a:solidFill>
+                        <a:effectLst/>
+                        <a:latin typeface="Sans"/>
+                      </a:endParaRPr>
+                    </a:p>
+                  </a:txBody>
+                  <a:tcPr marL="3384" marR="3384" marT="3384" marB="0" anchor="b"/>
+                </a:tc>
+                <a:tc>
+                  <a:txBody>
+                    <a:bodyPr/>
+                    <a:lstStyle/>
+                    <a:p>
+                      <a:pPr algn="l" fontAlgn="b"/>
+                      <a:r>
+                        <a:rPr lang="en-US" sz="900" u="none" strike="noStrike">
+                          <a:effectLst/>
+                        </a:rPr>
+                        <a:t>CRGP0805F100R</a:t>
+                      </a:r>
+                      <a:endParaRPr lang="en-US" sz="900" b="0" i="0" u="none" strike="noStrike">
+                        <a:solidFill>
+                          <a:srgbClr val="000000"/>
+                        </a:solidFill>
+                        <a:effectLst/>
+                        <a:latin typeface="Sans"/>
+                      </a:endParaRPr>
+                    </a:p>
+                  </a:txBody>
+                  <a:tcPr marL="3384" marR="3384" marT="3384" marB="0" anchor="b"/>
+                </a:tc>
+                <a:tc>
+                  <a:txBody>
+                    <a:bodyPr/>
+                    <a:lstStyle/>
+                    <a:p>
+                      <a:pPr algn="l" fontAlgn="b"/>
+                      <a:r>
+                        <a:rPr lang="en-US" sz="900" u="none" strike="noStrike">
+                          <a:effectLst/>
+                        </a:rPr>
+                        <a:t>100 Ohms ±1% 0.333W, 1/3W Chip Resistor 0805 (2012 Metric) Pulse Withstanding Thick Film</a:t>
+                      </a:r>
+                      <a:endParaRPr lang="en-US" sz="900" b="0" i="0" u="none" strike="noStrike">
+                        <a:solidFill>
+                          <a:srgbClr val="000000"/>
+                        </a:solidFill>
+                        <a:effectLst/>
+                        <a:latin typeface="Sans"/>
+                      </a:endParaRPr>
+                    </a:p>
+                  </a:txBody>
+                  <a:tcPr marL="3384" marR="3384" marT="3384" marB="0" anchor="b"/>
+                </a:tc>
+                <a:tc>
+                  <a:txBody>
+                    <a:bodyPr/>
+                    <a:lstStyle/>
+                    <a:p>
+                      <a:pPr algn="l" fontAlgn="b"/>
+                      <a:r>
+                        <a:rPr lang="en-US" sz="900" u="none" strike="noStrike">
+                          <a:effectLst/>
+                        </a:rPr>
+                        <a:t>Digikey</a:t>
+                      </a:r>
+                      <a:endParaRPr lang="en-US" sz="900" b="0" i="0" u="none" strike="noStrike">
+                        <a:solidFill>
+                          <a:srgbClr val="000000"/>
+                        </a:solidFill>
+                        <a:effectLst/>
+                        <a:latin typeface="Sans"/>
+                      </a:endParaRPr>
+                    </a:p>
+                  </a:txBody>
+                  <a:tcPr marL="3384" marR="3384" marT="3384" marB="0" anchor="b"/>
+                </a:tc>
+                <a:tc>
+                  <a:txBody>
+                    <a:bodyPr/>
+                    <a:lstStyle/>
+                    <a:p>
+                      <a:pPr algn="l" fontAlgn="b"/>
+                      <a:r>
+                        <a:rPr lang="en-US" sz="900" u="none" strike="noStrike">
+                          <a:effectLst/>
+                        </a:rPr>
+                        <a:t>A130465TR-ND</a:t>
+                      </a:r>
+                      <a:endParaRPr lang="en-US" sz="900" b="0" i="0" u="none" strike="noStrike">
+                        <a:solidFill>
+                          <a:srgbClr val="000000"/>
+                        </a:solidFill>
+                        <a:effectLst/>
+                        <a:latin typeface="Sans"/>
+                      </a:endParaRPr>
+                    </a:p>
+                  </a:txBody>
+                  <a:tcPr marL="3384" marR="3384" marT="3384" marB="0" anchor="b"/>
+                </a:tc>
+                <a:tc>
+                  <a:txBody>
+                    <a:bodyPr/>
+                    <a:lstStyle/>
+                    <a:p>
+                      <a:pPr algn="r" fontAlgn="b"/>
+                      <a:r>
+                        <a:rPr lang="en-US" sz="900" u="none" strike="noStrike">
+                          <a:effectLst/>
+                        </a:rPr>
+                        <a:t>0.02397</a:t>
+                      </a:r>
+                      <a:endParaRPr lang="en-US" sz="900" b="0" i="0" u="none" strike="noStrike">
+                        <a:solidFill>
+                          <a:srgbClr val="000000"/>
+                        </a:solidFill>
+                        <a:effectLst/>
+                        <a:latin typeface="Sans"/>
+                      </a:endParaRPr>
+                    </a:p>
+                  </a:txBody>
+                  <a:tcPr marL="3384" marR="3384" marT="3384" marB="0" anchor="b"/>
+                </a:tc>
+                <a:tc>
+                  <a:txBody>
+                    <a:bodyPr/>
+                    <a:lstStyle/>
+                    <a:p>
+                      <a:pPr algn="r" fontAlgn="b"/>
+                      <a:r>
+                        <a:rPr lang="en-US" sz="900" u="none" strike="noStrike">
+                          <a:effectLst/>
+                        </a:rPr>
+                        <a:t>0.02397</a:t>
+                      </a:r>
+                      <a:endParaRPr lang="en-US" sz="900" b="0" i="0" u="none" strike="noStrike">
+                        <a:solidFill>
+                          <a:srgbClr val="000000"/>
+                        </a:solidFill>
+                        <a:effectLst/>
+                        <a:latin typeface="Sans"/>
+                      </a:endParaRPr>
+                    </a:p>
+                  </a:txBody>
+                  <a:tcPr marL="3384" marR="3384" marT="3384" marB="0" anchor="b"/>
+                </a:tc>
+                <a:extLst>
+                  <a:ext uri="{0D108BD9-81ED-4DB2-BD59-A6C34878D82A}">
+                    <a16:rowId xmlns:a16="http://schemas.microsoft.com/office/drawing/2014/main" val="3466940044"/>
+                  </a:ext>
+                </a:extLst>
+              </a:tr>
+              <a:tr h="259701">
+                <a:tc>
+                  <a:txBody>
+                    <a:bodyPr/>
+                    <a:lstStyle/>
+                    <a:p>
+                      <a:pPr algn="r" fontAlgn="b"/>
+                      <a:r>
+                        <a:rPr lang="en-US" sz="900" u="none" strike="noStrike">
+                          <a:effectLst/>
+                        </a:rPr>
+                        <a:t>1</a:t>
+                      </a:r>
+                      <a:endParaRPr lang="en-US" sz="900" b="0" i="0" u="none" strike="noStrike">
+                        <a:solidFill>
+                          <a:srgbClr val="000000"/>
+                        </a:solidFill>
+                        <a:effectLst/>
+                        <a:latin typeface="Sans"/>
+                      </a:endParaRPr>
+                    </a:p>
+                  </a:txBody>
+                  <a:tcPr marL="3384" marR="3384" marT="3384" marB="0" anchor="b"/>
+                </a:tc>
+                <a:tc>
+                  <a:txBody>
+                    <a:bodyPr/>
+                    <a:lstStyle/>
+                    <a:p>
+                      <a:pPr algn="l" fontAlgn="b"/>
+                      <a:r>
+                        <a:rPr lang="en-US" sz="900" u="none" strike="noStrike">
+                          <a:effectLst/>
+                        </a:rPr>
+                        <a:t>R4</a:t>
+                      </a:r>
+                      <a:endParaRPr lang="en-US" sz="900" b="0" i="0" u="none" strike="noStrike">
+                        <a:solidFill>
+                          <a:srgbClr val="000000"/>
+                        </a:solidFill>
+                        <a:effectLst/>
+                        <a:latin typeface="Sans"/>
+                      </a:endParaRPr>
+                    </a:p>
+                  </a:txBody>
+                  <a:tcPr marL="3384" marR="3384" marT="3384" marB="0" anchor="b"/>
+                </a:tc>
+                <a:tc>
+                  <a:txBody>
+                    <a:bodyPr/>
+                    <a:lstStyle/>
+                    <a:p>
+                      <a:pPr algn="ctr" fontAlgn="b"/>
+                      <a:r>
+                        <a:rPr lang="en-US" sz="900" u="none" strike="noStrike">
+                          <a:effectLst/>
+                        </a:rPr>
+                        <a:t>P</a:t>
+                      </a:r>
+                      <a:endParaRPr lang="en-US" sz="900" b="0" i="0" u="none" strike="noStrike">
+                        <a:solidFill>
+                          <a:srgbClr val="000000"/>
+                        </a:solidFill>
+                        <a:effectLst/>
+                        <a:latin typeface="Sans"/>
+                      </a:endParaRPr>
+                    </a:p>
+                  </a:txBody>
+                  <a:tcPr marL="3384" marR="3384" marT="3384" marB="0" anchor="b"/>
+                </a:tc>
+                <a:tc>
+                  <a:txBody>
+                    <a:bodyPr/>
+                    <a:lstStyle/>
+                    <a:p>
+                      <a:pPr algn="l" fontAlgn="b"/>
+                      <a:r>
+                        <a:rPr lang="en-US" sz="900" u="none" strike="noStrike">
+                          <a:effectLst/>
+                        </a:rPr>
+                        <a:t>TE Connectivity Passive Product</a:t>
+                      </a:r>
+                      <a:endParaRPr lang="en-US" sz="900" b="0" i="0" u="none" strike="noStrike">
+                        <a:solidFill>
+                          <a:srgbClr val="000000"/>
+                        </a:solidFill>
+                        <a:effectLst/>
+                        <a:latin typeface="Sans"/>
+                      </a:endParaRPr>
+                    </a:p>
+                  </a:txBody>
+                  <a:tcPr marL="3384" marR="3384" marT="3384" marB="0" anchor="b"/>
+                </a:tc>
+                <a:tc>
+                  <a:txBody>
+                    <a:bodyPr/>
+                    <a:lstStyle/>
+                    <a:p>
+                      <a:pPr algn="l" fontAlgn="b"/>
+                      <a:r>
+                        <a:rPr lang="en-US" sz="900" u="none" strike="noStrike" dirty="0">
+                          <a:effectLst/>
+                        </a:rPr>
+                        <a:t>CRGP0805F1K0</a:t>
+                      </a:r>
+                      <a:endParaRPr lang="en-US" sz="900" b="0" i="0" u="none" strike="noStrike" dirty="0">
+                        <a:solidFill>
+                          <a:srgbClr val="000000"/>
+                        </a:solidFill>
+                        <a:effectLst/>
+                        <a:latin typeface="Sans"/>
+                      </a:endParaRPr>
+                    </a:p>
+                  </a:txBody>
+                  <a:tcPr marL="3384" marR="3384" marT="3384" marB="0" anchor="b"/>
+                </a:tc>
+                <a:tc>
+                  <a:txBody>
+                    <a:bodyPr/>
+                    <a:lstStyle/>
+                    <a:p>
+                      <a:pPr algn="l" fontAlgn="b"/>
+                      <a:r>
+                        <a:rPr lang="en-US" sz="900" u="none" strike="noStrike">
+                          <a:effectLst/>
+                        </a:rPr>
+                        <a:t>1 kOhms ±1% 0.333W, 1/3W Chip Resistor 0805 (2012 Metric) Pulse Withstanding Thick Film</a:t>
+                      </a:r>
+                      <a:endParaRPr lang="en-US" sz="900" b="0" i="0" u="none" strike="noStrike">
+                        <a:solidFill>
+                          <a:srgbClr val="000000"/>
+                        </a:solidFill>
+                        <a:effectLst/>
+                        <a:latin typeface="Sans"/>
+                      </a:endParaRPr>
+                    </a:p>
+                  </a:txBody>
+                  <a:tcPr marL="3384" marR="3384" marT="3384" marB="0" anchor="b"/>
+                </a:tc>
+                <a:tc>
+                  <a:txBody>
+                    <a:bodyPr/>
+                    <a:lstStyle/>
+                    <a:p>
+                      <a:pPr algn="l" fontAlgn="b"/>
+                      <a:r>
+                        <a:rPr lang="en-US" sz="900" u="none" strike="noStrike">
+                          <a:effectLst/>
+                        </a:rPr>
+                        <a:t>Digikey</a:t>
+                      </a:r>
+                      <a:endParaRPr lang="en-US" sz="900" b="0" i="0" u="none" strike="noStrike">
+                        <a:solidFill>
+                          <a:srgbClr val="000000"/>
+                        </a:solidFill>
+                        <a:effectLst/>
+                        <a:latin typeface="Sans"/>
+                      </a:endParaRPr>
+                    </a:p>
+                  </a:txBody>
+                  <a:tcPr marL="3384" marR="3384" marT="3384" marB="0" anchor="b"/>
+                </a:tc>
+                <a:tc>
+                  <a:txBody>
+                    <a:bodyPr/>
+                    <a:lstStyle/>
+                    <a:p>
+                      <a:pPr algn="l" fontAlgn="b"/>
+                      <a:r>
+                        <a:rPr lang="en-US" sz="900" u="none" strike="noStrike">
+                          <a:effectLst/>
+                        </a:rPr>
+                        <a:t>A130477TR-ND</a:t>
+                      </a:r>
+                      <a:endParaRPr lang="en-US" sz="900" b="0" i="0" u="none" strike="noStrike">
+                        <a:solidFill>
+                          <a:srgbClr val="000000"/>
+                        </a:solidFill>
+                        <a:effectLst/>
+                        <a:latin typeface="Sans"/>
+                      </a:endParaRPr>
+                    </a:p>
+                  </a:txBody>
+                  <a:tcPr marL="3384" marR="3384" marT="3384" marB="0" anchor="b"/>
+                </a:tc>
+                <a:tc>
+                  <a:txBody>
+                    <a:bodyPr/>
+                    <a:lstStyle/>
+                    <a:p>
+                      <a:pPr algn="r" fontAlgn="b"/>
+                      <a:r>
+                        <a:rPr lang="en-US" sz="900" u="none" strike="noStrike">
+                          <a:effectLst/>
+                        </a:rPr>
+                        <a:t>0.02397</a:t>
+                      </a:r>
+                      <a:endParaRPr lang="en-US" sz="900" b="0" i="0" u="none" strike="noStrike">
+                        <a:solidFill>
+                          <a:srgbClr val="000000"/>
+                        </a:solidFill>
+                        <a:effectLst/>
+                        <a:latin typeface="Sans"/>
+                      </a:endParaRPr>
+                    </a:p>
+                  </a:txBody>
+                  <a:tcPr marL="3384" marR="3384" marT="3384" marB="0" anchor="b"/>
+                </a:tc>
+                <a:tc>
+                  <a:txBody>
+                    <a:bodyPr/>
+                    <a:lstStyle/>
+                    <a:p>
+                      <a:pPr algn="r" fontAlgn="b"/>
+                      <a:r>
+                        <a:rPr lang="en-US" sz="900" u="none" strike="noStrike">
+                          <a:effectLst/>
+                        </a:rPr>
+                        <a:t>0.02397</a:t>
+                      </a:r>
+                      <a:endParaRPr lang="en-US" sz="900" b="0" i="0" u="none" strike="noStrike">
+                        <a:solidFill>
+                          <a:srgbClr val="000000"/>
+                        </a:solidFill>
+                        <a:effectLst/>
+                        <a:latin typeface="Sans"/>
+                      </a:endParaRPr>
+                    </a:p>
+                  </a:txBody>
+                  <a:tcPr marL="3384" marR="3384" marT="3384" marB="0" anchor="b"/>
+                </a:tc>
+                <a:extLst>
+                  <a:ext uri="{0D108BD9-81ED-4DB2-BD59-A6C34878D82A}">
+                    <a16:rowId xmlns:a16="http://schemas.microsoft.com/office/drawing/2014/main" val="3680363309"/>
+                  </a:ext>
+                </a:extLst>
+              </a:tr>
+              <a:tr h="259701">
+                <a:tc>
+                  <a:txBody>
+                    <a:bodyPr/>
+                    <a:lstStyle/>
+                    <a:p>
+                      <a:pPr algn="r" fontAlgn="b"/>
+                      <a:r>
+                        <a:rPr lang="en-US" sz="900" u="none" strike="noStrike">
+                          <a:effectLst/>
+                        </a:rPr>
+                        <a:t>1</a:t>
+                      </a:r>
+                      <a:endParaRPr lang="en-US" sz="900" b="0" i="0" u="none" strike="noStrike">
+                        <a:solidFill>
+                          <a:srgbClr val="000000"/>
+                        </a:solidFill>
+                        <a:effectLst/>
+                        <a:latin typeface="Sans"/>
+                      </a:endParaRPr>
+                    </a:p>
+                  </a:txBody>
+                  <a:tcPr marL="3384" marR="3384" marT="3384" marB="0" anchor="b"/>
+                </a:tc>
+                <a:tc>
+                  <a:txBody>
+                    <a:bodyPr/>
+                    <a:lstStyle/>
+                    <a:p>
+                      <a:pPr algn="l" fontAlgn="b"/>
+                      <a:r>
+                        <a:rPr lang="en-US" sz="900" u="none" strike="noStrike">
+                          <a:effectLst/>
+                        </a:rPr>
+                        <a:t>R5</a:t>
+                      </a:r>
+                      <a:endParaRPr lang="en-US" sz="900" b="0" i="0" u="none" strike="noStrike">
+                        <a:solidFill>
+                          <a:srgbClr val="000000"/>
+                        </a:solidFill>
+                        <a:effectLst/>
+                        <a:latin typeface="Sans"/>
+                      </a:endParaRPr>
+                    </a:p>
+                  </a:txBody>
+                  <a:tcPr marL="3384" marR="3384" marT="3384" marB="0" anchor="b"/>
+                </a:tc>
+                <a:tc>
+                  <a:txBody>
+                    <a:bodyPr/>
+                    <a:lstStyle/>
+                    <a:p>
+                      <a:pPr algn="ctr" fontAlgn="b"/>
+                      <a:r>
+                        <a:rPr lang="en-US" sz="900" u="none" strike="noStrike">
+                          <a:effectLst/>
+                        </a:rPr>
+                        <a:t>P</a:t>
+                      </a:r>
+                      <a:endParaRPr lang="en-US" sz="900" b="0" i="0" u="none" strike="noStrike">
+                        <a:solidFill>
+                          <a:srgbClr val="000000"/>
+                        </a:solidFill>
+                        <a:effectLst/>
+                        <a:latin typeface="Sans"/>
+                      </a:endParaRPr>
+                    </a:p>
+                  </a:txBody>
+                  <a:tcPr marL="3384" marR="3384" marT="3384" marB="0" anchor="b"/>
+                </a:tc>
+                <a:tc>
+                  <a:txBody>
+                    <a:bodyPr/>
+                    <a:lstStyle/>
+                    <a:p>
+                      <a:pPr algn="l" fontAlgn="b"/>
+                      <a:r>
+                        <a:rPr lang="en-US" sz="900" u="none" strike="noStrike">
+                          <a:effectLst/>
+                        </a:rPr>
+                        <a:t>Vishay Dale</a:t>
+                      </a:r>
+                      <a:endParaRPr lang="en-US" sz="900" b="0" i="0" u="none" strike="noStrike">
+                        <a:solidFill>
+                          <a:srgbClr val="000000"/>
+                        </a:solidFill>
+                        <a:effectLst/>
+                        <a:latin typeface="Sans"/>
+                      </a:endParaRPr>
+                    </a:p>
+                  </a:txBody>
+                  <a:tcPr marL="3384" marR="3384" marT="3384" marB="0" anchor="b"/>
+                </a:tc>
+                <a:tc>
+                  <a:txBody>
+                    <a:bodyPr/>
+                    <a:lstStyle/>
+                    <a:p>
+                      <a:pPr algn="l" fontAlgn="b"/>
+                      <a:r>
+                        <a:rPr lang="en-US" sz="900" u="none" strike="noStrike">
+                          <a:effectLst/>
+                        </a:rPr>
+                        <a:t>TNPW08051K80BEEA</a:t>
+                      </a:r>
+                      <a:endParaRPr lang="en-US" sz="900" b="0" i="0" u="none" strike="noStrike">
+                        <a:solidFill>
+                          <a:srgbClr val="000000"/>
+                        </a:solidFill>
+                        <a:effectLst/>
+                        <a:latin typeface="Sans"/>
+                      </a:endParaRPr>
+                    </a:p>
+                  </a:txBody>
+                  <a:tcPr marL="3384" marR="3384" marT="3384" marB="0" anchor="b"/>
+                </a:tc>
+                <a:tc>
+                  <a:txBody>
+                    <a:bodyPr/>
+                    <a:lstStyle/>
+                    <a:p>
+                      <a:pPr algn="l" fontAlgn="b"/>
+                      <a:r>
+                        <a:rPr lang="en-US" sz="900" u="none" strike="noStrike">
+                          <a:effectLst/>
+                        </a:rPr>
+                        <a:t>1.8 kOhms ±0.1% 0.2W, 1/5W Chip Resistor 0805 (2012 Metric) Anti-Sulfur, Automotive AEC-Q200, Moisture Resistant Thin Film </a:t>
+                      </a:r>
+                      <a:endParaRPr lang="en-US" sz="900" b="0" i="0" u="none" strike="noStrike">
+                        <a:solidFill>
+                          <a:srgbClr val="000000"/>
+                        </a:solidFill>
+                        <a:effectLst/>
+                        <a:latin typeface="Sans"/>
+                      </a:endParaRPr>
+                    </a:p>
+                  </a:txBody>
+                  <a:tcPr marL="3384" marR="3384" marT="3384" marB="0" anchor="b"/>
+                </a:tc>
+                <a:tc>
+                  <a:txBody>
+                    <a:bodyPr/>
+                    <a:lstStyle/>
+                    <a:p>
+                      <a:pPr algn="l" fontAlgn="b"/>
+                      <a:r>
+                        <a:rPr lang="en-US" sz="900" u="none" strike="noStrike">
+                          <a:effectLst/>
+                        </a:rPr>
+                        <a:t>Digikey</a:t>
+                      </a:r>
+                      <a:endParaRPr lang="en-US" sz="900" b="0" i="0" u="none" strike="noStrike">
+                        <a:solidFill>
+                          <a:srgbClr val="000000"/>
+                        </a:solidFill>
+                        <a:effectLst/>
+                        <a:latin typeface="Sans"/>
+                      </a:endParaRPr>
+                    </a:p>
+                  </a:txBody>
+                  <a:tcPr marL="3384" marR="3384" marT="3384" marB="0" anchor="b"/>
+                </a:tc>
+                <a:tc>
+                  <a:txBody>
+                    <a:bodyPr/>
+                    <a:lstStyle/>
+                    <a:p>
+                      <a:pPr algn="l" fontAlgn="b"/>
+                      <a:r>
+                        <a:rPr lang="en-US" sz="900" u="none" strike="noStrike">
+                          <a:effectLst/>
+                        </a:rPr>
+                        <a:t>541-9859-1-ND</a:t>
+                      </a:r>
+                      <a:endParaRPr lang="en-US" sz="900" b="0" i="0" u="none" strike="noStrike">
+                        <a:solidFill>
+                          <a:srgbClr val="000000"/>
+                        </a:solidFill>
+                        <a:effectLst/>
+                        <a:latin typeface="Sans"/>
+                      </a:endParaRPr>
+                    </a:p>
+                  </a:txBody>
+                  <a:tcPr marL="3384" marR="3384" marT="3384" marB="0" anchor="b"/>
+                </a:tc>
+                <a:tc>
+                  <a:txBody>
+                    <a:bodyPr/>
+                    <a:lstStyle/>
+                    <a:p>
+                      <a:pPr algn="r" fontAlgn="b"/>
+                      <a:r>
+                        <a:rPr lang="en-US" sz="900" u="none" strike="noStrike">
+                          <a:effectLst/>
+                        </a:rPr>
+                        <a:t>0.63</a:t>
+                      </a:r>
+                      <a:endParaRPr lang="en-US" sz="900" b="0" i="0" u="none" strike="noStrike">
+                        <a:solidFill>
+                          <a:srgbClr val="000000"/>
+                        </a:solidFill>
+                        <a:effectLst/>
+                        <a:latin typeface="Sans"/>
+                      </a:endParaRPr>
+                    </a:p>
+                  </a:txBody>
+                  <a:tcPr marL="3384" marR="3384" marT="3384" marB="0" anchor="b"/>
+                </a:tc>
+                <a:tc>
+                  <a:txBody>
+                    <a:bodyPr/>
+                    <a:lstStyle/>
+                    <a:p>
+                      <a:pPr algn="r" fontAlgn="b"/>
+                      <a:r>
+                        <a:rPr lang="en-US" sz="900" u="none" strike="noStrike">
+                          <a:effectLst/>
+                        </a:rPr>
+                        <a:t>0.63</a:t>
+                      </a:r>
+                      <a:endParaRPr lang="en-US" sz="900" b="0" i="0" u="none" strike="noStrike">
+                        <a:solidFill>
+                          <a:srgbClr val="000000"/>
+                        </a:solidFill>
+                        <a:effectLst/>
+                        <a:latin typeface="Sans"/>
+                      </a:endParaRPr>
+                    </a:p>
+                  </a:txBody>
+                  <a:tcPr marL="3384" marR="3384" marT="3384" marB="0" anchor="b"/>
+                </a:tc>
+                <a:extLst>
+                  <a:ext uri="{0D108BD9-81ED-4DB2-BD59-A6C34878D82A}">
+                    <a16:rowId xmlns:a16="http://schemas.microsoft.com/office/drawing/2014/main" val="2048375227"/>
+                  </a:ext>
+                </a:extLst>
+              </a:tr>
+              <a:tr h="259701">
+                <a:tc>
+                  <a:txBody>
+                    <a:bodyPr/>
+                    <a:lstStyle/>
+                    <a:p>
+                      <a:pPr algn="r" fontAlgn="b"/>
+                      <a:r>
+                        <a:rPr lang="en-US" sz="900" u="none" strike="noStrike">
+                          <a:effectLst/>
+                        </a:rPr>
+                        <a:t>2</a:t>
+                      </a:r>
+                      <a:endParaRPr lang="en-US" sz="900" b="0" i="0" u="none" strike="noStrike">
+                        <a:solidFill>
+                          <a:srgbClr val="000000"/>
+                        </a:solidFill>
+                        <a:effectLst/>
+                        <a:latin typeface="Sans"/>
+                      </a:endParaRPr>
+                    </a:p>
+                  </a:txBody>
+                  <a:tcPr marL="3384" marR="3384" marT="3384" marB="0" anchor="b"/>
+                </a:tc>
+                <a:tc>
+                  <a:txBody>
+                    <a:bodyPr/>
+                    <a:lstStyle/>
+                    <a:p>
+                      <a:pPr algn="l" fontAlgn="b"/>
+                      <a:r>
+                        <a:rPr lang="en-US" sz="900" u="none" strike="noStrike">
+                          <a:effectLst/>
+                        </a:rPr>
+                        <a:t>R6</a:t>
+                      </a:r>
+                      <a:endParaRPr lang="en-US" sz="900" b="0" i="0" u="none" strike="noStrike">
+                        <a:solidFill>
+                          <a:srgbClr val="000000"/>
+                        </a:solidFill>
+                        <a:effectLst/>
+                        <a:latin typeface="Sans"/>
+                      </a:endParaRPr>
+                    </a:p>
+                  </a:txBody>
+                  <a:tcPr marL="3384" marR="3384" marT="3384" marB="0" anchor="b"/>
+                </a:tc>
+                <a:tc>
+                  <a:txBody>
+                    <a:bodyPr/>
+                    <a:lstStyle/>
+                    <a:p>
+                      <a:pPr algn="ctr" fontAlgn="b"/>
+                      <a:r>
+                        <a:rPr lang="en-US" sz="900" u="none" strike="noStrike">
+                          <a:effectLst/>
+                        </a:rPr>
+                        <a:t>P</a:t>
+                      </a:r>
+                      <a:endParaRPr lang="en-US" sz="900" b="0" i="0" u="none" strike="noStrike">
+                        <a:solidFill>
+                          <a:srgbClr val="000000"/>
+                        </a:solidFill>
+                        <a:effectLst/>
+                        <a:latin typeface="Sans"/>
+                      </a:endParaRPr>
+                    </a:p>
+                  </a:txBody>
+                  <a:tcPr marL="3384" marR="3384" marT="3384" marB="0" anchor="b"/>
+                </a:tc>
+                <a:tc>
+                  <a:txBody>
+                    <a:bodyPr/>
+                    <a:lstStyle/>
+                    <a:p>
+                      <a:pPr algn="l" fontAlgn="b"/>
+                      <a:r>
+                        <a:rPr lang="en-US" sz="900" u="none" strike="noStrike">
+                          <a:effectLst/>
+                        </a:rPr>
+                        <a:t>TE Connectivity Passive Product</a:t>
+                      </a:r>
+                      <a:endParaRPr lang="en-US" sz="900" b="0" i="0" u="none" strike="noStrike">
+                        <a:solidFill>
+                          <a:srgbClr val="000000"/>
+                        </a:solidFill>
+                        <a:effectLst/>
+                        <a:latin typeface="Sans"/>
+                      </a:endParaRPr>
+                    </a:p>
+                  </a:txBody>
+                  <a:tcPr marL="3384" marR="3384" marT="3384" marB="0" anchor="b"/>
+                </a:tc>
+                <a:tc>
+                  <a:txBody>
+                    <a:bodyPr/>
+                    <a:lstStyle/>
+                    <a:p>
+                      <a:pPr algn="l" fontAlgn="b"/>
+                      <a:r>
+                        <a:rPr lang="en-US" sz="900" u="none" strike="noStrike">
+                          <a:effectLst/>
+                        </a:rPr>
+                        <a:t>CRGP0805F22R</a:t>
+                      </a:r>
+                      <a:endParaRPr lang="en-US" sz="900" b="0" i="0" u="none" strike="noStrike">
+                        <a:solidFill>
+                          <a:srgbClr val="000000"/>
+                        </a:solidFill>
+                        <a:effectLst/>
+                        <a:latin typeface="Sans"/>
+                      </a:endParaRPr>
+                    </a:p>
+                  </a:txBody>
+                  <a:tcPr marL="3384" marR="3384" marT="3384" marB="0" anchor="b"/>
+                </a:tc>
+                <a:tc>
+                  <a:txBody>
+                    <a:bodyPr/>
+                    <a:lstStyle/>
+                    <a:p>
+                      <a:pPr algn="l" fontAlgn="b"/>
+                      <a:r>
+                        <a:rPr lang="en-US" sz="900" u="none" strike="noStrike">
+                          <a:effectLst/>
+                        </a:rPr>
+                        <a:t>22 Ohms ±1% 0.333W, 1/3W Chip Resistor 0805 (2012 Metric) Pulse Withstanding Thick Film</a:t>
+                      </a:r>
+                      <a:endParaRPr lang="en-US" sz="900" b="0" i="0" u="none" strike="noStrike">
+                        <a:solidFill>
+                          <a:srgbClr val="000000"/>
+                        </a:solidFill>
+                        <a:effectLst/>
+                        <a:latin typeface="Sans"/>
+                      </a:endParaRPr>
+                    </a:p>
+                  </a:txBody>
+                  <a:tcPr marL="3384" marR="3384" marT="3384" marB="0" anchor="b"/>
+                </a:tc>
+                <a:tc>
+                  <a:txBody>
+                    <a:bodyPr/>
+                    <a:lstStyle/>
+                    <a:p>
+                      <a:pPr algn="l" fontAlgn="b"/>
+                      <a:r>
+                        <a:rPr lang="en-US" sz="900" u="none" strike="noStrike">
+                          <a:effectLst/>
+                        </a:rPr>
+                        <a:t>Digikey</a:t>
+                      </a:r>
+                      <a:endParaRPr lang="en-US" sz="900" b="0" i="0" u="none" strike="noStrike">
+                        <a:solidFill>
+                          <a:srgbClr val="000000"/>
+                        </a:solidFill>
+                        <a:effectLst/>
+                        <a:latin typeface="Sans"/>
+                      </a:endParaRPr>
+                    </a:p>
+                  </a:txBody>
+                  <a:tcPr marL="3384" marR="3384" marT="3384" marB="0" anchor="b"/>
+                </a:tc>
+                <a:tc>
+                  <a:txBody>
+                    <a:bodyPr/>
+                    <a:lstStyle/>
+                    <a:p>
+                      <a:pPr algn="l" fontAlgn="b"/>
+                      <a:r>
+                        <a:rPr lang="en-US" sz="900" u="none" strike="noStrike">
+                          <a:effectLst/>
+                        </a:rPr>
+                        <a:t>A130457TR-ND</a:t>
+                      </a:r>
+                      <a:endParaRPr lang="en-US" sz="900" b="0" i="0" u="none" strike="noStrike">
+                        <a:solidFill>
+                          <a:srgbClr val="000000"/>
+                        </a:solidFill>
+                        <a:effectLst/>
+                        <a:latin typeface="Sans"/>
+                      </a:endParaRPr>
+                    </a:p>
+                  </a:txBody>
+                  <a:tcPr marL="3384" marR="3384" marT="3384" marB="0" anchor="b"/>
+                </a:tc>
+                <a:tc>
+                  <a:txBody>
+                    <a:bodyPr/>
+                    <a:lstStyle/>
+                    <a:p>
+                      <a:pPr algn="r" fontAlgn="b"/>
+                      <a:r>
+                        <a:rPr lang="en-US" sz="900" u="none" strike="noStrike">
+                          <a:effectLst/>
+                        </a:rPr>
+                        <a:t>0.02</a:t>
+                      </a:r>
+                      <a:endParaRPr lang="en-US" sz="900" b="0" i="0" u="none" strike="noStrike">
+                        <a:solidFill>
+                          <a:srgbClr val="000000"/>
+                        </a:solidFill>
+                        <a:effectLst/>
+                        <a:latin typeface="Sans"/>
+                      </a:endParaRPr>
+                    </a:p>
+                  </a:txBody>
+                  <a:tcPr marL="3384" marR="3384" marT="3384" marB="0" anchor="b"/>
+                </a:tc>
+                <a:tc>
+                  <a:txBody>
+                    <a:bodyPr/>
+                    <a:lstStyle/>
+                    <a:p>
+                      <a:pPr algn="r" fontAlgn="b"/>
+                      <a:r>
+                        <a:rPr lang="en-US" sz="900" u="none" strike="noStrike">
+                          <a:effectLst/>
+                        </a:rPr>
+                        <a:t>0.04</a:t>
+                      </a:r>
+                      <a:endParaRPr lang="en-US" sz="900" b="0" i="0" u="none" strike="noStrike">
+                        <a:solidFill>
+                          <a:srgbClr val="000000"/>
+                        </a:solidFill>
+                        <a:effectLst/>
+                        <a:latin typeface="Sans"/>
+                      </a:endParaRPr>
+                    </a:p>
+                  </a:txBody>
+                  <a:tcPr marL="3384" marR="3384" marT="3384" marB="0" anchor="b"/>
+                </a:tc>
+                <a:extLst>
+                  <a:ext uri="{0D108BD9-81ED-4DB2-BD59-A6C34878D82A}">
+                    <a16:rowId xmlns:a16="http://schemas.microsoft.com/office/drawing/2014/main" val="1137591458"/>
+                  </a:ext>
+                </a:extLst>
+              </a:tr>
+              <a:tr h="259701">
+                <a:tc>
+                  <a:txBody>
+                    <a:bodyPr/>
+                    <a:lstStyle/>
+                    <a:p>
+                      <a:pPr algn="r" fontAlgn="b"/>
+                      <a:r>
+                        <a:rPr lang="en-US" sz="900" u="none" strike="noStrike">
+                          <a:effectLst/>
+                        </a:rPr>
+                        <a:t>2</a:t>
+                      </a:r>
+                      <a:endParaRPr lang="en-US" sz="900" b="0" i="0" u="none" strike="noStrike">
+                        <a:solidFill>
+                          <a:srgbClr val="000000"/>
+                        </a:solidFill>
+                        <a:effectLst/>
+                        <a:latin typeface="Sans"/>
+                      </a:endParaRPr>
+                    </a:p>
+                  </a:txBody>
+                  <a:tcPr marL="3384" marR="3384" marT="3384" marB="0" anchor="b"/>
+                </a:tc>
+                <a:tc>
+                  <a:txBody>
+                    <a:bodyPr/>
+                    <a:lstStyle/>
+                    <a:p>
+                      <a:pPr algn="l" fontAlgn="b"/>
+                      <a:r>
+                        <a:rPr lang="en-US" sz="900" u="none" strike="noStrike">
+                          <a:effectLst/>
+                        </a:rPr>
+                        <a:t>C1</a:t>
+                      </a:r>
+                      <a:endParaRPr lang="en-US" sz="900" b="0" i="0" u="none" strike="noStrike">
+                        <a:solidFill>
+                          <a:srgbClr val="000000"/>
+                        </a:solidFill>
+                        <a:effectLst/>
+                        <a:latin typeface="Sans"/>
+                      </a:endParaRPr>
+                    </a:p>
+                  </a:txBody>
+                  <a:tcPr marL="3384" marR="3384" marT="3384" marB="0" anchor="b"/>
+                </a:tc>
+                <a:tc>
+                  <a:txBody>
+                    <a:bodyPr/>
+                    <a:lstStyle/>
+                    <a:p>
+                      <a:pPr algn="ctr" fontAlgn="b"/>
+                      <a:r>
+                        <a:rPr lang="en-US" sz="900" u="none" strike="noStrike">
+                          <a:effectLst/>
+                        </a:rPr>
+                        <a:t>P</a:t>
+                      </a:r>
+                      <a:endParaRPr lang="en-US" sz="900" b="0" i="0" u="none" strike="noStrike">
+                        <a:solidFill>
+                          <a:srgbClr val="000000"/>
+                        </a:solidFill>
+                        <a:effectLst/>
+                        <a:latin typeface="Sans"/>
+                      </a:endParaRPr>
+                    </a:p>
+                  </a:txBody>
+                  <a:tcPr marL="3384" marR="3384" marT="3384" marB="0" anchor="b"/>
+                </a:tc>
+                <a:tc>
+                  <a:txBody>
+                    <a:bodyPr/>
+                    <a:lstStyle/>
+                    <a:p>
+                      <a:pPr algn="l" fontAlgn="b"/>
+                      <a:r>
+                        <a:rPr lang="en-US" sz="900" u="none" strike="noStrike">
+                          <a:effectLst/>
+                        </a:rPr>
+                        <a:t>Samsung Electro-Mechanics</a:t>
+                      </a:r>
+                      <a:endParaRPr lang="en-US" sz="900" b="0" i="0" u="none" strike="noStrike">
+                        <a:solidFill>
+                          <a:srgbClr val="000000"/>
+                        </a:solidFill>
+                        <a:effectLst/>
+                        <a:latin typeface="Sans"/>
+                      </a:endParaRPr>
+                    </a:p>
+                  </a:txBody>
+                  <a:tcPr marL="3384" marR="3384" marT="3384" marB="0" anchor="b"/>
+                </a:tc>
+                <a:tc>
+                  <a:txBody>
+                    <a:bodyPr/>
+                    <a:lstStyle/>
+                    <a:p>
+                      <a:pPr algn="l" fontAlgn="b"/>
+                      <a:r>
+                        <a:rPr lang="en-US" sz="900" u="none" strike="noStrike">
+                          <a:effectLst/>
+                        </a:rPr>
+                        <a:t>CL21A106KOCLRNC</a:t>
+                      </a:r>
+                      <a:endParaRPr lang="en-US" sz="900" b="0" i="0" u="none" strike="noStrike">
+                        <a:solidFill>
+                          <a:srgbClr val="000000"/>
+                        </a:solidFill>
+                        <a:effectLst/>
+                        <a:latin typeface="Sans"/>
+                      </a:endParaRPr>
+                    </a:p>
+                  </a:txBody>
+                  <a:tcPr marL="3384" marR="3384" marT="3384" marB="0" anchor="b"/>
+                </a:tc>
+                <a:tc>
+                  <a:txBody>
+                    <a:bodyPr/>
+                    <a:lstStyle/>
+                    <a:p>
+                      <a:pPr algn="l" fontAlgn="b"/>
+                      <a:r>
+                        <a:rPr lang="pt-BR" sz="900" u="none" strike="noStrike">
+                          <a:effectLst/>
+                        </a:rPr>
+                        <a:t>10µF ±10% 16V Ceramic Capacitor X5R 0805 (2012 Metric) </a:t>
+                      </a:r>
+                      <a:endParaRPr lang="pt-BR" sz="900" b="0" i="0" u="none" strike="noStrike">
+                        <a:solidFill>
+                          <a:srgbClr val="000000"/>
+                        </a:solidFill>
+                        <a:effectLst/>
+                        <a:latin typeface="Sans"/>
+                      </a:endParaRPr>
+                    </a:p>
+                  </a:txBody>
+                  <a:tcPr marL="3384" marR="3384" marT="3384" marB="0" anchor="b"/>
+                </a:tc>
+                <a:tc>
+                  <a:txBody>
+                    <a:bodyPr/>
+                    <a:lstStyle/>
+                    <a:p>
+                      <a:pPr algn="l" fontAlgn="b"/>
+                      <a:r>
+                        <a:rPr lang="en-US" sz="900" u="none" strike="noStrike">
+                          <a:effectLst/>
+                        </a:rPr>
+                        <a:t>Digikey</a:t>
+                      </a:r>
+                      <a:endParaRPr lang="en-US" sz="900" b="0" i="0" u="none" strike="noStrike">
+                        <a:solidFill>
+                          <a:srgbClr val="000000"/>
+                        </a:solidFill>
+                        <a:effectLst/>
+                        <a:latin typeface="Sans"/>
+                      </a:endParaRPr>
+                    </a:p>
+                  </a:txBody>
+                  <a:tcPr marL="3384" marR="3384" marT="3384" marB="0" anchor="b"/>
+                </a:tc>
+                <a:tc>
+                  <a:txBody>
+                    <a:bodyPr/>
+                    <a:lstStyle/>
+                    <a:p>
+                      <a:pPr algn="l" fontAlgn="b"/>
+                      <a:r>
+                        <a:rPr lang="en-US" sz="900" u="none" strike="noStrike">
+                          <a:effectLst/>
+                        </a:rPr>
+                        <a:t>1276-2399-2-ND</a:t>
+                      </a:r>
+                      <a:endParaRPr lang="en-US" sz="900" b="0" i="0" u="none" strike="noStrike">
+                        <a:solidFill>
+                          <a:srgbClr val="000000"/>
+                        </a:solidFill>
+                        <a:effectLst/>
+                        <a:latin typeface="Sans"/>
+                      </a:endParaRPr>
+                    </a:p>
+                  </a:txBody>
+                  <a:tcPr marL="3384" marR="3384" marT="3384" marB="0" anchor="b"/>
+                </a:tc>
+                <a:tc>
+                  <a:txBody>
+                    <a:bodyPr/>
+                    <a:lstStyle/>
+                    <a:p>
+                      <a:pPr algn="r" fontAlgn="b"/>
+                      <a:r>
+                        <a:rPr lang="en-US" sz="900" u="none" strike="noStrike">
+                          <a:effectLst/>
+                        </a:rPr>
+                        <a:t>0.04428</a:t>
+                      </a:r>
+                      <a:endParaRPr lang="en-US" sz="900" b="0" i="0" u="none" strike="noStrike">
+                        <a:solidFill>
+                          <a:srgbClr val="000000"/>
+                        </a:solidFill>
+                        <a:effectLst/>
+                        <a:latin typeface="Sans"/>
+                      </a:endParaRPr>
+                    </a:p>
+                  </a:txBody>
+                  <a:tcPr marL="3384" marR="3384" marT="3384" marB="0" anchor="b"/>
+                </a:tc>
+                <a:tc>
+                  <a:txBody>
+                    <a:bodyPr/>
+                    <a:lstStyle/>
+                    <a:p>
+                      <a:pPr algn="r" fontAlgn="b"/>
+                      <a:r>
+                        <a:rPr lang="en-US" sz="900" u="none" strike="noStrike">
+                          <a:effectLst/>
+                        </a:rPr>
+                        <a:t>0.08856</a:t>
+                      </a:r>
+                      <a:endParaRPr lang="en-US" sz="900" b="0" i="0" u="none" strike="noStrike">
+                        <a:solidFill>
+                          <a:srgbClr val="000000"/>
+                        </a:solidFill>
+                        <a:effectLst/>
+                        <a:latin typeface="Sans"/>
+                      </a:endParaRPr>
+                    </a:p>
+                  </a:txBody>
+                  <a:tcPr marL="3384" marR="3384" marT="3384" marB="0" anchor="b"/>
+                </a:tc>
+                <a:extLst>
+                  <a:ext uri="{0D108BD9-81ED-4DB2-BD59-A6C34878D82A}">
+                    <a16:rowId xmlns:a16="http://schemas.microsoft.com/office/drawing/2014/main" val="1294972833"/>
+                  </a:ext>
+                </a:extLst>
+              </a:tr>
+              <a:tr h="259701">
+                <a:tc>
+                  <a:txBody>
+                    <a:bodyPr/>
+                    <a:lstStyle/>
+                    <a:p>
+                      <a:pPr algn="r" fontAlgn="b"/>
+                      <a:r>
+                        <a:rPr lang="en-US" sz="900" u="none" strike="noStrike">
+                          <a:effectLst/>
+                        </a:rPr>
+                        <a:t>6</a:t>
+                      </a:r>
+                      <a:endParaRPr lang="en-US" sz="900" b="0" i="0" u="none" strike="noStrike">
+                        <a:solidFill>
+                          <a:srgbClr val="000000"/>
+                        </a:solidFill>
+                        <a:effectLst/>
+                        <a:latin typeface="Sans"/>
+                      </a:endParaRPr>
+                    </a:p>
+                  </a:txBody>
+                  <a:tcPr marL="3384" marR="3384" marT="3384" marB="0" anchor="b"/>
+                </a:tc>
+                <a:tc>
+                  <a:txBody>
+                    <a:bodyPr/>
+                    <a:lstStyle/>
+                    <a:p>
+                      <a:pPr algn="l" fontAlgn="b"/>
+                      <a:r>
+                        <a:rPr lang="en-US" sz="900" u="none" strike="noStrike">
+                          <a:effectLst/>
+                        </a:rPr>
+                        <a:t>C2</a:t>
+                      </a:r>
+                      <a:endParaRPr lang="en-US" sz="900" b="0" i="0" u="none" strike="noStrike">
+                        <a:solidFill>
+                          <a:srgbClr val="000000"/>
+                        </a:solidFill>
+                        <a:effectLst/>
+                        <a:latin typeface="Sans"/>
+                      </a:endParaRPr>
+                    </a:p>
+                  </a:txBody>
+                  <a:tcPr marL="3384" marR="3384" marT="3384" marB="0" anchor="b"/>
+                </a:tc>
+                <a:tc>
+                  <a:txBody>
+                    <a:bodyPr/>
+                    <a:lstStyle/>
+                    <a:p>
+                      <a:pPr algn="ctr" fontAlgn="b"/>
+                      <a:r>
+                        <a:rPr lang="en-US" sz="900" u="none" strike="noStrike">
+                          <a:effectLst/>
+                        </a:rPr>
+                        <a:t>P</a:t>
+                      </a:r>
+                      <a:endParaRPr lang="en-US" sz="900" b="0" i="0" u="none" strike="noStrike">
+                        <a:solidFill>
+                          <a:srgbClr val="000000"/>
+                        </a:solidFill>
+                        <a:effectLst/>
+                        <a:latin typeface="Sans"/>
+                      </a:endParaRPr>
+                    </a:p>
+                  </a:txBody>
+                  <a:tcPr marL="3384" marR="3384" marT="3384" marB="0" anchor="b"/>
+                </a:tc>
+                <a:tc>
+                  <a:txBody>
+                    <a:bodyPr/>
+                    <a:lstStyle/>
+                    <a:p>
+                      <a:pPr algn="l" fontAlgn="b"/>
+                      <a:r>
+                        <a:rPr lang="en-US" sz="900" u="none" strike="noStrike">
+                          <a:effectLst/>
+                        </a:rPr>
+                        <a:t>Yageo</a:t>
+                      </a:r>
+                      <a:endParaRPr lang="en-US" sz="900" b="0" i="0" u="none" strike="noStrike">
+                        <a:solidFill>
+                          <a:srgbClr val="000000"/>
+                        </a:solidFill>
+                        <a:effectLst/>
+                        <a:latin typeface="Sans"/>
+                      </a:endParaRPr>
+                    </a:p>
+                  </a:txBody>
+                  <a:tcPr marL="3384" marR="3384" marT="3384" marB="0" anchor="b"/>
+                </a:tc>
+                <a:tc>
+                  <a:txBody>
+                    <a:bodyPr/>
+                    <a:lstStyle/>
+                    <a:p>
+                      <a:pPr algn="l" fontAlgn="ctr"/>
+                      <a:r>
+                        <a:rPr lang="en-US" sz="900" u="none" strike="noStrike">
+                          <a:effectLst/>
+                        </a:rPr>
+                        <a:t>CC0805ZRY5V9BB104</a:t>
+                      </a:r>
+                      <a:endParaRPr lang="en-US" sz="900" b="0" i="0" u="none" strike="noStrike">
+                        <a:solidFill>
+                          <a:srgbClr val="000000"/>
+                        </a:solidFill>
+                        <a:effectLst/>
+                        <a:latin typeface="Sans"/>
+                      </a:endParaRPr>
+                    </a:p>
+                  </a:txBody>
+                  <a:tcPr marL="3384" marR="3384" marT="3384" marB="0" anchor="ctr"/>
+                </a:tc>
+                <a:tc>
+                  <a:txBody>
+                    <a:bodyPr/>
+                    <a:lstStyle/>
+                    <a:p>
+                      <a:pPr algn="l" fontAlgn="b"/>
+                      <a:r>
+                        <a:rPr lang="es-ES" sz="900" u="none" strike="noStrike">
+                          <a:effectLst/>
+                        </a:rPr>
+                        <a:t>0.1µF -20%, +80% 50V Ceramic Capacitor Y5V (F) 0805 (2012 Metric)</a:t>
+                      </a:r>
+                      <a:endParaRPr lang="es-ES" sz="900" b="0" i="0" u="none" strike="noStrike">
+                        <a:solidFill>
+                          <a:srgbClr val="000000"/>
+                        </a:solidFill>
+                        <a:effectLst/>
+                        <a:latin typeface="Sans"/>
+                      </a:endParaRPr>
+                    </a:p>
+                  </a:txBody>
+                  <a:tcPr marL="3384" marR="3384" marT="3384" marB="0" anchor="b"/>
+                </a:tc>
+                <a:tc>
+                  <a:txBody>
+                    <a:bodyPr/>
+                    <a:lstStyle/>
+                    <a:p>
+                      <a:pPr algn="l" fontAlgn="b"/>
+                      <a:r>
+                        <a:rPr lang="en-US" sz="900" u="none" strike="noStrike">
+                          <a:effectLst/>
+                        </a:rPr>
+                        <a:t>Digikey</a:t>
+                      </a:r>
+                      <a:endParaRPr lang="en-US" sz="900" b="0" i="0" u="none" strike="noStrike">
+                        <a:solidFill>
+                          <a:srgbClr val="000000"/>
+                        </a:solidFill>
+                        <a:effectLst/>
+                        <a:latin typeface="Sans"/>
+                      </a:endParaRPr>
+                    </a:p>
+                  </a:txBody>
+                  <a:tcPr marL="3384" marR="3384" marT="3384" marB="0" anchor="b"/>
+                </a:tc>
+                <a:tc>
+                  <a:txBody>
+                    <a:bodyPr/>
+                    <a:lstStyle/>
+                    <a:p>
+                      <a:pPr algn="l" fontAlgn="b"/>
+                      <a:r>
+                        <a:rPr lang="en-US" sz="900" u="none" strike="noStrike">
+                          <a:effectLst/>
+                        </a:rPr>
+                        <a:t>311-1361-1-ND</a:t>
+                      </a:r>
+                      <a:endParaRPr lang="en-US" sz="900" b="0" i="0" u="none" strike="noStrike">
+                        <a:solidFill>
+                          <a:srgbClr val="000000"/>
+                        </a:solidFill>
+                        <a:effectLst/>
+                        <a:latin typeface="Sans"/>
+                      </a:endParaRPr>
+                    </a:p>
+                  </a:txBody>
+                  <a:tcPr marL="3384" marR="3384" marT="3384" marB="0" anchor="b"/>
+                </a:tc>
+                <a:tc>
+                  <a:txBody>
+                    <a:bodyPr/>
+                    <a:lstStyle/>
+                    <a:p>
+                      <a:pPr algn="r" fontAlgn="b"/>
+                      <a:r>
+                        <a:rPr lang="en-US" sz="900" u="none" strike="noStrike">
+                          <a:effectLst/>
+                        </a:rPr>
+                        <a:t>0.16</a:t>
+                      </a:r>
+                      <a:endParaRPr lang="en-US" sz="900" b="0" i="0" u="none" strike="noStrike">
+                        <a:solidFill>
+                          <a:srgbClr val="000000"/>
+                        </a:solidFill>
+                        <a:effectLst/>
+                        <a:latin typeface="Sans"/>
+                      </a:endParaRPr>
+                    </a:p>
+                  </a:txBody>
+                  <a:tcPr marL="3384" marR="3384" marT="3384" marB="0" anchor="b"/>
+                </a:tc>
+                <a:tc>
+                  <a:txBody>
+                    <a:bodyPr/>
+                    <a:lstStyle/>
+                    <a:p>
+                      <a:pPr algn="r" fontAlgn="b"/>
+                      <a:r>
+                        <a:rPr lang="en-US" sz="900" u="none" strike="noStrike">
+                          <a:effectLst/>
+                        </a:rPr>
+                        <a:t>0.96</a:t>
+                      </a:r>
+                      <a:endParaRPr lang="en-US" sz="900" b="0" i="0" u="none" strike="noStrike">
+                        <a:solidFill>
+                          <a:srgbClr val="000000"/>
+                        </a:solidFill>
+                        <a:effectLst/>
+                        <a:latin typeface="Sans"/>
+                      </a:endParaRPr>
+                    </a:p>
+                  </a:txBody>
+                  <a:tcPr marL="3384" marR="3384" marT="3384" marB="0" anchor="b"/>
+                </a:tc>
+                <a:extLst>
+                  <a:ext uri="{0D108BD9-81ED-4DB2-BD59-A6C34878D82A}">
+                    <a16:rowId xmlns:a16="http://schemas.microsoft.com/office/drawing/2014/main" val="2049031405"/>
+                  </a:ext>
+                </a:extLst>
+              </a:tr>
+              <a:tr h="259701">
+                <a:tc>
+                  <a:txBody>
+                    <a:bodyPr/>
+                    <a:lstStyle/>
+                    <a:p>
+                      <a:pPr algn="r" fontAlgn="b"/>
+                      <a:r>
+                        <a:rPr lang="en-US" sz="900" u="none" strike="noStrike">
+                          <a:effectLst/>
+                        </a:rPr>
+                        <a:t>2</a:t>
+                      </a:r>
+                      <a:endParaRPr lang="en-US" sz="900" b="0" i="0" u="none" strike="noStrike">
+                        <a:solidFill>
+                          <a:srgbClr val="000000"/>
+                        </a:solidFill>
+                        <a:effectLst/>
+                        <a:latin typeface="Sans"/>
+                      </a:endParaRPr>
+                    </a:p>
+                  </a:txBody>
+                  <a:tcPr marL="3384" marR="3384" marT="3384" marB="0" anchor="b"/>
+                </a:tc>
+                <a:tc>
+                  <a:txBody>
+                    <a:bodyPr/>
+                    <a:lstStyle/>
+                    <a:p>
+                      <a:pPr algn="l" fontAlgn="b"/>
+                      <a:r>
+                        <a:rPr lang="en-US" sz="900" u="none" strike="noStrike">
+                          <a:effectLst/>
+                        </a:rPr>
+                        <a:t>C3</a:t>
+                      </a:r>
+                      <a:endParaRPr lang="en-US" sz="900" b="0" i="0" u="none" strike="noStrike">
+                        <a:solidFill>
+                          <a:srgbClr val="000000"/>
+                        </a:solidFill>
+                        <a:effectLst/>
+                        <a:latin typeface="Sans"/>
+                      </a:endParaRPr>
+                    </a:p>
+                  </a:txBody>
+                  <a:tcPr marL="3384" marR="3384" marT="3384" marB="0" anchor="b"/>
+                </a:tc>
+                <a:tc>
+                  <a:txBody>
+                    <a:bodyPr/>
+                    <a:lstStyle/>
+                    <a:p>
+                      <a:pPr algn="ctr" fontAlgn="b"/>
+                      <a:r>
+                        <a:rPr lang="en-US" sz="900" u="none" strike="noStrike">
+                          <a:effectLst/>
+                        </a:rPr>
+                        <a:t>P</a:t>
+                      </a:r>
+                      <a:endParaRPr lang="en-US" sz="900" b="0" i="0" u="none" strike="noStrike">
+                        <a:solidFill>
+                          <a:srgbClr val="000000"/>
+                        </a:solidFill>
+                        <a:effectLst/>
+                        <a:latin typeface="Sans"/>
+                      </a:endParaRPr>
+                    </a:p>
+                  </a:txBody>
+                  <a:tcPr marL="3384" marR="3384" marT="3384" marB="0" anchor="b"/>
+                </a:tc>
+                <a:tc>
+                  <a:txBody>
+                    <a:bodyPr/>
+                    <a:lstStyle/>
+                    <a:p>
+                      <a:pPr algn="l" fontAlgn="b"/>
+                      <a:r>
+                        <a:rPr lang="en-US" sz="900" u="none" strike="noStrike" dirty="0">
+                          <a:effectLst/>
+                        </a:rPr>
+                        <a:t>KEMET</a:t>
+                      </a:r>
+                      <a:endParaRPr lang="en-US" sz="900" b="0" i="0" u="none" strike="noStrike" dirty="0">
+                        <a:solidFill>
+                          <a:srgbClr val="000000"/>
+                        </a:solidFill>
+                        <a:effectLst/>
+                        <a:latin typeface="Sans"/>
+                      </a:endParaRPr>
+                    </a:p>
+                  </a:txBody>
+                  <a:tcPr marL="3384" marR="3384" marT="3384" marB="0" anchor="b"/>
+                </a:tc>
+                <a:tc>
+                  <a:txBody>
+                    <a:bodyPr/>
+                    <a:lstStyle/>
+                    <a:p>
+                      <a:pPr algn="l" fontAlgn="ctr"/>
+                      <a:r>
+                        <a:rPr lang="en-US" sz="900" u="none" strike="noStrike">
+                          <a:effectLst/>
+                        </a:rPr>
+                        <a:t>C0805C220K5GACTU</a:t>
+                      </a:r>
+                      <a:endParaRPr lang="en-US" sz="900" b="0" i="0" u="none" strike="noStrike">
+                        <a:solidFill>
+                          <a:srgbClr val="000000"/>
+                        </a:solidFill>
+                        <a:effectLst/>
+                        <a:latin typeface="Sans"/>
+                      </a:endParaRPr>
+                    </a:p>
+                  </a:txBody>
+                  <a:tcPr marL="3384" marR="3384" marT="3384" marB="0" anchor="ctr"/>
+                </a:tc>
+                <a:tc>
+                  <a:txBody>
+                    <a:bodyPr/>
+                    <a:lstStyle/>
+                    <a:p>
+                      <a:pPr algn="l" fontAlgn="b"/>
+                      <a:r>
+                        <a:rPr lang="en-US" sz="900" u="none" strike="noStrike">
+                          <a:effectLst/>
+                        </a:rPr>
+                        <a:t>22pF ±10% 50V Ceramic Capacitor C0G, NP0 0805 (2012 Metric) </a:t>
+                      </a:r>
+                      <a:endParaRPr lang="en-US" sz="900" b="0" i="0" u="none" strike="noStrike">
+                        <a:solidFill>
+                          <a:srgbClr val="000000"/>
+                        </a:solidFill>
+                        <a:effectLst/>
+                        <a:latin typeface="Sans"/>
+                      </a:endParaRPr>
+                    </a:p>
+                  </a:txBody>
+                  <a:tcPr marL="3384" marR="3384" marT="3384" marB="0" anchor="b"/>
+                </a:tc>
+                <a:tc>
+                  <a:txBody>
+                    <a:bodyPr/>
+                    <a:lstStyle/>
+                    <a:p>
+                      <a:pPr algn="l" fontAlgn="b"/>
+                      <a:r>
+                        <a:rPr lang="en-US" sz="900" u="none" strike="noStrike">
+                          <a:effectLst/>
+                        </a:rPr>
+                        <a:t>Digikey</a:t>
+                      </a:r>
+                      <a:endParaRPr lang="en-US" sz="900" b="0" i="0" u="none" strike="noStrike">
+                        <a:solidFill>
+                          <a:srgbClr val="000000"/>
+                        </a:solidFill>
+                        <a:effectLst/>
+                        <a:latin typeface="Sans"/>
+                      </a:endParaRPr>
+                    </a:p>
+                  </a:txBody>
+                  <a:tcPr marL="3384" marR="3384" marT="3384" marB="0" anchor="b"/>
+                </a:tc>
+                <a:tc>
+                  <a:txBody>
+                    <a:bodyPr/>
+                    <a:lstStyle/>
+                    <a:p>
+                      <a:pPr algn="l" fontAlgn="b"/>
+                      <a:r>
+                        <a:rPr lang="en-US" sz="900" u="none" strike="noStrike">
+                          <a:effectLst/>
+                        </a:rPr>
+                        <a:t>399-8036-1-ND</a:t>
+                      </a:r>
+                      <a:endParaRPr lang="en-US" sz="900" b="0" i="0" u="none" strike="noStrike">
+                        <a:solidFill>
+                          <a:srgbClr val="000000"/>
+                        </a:solidFill>
+                        <a:effectLst/>
+                        <a:latin typeface="Sans"/>
+                      </a:endParaRPr>
+                    </a:p>
+                  </a:txBody>
+                  <a:tcPr marL="3384" marR="3384" marT="3384" marB="0" anchor="b"/>
+                </a:tc>
+                <a:tc>
+                  <a:txBody>
+                    <a:bodyPr/>
+                    <a:lstStyle/>
+                    <a:p>
+                      <a:pPr algn="r" fontAlgn="b"/>
+                      <a:r>
+                        <a:rPr lang="en-US" sz="900" u="none" strike="noStrike">
+                          <a:effectLst/>
+                        </a:rPr>
+                        <a:t>0.14</a:t>
+                      </a:r>
+                      <a:endParaRPr lang="en-US" sz="900" b="0" i="0" u="none" strike="noStrike">
+                        <a:solidFill>
+                          <a:srgbClr val="000000"/>
+                        </a:solidFill>
+                        <a:effectLst/>
+                        <a:latin typeface="Sans"/>
+                      </a:endParaRPr>
+                    </a:p>
+                  </a:txBody>
+                  <a:tcPr marL="3384" marR="3384" marT="3384" marB="0" anchor="b"/>
+                </a:tc>
+                <a:tc>
+                  <a:txBody>
+                    <a:bodyPr/>
+                    <a:lstStyle/>
+                    <a:p>
+                      <a:pPr algn="r" fontAlgn="b"/>
+                      <a:r>
+                        <a:rPr lang="en-US" sz="900" u="none" strike="noStrike">
+                          <a:effectLst/>
+                        </a:rPr>
+                        <a:t>0.28</a:t>
+                      </a:r>
+                      <a:endParaRPr lang="en-US" sz="900" b="0" i="0" u="none" strike="noStrike">
+                        <a:solidFill>
+                          <a:srgbClr val="000000"/>
+                        </a:solidFill>
+                        <a:effectLst/>
+                        <a:latin typeface="Sans"/>
+                      </a:endParaRPr>
+                    </a:p>
+                  </a:txBody>
+                  <a:tcPr marL="3384" marR="3384" marT="3384" marB="0" anchor="b"/>
+                </a:tc>
+                <a:extLst>
+                  <a:ext uri="{0D108BD9-81ED-4DB2-BD59-A6C34878D82A}">
+                    <a16:rowId xmlns:a16="http://schemas.microsoft.com/office/drawing/2014/main" val="3106274078"/>
+                  </a:ext>
+                </a:extLst>
+              </a:tr>
+              <a:tr h="259701">
+                <a:tc>
+                  <a:txBody>
+                    <a:bodyPr/>
+                    <a:lstStyle/>
+                    <a:p>
+                      <a:pPr algn="r" fontAlgn="b"/>
+                      <a:r>
+                        <a:rPr lang="en-US" sz="900" u="none" strike="noStrike">
+                          <a:effectLst/>
+                        </a:rPr>
+                        <a:t>1</a:t>
+                      </a:r>
+                      <a:endParaRPr lang="en-US" sz="900" b="0" i="0" u="none" strike="noStrike">
+                        <a:solidFill>
+                          <a:srgbClr val="000000"/>
+                        </a:solidFill>
+                        <a:effectLst/>
+                        <a:latin typeface="Sans"/>
+                      </a:endParaRPr>
+                    </a:p>
+                  </a:txBody>
+                  <a:tcPr marL="3384" marR="3384" marT="3384" marB="0" anchor="b"/>
+                </a:tc>
+                <a:tc>
+                  <a:txBody>
+                    <a:bodyPr/>
+                    <a:lstStyle/>
+                    <a:p>
+                      <a:pPr algn="l" fontAlgn="b"/>
+                      <a:r>
+                        <a:rPr lang="en-US" sz="900" u="none" strike="noStrike">
+                          <a:effectLst/>
+                        </a:rPr>
+                        <a:t>X1</a:t>
+                      </a:r>
+                      <a:endParaRPr lang="en-US" sz="900" b="0" i="0" u="none" strike="noStrike">
+                        <a:solidFill>
+                          <a:srgbClr val="000000"/>
+                        </a:solidFill>
+                        <a:effectLst/>
+                        <a:latin typeface="Sans"/>
+                      </a:endParaRPr>
+                    </a:p>
+                  </a:txBody>
+                  <a:tcPr marL="3384" marR="3384" marT="3384" marB="0" anchor="b"/>
+                </a:tc>
+                <a:tc>
+                  <a:txBody>
+                    <a:bodyPr/>
+                    <a:lstStyle/>
+                    <a:p>
+                      <a:pPr algn="ctr" fontAlgn="b"/>
+                      <a:r>
+                        <a:rPr lang="en-US" sz="900" u="none" strike="noStrike">
+                          <a:effectLst/>
+                        </a:rPr>
+                        <a:t>P</a:t>
+                      </a:r>
+                      <a:endParaRPr lang="en-US" sz="900" b="0" i="0" u="none" strike="noStrike">
+                        <a:solidFill>
+                          <a:srgbClr val="000000"/>
+                        </a:solidFill>
+                        <a:effectLst/>
+                        <a:latin typeface="Sans"/>
+                      </a:endParaRPr>
+                    </a:p>
+                  </a:txBody>
+                  <a:tcPr marL="3384" marR="3384" marT="3384" marB="0" anchor="b"/>
+                </a:tc>
+                <a:tc>
+                  <a:txBody>
+                    <a:bodyPr/>
+                    <a:lstStyle/>
+                    <a:p>
+                      <a:pPr algn="l" fontAlgn="b"/>
+                      <a:r>
+                        <a:rPr lang="en-US" sz="900" u="none" strike="noStrike">
+                          <a:effectLst/>
+                        </a:rPr>
+                        <a:t>Abracon LLC</a:t>
+                      </a:r>
+                      <a:endParaRPr lang="en-US" sz="900" b="0" i="0" u="none" strike="noStrike">
+                        <a:solidFill>
+                          <a:srgbClr val="000000"/>
+                        </a:solidFill>
+                        <a:effectLst/>
+                        <a:latin typeface="Sans"/>
+                      </a:endParaRPr>
+                    </a:p>
+                  </a:txBody>
+                  <a:tcPr marL="3384" marR="3384" marT="3384" marB="0" anchor="b"/>
+                </a:tc>
+                <a:tc>
+                  <a:txBody>
+                    <a:bodyPr/>
+                    <a:lstStyle/>
+                    <a:p>
+                      <a:pPr algn="l" fontAlgn="ctr"/>
+                      <a:r>
+                        <a:rPr lang="en-US" sz="900" u="none" strike="noStrike">
+                          <a:effectLst/>
+                        </a:rPr>
+                        <a:t>ABLS-16.000MHZ-B4-T</a:t>
+                      </a:r>
+                      <a:endParaRPr lang="en-US" sz="900" b="0" i="0" u="none" strike="noStrike">
+                        <a:solidFill>
+                          <a:srgbClr val="000000"/>
+                        </a:solidFill>
+                        <a:effectLst/>
+                        <a:latin typeface="Sans"/>
+                      </a:endParaRPr>
+                    </a:p>
+                  </a:txBody>
+                  <a:tcPr marL="3384" marR="3384" marT="3384" marB="0" anchor="ctr"/>
+                </a:tc>
+                <a:tc>
+                  <a:txBody>
+                    <a:bodyPr/>
+                    <a:lstStyle/>
+                    <a:p>
+                      <a:pPr algn="l" fontAlgn="b"/>
+                      <a:r>
+                        <a:rPr lang="en-US" sz="900" u="none" strike="noStrike">
+                          <a:effectLst/>
+                        </a:rPr>
+                        <a:t>16MHz ±30ppm Crystal 18pF 40 Ohms HC-49/US </a:t>
+                      </a:r>
+                      <a:endParaRPr lang="en-US" sz="900" b="0" i="0" u="none" strike="noStrike">
+                        <a:solidFill>
+                          <a:srgbClr val="000000"/>
+                        </a:solidFill>
+                        <a:effectLst/>
+                        <a:latin typeface="Sans"/>
+                      </a:endParaRPr>
+                    </a:p>
+                  </a:txBody>
+                  <a:tcPr marL="3384" marR="3384" marT="3384" marB="0" anchor="b"/>
+                </a:tc>
+                <a:tc>
+                  <a:txBody>
+                    <a:bodyPr/>
+                    <a:lstStyle/>
+                    <a:p>
+                      <a:pPr algn="l" fontAlgn="b"/>
+                      <a:r>
+                        <a:rPr lang="en-US" sz="900" u="none" strike="noStrike">
+                          <a:effectLst/>
+                        </a:rPr>
+                        <a:t>Digikey</a:t>
+                      </a:r>
+                      <a:endParaRPr lang="en-US" sz="900" b="0" i="0" u="none" strike="noStrike">
+                        <a:solidFill>
+                          <a:srgbClr val="000000"/>
+                        </a:solidFill>
+                        <a:effectLst/>
+                        <a:latin typeface="Sans"/>
+                      </a:endParaRPr>
+                    </a:p>
+                  </a:txBody>
+                  <a:tcPr marL="3384" marR="3384" marT="3384" marB="0" anchor="b"/>
+                </a:tc>
+                <a:tc>
+                  <a:txBody>
+                    <a:bodyPr/>
+                    <a:lstStyle/>
+                    <a:p>
+                      <a:pPr algn="l" fontAlgn="b"/>
+                      <a:r>
+                        <a:rPr lang="en-US" sz="900" u="none" strike="noStrike">
+                          <a:effectLst/>
+                        </a:rPr>
+                        <a:t>535-10226-1-ND</a:t>
+                      </a:r>
+                      <a:endParaRPr lang="en-US" sz="900" b="0" i="0" u="none" strike="noStrike">
+                        <a:solidFill>
+                          <a:srgbClr val="000000"/>
+                        </a:solidFill>
+                        <a:effectLst/>
+                        <a:latin typeface="Sans"/>
+                      </a:endParaRPr>
+                    </a:p>
+                  </a:txBody>
+                  <a:tcPr marL="3384" marR="3384" marT="3384" marB="0" anchor="b"/>
+                </a:tc>
+                <a:tc>
+                  <a:txBody>
+                    <a:bodyPr/>
+                    <a:lstStyle/>
+                    <a:p>
+                      <a:pPr algn="r" fontAlgn="b"/>
+                      <a:r>
+                        <a:rPr lang="en-US" sz="900" u="none" strike="noStrike">
+                          <a:effectLst/>
+                        </a:rPr>
+                        <a:t>0.27</a:t>
+                      </a:r>
+                      <a:endParaRPr lang="en-US" sz="900" b="0" i="0" u="none" strike="noStrike">
+                        <a:solidFill>
+                          <a:srgbClr val="000000"/>
+                        </a:solidFill>
+                        <a:effectLst/>
+                        <a:latin typeface="Sans"/>
+                      </a:endParaRPr>
+                    </a:p>
+                  </a:txBody>
+                  <a:tcPr marL="3384" marR="3384" marT="3384" marB="0" anchor="b"/>
+                </a:tc>
+                <a:tc>
+                  <a:txBody>
+                    <a:bodyPr/>
+                    <a:lstStyle/>
+                    <a:p>
+                      <a:pPr algn="r" fontAlgn="b"/>
+                      <a:r>
+                        <a:rPr lang="en-US" sz="900" u="none" strike="noStrike">
+                          <a:effectLst/>
+                        </a:rPr>
+                        <a:t>0.27</a:t>
+                      </a:r>
+                      <a:endParaRPr lang="en-US" sz="900" b="0" i="0" u="none" strike="noStrike">
+                        <a:solidFill>
+                          <a:srgbClr val="000000"/>
+                        </a:solidFill>
+                        <a:effectLst/>
+                        <a:latin typeface="Sans"/>
+                      </a:endParaRPr>
+                    </a:p>
+                  </a:txBody>
+                  <a:tcPr marL="3384" marR="3384" marT="3384" marB="0" anchor="b"/>
+                </a:tc>
+                <a:extLst>
+                  <a:ext uri="{0D108BD9-81ED-4DB2-BD59-A6C34878D82A}">
+                    <a16:rowId xmlns:a16="http://schemas.microsoft.com/office/drawing/2014/main" val="3625689090"/>
+                  </a:ext>
+                </a:extLst>
+              </a:tr>
+              <a:tr h="259701">
+                <a:tc>
+                  <a:txBody>
+                    <a:bodyPr/>
+                    <a:lstStyle/>
+                    <a:p>
+                      <a:pPr algn="r" fontAlgn="b"/>
+                      <a:r>
+                        <a:rPr lang="en-US" sz="900" u="none" strike="noStrike">
+                          <a:effectLst/>
+                        </a:rPr>
+                        <a:t>2</a:t>
+                      </a:r>
+                      <a:endParaRPr lang="en-US" sz="900" b="0" i="0" u="none" strike="noStrike">
+                        <a:solidFill>
+                          <a:srgbClr val="000000"/>
+                        </a:solidFill>
+                        <a:effectLst/>
+                        <a:latin typeface="Sans"/>
+                      </a:endParaRPr>
+                    </a:p>
+                  </a:txBody>
+                  <a:tcPr marL="3384" marR="3384" marT="3384" marB="0" anchor="b"/>
+                </a:tc>
+                <a:tc>
+                  <a:txBody>
+                    <a:bodyPr/>
+                    <a:lstStyle/>
+                    <a:p>
+                      <a:pPr algn="l" fontAlgn="b"/>
+                      <a:r>
+                        <a:rPr lang="en-US" sz="900" u="none" strike="noStrike">
+                          <a:effectLst/>
+                        </a:rPr>
+                        <a:t>JMP</a:t>
+                      </a:r>
+                      <a:endParaRPr lang="en-US" sz="900" b="0" i="0" u="none" strike="noStrike">
+                        <a:solidFill>
+                          <a:srgbClr val="000000"/>
+                        </a:solidFill>
+                        <a:effectLst/>
+                        <a:latin typeface="Sans"/>
+                      </a:endParaRPr>
+                    </a:p>
+                  </a:txBody>
+                  <a:tcPr marL="3384" marR="3384" marT="3384" marB="0" anchor="b"/>
+                </a:tc>
+                <a:tc>
+                  <a:txBody>
+                    <a:bodyPr/>
+                    <a:lstStyle/>
+                    <a:p>
+                      <a:pPr algn="ctr" fontAlgn="b"/>
+                      <a:r>
+                        <a:rPr lang="en-US" sz="900" u="none" strike="noStrike">
+                          <a:effectLst/>
+                        </a:rPr>
+                        <a:t>DNP</a:t>
+                      </a:r>
+                      <a:endParaRPr lang="en-US" sz="900" b="0" i="0" u="none" strike="noStrike">
+                        <a:solidFill>
+                          <a:srgbClr val="000000"/>
+                        </a:solidFill>
+                        <a:effectLst/>
+                        <a:latin typeface="Sans"/>
+                      </a:endParaRPr>
+                    </a:p>
+                  </a:txBody>
+                  <a:tcPr marL="3384" marR="3384" marT="3384" marB="0" anchor="b"/>
+                </a:tc>
+                <a:tc>
+                  <a:txBody>
+                    <a:bodyPr/>
+                    <a:lstStyle/>
+                    <a:p>
+                      <a:pPr algn="l" fontAlgn="b"/>
+                      <a:r>
+                        <a:rPr lang="en-US" sz="900" u="none" strike="noStrike">
+                          <a:effectLst/>
+                        </a:rPr>
+                        <a:t>Vishay Dale</a:t>
+                      </a:r>
+                      <a:endParaRPr lang="en-US" sz="900" b="0" i="0" u="none" strike="noStrike">
+                        <a:solidFill>
+                          <a:srgbClr val="000000"/>
+                        </a:solidFill>
+                        <a:effectLst/>
+                        <a:latin typeface="Sans"/>
+                      </a:endParaRPr>
+                    </a:p>
+                  </a:txBody>
+                  <a:tcPr marL="3384" marR="3384" marT="3384" marB="0" anchor="b"/>
+                </a:tc>
+                <a:tc>
+                  <a:txBody>
+                    <a:bodyPr/>
+                    <a:lstStyle/>
+                    <a:p>
+                      <a:pPr algn="l" fontAlgn="ctr"/>
+                      <a:r>
+                        <a:rPr lang="en-US" sz="900" u="none" strike="noStrike">
+                          <a:effectLst/>
+                        </a:rPr>
+                        <a:t>CRCW08050000Z0EA</a:t>
+                      </a:r>
+                      <a:endParaRPr lang="en-US" sz="900" b="0" i="0" u="none" strike="noStrike">
+                        <a:solidFill>
+                          <a:srgbClr val="000000"/>
+                        </a:solidFill>
+                        <a:effectLst/>
+                        <a:latin typeface="Sans"/>
+                      </a:endParaRPr>
+                    </a:p>
+                  </a:txBody>
+                  <a:tcPr marL="3384" marR="3384" marT="3384" marB="0" anchor="ctr"/>
+                </a:tc>
+                <a:tc>
+                  <a:txBody>
+                    <a:bodyPr/>
+                    <a:lstStyle/>
+                    <a:p>
+                      <a:pPr algn="l" fontAlgn="b"/>
+                      <a:r>
+                        <a:rPr lang="en-US" sz="900" u="none" strike="noStrike">
+                          <a:effectLst/>
+                        </a:rPr>
+                        <a:t>0 Ohms Jumper 0.125W, 1/8W Chip Resistor 0805 (2012 Metric) Automotive AEC-Q200 Thick Film</a:t>
+                      </a:r>
+                      <a:endParaRPr lang="en-US" sz="900" b="0" i="0" u="none" strike="noStrike">
+                        <a:solidFill>
+                          <a:srgbClr val="000000"/>
+                        </a:solidFill>
+                        <a:effectLst/>
+                        <a:latin typeface="Sans"/>
+                      </a:endParaRPr>
+                    </a:p>
+                  </a:txBody>
+                  <a:tcPr marL="3384" marR="3384" marT="3384" marB="0" anchor="b"/>
+                </a:tc>
+                <a:tc>
+                  <a:txBody>
+                    <a:bodyPr/>
+                    <a:lstStyle/>
+                    <a:p>
+                      <a:pPr algn="l" fontAlgn="b"/>
+                      <a:r>
+                        <a:rPr lang="en-US" sz="900" u="none" strike="noStrike">
+                          <a:effectLst/>
+                        </a:rPr>
+                        <a:t>Digikey</a:t>
+                      </a:r>
+                      <a:endParaRPr lang="en-US" sz="900" b="0" i="0" u="none" strike="noStrike">
+                        <a:solidFill>
+                          <a:srgbClr val="000000"/>
+                        </a:solidFill>
+                        <a:effectLst/>
+                        <a:latin typeface="Sans"/>
+                      </a:endParaRPr>
+                    </a:p>
+                  </a:txBody>
+                  <a:tcPr marL="3384" marR="3384" marT="3384" marB="0" anchor="b"/>
+                </a:tc>
+                <a:tc>
+                  <a:txBody>
+                    <a:bodyPr/>
+                    <a:lstStyle/>
+                    <a:p>
+                      <a:pPr algn="l" fontAlgn="b"/>
+                      <a:r>
+                        <a:rPr lang="en-US" sz="900" u="none" strike="noStrike">
+                          <a:effectLst/>
+                        </a:rPr>
+                        <a:t>541-0.0ACT-ND</a:t>
+                      </a:r>
+                      <a:endParaRPr lang="en-US" sz="900" b="0" i="0" u="none" strike="noStrike">
+                        <a:solidFill>
+                          <a:srgbClr val="000000"/>
+                        </a:solidFill>
+                        <a:effectLst/>
+                        <a:latin typeface="Sans"/>
+                      </a:endParaRPr>
+                    </a:p>
+                  </a:txBody>
+                  <a:tcPr marL="3384" marR="3384" marT="3384" marB="0" anchor="b"/>
+                </a:tc>
+                <a:tc>
+                  <a:txBody>
+                    <a:bodyPr/>
+                    <a:lstStyle/>
+                    <a:p>
+                      <a:pPr algn="r" fontAlgn="b"/>
+                      <a:r>
+                        <a:rPr lang="en-US" sz="900" u="none" strike="noStrike">
+                          <a:effectLst/>
+                        </a:rPr>
+                        <a:t>0.1</a:t>
+                      </a:r>
+                      <a:endParaRPr lang="en-US" sz="900" b="0" i="0" u="none" strike="noStrike">
+                        <a:solidFill>
+                          <a:srgbClr val="000000"/>
+                        </a:solidFill>
+                        <a:effectLst/>
+                        <a:latin typeface="Sans"/>
+                      </a:endParaRPr>
+                    </a:p>
+                  </a:txBody>
+                  <a:tcPr marL="3384" marR="3384" marT="3384" marB="0" anchor="b"/>
+                </a:tc>
+                <a:tc>
+                  <a:txBody>
+                    <a:bodyPr/>
+                    <a:lstStyle/>
+                    <a:p>
+                      <a:pPr algn="r" fontAlgn="b"/>
+                      <a:r>
+                        <a:rPr lang="en-US" sz="900" u="none" strike="noStrike">
+                          <a:effectLst/>
+                        </a:rPr>
+                        <a:t>0.2</a:t>
+                      </a:r>
+                      <a:endParaRPr lang="en-US" sz="900" b="0" i="0" u="none" strike="noStrike">
+                        <a:solidFill>
+                          <a:srgbClr val="000000"/>
+                        </a:solidFill>
+                        <a:effectLst/>
+                        <a:latin typeface="Sans"/>
+                      </a:endParaRPr>
+                    </a:p>
+                  </a:txBody>
+                  <a:tcPr marL="3384" marR="3384" marT="3384" marB="0" anchor="b"/>
+                </a:tc>
+                <a:extLst>
+                  <a:ext uri="{0D108BD9-81ED-4DB2-BD59-A6C34878D82A}">
+                    <a16:rowId xmlns:a16="http://schemas.microsoft.com/office/drawing/2014/main" val="1506632134"/>
+                  </a:ext>
+                </a:extLst>
+              </a:tr>
+              <a:tr h="237502">
+                <a:tc>
+                  <a:txBody>
+                    <a:bodyPr/>
+                    <a:lstStyle/>
+                    <a:p>
+                      <a:pPr algn="r" fontAlgn="b"/>
+                      <a:r>
+                        <a:rPr lang="en-US" sz="900" u="none" strike="noStrike">
+                          <a:effectLst/>
+                        </a:rPr>
+                        <a:t>1</a:t>
+                      </a:r>
+                      <a:endParaRPr lang="en-US" sz="900" b="0" i="0" u="none" strike="noStrike">
+                        <a:solidFill>
+                          <a:srgbClr val="000000"/>
+                        </a:solidFill>
+                        <a:effectLst/>
+                        <a:latin typeface="Sans"/>
+                      </a:endParaRPr>
+                    </a:p>
+                  </a:txBody>
+                  <a:tcPr marL="3384" marR="3384" marT="3384" marB="0" anchor="b"/>
+                </a:tc>
+                <a:tc>
+                  <a:txBody>
+                    <a:bodyPr/>
+                    <a:lstStyle/>
+                    <a:p>
+                      <a:pPr algn="l" fontAlgn="b"/>
+                      <a:r>
+                        <a:rPr lang="en-US" sz="900" u="none" strike="noStrike">
+                          <a:effectLst/>
+                        </a:rPr>
+                        <a:t>LED(Red)</a:t>
+                      </a:r>
+                      <a:endParaRPr lang="en-US" sz="900" b="0" i="0" u="none" strike="noStrike">
+                        <a:solidFill>
+                          <a:srgbClr val="000000"/>
+                        </a:solidFill>
+                        <a:effectLst/>
+                        <a:latin typeface="Sans"/>
+                      </a:endParaRPr>
+                    </a:p>
+                  </a:txBody>
+                  <a:tcPr marL="3384" marR="3384" marT="3384" marB="0" anchor="b"/>
+                </a:tc>
+                <a:tc>
+                  <a:txBody>
+                    <a:bodyPr/>
+                    <a:lstStyle/>
+                    <a:p>
+                      <a:pPr algn="ctr" fontAlgn="b"/>
+                      <a:r>
+                        <a:rPr lang="en-US" sz="900" u="none" strike="noStrike">
+                          <a:effectLst/>
+                        </a:rPr>
+                        <a:t>DNP</a:t>
+                      </a:r>
+                      <a:endParaRPr lang="en-US" sz="900" b="0" i="0" u="none" strike="noStrike">
+                        <a:solidFill>
+                          <a:srgbClr val="000000"/>
+                        </a:solidFill>
+                        <a:effectLst/>
+                        <a:latin typeface="Sans"/>
+                      </a:endParaRPr>
+                    </a:p>
+                  </a:txBody>
+                  <a:tcPr marL="3384" marR="3384" marT="3384" marB="0" anchor="b"/>
+                </a:tc>
+                <a:tc>
+                  <a:txBody>
+                    <a:bodyPr/>
+                    <a:lstStyle/>
+                    <a:p>
+                      <a:pPr algn="l" fontAlgn="b"/>
+                      <a:r>
+                        <a:rPr lang="en-US" sz="900" u="none" strike="noStrike">
+                          <a:effectLst/>
+                        </a:rPr>
+                        <a:t>Lite-On Inc.</a:t>
+                      </a:r>
+                      <a:endParaRPr lang="en-US" sz="900" b="0" i="0" u="none" strike="noStrike">
+                        <a:solidFill>
+                          <a:srgbClr val="000000"/>
+                        </a:solidFill>
+                        <a:effectLst/>
+                        <a:latin typeface="Sans"/>
+                      </a:endParaRPr>
+                    </a:p>
+                  </a:txBody>
+                  <a:tcPr marL="3384" marR="3384" marT="3384" marB="0" anchor="b"/>
+                </a:tc>
+                <a:tc>
+                  <a:txBody>
+                    <a:bodyPr/>
+                    <a:lstStyle/>
+                    <a:p>
+                      <a:pPr algn="l" fontAlgn="ctr"/>
+                      <a:r>
+                        <a:rPr lang="en-US" sz="900" u="none" strike="noStrike">
+                          <a:effectLst/>
+                        </a:rPr>
+                        <a:t>LTST-C191KRKT</a:t>
+                      </a:r>
+                      <a:endParaRPr lang="en-US" sz="900" b="0" i="0" u="none" strike="noStrike">
+                        <a:solidFill>
+                          <a:srgbClr val="000000"/>
+                        </a:solidFill>
+                        <a:effectLst/>
+                        <a:latin typeface="Sans"/>
+                      </a:endParaRPr>
+                    </a:p>
+                  </a:txBody>
+                  <a:tcPr marL="3384" marR="3384" marT="3384" marB="0" anchor="ctr"/>
+                </a:tc>
+                <a:tc>
+                  <a:txBody>
+                    <a:bodyPr/>
+                    <a:lstStyle/>
+                    <a:p>
+                      <a:pPr algn="l" fontAlgn="b"/>
+                      <a:r>
+                        <a:rPr lang="en-US" sz="900" u="none" strike="noStrike">
+                          <a:effectLst/>
+                        </a:rPr>
+                        <a:t>Red 631nm LED Indication - Discrete 2V 0603 (1608 Metric)</a:t>
+                      </a:r>
+                      <a:endParaRPr lang="en-US" sz="900" b="0" i="0" u="none" strike="noStrike">
+                        <a:solidFill>
+                          <a:srgbClr val="000000"/>
+                        </a:solidFill>
+                        <a:effectLst/>
+                        <a:latin typeface="Sans"/>
+                      </a:endParaRPr>
+                    </a:p>
+                  </a:txBody>
+                  <a:tcPr marL="3384" marR="3384" marT="3384" marB="0" anchor="b"/>
+                </a:tc>
+                <a:tc>
+                  <a:txBody>
+                    <a:bodyPr/>
+                    <a:lstStyle/>
+                    <a:p>
+                      <a:pPr algn="l" fontAlgn="b"/>
+                      <a:r>
+                        <a:rPr lang="en-US" sz="900" u="none" strike="noStrike">
+                          <a:effectLst/>
+                        </a:rPr>
+                        <a:t>Digikey</a:t>
+                      </a:r>
+                      <a:endParaRPr lang="en-US" sz="900" b="0" i="0" u="none" strike="noStrike">
+                        <a:solidFill>
+                          <a:srgbClr val="000000"/>
+                        </a:solidFill>
+                        <a:effectLst/>
+                        <a:latin typeface="Sans"/>
+                      </a:endParaRPr>
+                    </a:p>
+                  </a:txBody>
+                  <a:tcPr marL="3384" marR="3384" marT="3384" marB="0" anchor="b"/>
+                </a:tc>
+                <a:tc>
+                  <a:txBody>
+                    <a:bodyPr/>
+                    <a:lstStyle/>
+                    <a:p>
+                      <a:pPr algn="l" fontAlgn="b"/>
+                      <a:r>
+                        <a:rPr lang="en-US" sz="900" u="none" strike="noStrike">
+                          <a:effectLst/>
+                        </a:rPr>
+                        <a:t>160-1447-1-ND</a:t>
+                      </a:r>
+                      <a:endParaRPr lang="en-US" sz="900" b="0" i="0" u="none" strike="noStrike">
+                        <a:solidFill>
+                          <a:srgbClr val="000000"/>
+                        </a:solidFill>
+                        <a:effectLst/>
+                        <a:latin typeface="Sans"/>
+                      </a:endParaRPr>
+                    </a:p>
+                  </a:txBody>
+                  <a:tcPr marL="3384" marR="3384" marT="3384" marB="0" anchor="b"/>
+                </a:tc>
+                <a:tc>
+                  <a:txBody>
+                    <a:bodyPr/>
+                    <a:lstStyle/>
+                    <a:p>
+                      <a:pPr algn="r" fontAlgn="b"/>
+                      <a:r>
+                        <a:rPr lang="en-US" sz="900" u="none" strike="noStrike">
+                          <a:effectLst/>
+                        </a:rPr>
+                        <a:t>0.29</a:t>
+                      </a:r>
+                      <a:endParaRPr lang="en-US" sz="900" b="0" i="0" u="none" strike="noStrike">
+                        <a:solidFill>
+                          <a:srgbClr val="000000"/>
+                        </a:solidFill>
+                        <a:effectLst/>
+                        <a:latin typeface="Sans"/>
+                      </a:endParaRPr>
+                    </a:p>
+                  </a:txBody>
+                  <a:tcPr marL="3384" marR="3384" marT="3384" marB="0" anchor="b"/>
+                </a:tc>
+                <a:tc>
+                  <a:txBody>
+                    <a:bodyPr/>
+                    <a:lstStyle/>
+                    <a:p>
+                      <a:pPr algn="r" fontAlgn="b"/>
+                      <a:r>
+                        <a:rPr lang="en-US" sz="900" u="none" strike="noStrike">
+                          <a:effectLst/>
+                        </a:rPr>
+                        <a:t>0.29</a:t>
+                      </a:r>
+                      <a:endParaRPr lang="en-US" sz="900" b="0" i="0" u="none" strike="noStrike">
+                        <a:solidFill>
+                          <a:srgbClr val="000000"/>
+                        </a:solidFill>
+                        <a:effectLst/>
+                        <a:latin typeface="Sans"/>
+                      </a:endParaRPr>
+                    </a:p>
+                  </a:txBody>
+                  <a:tcPr marL="3384" marR="3384" marT="3384" marB="0" anchor="b"/>
+                </a:tc>
+                <a:extLst>
+                  <a:ext uri="{0D108BD9-81ED-4DB2-BD59-A6C34878D82A}">
+                    <a16:rowId xmlns:a16="http://schemas.microsoft.com/office/drawing/2014/main" val="2609792350"/>
+                  </a:ext>
+                </a:extLst>
+              </a:tr>
+              <a:tr h="237502">
+                <a:tc>
+                  <a:txBody>
+                    <a:bodyPr/>
+                    <a:lstStyle/>
+                    <a:p>
+                      <a:pPr algn="r" fontAlgn="b"/>
+                      <a:r>
+                        <a:rPr lang="en-US" sz="900" u="none" strike="noStrike">
+                          <a:effectLst/>
+                        </a:rPr>
+                        <a:t>1</a:t>
+                      </a:r>
+                      <a:endParaRPr lang="en-US" sz="900" b="0" i="0" u="none" strike="noStrike">
+                        <a:solidFill>
+                          <a:srgbClr val="000000"/>
+                        </a:solidFill>
+                        <a:effectLst/>
+                        <a:latin typeface="Sans"/>
+                      </a:endParaRPr>
+                    </a:p>
+                  </a:txBody>
+                  <a:tcPr marL="3384" marR="3384" marT="3384" marB="0" anchor="b"/>
+                </a:tc>
+                <a:tc>
+                  <a:txBody>
+                    <a:bodyPr/>
+                    <a:lstStyle/>
+                    <a:p>
+                      <a:pPr algn="l" fontAlgn="b"/>
+                      <a:r>
+                        <a:rPr lang="en-US" sz="900" u="none" strike="noStrike">
+                          <a:effectLst/>
+                        </a:rPr>
+                        <a:t>LED(Green)</a:t>
+                      </a:r>
+                      <a:endParaRPr lang="en-US" sz="900" b="0" i="0" u="none" strike="noStrike">
+                        <a:solidFill>
+                          <a:srgbClr val="000000"/>
+                        </a:solidFill>
+                        <a:effectLst/>
+                        <a:latin typeface="Sans"/>
+                      </a:endParaRPr>
+                    </a:p>
+                  </a:txBody>
+                  <a:tcPr marL="3384" marR="3384" marT="3384" marB="0" anchor="b"/>
+                </a:tc>
+                <a:tc>
+                  <a:txBody>
+                    <a:bodyPr/>
+                    <a:lstStyle/>
+                    <a:p>
+                      <a:pPr algn="ctr" fontAlgn="b"/>
+                      <a:r>
+                        <a:rPr lang="en-US" sz="900" u="none" strike="noStrike">
+                          <a:effectLst/>
+                        </a:rPr>
+                        <a:t>DNP</a:t>
+                      </a:r>
+                      <a:endParaRPr lang="en-US" sz="900" b="0" i="0" u="none" strike="noStrike">
+                        <a:solidFill>
+                          <a:srgbClr val="000000"/>
+                        </a:solidFill>
+                        <a:effectLst/>
+                        <a:latin typeface="Sans"/>
+                      </a:endParaRPr>
+                    </a:p>
+                  </a:txBody>
+                  <a:tcPr marL="3384" marR="3384" marT="3384" marB="0" anchor="b"/>
+                </a:tc>
+                <a:tc>
+                  <a:txBody>
+                    <a:bodyPr/>
+                    <a:lstStyle/>
+                    <a:p>
+                      <a:pPr algn="l" fontAlgn="b"/>
+                      <a:r>
+                        <a:rPr lang="en-US" sz="900" u="none" strike="noStrike">
+                          <a:effectLst/>
+                        </a:rPr>
+                        <a:t>Lite-On Inc.</a:t>
+                      </a:r>
+                      <a:endParaRPr lang="en-US" sz="900" b="0" i="0" u="none" strike="noStrike">
+                        <a:solidFill>
+                          <a:srgbClr val="000000"/>
+                        </a:solidFill>
+                        <a:effectLst/>
+                        <a:latin typeface="Sans"/>
+                      </a:endParaRPr>
+                    </a:p>
+                  </a:txBody>
+                  <a:tcPr marL="3384" marR="3384" marT="3384" marB="0" anchor="b"/>
+                </a:tc>
+                <a:tc>
+                  <a:txBody>
+                    <a:bodyPr/>
+                    <a:lstStyle/>
+                    <a:p>
+                      <a:pPr algn="l" fontAlgn="ctr"/>
+                      <a:r>
+                        <a:rPr lang="en-US" sz="900" u="none" strike="noStrike">
+                          <a:effectLst/>
+                        </a:rPr>
+                        <a:t>LTST-C190GKT</a:t>
+                      </a:r>
+                      <a:endParaRPr lang="en-US" sz="900" b="0" i="0" u="none" strike="noStrike">
+                        <a:solidFill>
+                          <a:srgbClr val="000000"/>
+                        </a:solidFill>
+                        <a:effectLst/>
+                        <a:latin typeface="Sans"/>
+                      </a:endParaRPr>
+                    </a:p>
+                  </a:txBody>
+                  <a:tcPr marL="3384" marR="3384" marT="3384" marB="0" anchor="ctr"/>
+                </a:tc>
+                <a:tc>
+                  <a:txBody>
+                    <a:bodyPr/>
+                    <a:lstStyle/>
+                    <a:p>
+                      <a:pPr algn="l" fontAlgn="b"/>
+                      <a:r>
+                        <a:rPr lang="en-US" sz="900" u="none" strike="noStrike">
+                          <a:effectLst/>
+                        </a:rPr>
+                        <a:t>Green 569nm LED Indication - Discrete 2.1V 0603 (1608 Metric)</a:t>
+                      </a:r>
+                      <a:endParaRPr lang="en-US" sz="900" b="0" i="0" u="none" strike="noStrike">
+                        <a:solidFill>
+                          <a:srgbClr val="000000"/>
+                        </a:solidFill>
+                        <a:effectLst/>
+                        <a:latin typeface="Sans"/>
+                      </a:endParaRPr>
+                    </a:p>
+                  </a:txBody>
+                  <a:tcPr marL="3384" marR="3384" marT="3384" marB="0" anchor="b"/>
+                </a:tc>
+                <a:tc>
+                  <a:txBody>
+                    <a:bodyPr/>
+                    <a:lstStyle/>
+                    <a:p>
+                      <a:pPr algn="l" fontAlgn="b"/>
+                      <a:r>
+                        <a:rPr lang="en-US" sz="900" u="none" strike="noStrike">
+                          <a:effectLst/>
+                        </a:rPr>
+                        <a:t>Digikey</a:t>
+                      </a:r>
+                      <a:endParaRPr lang="en-US" sz="900" b="0" i="0" u="none" strike="noStrike">
+                        <a:solidFill>
+                          <a:srgbClr val="000000"/>
+                        </a:solidFill>
+                        <a:effectLst/>
+                        <a:latin typeface="Sans"/>
+                      </a:endParaRPr>
+                    </a:p>
+                  </a:txBody>
+                  <a:tcPr marL="3384" marR="3384" marT="3384" marB="0" anchor="b"/>
+                </a:tc>
+                <a:tc>
+                  <a:txBody>
+                    <a:bodyPr/>
+                    <a:lstStyle/>
+                    <a:p>
+                      <a:pPr algn="l" fontAlgn="b"/>
+                      <a:r>
+                        <a:rPr lang="en-US" sz="900" u="none" strike="noStrike">
+                          <a:effectLst/>
+                        </a:rPr>
+                        <a:t>160-1183-6-ND</a:t>
+                      </a:r>
+                      <a:endParaRPr lang="en-US" sz="900" b="0" i="0" u="none" strike="noStrike">
+                        <a:solidFill>
+                          <a:srgbClr val="000000"/>
+                        </a:solidFill>
+                        <a:effectLst/>
+                        <a:latin typeface="Sans"/>
+                      </a:endParaRPr>
+                    </a:p>
+                  </a:txBody>
+                  <a:tcPr marL="3384" marR="3384" marT="3384" marB="0" anchor="b"/>
+                </a:tc>
+                <a:tc>
+                  <a:txBody>
+                    <a:bodyPr/>
+                    <a:lstStyle/>
+                    <a:p>
+                      <a:pPr algn="r" fontAlgn="b"/>
+                      <a:r>
+                        <a:rPr lang="en-US" sz="900" u="none" strike="noStrike">
+                          <a:effectLst/>
+                        </a:rPr>
+                        <a:t>0.27</a:t>
+                      </a:r>
+                      <a:endParaRPr lang="en-US" sz="900" b="0" i="0" u="none" strike="noStrike">
+                        <a:solidFill>
+                          <a:srgbClr val="000000"/>
+                        </a:solidFill>
+                        <a:effectLst/>
+                        <a:latin typeface="Sans"/>
+                      </a:endParaRPr>
+                    </a:p>
+                  </a:txBody>
+                  <a:tcPr marL="3384" marR="3384" marT="3384" marB="0" anchor="b"/>
+                </a:tc>
+                <a:tc>
+                  <a:txBody>
+                    <a:bodyPr/>
+                    <a:lstStyle/>
+                    <a:p>
+                      <a:pPr algn="r" fontAlgn="b"/>
+                      <a:r>
+                        <a:rPr lang="en-US" sz="900" u="none" strike="noStrike">
+                          <a:effectLst/>
+                        </a:rPr>
+                        <a:t>0.27</a:t>
+                      </a:r>
+                      <a:endParaRPr lang="en-US" sz="900" b="0" i="0" u="none" strike="noStrike">
+                        <a:solidFill>
+                          <a:srgbClr val="000000"/>
+                        </a:solidFill>
+                        <a:effectLst/>
+                        <a:latin typeface="Sans"/>
+                      </a:endParaRPr>
+                    </a:p>
+                  </a:txBody>
+                  <a:tcPr marL="3384" marR="3384" marT="3384" marB="0" anchor="b"/>
+                </a:tc>
+                <a:extLst>
+                  <a:ext uri="{0D108BD9-81ED-4DB2-BD59-A6C34878D82A}">
+                    <a16:rowId xmlns:a16="http://schemas.microsoft.com/office/drawing/2014/main" val="3516240495"/>
+                  </a:ext>
+                </a:extLst>
+              </a:tr>
+              <a:tr h="237502">
+                <a:tc>
+                  <a:txBody>
+                    <a:bodyPr/>
+                    <a:lstStyle/>
+                    <a:p>
+                      <a:pPr algn="r" fontAlgn="b"/>
+                      <a:r>
+                        <a:rPr lang="en-US" sz="900" u="none" strike="noStrike">
+                          <a:effectLst/>
+                        </a:rPr>
+                        <a:t>1</a:t>
+                      </a:r>
+                      <a:endParaRPr lang="en-US" sz="900" b="0" i="0" u="none" strike="noStrike">
+                        <a:solidFill>
+                          <a:srgbClr val="000000"/>
+                        </a:solidFill>
+                        <a:effectLst/>
+                        <a:latin typeface="Sans"/>
+                      </a:endParaRPr>
+                    </a:p>
+                  </a:txBody>
+                  <a:tcPr marL="3384" marR="3384" marT="3384" marB="0" anchor="b"/>
+                </a:tc>
+                <a:tc>
+                  <a:txBody>
+                    <a:bodyPr/>
+                    <a:lstStyle/>
+                    <a:p>
+                      <a:pPr algn="l" fontAlgn="b"/>
+                      <a:r>
+                        <a:rPr lang="en-US" sz="900" u="none" strike="noStrike">
+                          <a:effectLst/>
+                        </a:rPr>
+                        <a:t>I/O</a:t>
+                      </a:r>
+                      <a:endParaRPr lang="en-US" sz="900" b="0" i="0" u="none" strike="noStrike">
+                        <a:solidFill>
+                          <a:srgbClr val="000000"/>
+                        </a:solidFill>
+                        <a:effectLst/>
+                        <a:latin typeface="Sans"/>
+                      </a:endParaRPr>
+                    </a:p>
+                  </a:txBody>
+                  <a:tcPr marL="3384" marR="3384" marT="3384" marB="0" anchor="b"/>
+                </a:tc>
+                <a:tc>
+                  <a:txBody>
+                    <a:bodyPr/>
+                    <a:lstStyle/>
+                    <a:p>
+                      <a:pPr algn="ctr" fontAlgn="b"/>
+                      <a:r>
+                        <a:rPr lang="en-US" sz="900" u="none" strike="noStrike">
+                          <a:effectLst/>
+                        </a:rPr>
+                        <a:t>P</a:t>
+                      </a:r>
+                      <a:endParaRPr lang="en-US" sz="900" b="0" i="0" u="none" strike="noStrike">
+                        <a:solidFill>
+                          <a:srgbClr val="000000"/>
+                        </a:solidFill>
+                        <a:effectLst/>
+                        <a:latin typeface="Sans"/>
+                      </a:endParaRPr>
+                    </a:p>
+                  </a:txBody>
+                  <a:tcPr marL="3384" marR="3384" marT="3384" marB="0" anchor="b"/>
+                </a:tc>
+                <a:tc>
+                  <a:txBody>
+                    <a:bodyPr/>
+                    <a:lstStyle/>
+                    <a:p>
+                      <a:pPr algn="l" fontAlgn="b"/>
+                      <a:r>
+                        <a:rPr lang="en-US" sz="900" u="none" strike="noStrike">
+                          <a:effectLst/>
+                        </a:rPr>
+                        <a:t>Phoenix Contact</a:t>
+                      </a:r>
+                      <a:endParaRPr lang="en-US" sz="900" b="0" i="0" u="none" strike="noStrike">
+                        <a:solidFill>
+                          <a:srgbClr val="000000"/>
+                        </a:solidFill>
+                        <a:effectLst/>
+                        <a:latin typeface="Sans"/>
+                      </a:endParaRPr>
+                    </a:p>
+                  </a:txBody>
+                  <a:tcPr marL="3384" marR="3384" marT="3384" marB="0" anchor="b"/>
+                </a:tc>
+                <a:tc>
+                  <a:txBody>
+                    <a:bodyPr/>
+                    <a:lstStyle/>
+                    <a:p>
+                      <a:pPr algn="l" fontAlgn="ctr"/>
+                      <a:r>
+                        <a:rPr lang="en-US" sz="900" u="none" strike="noStrike">
+                          <a:effectLst/>
+                        </a:rPr>
+                        <a:t>1985234</a:t>
+                      </a:r>
+                      <a:endParaRPr lang="en-US" sz="900" b="0" i="0" u="none" strike="noStrike">
+                        <a:solidFill>
+                          <a:srgbClr val="000000"/>
+                        </a:solidFill>
+                        <a:effectLst/>
+                        <a:latin typeface="Sans"/>
+                      </a:endParaRPr>
+                    </a:p>
+                  </a:txBody>
+                  <a:tcPr marL="3384" marR="3384" marT="3384" marB="0" anchor="ctr"/>
+                </a:tc>
+                <a:tc>
+                  <a:txBody>
+                    <a:bodyPr/>
+                    <a:lstStyle/>
+                    <a:p>
+                      <a:pPr algn="l" fontAlgn="b"/>
+                      <a:r>
+                        <a:rPr lang="en-US" sz="900" u="none" strike="noStrike">
+                          <a:effectLst/>
+                        </a:rPr>
+                        <a:t>TERM BLOCK PCB 6POS 3.5MM GREEN </a:t>
+                      </a:r>
+                      <a:endParaRPr lang="en-US" sz="900" b="0" i="0" u="none" strike="noStrike">
+                        <a:solidFill>
+                          <a:srgbClr val="000000"/>
+                        </a:solidFill>
+                        <a:effectLst/>
+                        <a:latin typeface="Sans"/>
+                      </a:endParaRPr>
+                    </a:p>
+                  </a:txBody>
+                  <a:tcPr marL="3384" marR="3384" marT="3384" marB="0" anchor="b"/>
+                </a:tc>
+                <a:tc>
+                  <a:txBody>
+                    <a:bodyPr/>
+                    <a:lstStyle/>
+                    <a:p>
+                      <a:pPr algn="l" fontAlgn="b"/>
+                      <a:r>
+                        <a:rPr lang="en-US" sz="900" u="none" strike="noStrike">
+                          <a:effectLst/>
+                        </a:rPr>
+                        <a:t>Digikey</a:t>
+                      </a:r>
+                      <a:endParaRPr lang="en-US" sz="900" b="0" i="0" u="none" strike="noStrike">
+                        <a:solidFill>
+                          <a:srgbClr val="000000"/>
+                        </a:solidFill>
+                        <a:effectLst/>
+                        <a:latin typeface="Sans"/>
+                      </a:endParaRPr>
+                    </a:p>
+                  </a:txBody>
+                  <a:tcPr marL="3384" marR="3384" marT="3384" marB="0" anchor="b"/>
+                </a:tc>
+                <a:tc>
+                  <a:txBody>
+                    <a:bodyPr/>
+                    <a:lstStyle/>
+                    <a:p>
+                      <a:pPr algn="l" fontAlgn="b"/>
+                      <a:r>
+                        <a:rPr lang="en-US" sz="900" u="none" strike="noStrike">
+                          <a:effectLst/>
+                        </a:rPr>
+                        <a:t>277-1626-ND</a:t>
+                      </a:r>
+                      <a:endParaRPr lang="en-US" sz="900" b="0" i="0" u="none" strike="noStrike">
+                        <a:solidFill>
+                          <a:srgbClr val="000000"/>
+                        </a:solidFill>
+                        <a:effectLst/>
+                        <a:latin typeface="Sans"/>
+                      </a:endParaRPr>
+                    </a:p>
+                  </a:txBody>
+                  <a:tcPr marL="3384" marR="3384" marT="3384" marB="0" anchor="b"/>
+                </a:tc>
+                <a:tc>
+                  <a:txBody>
+                    <a:bodyPr/>
+                    <a:lstStyle/>
+                    <a:p>
+                      <a:pPr algn="r" fontAlgn="b"/>
+                      <a:r>
+                        <a:rPr lang="en-US" sz="900" u="none" strike="noStrike">
+                          <a:effectLst/>
+                        </a:rPr>
+                        <a:t>0.85</a:t>
+                      </a:r>
+                      <a:endParaRPr lang="en-US" sz="900" b="0" i="0" u="none" strike="noStrike">
+                        <a:solidFill>
+                          <a:srgbClr val="000000"/>
+                        </a:solidFill>
+                        <a:effectLst/>
+                        <a:latin typeface="Sans"/>
+                      </a:endParaRPr>
+                    </a:p>
+                  </a:txBody>
+                  <a:tcPr marL="3384" marR="3384" marT="3384" marB="0" anchor="b"/>
+                </a:tc>
+                <a:tc>
+                  <a:txBody>
+                    <a:bodyPr/>
+                    <a:lstStyle/>
+                    <a:p>
+                      <a:pPr algn="r" fontAlgn="b"/>
+                      <a:r>
+                        <a:rPr lang="en-US" sz="900" u="none" strike="noStrike">
+                          <a:effectLst/>
+                        </a:rPr>
+                        <a:t>0.85</a:t>
+                      </a:r>
+                      <a:endParaRPr lang="en-US" sz="900" b="0" i="0" u="none" strike="noStrike">
+                        <a:solidFill>
+                          <a:srgbClr val="000000"/>
+                        </a:solidFill>
+                        <a:effectLst/>
+                        <a:latin typeface="Sans"/>
+                      </a:endParaRPr>
+                    </a:p>
+                  </a:txBody>
+                  <a:tcPr marL="3384" marR="3384" marT="3384" marB="0" anchor="b"/>
+                </a:tc>
+                <a:extLst>
+                  <a:ext uri="{0D108BD9-81ED-4DB2-BD59-A6C34878D82A}">
+                    <a16:rowId xmlns:a16="http://schemas.microsoft.com/office/drawing/2014/main" val="1303057410"/>
+                  </a:ext>
+                </a:extLst>
+              </a:tr>
+              <a:tr h="259701">
+                <a:tc>
+                  <a:txBody>
+                    <a:bodyPr/>
+                    <a:lstStyle/>
+                    <a:p>
+                      <a:pPr algn="r" fontAlgn="b"/>
+                      <a:r>
+                        <a:rPr lang="en-US" sz="900" u="none" strike="noStrike">
+                          <a:effectLst/>
+                        </a:rPr>
+                        <a:t>1</a:t>
+                      </a:r>
+                      <a:endParaRPr lang="en-US" sz="900" b="0" i="0" u="none" strike="noStrike">
+                        <a:solidFill>
+                          <a:srgbClr val="000000"/>
+                        </a:solidFill>
+                        <a:effectLst/>
+                        <a:latin typeface="Sans"/>
+                      </a:endParaRPr>
+                    </a:p>
+                  </a:txBody>
+                  <a:tcPr marL="3384" marR="3384" marT="3384" marB="0" anchor="b"/>
+                </a:tc>
+                <a:tc>
+                  <a:txBody>
+                    <a:bodyPr/>
+                    <a:lstStyle/>
+                    <a:p>
+                      <a:pPr algn="l" fontAlgn="b"/>
+                      <a:r>
+                        <a:rPr lang="en-US" sz="900" u="none" strike="noStrike">
+                          <a:effectLst/>
+                        </a:rPr>
+                        <a:t>Q2</a:t>
+                      </a:r>
+                      <a:endParaRPr lang="en-US" sz="900" b="0" i="0" u="none" strike="noStrike">
+                        <a:solidFill>
+                          <a:srgbClr val="000000"/>
+                        </a:solidFill>
+                        <a:effectLst/>
+                        <a:latin typeface="Sans"/>
+                      </a:endParaRPr>
+                    </a:p>
+                  </a:txBody>
+                  <a:tcPr marL="3384" marR="3384" marT="3384" marB="0" anchor="b"/>
+                </a:tc>
+                <a:tc>
+                  <a:txBody>
+                    <a:bodyPr/>
+                    <a:lstStyle/>
+                    <a:p>
+                      <a:pPr algn="ctr" fontAlgn="b"/>
+                      <a:r>
+                        <a:rPr lang="en-US" sz="900" u="none" strike="noStrike">
+                          <a:effectLst/>
+                        </a:rPr>
+                        <a:t>P</a:t>
+                      </a:r>
+                      <a:endParaRPr lang="en-US" sz="900" b="0" i="0" u="none" strike="noStrike">
+                        <a:solidFill>
+                          <a:srgbClr val="000000"/>
+                        </a:solidFill>
+                        <a:effectLst/>
+                        <a:latin typeface="Sans"/>
+                      </a:endParaRPr>
+                    </a:p>
+                  </a:txBody>
+                  <a:tcPr marL="3384" marR="3384" marT="3384" marB="0" anchor="b"/>
+                </a:tc>
+                <a:tc>
+                  <a:txBody>
+                    <a:bodyPr/>
+                    <a:lstStyle/>
+                    <a:p>
+                      <a:pPr algn="l" fontAlgn="b"/>
+                      <a:r>
+                        <a:rPr lang="en-US" sz="900" u="none" strike="noStrike">
+                          <a:effectLst/>
+                        </a:rPr>
+                        <a:t>Micro Commercial Co</a:t>
+                      </a:r>
+                      <a:endParaRPr lang="en-US" sz="900" b="0" i="0" u="none" strike="noStrike">
+                        <a:solidFill>
+                          <a:srgbClr val="000000"/>
+                        </a:solidFill>
+                        <a:effectLst/>
+                        <a:latin typeface="Sans"/>
+                      </a:endParaRPr>
+                    </a:p>
+                  </a:txBody>
+                  <a:tcPr marL="3384" marR="3384" marT="3384" marB="0" anchor="b"/>
+                </a:tc>
+                <a:tc>
+                  <a:txBody>
+                    <a:bodyPr/>
+                    <a:lstStyle/>
+                    <a:p>
+                      <a:pPr algn="l" fontAlgn="ctr"/>
+                      <a:r>
+                        <a:rPr lang="en-US" sz="900" u="none" strike="noStrike">
+                          <a:effectLst/>
+                        </a:rPr>
+                        <a:t>MMBT3904-TP</a:t>
+                      </a:r>
+                      <a:endParaRPr lang="en-US" sz="900" b="0" i="0" u="none" strike="noStrike">
+                        <a:solidFill>
+                          <a:srgbClr val="000000"/>
+                        </a:solidFill>
+                        <a:effectLst/>
+                        <a:latin typeface="Sans"/>
+                      </a:endParaRPr>
+                    </a:p>
+                  </a:txBody>
+                  <a:tcPr marL="3384" marR="3384" marT="3384" marB="0" anchor="ctr"/>
+                </a:tc>
+                <a:tc>
+                  <a:txBody>
+                    <a:bodyPr/>
+                    <a:lstStyle/>
+                    <a:p>
+                      <a:pPr algn="l" fontAlgn="b"/>
+                      <a:r>
+                        <a:rPr lang="en-US" sz="900" u="none" strike="noStrike">
+                          <a:effectLst/>
+                        </a:rPr>
+                        <a:t>Bipolar (BJT) Transistor NPN 40V 200mA 300MHz 350mW Surface Mount SOT-23</a:t>
+                      </a:r>
+                      <a:endParaRPr lang="en-US" sz="900" b="0" i="0" u="none" strike="noStrike">
+                        <a:solidFill>
+                          <a:srgbClr val="000000"/>
+                        </a:solidFill>
+                        <a:effectLst/>
+                        <a:latin typeface="Sans"/>
+                      </a:endParaRPr>
+                    </a:p>
+                  </a:txBody>
+                  <a:tcPr marL="3384" marR="3384" marT="3384" marB="0" anchor="b"/>
+                </a:tc>
+                <a:tc>
+                  <a:txBody>
+                    <a:bodyPr/>
+                    <a:lstStyle/>
+                    <a:p>
+                      <a:pPr algn="l" fontAlgn="b"/>
+                      <a:r>
+                        <a:rPr lang="en-US" sz="900" u="none" strike="noStrike">
+                          <a:effectLst/>
+                        </a:rPr>
+                        <a:t>Digikey</a:t>
+                      </a:r>
+                      <a:endParaRPr lang="en-US" sz="900" b="0" i="0" u="none" strike="noStrike">
+                        <a:solidFill>
+                          <a:srgbClr val="000000"/>
+                        </a:solidFill>
+                        <a:effectLst/>
+                        <a:latin typeface="Sans"/>
+                      </a:endParaRPr>
+                    </a:p>
+                  </a:txBody>
+                  <a:tcPr marL="3384" marR="3384" marT="3384" marB="0" anchor="b"/>
+                </a:tc>
+                <a:tc>
+                  <a:txBody>
+                    <a:bodyPr/>
+                    <a:lstStyle/>
+                    <a:p>
+                      <a:pPr algn="l" fontAlgn="b"/>
+                      <a:r>
+                        <a:rPr lang="en-US" sz="900" u="none" strike="noStrike">
+                          <a:effectLst/>
+                        </a:rPr>
+                        <a:t>MMBT3904TPMSCT-ND</a:t>
+                      </a:r>
+                      <a:endParaRPr lang="en-US" sz="900" b="0" i="0" u="none" strike="noStrike">
+                        <a:solidFill>
+                          <a:srgbClr val="000000"/>
+                        </a:solidFill>
+                        <a:effectLst/>
+                        <a:latin typeface="Sans"/>
+                      </a:endParaRPr>
+                    </a:p>
+                  </a:txBody>
+                  <a:tcPr marL="3384" marR="3384" marT="3384" marB="0" anchor="b"/>
+                </a:tc>
+                <a:tc>
+                  <a:txBody>
+                    <a:bodyPr/>
+                    <a:lstStyle/>
+                    <a:p>
+                      <a:pPr algn="r" fontAlgn="b"/>
+                      <a:r>
+                        <a:rPr lang="en-US" sz="900" u="none" strike="noStrike">
+                          <a:effectLst/>
+                        </a:rPr>
+                        <a:t>0.1</a:t>
+                      </a:r>
+                      <a:endParaRPr lang="en-US" sz="900" b="0" i="0" u="none" strike="noStrike">
+                        <a:solidFill>
+                          <a:srgbClr val="000000"/>
+                        </a:solidFill>
+                        <a:effectLst/>
+                        <a:latin typeface="Sans"/>
+                      </a:endParaRPr>
+                    </a:p>
+                  </a:txBody>
+                  <a:tcPr marL="3384" marR="3384" marT="3384" marB="0" anchor="b"/>
+                </a:tc>
+                <a:tc>
+                  <a:txBody>
+                    <a:bodyPr/>
+                    <a:lstStyle/>
+                    <a:p>
+                      <a:pPr algn="r" fontAlgn="b"/>
+                      <a:r>
+                        <a:rPr lang="en-US" sz="900" u="none" strike="noStrike">
+                          <a:effectLst/>
+                        </a:rPr>
+                        <a:t>0.1</a:t>
+                      </a:r>
+                      <a:endParaRPr lang="en-US" sz="900" b="0" i="0" u="none" strike="noStrike">
+                        <a:solidFill>
+                          <a:srgbClr val="000000"/>
+                        </a:solidFill>
+                        <a:effectLst/>
+                        <a:latin typeface="Sans"/>
+                      </a:endParaRPr>
+                    </a:p>
+                  </a:txBody>
+                  <a:tcPr marL="3384" marR="3384" marT="3384" marB="0" anchor="b"/>
+                </a:tc>
+                <a:extLst>
+                  <a:ext uri="{0D108BD9-81ED-4DB2-BD59-A6C34878D82A}">
+                    <a16:rowId xmlns:a16="http://schemas.microsoft.com/office/drawing/2014/main" val="292681632"/>
+                  </a:ext>
+                </a:extLst>
+              </a:tr>
+              <a:tr h="259701">
+                <a:tc>
+                  <a:txBody>
+                    <a:bodyPr/>
+                    <a:lstStyle/>
+                    <a:p>
+                      <a:pPr algn="r" fontAlgn="b"/>
+                      <a:r>
+                        <a:rPr lang="en-US" sz="900" u="none" strike="noStrike">
+                          <a:effectLst/>
+                        </a:rPr>
+                        <a:t>1</a:t>
+                      </a:r>
+                      <a:endParaRPr lang="en-US" sz="900" b="0" i="0" u="none" strike="noStrike">
+                        <a:solidFill>
+                          <a:srgbClr val="000000"/>
+                        </a:solidFill>
+                        <a:effectLst/>
+                        <a:latin typeface="Sans"/>
+                      </a:endParaRPr>
+                    </a:p>
+                  </a:txBody>
+                  <a:tcPr marL="3384" marR="3384" marT="3384" marB="0" anchor="b"/>
+                </a:tc>
+                <a:tc>
+                  <a:txBody>
+                    <a:bodyPr/>
+                    <a:lstStyle/>
+                    <a:p>
+                      <a:pPr algn="l" fontAlgn="b"/>
+                      <a:r>
+                        <a:rPr lang="en-US" sz="900" u="none" strike="noStrike">
+                          <a:effectLst/>
+                        </a:rPr>
+                        <a:t>SW1</a:t>
+                      </a:r>
+                      <a:endParaRPr lang="en-US" sz="900" b="0" i="0" u="none" strike="noStrike">
+                        <a:solidFill>
+                          <a:srgbClr val="000000"/>
+                        </a:solidFill>
+                        <a:effectLst/>
+                        <a:latin typeface="Sans"/>
+                      </a:endParaRPr>
+                    </a:p>
+                  </a:txBody>
+                  <a:tcPr marL="3384" marR="3384" marT="3384" marB="0" anchor="b"/>
+                </a:tc>
+                <a:tc>
+                  <a:txBody>
+                    <a:bodyPr/>
+                    <a:lstStyle/>
+                    <a:p>
+                      <a:pPr algn="ctr" fontAlgn="b"/>
+                      <a:r>
+                        <a:rPr lang="en-US" sz="900" u="none" strike="noStrike">
+                          <a:effectLst/>
+                        </a:rPr>
+                        <a:t>P</a:t>
+                      </a:r>
+                      <a:endParaRPr lang="en-US" sz="900" b="0" i="0" u="none" strike="noStrike">
+                        <a:solidFill>
+                          <a:srgbClr val="000000"/>
+                        </a:solidFill>
+                        <a:effectLst/>
+                        <a:latin typeface="Sans"/>
+                      </a:endParaRPr>
+                    </a:p>
+                  </a:txBody>
+                  <a:tcPr marL="3384" marR="3384" marT="3384" marB="0" anchor="b"/>
+                </a:tc>
+                <a:tc>
+                  <a:txBody>
+                    <a:bodyPr/>
+                    <a:lstStyle/>
+                    <a:p>
+                      <a:pPr algn="l" fontAlgn="b"/>
+                      <a:r>
+                        <a:rPr lang="en-US" sz="900" u="none" strike="noStrike">
+                          <a:effectLst/>
+                        </a:rPr>
+                        <a:t>C&amp;K</a:t>
+                      </a:r>
+                      <a:endParaRPr lang="en-US" sz="900" b="0" i="0" u="none" strike="noStrike">
+                        <a:solidFill>
+                          <a:srgbClr val="000000"/>
+                        </a:solidFill>
+                        <a:effectLst/>
+                        <a:latin typeface="Sans"/>
+                      </a:endParaRPr>
+                    </a:p>
+                  </a:txBody>
+                  <a:tcPr marL="3384" marR="3384" marT="3384" marB="0" anchor="b"/>
+                </a:tc>
+                <a:tc>
+                  <a:txBody>
+                    <a:bodyPr/>
+                    <a:lstStyle/>
+                    <a:p>
+                      <a:pPr algn="l" fontAlgn="ctr"/>
+                      <a:r>
+                        <a:rPr lang="en-US" sz="900" u="none" strike="noStrike">
+                          <a:effectLst/>
+                        </a:rPr>
+                        <a:t>PTS645SM43SMTR92 LFS</a:t>
+                      </a:r>
+                      <a:endParaRPr lang="en-US" sz="900" b="0" i="0" u="none" strike="noStrike">
+                        <a:solidFill>
+                          <a:srgbClr val="000000"/>
+                        </a:solidFill>
+                        <a:effectLst/>
+                        <a:latin typeface="Sans"/>
+                      </a:endParaRPr>
+                    </a:p>
+                  </a:txBody>
+                  <a:tcPr marL="3384" marR="3384" marT="3384" marB="0" anchor="ctr"/>
+                </a:tc>
+                <a:tc>
+                  <a:txBody>
+                    <a:bodyPr/>
+                    <a:lstStyle/>
+                    <a:p>
+                      <a:pPr algn="l" fontAlgn="b"/>
+                      <a:r>
+                        <a:rPr lang="en-US" sz="900" u="none" strike="noStrike">
+                          <a:effectLst/>
+                        </a:rPr>
+                        <a:t>SWITCH TACTILE SPST-NO 0.05A 12V</a:t>
+                      </a:r>
+                      <a:endParaRPr lang="en-US" sz="900" b="0" i="0" u="none" strike="noStrike">
+                        <a:solidFill>
+                          <a:srgbClr val="000000"/>
+                        </a:solidFill>
+                        <a:effectLst/>
+                        <a:latin typeface="Sans"/>
+                      </a:endParaRPr>
+                    </a:p>
+                  </a:txBody>
+                  <a:tcPr marL="3384" marR="3384" marT="3384" marB="0" anchor="b"/>
+                </a:tc>
+                <a:tc>
+                  <a:txBody>
+                    <a:bodyPr/>
+                    <a:lstStyle/>
+                    <a:p>
+                      <a:pPr algn="l" fontAlgn="b"/>
+                      <a:r>
+                        <a:rPr lang="en-US" sz="900" u="none" strike="noStrike">
+                          <a:effectLst/>
+                        </a:rPr>
+                        <a:t>Digikey</a:t>
+                      </a:r>
+                      <a:endParaRPr lang="en-US" sz="900" b="0" i="0" u="none" strike="noStrike">
+                        <a:solidFill>
+                          <a:srgbClr val="000000"/>
+                        </a:solidFill>
+                        <a:effectLst/>
+                        <a:latin typeface="Sans"/>
+                      </a:endParaRPr>
+                    </a:p>
+                  </a:txBody>
+                  <a:tcPr marL="3384" marR="3384" marT="3384" marB="0" anchor="b"/>
+                </a:tc>
+                <a:tc>
+                  <a:txBody>
+                    <a:bodyPr/>
+                    <a:lstStyle/>
+                    <a:p>
+                      <a:pPr algn="l" fontAlgn="b"/>
+                      <a:r>
+                        <a:rPr lang="en-US" sz="900" u="none" strike="noStrike">
+                          <a:effectLst/>
+                        </a:rPr>
+                        <a:t>CKN9112CT-ND</a:t>
+                      </a:r>
+                      <a:endParaRPr lang="en-US" sz="900" b="0" i="0" u="none" strike="noStrike">
+                        <a:solidFill>
+                          <a:srgbClr val="000000"/>
+                        </a:solidFill>
+                        <a:effectLst/>
+                        <a:latin typeface="Sans"/>
+                      </a:endParaRPr>
+                    </a:p>
+                  </a:txBody>
+                  <a:tcPr marL="3384" marR="3384" marT="3384" marB="0" anchor="b"/>
+                </a:tc>
+                <a:tc>
+                  <a:txBody>
+                    <a:bodyPr/>
+                    <a:lstStyle/>
+                    <a:p>
+                      <a:pPr algn="r" fontAlgn="b"/>
+                      <a:r>
+                        <a:rPr lang="en-US" sz="900" u="none" strike="noStrike">
+                          <a:effectLst/>
+                        </a:rPr>
+                        <a:t>0.17</a:t>
+                      </a:r>
+                      <a:endParaRPr lang="en-US" sz="900" b="0" i="0" u="none" strike="noStrike">
+                        <a:solidFill>
+                          <a:srgbClr val="000000"/>
+                        </a:solidFill>
+                        <a:effectLst/>
+                        <a:latin typeface="Sans"/>
+                      </a:endParaRPr>
+                    </a:p>
+                  </a:txBody>
+                  <a:tcPr marL="3384" marR="3384" marT="3384" marB="0" anchor="b"/>
+                </a:tc>
+                <a:tc>
+                  <a:txBody>
+                    <a:bodyPr/>
+                    <a:lstStyle/>
+                    <a:p>
+                      <a:pPr algn="r" fontAlgn="b"/>
+                      <a:r>
+                        <a:rPr lang="en-US" sz="900" u="none" strike="noStrike">
+                          <a:effectLst/>
+                        </a:rPr>
+                        <a:t>0.17</a:t>
+                      </a:r>
+                      <a:endParaRPr lang="en-US" sz="900" b="0" i="0" u="none" strike="noStrike">
+                        <a:solidFill>
+                          <a:srgbClr val="000000"/>
+                        </a:solidFill>
+                        <a:effectLst/>
+                        <a:latin typeface="Sans"/>
+                      </a:endParaRPr>
+                    </a:p>
+                  </a:txBody>
+                  <a:tcPr marL="3384" marR="3384" marT="3384" marB="0" anchor="b"/>
+                </a:tc>
+                <a:extLst>
+                  <a:ext uri="{0D108BD9-81ED-4DB2-BD59-A6C34878D82A}">
+                    <a16:rowId xmlns:a16="http://schemas.microsoft.com/office/drawing/2014/main" val="2958146121"/>
+                  </a:ext>
+                </a:extLst>
+              </a:tr>
+              <a:tr h="259701">
+                <a:tc>
+                  <a:txBody>
+                    <a:bodyPr/>
+                    <a:lstStyle/>
+                    <a:p>
+                      <a:pPr algn="r" fontAlgn="b"/>
+                      <a:r>
+                        <a:rPr lang="en-US" sz="900" u="none" strike="noStrike">
+                          <a:effectLst/>
+                        </a:rPr>
+                        <a:t>2</a:t>
+                      </a:r>
+                      <a:endParaRPr lang="en-US" sz="900" b="0" i="0" u="none" strike="noStrike">
+                        <a:solidFill>
+                          <a:srgbClr val="000000"/>
+                        </a:solidFill>
+                        <a:effectLst/>
+                        <a:latin typeface="Sans"/>
+                      </a:endParaRPr>
+                    </a:p>
+                  </a:txBody>
+                  <a:tcPr marL="3384" marR="3384" marT="3384" marB="0" anchor="b"/>
+                </a:tc>
+                <a:tc>
+                  <a:txBody>
+                    <a:bodyPr/>
+                    <a:lstStyle/>
+                    <a:p>
+                      <a:pPr algn="l" fontAlgn="b"/>
+                      <a:r>
+                        <a:rPr lang="en-US" sz="900" u="none" strike="noStrike">
+                          <a:effectLst/>
+                        </a:rPr>
+                        <a:t>FUSE</a:t>
+                      </a:r>
+                      <a:endParaRPr lang="en-US" sz="900" b="0" i="0" u="none" strike="noStrike">
+                        <a:solidFill>
+                          <a:srgbClr val="000000"/>
+                        </a:solidFill>
+                        <a:effectLst/>
+                        <a:latin typeface="Sans"/>
+                      </a:endParaRPr>
+                    </a:p>
+                  </a:txBody>
+                  <a:tcPr marL="3384" marR="3384" marT="3384" marB="0" anchor="b"/>
+                </a:tc>
+                <a:tc>
+                  <a:txBody>
+                    <a:bodyPr/>
+                    <a:lstStyle/>
+                    <a:p>
+                      <a:pPr algn="ctr" fontAlgn="b"/>
+                      <a:r>
+                        <a:rPr lang="en-US" sz="900" u="none" strike="noStrike">
+                          <a:effectLst/>
+                        </a:rPr>
+                        <a:t>P</a:t>
+                      </a:r>
+                      <a:endParaRPr lang="en-US" sz="900" b="0" i="0" u="none" strike="noStrike">
+                        <a:solidFill>
+                          <a:srgbClr val="000000"/>
+                        </a:solidFill>
+                        <a:effectLst/>
+                        <a:latin typeface="Sans"/>
+                      </a:endParaRPr>
+                    </a:p>
+                  </a:txBody>
+                  <a:tcPr marL="3384" marR="3384" marT="3384" marB="0" anchor="b"/>
+                </a:tc>
+                <a:tc>
+                  <a:txBody>
+                    <a:bodyPr/>
+                    <a:lstStyle/>
+                    <a:p>
+                      <a:pPr algn="l" fontAlgn="b"/>
+                      <a:r>
+                        <a:rPr lang="en-US" sz="900" u="none" strike="noStrike">
+                          <a:effectLst/>
+                        </a:rPr>
+                        <a:t>Vishay Beyschlag</a:t>
+                      </a:r>
+                      <a:endParaRPr lang="en-US" sz="900" b="0" i="0" u="none" strike="noStrike">
+                        <a:solidFill>
+                          <a:srgbClr val="000000"/>
+                        </a:solidFill>
+                        <a:effectLst/>
+                        <a:latin typeface="Sans"/>
+                      </a:endParaRPr>
+                    </a:p>
+                  </a:txBody>
+                  <a:tcPr marL="3384" marR="3384" marT="3384" marB="0" anchor="b"/>
+                </a:tc>
+                <a:tc>
+                  <a:txBody>
+                    <a:bodyPr/>
+                    <a:lstStyle/>
+                    <a:p>
+                      <a:pPr algn="l" fontAlgn="ctr"/>
+                      <a:r>
+                        <a:rPr lang="en-US" sz="900" u="none" strike="noStrike">
+                          <a:effectLst/>
+                        </a:rPr>
+                        <a:t>MFU0805FF00500P100</a:t>
+                      </a:r>
+                      <a:endParaRPr lang="en-US" sz="900" b="0" i="0" u="none" strike="noStrike">
+                        <a:solidFill>
+                          <a:srgbClr val="000000"/>
+                        </a:solidFill>
+                        <a:effectLst/>
+                        <a:latin typeface="Sans"/>
+                      </a:endParaRPr>
+                    </a:p>
+                  </a:txBody>
+                  <a:tcPr marL="3384" marR="3384" marT="3384" marB="0" anchor="ctr"/>
+                </a:tc>
+                <a:tc>
+                  <a:txBody>
+                    <a:bodyPr/>
+                    <a:lstStyle/>
+                    <a:p>
+                      <a:pPr algn="l" fontAlgn="b"/>
+                      <a:r>
+                        <a:rPr lang="en-US" sz="900" u="none" strike="noStrike">
+                          <a:effectLst/>
+                        </a:rPr>
+                        <a:t>FUSE BOARD MNT 500MA 32VDC 0805</a:t>
+                      </a:r>
+                      <a:endParaRPr lang="en-US" sz="900" b="0" i="0" u="none" strike="noStrike">
+                        <a:solidFill>
+                          <a:srgbClr val="000000"/>
+                        </a:solidFill>
+                        <a:effectLst/>
+                        <a:latin typeface="Sans"/>
+                      </a:endParaRPr>
+                    </a:p>
+                  </a:txBody>
+                  <a:tcPr marL="3384" marR="3384" marT="3384" marB="0" anchor="b"/>
+                </a:tc>
+                <a:tc>
+                  <a:txBody>
+                    <a:bodyPr/>
+                    <a:lstStyle/>
+                    <a:p>
+                      <a:pPr algn="l" fontAlgn="b"/>
+                      <a:r>
+                        <a:rPr lang="en-US" sz="900" u="none" strike="noStrike">
+                          <a:effectLst/>
+                        </a:rPr>
+                        <a:t>Digikey</a:t>
+                      </a:r>
+                      <a:endParaRPr lang="en-US" sz="900" b="0" i="0" u="none" strike="noStrike">
+                        <a:solidFill>
+                          <a:srgbClr val="000000"/>
+                        </a:solidFill>
+                        <a:effectLst/>
+                        <a:latin typeface="Sans"/>
+                      </a:endParaRPr>
+                    </a:p>
+                  </a:txBody>
+                  <a:tcPr marL="3384" marR="3384" marT="3384" marB="0" anchor="b"/>
+                </a:tc>
+                <a:tc>
+                  <a:txBody>
+                    <a:bodyPr/>
+                    <a:lstStyle/>
+                    <a:p>
+                      <a:pPr algn="l" fontAlgn="b"/>
+                      <a:r>
+                        <a:rPr lang="en-US" sz="900" u="none" strike="noStrike">
+                          <a:effectLst/>
+                        </a:rPr>
+                        <a:t>MFU0805.50CT-ND</a:t>
+                      </a:r>
+                      <a:endParaRPr lang="en-US" sz="900" b="0" i="0" u="none" strike="noStrike">
+                        <a:solidFill>
+                          <a:srgbClr val="000000"/>
+                        </a:solidFill>
+                        <a:effectLst/>
+                        <a:latin typeface="Sans"/>
+                      </a:endParaRPr>
+                    </a:p>
+                  </a:txBody>
+                  <a:tcPr marL="3384" marR="3384" marT="3384" marB="0" anchor="b"/>
+                </a:tc>
+                <a:tc>
+                  <a:txBody>
+                    <a:bodyPr/>
+                    <a:lstStyle/>
+                    <a:p>
+                      <a:pPr algn="r" fontAlgn="b"/>
+                      <a:r>
+                        <a:rPr lang="en-US" sz="900" u="none" strike="noStrike">
+                          <a:effectLst/>
+                        </a:rPr>
+                        <a:t>0.57</a:t>
+                      </a:r>
+                      <a:endParaRPr lang="en-US" sz="900" b="0" i="0" u="none" strike="noStrike">
+                        <a:solidFill>
+                          <a:srgbClr val="000000"/>
+                        </a:solidFill>
+                        <a:effectLst/>
+                        <a:latin typeface="Sans"/>
+                      </a:endParaRPr>
+                    </a:p>
+                  </a:txBody>
+                  <a:tcPr marL="3384" marR="3384" marT="3384" marB="0" anchor="b"/>
+                </a:tc>
+                <a:tc>
+                  <a:txBody>
+                    <a:bodyPr/>
+                    <a:lstStyle/>
+                    <a:p>
+                      <a:pPr algn="r" fontAlgn="b"/>
+                      <a:r>
+                        <a:rPr lang="en-US" sz="900" u="none" strike="noStrike">
+                          <a:effectLst/>
+                        </a:rPr>
+                        <a:t>1.14</a:t>
+                      </a:r>
+                      <a:endParaRPr lang="en-US" sz="900" b="0" i="0" u="none" strike="noStrike">
+                        <a:solidFill>
+                          <a:srgbClr val="000000"/>
+                        </a:solidFill>
+                        <a:effectLst/>
+                        <a:latin typeface="Sans"/>
+                      </a:endParaRPr>
+                    </a:p>
+                  </a:txBody>
+                  <a:tcPr marL="3384" marR="3384" marT="3384" marB="0" anchor="b"/>
+                </a:tc>
+                <a:extLst>
+                  <a:ext uri="{0D108BD9-81ED-4DB2-BD59-A6C34878D82A}">
+                    <a16:rowId xmlns:a16="http://schemas.microsoft.com/office/drawing/2014/main" val="4095048132"/>
+                  </a:ext>
+                </a:extLst>
+              </a:tr>
+              <a:tr h="131433">
+                <a:tc>
+                  <a:txBody>
+                    <a:bodyPr/>
+                    <a:lstStyle/>
+                    <a:p>
+                      <a:pPr algn="l" fontAlgn="b"/>
+                      <a:endParaRPr lang="en-US" sz="900" b="0" i="0" u="none" strike="noStrike">
+                        <a:solidFill>
+                          <a:srgbClr val="000000"/>
+                        </a:solidFill>
+                        <a:effectLst/>
+                        <a:latin typeface="Sans"/>
+                      </a:endParaRPr>
+                    </a:p>
+                  </a:txBody>
+                  <a:tcPr marL="3384" marR="3384" marT="3384" marB="0" anchor="b"/>
+                </a:tc>
+                <a:tc>
+                  <a:txBody>
+                    <a:bodyPr/>
+                    <a:lstStyle/>
+                    <a:p>
+                      <a:pPr algn="l" fontAlgn="b"/>
+                      <a:endParaRPr lang="en-US" sz="900" b="0" i="0" u="none" strike="noStrike">
+                        <a:solidFill>
+                          <a:srgbClr val="000000"/>
+                        </a:solidFill>
+                        <a:effectLst/>
+                        <a:latin typeface="Sans"/>
+                      </a:endParaRPr>
+                    </a:p>
+                  </a:txBody>
+                  <a:tcPr marL="3384" marR="3384" marT="3384" marB="0" anchor="b"/>
+                </a:tc>
+                <a:tc>
+                  <a:txBody>
+                    <a:bodyPr/>
+                    <a:lstStyle/>
+                    <a:p>
+                      <a:pPr algn="l" fontAlgn="b"/>
+                      <a:endParaRPr lang="en-US" sz="900" b="0" i="0" u="none" strike="noStrike">
+                        <a:solidFill>
+                          <a:srgbClr val="000000"/>
+                        </a:solidFill>
+                        <a:effectLst/>
+                        <a:latin typeface="Sans"/>
+                      </a:endParaRPr>
+                    </a:p>
+                  </a:txBody>
+                  <a:tcPr marL="3384" marR="3384" marT="3384" marB="0" anchor="b"/>
+                </a:tc>
+                <a:tc>
+                  <a:txBody>
+                    <a:bodyPr/>
+                    <a:lstStyle/>
+                    <a:p>
+                      <a:pPr algn="l" fontAlgn="b"/>
+                      <a:endParaRPr lang="en-US" sz="900" b="0" i="0" u="none" strike="noStrike">
+                        <a:solidFill>
+                          <a:srgbClr val="000000"/>
+                        </a:solidFill>
+                        <a:effectLst/>
+                        <a:latin typeface="Sans"/>
+                      </a:endParaRPr>
+                    </a:p>
+                  </a:txBody>
+                  <a:tcPr marL="3384" marR="3384" marT="3384" marB="0" anchor="b"/>
+                </a:tc>
+                <a:tc>
+                  <a:txBody>
+                    <a:bodyPr/>
+                    <a:lstStyle/>
+                    <a:p>
+                      <a:pPr algn="l" fontAlgn="ctr"/>
+                      <a:endParaRPr lang="en-US" sz="900" b="0" i="0" u="none" strike="noStrike">
+                        <a:solidFill>
+                          <a:srgbClr val="000000"/>
+                        </a:solidFill>
+                        <a:effectLst/>
+                        <a:latin typeface="Sans"/>
+                      </a:endParaRPr>
+                    </a:p>
+                  </a:txBody>
+                  <a:tcPr marL="3384" marR="3384" marT="3384" marB="0" anchor="ctr"/>
+                </a:tc>
+                <a:tc>
+                  <a:txBody>
+                    <a:bodyPr/>
+                    <a:lstStyle/>
+                    <a:p>
+                      <a:pPr algn="l" fontAlgn="b"/>
+                      <a:endParaRPr lang="en-US" sz="900" b="0" i="0" u="none" strike="noStrike">
+                        <a:solidFill>
+                          <a:srgbClr val="000000"/>
+                        </a:solidFill>
+                        <a:effectLst/>
+                        <a:latin typeface="Sans"/>
+                      </a:endParaRPr>
+                    </a:p>
+                  </a:txBody>
+                  <a:tcPr marL="3384" marR="3384" marT="3384" marB="0" anchor="b"/>
+                </a:tc>
+                <a:tc>
+                  <a:txBody>
+                    <a:bodyPr/>
+                    <a:lstStyle/>
+                    <a:p>
+                      <a:pPr algn="l" fontAlgn="b"/>
+                      <a:endParaRPr lang="en-US" sz="900" b="0" i="0" u="none" strike="noStrike">
+                        <a:solidFill>
+                          <a:srgbClr val="000000"/>
+                        </a:solidFill>
+                        <a:effectLst/>
+                        <a:latin typeface="Sans"/>
+                      </a:endParaRPr>
+                    </a:p>
+                  </a:txBody>
+                  <a:tcPr marL="3384" marR="3384" marT="3384" marB="0" anchor="b"/>
+                </a:tc>
+                <a:tc>
+                  <a:txBody>
+                    <a:bodyPr/>
+                    <a:lstStyle/>
+                    <a:p>
+                      <a:pPr algn="l" fontAlgn="b"/>
+                      <a:endParaRPr lang="en-US" sz="900" b="0" i="0" u="none" strike="noStrike">
+                        <a:solidFill>
+                          <a:srgbClr val="000000"/>
+                        </a:solidFill>
+                        <a:effectLst/>
+                        <a:latin typeface="Sans"/>
+                      </a:endParaRPr>
+                    </a:p>
+                  </a:txBody>
+                  <a:tcPr marL="3384" marR="3384" marT="3384" marB="0" anchor="b"/>
+                </a:tc>
+                <a:tc>
+                  <a:txBody>
+                    <a:bodyPr/>
+                    <a:lstStyle/>
+                    <a:p>
+                      <a:pPr algn="l" fontAlgn="b"/>
+                      <a:endParaRPr lang="en-US" sz="900" b="0" i="0" u="none" strike="noStrike">
+                        <a:solidFill>
+                          <a:srgbClr val="000000"/>
+                        </a:solidFill>
+                        <a:effectLst/>
+                        <a:latin typeface="Sans"/>
+                      </a:endParaRPr>
+                    </a:p>
+                  </a:txBody>
+                  <a:tcPr marL="3384" marR="3384" marT="3384" marB="0" anchor="b"/>
+                </a:tc>
+                <a:tc>
+                  <a:txBody>
+                    <a:bodyPr/>
+                    <a:lstStyle/>
+                    <a:p>
+                      <a:pPr algn="r" fontAlgn="b"/>
+                      <a:r>
+                        <a:rPr lang="en-US" sz="900" u="none" strike="noStrike">
+                          <a:effectLst/>
+                        </a:rPr>
+                        <a:t>0</a:t>
+                      </a:r>
+                      <a:endParaRPr lang="en-US" sz="900" b="0" i="0" u="none" strike="noStrike">
+                        <a:solidFill>
+                          <a:srgbClr val="000000"/>
+                        </a:solidFill>
+                        <a:effectLst/>
+                        <a:latin typeface="Sans"/>
+                      </a:endParaRPr>
+                    </a:p>
+                  </a:txBody>
+                  <a:tcPr marL="3384" marR="3384" marT="3384" marB="0" anchor="b"/>
+                </a:tc>
+                <a:extLst>
+                  <a:ext uri="{0D108BD9-81ED-4DB2-BD59-A6C34878D82A}">
+                    <a16:rowId xmlns:a16="http://schemas.microsoft.com/office/drawing/2014/main" val="2064227847"/>
+                  </a:ext>
+                </a:extLst>
+              </a:tr>
+              <a:tr h="259701">
+                <a:tc>
+                  <a:txBody>
+                    <a:bodyPr/>
+                    <a:lstStyle/>
+                    <a:p>
+                      <a:pPr algn="l" fontAlgn="b"/>
+                      <a:endParaRPr lang="en-US" sz="900" b="0" i="0" u="none" strike="noStrike">
+                        <a:solidFill>
+                          <a:srgbClr val="000000"/>
+                        </a:solidFill>
+                        <a:effectLst/>
+                        <a:latin typeface="Sans"/>
+                      </a:endParaRPr>
+                    </a:p>
+                  </a:txBody>
+                  <a:tcPr marL="3384" marR="3384" marT="3384" marB="0" anchor="b"/>
+                </a:tc>
+                <a:tc>
+                  <a:txBody>
+                    <a:bodyPr/>
+                    <a:lstStyle/>
+                    <a:p>
+                      <a:pPr algn="l" fontAlgn="b"/>
+                      <a:endParaRPr lang="en-US" sz="900" b="0" i="0" u="none" strike="noStrike">
+                        <a:solidFill>
+                          <a:srgbClr val="000000"/>
+                        </a:solidFill>
+                        <a:effectLst/>
+                        <a:latin typeface="Sans"/>
+                      </a:endParaRPr>
+                    </a:p>
+                  </a:txBody>
+                  <a:tcPr marL="3384" marR="3384" marT="3384" marB="0" anchor="b"/>
+                </a:tc>
+                <a:tc>
+                  <a:txBody>
+                    <a:bodyPr/>
+                    <a:lstStyle/>
+                    <a:p>
+                      <a:pPr algn="l" fontAlgn="b"/>
+                      <a:endParaRPr lang="en-US" sz="900" b="0" i="0" u="none" strike="noStrike">
+                        <a:solidFill>
+                          <a:srgbClr val="000000"/>
+                        </a:solidFill>
+                        <a:effectLst/>
+                        <a:latin typeface="Sans"/>
+                      </a:endParaRPr>
+                    </a:p>
+                  </a:txBody>
+                  <a:tcPr marL="3384" marR="3384" marT="3384" marB="0" anchor="b"/>
+                </a:tc>
+                <a:tc>
+                  <a:txBody>
+                    <a:bodyPr/>
+                    <a:lstStyle/>
+                    <a:p>
+                      <a:pPr algn="l" fontAlgn="b"/>
+                      <a:endParaRPr lang="en-US" sz="900" b="0" i="0" u="none" strike="noStrike">
+                        <a:solidFill>
+                          <a:srgbClr val="000000"/>
+                        </a:solidFill>
+                        <a:effectLst/>
+                        <a:latin typeface="Sans"/>
+                      </a:endParaRPr>
+                    </a:p>
+                  </a:txBody>
+                  <a:tcPr marL="3384" marR="3384" marT="3384" marB="0" anchor="b"/>
+                </a:tc>
+                <a:tc>
+                  <a:txBody>
+                    <a:bodyPr/>
+                    <a:lstStyle/>
+                    <a:p>
+                      <a:pPr algn="l" fontAlgn="ctr"/>
+                      <a:endParaRPr lang="en-US" sz="900" b="0" i="0" u="none" strike="noStrike">
+                        <a:solidFill>
+                          <a:srgbClr val="000000"/>
+                        </a:solidFill>
+                        <a:effectLst/>
+                        <a:latin typeface="Sans"/>
+                      </a:endParaRPr>
+                    </a:p>
+                  </a:txBody>
+                  <a:tcPr marL="3384" marR="3384" marT="3384" marB="0" anchor="ctr"/>
+                </a:tc>
+                <a:tc>
+                  <a:txBody>
+                    <a:bodyPr/>
+                    <a:lstStyle/>
+                    <a:p>
+                      <a:pPr algn="l" fontAlgn="b"/>
+                      <a:endParaRPr lang="en-US" sz="900" b="0" i="0" u="none" strike="noStrike">
+                        <a:solidFill>
+                          <a:srgbClr val="000000"/>
+                        </a:solidFill>
+                        <a:effectLst/>
+                        <a:latin typeface="Sans"/>
+                      </a:endParaRPr>
+                    </a:p>
+                  </a:txBody>
+                  <a:tcPr marL="3384" marR="3384" marT="3384" marB="0" anchor="b"/>
+                </a:tc>
+                <a:tc>
+                  <a:txBody>
+                    <a:bodyPr/>
+                    <a:lstStyle/>
+                    <a:p>
+                      <a:pPr algn="l" fontAlgn="b"/>
+                      <a:endParaRPr lang="en-US" sz="900" b="0" i="0" u="none" strike="noStrike">
+                        <a:solidFill>
+                          <a:srgbClr val="000000"/>
+                        </a:solidFill>
+                        <a:effectLst/>
+                        <a:latin typeface="Sans"/>
+                      </a:endParaRPr>
+                    </a:p>
+                  </a:txBody>
+                  <a:tcPr marL="3384" marR="3384" marT="3384" marB="0" anchor="b"/>
+                </a:tc>
+                <a:tc>
+                  <a:txBody>
+                    <a:bodyPr/>
+                    <a:lstStyle/>
+                    <a:p>
+                      <a:pPr algn="l" fontAlgn="b"/>
+                      <a:r>
+                        <a:rPr lang="en-US" sz="900" u="none" strike="noStrike">
+                          <a:effectLst/>
+                        </a:rPr>
+                        <a:t>TOTAL COST:</a:t>
+                      </a:r>
+                      <a:endParaRPr lang="en-US" sz="900" b="1" i="0" u="none" strike="noStrike">
+                        <a:solidFill>
+                          <a:srgbClr val="000000"/>
+                        </a:solidFill>
+                        <a:effectLst/>
+                        <a:latin typeface="Sans"/>
+                      </a:endParaRPr>
+                    </a:p>
+                  </a:txBody>
+                  <a:tcPr marL="3384" marR="3384" marT="3384" marB="0" anchor="b"/>
+                </a:tc>
+                <a:tc>
+                  <a:txBody>
+                    <a:bodyPr/>
+                    <a:lstStyle/>
+                    <a:p>
+                      <a:pPr algn="ctr" fontAlgn="b"/>
+                      <a:endParaRPr lang="en-US" sz="900" b="0" i="0" u="none" strike="noStrike">
+                        <a:solidFill>
+                          <a:srgbClr val="000000"/>
+                        </a:solidFill>
+                        <a:effectLst/>
+                        <a:latin typeface="Sans"/>
+                      </a:endParaRPr>
+                    </a:p>
+                  </a:txBody>
+                  <a:tcPr marL="3384" marR="3384" marT="3384" marB="0" anchor="b"/>
+                </a:tc>
+                <a:tc>
+                  <a:txBody>
+                    <a:bodyPr/>
+                    <a:lstStyle/>
+                    <a:p>
+                      <a:pPr algn="l" fontAlgn="b"/>
+                      <a:r>
+                        <a:rPr lang="en-US" sz="900" u="none" strike="noStrike" dirty="0">
+                          <a:effectLst/>
+                        </a:rPr>
+                        <a:t> $         10.25 </a:t>
+                      </a:r>
+                      <a:endParaRPr lang="en-US" sz="900" b="1" i="0" u="none" strike="noStrike" dirty="0">
+                        <a:solidFill>
+                          <a:srgbClr val="000000"/>
+                        </a:solidFill>
+                        <a:effectLst/>
+                        <a:latin typeface="Sans"/>
+                      </a:endParaRPr>
+                    </a:p>
+                  </a:txBody>
+                  <a:tcPr marL="3384" marR="3384" marT="3384" marB="0" anchor="b"/>
+                </a:tc>
+                <a:extLst>
+                  <a:ext uri="{0D108BD9-81ED-4DB2-BD59-A6C34878D82A}">
+                    <a16:rowId xmlns:a16="http://schemas.microsoft.com/office/drawing/2014/main" val="6770127"/>
+                  </a:ext>
+                </a:extLst>
+              </a:tr>
+            </a:tbl>
+          </a:graphicData>
+        </a:graphic>
+      </p:graphicFrame>
+    </p:spTree>
+    <p:extLst>
+      <p:ext uri="{BB962C8B-B14F-4D97-AF65-F5344CB8AC3E}">
+        <p14:creationId xmlns:p14="http://schemas.microsoft.com/office/powerpoint/2010/main" val="2500951938"/>
+      </p:ext>
+    </p:extLst>
+  </p:cSld>
+  <p:clrMapOvr>
+    <a:masterClrMapping/>
+  </p:clrMapOvr>
+  <p:timing>
+    <p:tnLst>
+      <p:par>
+        <p:cTn id="1" dur="indefinite" restart="never" nodeType="tmRoot"/>
+      </p:par>
+    </p:tnLst>
+  </p:timing>
+</p:sld>
+</file>
+
+<file path=ppt/slides/slide12.xml><?xml version="1.0" encoding="utf-8"?>
+<p:sld xmlns:a="http://schemas.openxmlformats.org/drawingml/2006/main" xmlns:r="http://schemas.openxmlformats.org/officeDocument/2006/relationships" xmlns:p="http://schemas.openxmlformats.org/presentationml/2006/main">
+  <p:cSld>
+    <p:spTree>
+      <p:nvGrpSpPr>
+        <p:cNvPr id="1" name=""/>
+        <p:cNvGrpSpPr/>
+        <p:nvPr/>
+      </p:nvGrpSpPr>
+      <p:grpSpPr>
+        <a:xfrm>
+          <a:off x="0" y="0"/>
+          <a:ext cx="0" cy="0"/>
+          <a:chOff x="0" y="0"/>
+          <a:chExt cx="0" cy="0"/>
+        </a:xfrm>
+      </p:grpSpPr>
+      <p:sp>
+        <p:nvSpPr>
+          <p:cNvPr id="4" name="Title 3"/>
+          <p:cNvSpPr>
+            <a:spLocks noGrp="1"/>
+          </p:cNvSpPr>
+          <p:nvPr>
+            <p:ph type="title"/>
+          </p:nvPr>
+        </p:nvSpPr>
+        <p:spPr>
+          <a:xfrm>
+            <a:off x="684213" y="685800"/>
+            <a:ext cx="10058400" cy="645695"/>
+          </a:xfrm>
+        </p:spPr>
+        <p:txBody>
+          <a:bodyPr>
+            <a:noAutofit/>
+          </a:bodyPr>
+          <a:lstStyle/>
+          <a:p>
+            <a:r>
+              <a:rPr lang="en-US" sz="6000" dirty="0" smtClean="0"/>
+              <a:t>Test plan 1</a:t>
+            </a:r>
+            <a:endParaRPr lang="en-US" sz="6000" dirty="0"/>
+          </a:p>
+        </p:txBody>
+      </p:sp>
+      <p:pic>
+        <p:nvPicPr>
+          <p:cNvPr id="2" name="Picture 1"/>
+          <p:cNvPicPr>
+            <a:picLocks noChangeAspect="1"/>
+          </p:cNvPicPr>
+          <p:nvPr/>
+        </p:nvPicPr>
+        <p:blipFill>
+          <a:blip r:embed="rId2">
+            <a:extLst>
+              <a:ext uri="{28A0092B-C50C-407E-A947-70E740481C1C}">
+                <a14:useLocalDpi xmlns:a14="http://schemas.microsoft.com/office/drawing/2010/main" val="0"/>
+              </a:ext>
+            </a:extLst>
+          </a:blip>
+          <a:stretch>
+            <a:fillRect/>
+          </a:stretch>
+        </p:blipFill>
+        <p:spPr>
+          <a:xfrm>
+            <a:off x="1828799" y="1833421"/>
+            <a:ext cx="7456212" cy="3804711"/>
+          </a:xfrm>
+          <a:prstGeom prst="rect">
+            <a:avLst/>
+          </a:prstGeom>
+        </p:spPr>
+      </p:pic>
+    </p:spTree>
+    <p:extLst>
+      <p:ext uri="{BB962C8B-B14F-4D97-AF65-F5344CB8AC3E}">
+        <p14:creationId xmlns:p14="http://schemas.microsoft.com/office/powerpoint/2010/main" val="599824598"/>
+      </p:ext>
+    </p:extLst>
+  </p:cSld>
+  <p:clrMapOvr>
+    <a:masterClrMapping/>
+  </p:clrMapOvr>
+  <p:timing>
+    <p:tnLst>
+      <p:par>
+        <p:cTn id="1" dur="indefinite" restart="never" nodeType="tmRoot"/>
+      </p:par>
+    </p:tnLst>
+  </p:timing>
+</p:sld>
+</file>
+
+<file path=ppt/slides/slide13.xml><?xml version="1.0" encoding="utf-8"?>
+<p:sld xmlns:a="http://schemas.openxmlformats.org/drawingml/2006/main" xmlns:r="http://schemas.openxmlformats.org/officeDocument/2006/relationships" xmlns:p="http://schemas.openxmlformats.org/presentationml/2006/main">
+  <p:cSld>
+    <p:spTree>
+      <p:nvGrpSpPr>
+        <p:cNvPr id="1" name=""/>
+        <p:cNvGrpSpPr/>
+        <p:nvPr/>
+      </p:nvGrpSpPr>
+      <p:grpSpPr>
+        <a:xfrm>
+          <a:off x="0" y="0"/>
+          <a:ext cx="0" cy="0"/>
+          <a:chOff x="0" y="0"/>
+          <a:chExt cx="0" cy="0"/>
+        </a:xfrm>
+      </p:grpSpPr>
+      <p:sp>
+        <p:nvSpPr>
+          <p:cNvPr id="4" name="Title 3"/>
+          <p:cNvSpPr>
+            <a:spLocks noGrp="1"/>
+          </p:cNvSpPr>
+          <p:nvPr>
+            <p:ph type="title"/>
+          </p:nvPr>
+        </p:nvSpPr>
+        <p:spPr>
+          <a:xfrm>
+            <a:off x="684213" y="685800"/>
+            <a:ext cx="10058400" cy="645695"/>
+          </a:xfrm>
+        </p:spPr>
+        <p:txBody>
+          <a:bodyPr>
+            <a:noAutofit/>
+          </a:bodyPr>
+          <a:lstStyle/>
+          <a:p>
+            <a:r>
+              <a:rPr lang="en-US" sz="6000" dirty="0" smtClean="0"/>
+              <a:t>Test plan 2</a:t>
+            </a:r>
+            <a:endParaRPr lang="en-US" sz="6000" dirty="0"/>
+          </a:p>
+        </p:txBody>
+      </p:sp>
+      <p:sp>
+        <p:nvSpPr>
+          <p:cNvPr id="2" name="TextBox 1"/>
+          <p:cNvSpPr txBox="1"/>
+          <p:nvPr/>
+        </p:nvSpPr>
+        <p:spPr>
+          <a:xfrm>
+            <a:off x="532015" y="1637607"/>
+            <a:ext cx="3857105" cy="5286062"/>
+          </a:xfrm>
+          <a:prstGeom prst="rect">
+            <a:avLst/>
+          </a:prstGeom>
+          <a:noFill/>
+        </p:spPr>
+        <p:txBody>
+          <a:bodyPr wrap="square" rtlCol="0">
+            <a:spAutoFit/>
+          </a:bodyPr>
+          <a:lstStyle/>
+          <a:p>
+            <a:r>
+              <a:rPr lang="en-US" sz="750" dirty="0"/>
+              <a:t>PART 1: Initial Power Setup</a:t>
+            </a:r>
+          </a:p>
+          <a:p>
+            <a:r>
+              <a:rPr lang="en-US" sz="750" dirty="0"/>
+              <a:t>1. Before Power is provided to the board for the first time a visual inspection should be</a:t>
+            </a:r>
+          </a:p>
+          <a:p>
+            <a:r>
+              <a:rPr lang="en-US" sz="750" dirty="0"/>
+              <a:t>performed by a at least one person whom is not the assembler.</a:t>
+            </a:r>
+          </a:p>
+          <a:p>
+            <a:r>
+              <a:rPr lang="en-US" sz="750" dirty="0"/>
+              <a:t>2. Power module test:</a:t>
+            </a:r>
+          </a:p>
+          <a:p>
+            <a:r>
+              <a:rPr lang="en-US" sz="750" dirty="0"/>
+              <a:t>a. Power cable connection test</a:t>
+            </a:r>
+          </a:p>
+          <a:p>
+            <a:r>
+              <a:rPr lang="en-US" sz="750" dirty="0"/>
+              <a:t>b. Voltage regulator test</a:t>
+            </a:r>
+          </a:p>
+          <a:p>
+            <a:r>
+              <a:rPr lang="en-US" sz="750" dirty="0"/>
+              <a:t>3. Power up test:</a:t>
+            </a:r>
+          </a:p>
+          <a:p>
+            <a:r>
+              <a:rPr lang="en-US" sz="750" dirty="0"/>
+              <a:t>a. Current level test</a:t>
+            </a:r>
+          </a:p>
+          <a:p>
+            <a:r>
+              <a:rPr lang="en-US" sz="750" dirty="0"/>
+              <a:t>b. Voltage level check</a:t>
+            </a:r>
+          </a:p>
+          <a:p>
+            <a:r>
+              <a:rPr lang="en-US" sz="750" dirty="0"/>
+              <a:t>c. Leakage check: Check movement of current between two conductors that are not</a:t>
+            </a:r>
+          </a:p>
+          <a:p>
+            <a:r>
+              <a:rPr lang="en-US" sz="750" dirty="0"/>
+              <a:t>connected.</a:t>
+            </a:r>
+          </a:p>
+          <a:p>
+            <a:r>
+              <a:rPr lang="en-US" sz="750" dirty="0"/>
+              <a:t>d. Opens Test: Check to make sure there is current flow from one "node" to the next</a:t>
+            </a:r>
+          </a:p>
+          <a:p>
+            <a:r>
+              <a:rPr lang="en-US" sz="750" dirty="0"/>
+              <a:t>for every net on the board, again by measuring the amount of resistance of the</a:t>
+            </a:r>
+          </a:p>
+          <a:p>
+            <a:r>
+              <a:rPr lang="en-US" sz="750" dirty="0"/>
+              <a:t>conductor.</a:t>
+            </a:r>
+          </a:p>
+          <a:p>
+            <a:r>
+              <a:rPr lang="en-US" sz="750" dirty="0"/>
+              <a:t>e. Shorts Test: Check to make sure that NO current flows between separate nets by</a:t>
+            </a:r>
+          </a:p>
+          <a:p>
+            <a:r>
+              <a:rPr lang="en-US" sz="750" dirty="0"/>
+              <a:t>measuring the amount resistance between them.</a:t>
+            </a:r>
+          </a:p>
+          <a:p>
+            <a:r>
+              <a:rPr lang="en-US" sz="750" dirty="0"/>
+              <a:t>2</a:t>
+            </a:r>
+          </a:p>
+          <a:p>
+            <a:r>
+              <a:rPr lang="en-US" sz="750" dirty="0"/>
+              <a:t>PART 2: System test</a:t>
+            </a:r>
+          </a:p>
+          <a:p>
+            <a:r>
+              <a:rPr lang="en-US" sz="750" dirty="0"/>
+              <a:t>The test session of the system includes two parts:</a:t>
+            </a:r>
+          </a:p>
+          <a:p>
+            <a:r>
+              <a:rPr lang="en-US" sz="750" dirty="0"/>
+              <a:t>1. Single component test:</a:t>
+            </a:r>
+          </a:p>
+          <a:p>
+            <a:r>
+              <a:rPr lang="en-US" sz="750" dirty="0"/>
+              <a:t>a. Check the type and the specification model of the sensor and actuator</a:t>
+            </a:r>
+          </a:p>
+          <a:p>
+            <a:r>
+              <a:rPr lang="en-US" sz="750" dirty="0"/>
+              <a:t>b. Test the functionality of the sensor and actuator</a:t>
+            </a:r>
+          </a:p>
+          <a:p>
+            <a:r>
+              <a:rPr lang="en-US" sz="750" dirty="0"/>
+              <a:t>2. System test:</a:t>
+            </a:r>
+          </a:p>
+          <a:p>
+            <a:r>
+              <a:rPr lang="en-US" sz="750" dirty="0"/>
+              <a:t>a. Design Validation: PCB Layout validation and code verification.</a:t>
+            </a:r>
+          </a:p>
+          <a:p>
+            <a:r>
+              <a:rPr lang="en-US" sz="750" dirty="0"/>
+              <a:t>b. Manufacturing test: Detect the manufacturing defects.</a:t>
+            </a:r>
+          </a:p>
+          <a:p>
+            <a:r>
+              <a:rPr lang="en-US" sz="750" dirty="0"/>
+              <a:t>c. Function test: Follow the block diagram of the system to make sure each part of</a:t>
+            </a:r>
+          </a:p>
+          <a:p>
+            <a:r>
+              <a:rPr lang="en-US" sz="750" dirty="0"/>
+              <a:t>the system can work correctly.</a:t>
+            </a:r>
+          </a:p>
+          <a:p>
+            <a:r>
+              <a:rPr lang="en-US" sz="750" dirty="0"/>
+              <a:t>PART 2 - 1 - 1: Moisture sensor test (FINISHED)</a:t>
+            </a:r>
+          </a:p>
+          <a:p>
+            <a:r>
+              <a:rPr lang="en-US" sz="750" dirty="0"/>
+              <a:t>A. Structure of the sensor: Moisture sensor is testing the resistance across two probes, the</a:t>
+            </a:r>
+          </a:p>
+          <a:p>
+            <a:r>
+              <a:rPr lang="en-US" sz="750" dirty="0"/>
+              <a:t>moisture level of the soil is represented as the voltage value.</a:t>
+            </a:r>
+          </a:p>
+          <a:p>
+            <a:r>
+              <a:rPr lang="en-US" sz="750" dirty="0"/>
+              <a:t>B. Test Method: Plug the probes into the different soil samples(each soil sample got</a:t>
+            </a:r>
+          </a:p>
+          <a:p>
+            <a:r>
+              <a:rPr lang="en-US" sz="750" dirty="0"/>
+              <a:t>different level moisture), measure the returned voltage level.</a:t>
+            </a:r>
+          </a:p>
+          <a:p>
+            <a:r>
+              <a:rPr lang="en-US" sz="750" dirty="0"/>
+              <a:t>C. Results: By increasing the moisture level of the sample soil, the measured maximum</a:t>
+            </a:r>
+          </a:p>
+          <a:p>
+            <a:r>
+              <a:rPr lang="en-US" sz="750" dirty="0"/>
+              <a:t>voltage level is about 4.3V(Under 5V power supply voltage). The minimum voltage level</a:t>
+            </a:r>
+          </a:p>
+          <a:p>
+            <a:r>
+              <a:rPr lang="en-US" sz="750" dirty="0"/>
+              <a:t>is about 2V.</a:t>
+            </a:r>
+          </a:p>
+          <a:p>
+            <a:r>
+              <a:rPr lang="en-US" sz="750" dirty="0"/>
+              <a:t>PART 2 - 1 </a:t>
+            </a:r>
+            <a:r>
+              <a:rPr lang="en-US" sz="750" dirty="0" smtClean="0"/>
+              <a:t>-</a:t>
+            </a:r>
+            <a:endParaRPr lang="en-US" sz="750" dirty="0"/>
+          </a:p>
+        </p:txBody>
+      </p:sp>
+      <p:sp>
+        <p:nvSpPr>
+          <p:cNvPr id="5" name="TextBox 4"/>
+          <p:cNvSpPr txBox="1"/>
+          <p:nvPr/>
+        </p:nvSpPr>
+        <p:spPr>
+          <a:xfrm>
+            <a:off x="4389120" y="1687354"/>
+            <a:ext cx="3857105" cy="4478149"/>
+          </a:xfrm>
+          <a:prstGeom prst="rect">
+            <a:avLst/>
+          </a:prstGeom>
+          <a:noFill/>
+        </p:spPr>
+        <p:txBody>
+          <a:bodyPr wrap="square" rtlCol="0">
+            <a:spAutoFit/>
+          </a:bodyPr>
+          <a:lstStyle/>
+          <a:p>
+            <a:r>
+              <a:rPr lang="en-US" sz="750" dirty="0" smtClean="0"/>
+              <a:t>PART </a:t>
+            </a:r>
+            <a:r>
+              <a:rPr lang="en-US" sz="750" dirty="0"/>
+              <a:t>2 - 1 - 2: Actuator Test (FINISHED)</a:t>
+            </a:r>
+          </a:p>
+          <a:p>
+            <a:r>
+              <a:rPr lang="en-US" sz="750" dirty="0"/>
+              <a:t>The actuator of the automated watering system is a water valve. The I/O pin of the processor</a:t>
+            </a:r>
+          </a:p>
+          <a:p>
+            <a:r>
+              <a:rPr lang="en-US" sz="750" dirty="0"/>
+              <a:t>control the ON and OFF of the actuator. When the moisture level lower than the threshold value,</a:t>
+            </a:r>
+          </a:p>
+          <a:p>
+            <a:r>
+              <a:rPr lang="en-US" sz="750" dirty="0"/>
+              <a:t>3</a:t>
+            </a:r>
+          </a:p>
+          <a:p>
+            <a:r>
+              <a:rPr lang="en-US" sz="750" dirty="0"/>
+              <a:t>the system will turn on the valve. In other words, the goal of the test is to make sure that the</a:t>
+            </a:r>
+          </a:p>
+          <a:p>
+            <a:r>
+              <a:rPr lang="en-US" sz="750" dirty="0"/>
+              <a:t>actuator is capable for multiple ON/OFF in a short time period.</a:t>
+            </a:r>
+          </a:p>
+          <a:p>
+            <a:r>
+              <a:rPr lang="en-US" sz="750" dirty="0"/>
+              <a:t>A. Test Method: Connect the valve to the output pin of the circuit, run the “Blink” file on</a:t>
+            </a:r>
+          </a:p>
+          <a:p>
+            <a:r>
+              <a:rPr lang="en-US" sz="750" dirty="0"/>
+              <a:t>the circuit.</a:t>
+            </a:r>
+          </a:p>
+          <a:p>
+            <a:r>
+              <a:rPr lang="en-US" sz="750" dirty="0"/>
+              <a:t>B. Results: Run the program for 2 minutes, the system will keep turning ON/OFF of the</a:t>
+            </a:r>
+          </a:p>
+          <a:p>
+            <a:r>
+              <a:rPr lang="en-US" sz="750" dirty="0"/>
+              <a:t>valve, the valve worked correctly.</a:t>
+            </a:r>
+          </a:p>
+          <a:p>
+            <a:r>
+              <a:rPr lang="en-US" sz="750" dirty="0"/>
+              <a:t>PART 2 - 2 - 1: PCB Validation</a:t>
+            </a:r>
+          </a:p>
+          <a:p>
+            <a:r>
+              <a:rPr lang="en-US" sz="750" dirty="0"/>
+              <a:t>A. Parts completion check:</a:t>
+            </a:r>
+          </a:p>
+          <a:p>
+            <a:r>
+              <a:rPr lang="en-US" sz="750" dirty="0"/>
+              <a:t>a. All major components included?</a:t>
+            </a:r>
+          </a:p>
+          <a:p>
+            <a:r>
+              <a:rPr lang="en-US" sz="750" dirty="0" err="1"/>
+              <a:t>i</a:t>
+            </a:r>
+            <a:r>
+              <a:rPr lang="en-US" sz="750" dirty="0"/>
+              <a:t>. Processor</a:t>
+            </a:r>
+          </a:p>
+          <a:p>
+            <a:r>
+              <a:rPr lang="en-US" sz="750" dirty="0"/>
+              <a:t>ii. Power supply (Voltage regulator)</a:t>
+            </a:r>
+          </a:p>
+          <a:p>
+            <a:r>
+              <a:rPr lang="en-US" sz="750" dirty="0"/>
+              <a:t>iii. Moisture sensor</a:t>
+            </a:r>
+          </a:p>
+          <a:p>
+            <a:r>
+              <a:rPr lang="en-US" sz="750" dirty="0"/>
+              <a:t>iv. The actuator (Valve)</a:t>
+            </a:r>
+          </a:p>
+          <a:p>
+            <a:r>
+              <a:rPr lang="en-US" sz="750" dirty="0"/>
+              <a:t>b. All support components included?</a:t>
+            </a:r>
+          </a:p>
+          <a:p>
+            <a:r>
+              <a:rPr lang="en-US" sz="750" dirty="0" err="1"/>
+              <a:t>i</a:t>
+            </a:r>
+            <a:r>
+              <a:rPr lang="en-US" sz="750" dirty="0"/>
+              <a:t>. USB connection port</a:t>
+            </a:r>
+          </a:p>
+          <a:p>
+            <a:r>
+              <a:rPr lang="en-US" sz="750" dirty="0"/>
+              <a:t>ii. Power connection port</a:t>
+            </a:r>
+          </a:p>
+          <a:p>
+            <a:r>
+              <a:rPr lang="en-US" sz="750" dirty="0"/>
+              <a:t>iii. Reset switch</a:t>
+            </a:r>
+          </a:p>
+          <a:p>
+            <a:r>
+              <a:rPr lang="en-US" sz="750" dirty="0"/>
+              <a:t>c. All the surface mount circuit component included?</a:t>
+            </a:r>
+          </a:p>
+          <a:p>
+            <a:r>
+              <a:rPr lang="en-US" sz="750" dirty="0"/>
+              <a:t>B. PCB footprint check</a:t>
+            </a:r>
+          </a:p>
+          <a:p>
+            <a:r>
+              <a:rPr lang="en-US" sz="750" dirty="0"/>
+              <a:t>C. Parts placement test</a:t>
+            </a:r>
+          </a:p>
+          <a:p>
+            <a:r>
+              <a:rPr lang="en-US" sz="750" dirty="0"/>
+              <a:t>PART 2 - 2 - 2: Function Test</a:t>
+            </a:r>
+          </a:p>
+          <a:p>
+            <a:r>
+              <a:rPr lang="en-US" sz="750" dirty="0"/>
+              <a:t>A. Debug the code to make sure the code can successfully flash into the processor.</a:t>
+            </a:r>
+          </a:p>
+          <a:p>
+            <a:r>
+              <a:rPr lang="en-US" sz="750" dirty="0"/>
+              <a:t>4</a:t>
+            </a:r>
+          </a:p>
+          <a:p>
+            <a:r>
+              <a:rPr lang="en-US" sz="750" dirty="0"/>
+              <a:t>B. After the program is flashed to the processor via USB, a test run should be performed.</a:t>
+            </a:r>
+          </a:p>
+          <a:p>
+            <a:r>
+              <a:rPr lang="en-US" sz="750" dirty="0"/>
+              <a:t>PART 2 - 2 - 3: Manufacturing Test</a:t>
+            </a:r>
+          </a:p>
+          <a:p>
+            <a:r>
+              <a:rPr lang="en-US" sz="750" dirty="0"/>
+              <a:t>A. Follow the schematic and assemble the circuit on each board.</a:t>
+            </a:r>
+          </a:p>
+          <a:p>
+            <a:r>
+              <a:rPr lang="en-US" sz="750" dirty="0"/>
+              <a:t>B. Follow the test method in PART 2 - 2 - 2 to test all the prototypes.</a:t>
+            </a:r>
+          </a:p>
+        </p:txBody>
+      </p:sp>
+    </p:spTree>
+    <p:extLst>
+      <p:ext uri="{BB962C8B-B14F-4D97-AF65-F5344CB8AC3E}">
+        <p14:creationId xmlns:p14="http://schemas.microsoft.com/office/powerpoint/2010/main" val="246382489"/>
+      </p:ext>
+    </p:extLst>
+  </p:cSld>
+  <p:clrMapOvr>
+    <a:masterClrMapping/>
+  </p:clrMapOvr>
+  <p:timing>
+    <p:tnLst>
+      <p:par>
+        <p:cTn id="1" dur="indefinite" restart="never" nodeType="tmRoot"/>
+      </p:par>
+    </p:tnLst>
+  </p:timing>
+</p:sld>
+</file>
+
+<file path=ppt/slides/slide14.xml><?xml version="1.0" encoding="utf-8"?>
+<p:sld xmlns:a="http://schemas.openxmlformats.org/drawingml/2006/main" xmlns:r="http://schemas.openxmlformats.org/officeDocument/2006/relationships" xmlns:p="http://schemas.openxmlformats.org/presentationml/2006/main">
+  <p:cSld>
+    <p:spTree>
+      <p:nvGrpSpPr>
+        <p:cNvPr id="1" name=""/>
+        <p:cNvGrpSpPr/>
+        <p:nvPr/>
+      </p:nvGrpSpPr>
+      <p:grpSpPr>
+        <a:xfrm>
+          <a:off x="0" y="0"/>
+          <a:ext cx="0" cy="0"/>
+          <a:chOff x="0" y="0"/>
+          <a:chExt cx="0" cy="0"/>
+        </a:xfrm>
+      </p:grpSpPr>
+      <p:sp>
+        <p:nvSpPr>
+          <p:cNvPr id="4" name="Title 3"/>
+          <p:cNvSpPr>
+            <a:spLocks noGrp="1"/>
+          </p:cNvSpPr>
+          <p:nvPr>
+            <p:ph type="title"/>
+          </p:nvPr>
+        </p:nvSpPr>
+        <p:spPr>
+          <a:xfrm>
+            <a:off x="684213" y="685800"/>
+            <a:ext cx="10058400" cy="645695"/>
+          </a:xfrm>
+        </p:spPr>
+        <p:txBody>
+          <a:bodyPr>
+            <a:noAutofit/>
+          </a:bodyPr>
+          <a:lstStyle/>
+          <a:p>
+            <a:r>
+              <a:rPr lang="en-US" sz="6000" dirty="0" smtClean="0"/>
+              <a:t>what’s left to do</a:t>
+            </a:r>
+            <a:endParaRPr lang="en-US" sz="6000" dirty="0"/>
+          </a:p>
+        </p:txBody>
+      </p:sp>
+      <p:sp>
+        <p:nvSpPr>
+          <p:cNvPr id="7" name="TextBox 6"/>
+          <p:cNvSpPr txBox="1"/>
+          <p:nvPr/>
+        </p:nvSpPr>
+        <p:spPr>
+          <a:xfrm>
+            <a:off x="684213" y="2085473"/>
+            <a:ext cx="10930271" cy="3970318"/>
+          </a:xfrm>
+          <a:prstGeom prst="rect">
+            <a:avLst/>
+          </a:prstGeom>
+          <a:noFill/>
+        </p:spPr>
+        <p:txBody>
+          <a:bodyPr wrap="square" rtlCol="0">
+            <a:spAutoFit/>
+          </a:bodyPr>
+          <a:lstStyle/>
+          <a:p>
+            <a:pPr marL="342900" indent="-342900">
+              <a:buFont typeface="Arial" panose="020B0604020202020204" pitchFamily="34" charset="0"/>
+              <a:buChar char="•"/>
+            </a:pPr>
+            <a:r>
+              <a:rPr lang="en-US" sz="3600" dirty="0" smtClean="0"/>
+              <a:t>Second revision of board (fix board issue)</a:t>
+            </a:r>
+          </a:p>
+          <a:p>
+            <a:pPr marL="342900" indent="-342900">
+              <a:buFont typeface="Arial" panose="020B0604020202020204" pitchFamily="34" charset="0"/>
+              <a:buChar char="•"/>
+            </a:pPr>
+            <a:r>
+              <a:rPr lang="en-US" sz="3600" dirty="0" smtClean="0"/>
+              <a:t>Put it in box – waterproof it</a:t>
+            </a:r>
+          </a:p>
+          <a:p>
+            <a:pPr marL="342900" indent="-342900">
+              <a:buFont typeface="Arial" panose="020B0604020202020204" pitchFamily="34" charset="0"/>
+              <a:buChar char="•"/>
+            </a:pPr>
+            <a:r>
+              <a:rPr lang="en-US" sz="3600" dirty="0" smtClean="0"/>
+              <a:t>More I/O for sensors and plants</a:t>
+            </a:r>
+          </a:p>
+          <a:p>
+            <a:pPr marL="342900" indent="-342900">
+              <a:buFont typeface="Arial" panose="020B0604020202020204" pitchFamily="34" charset="0"/>
+              <a:buChar char="•"/>
+            </a:pPr>
+            <a:r>
+              <a:rPr lang="en-US" sz="3600" dirty="0" smtClean="0"/>
+              <a:t>Keep historical data for seasonal average</a:t>
+            </a:r>
+          </a:p>
+          <a:p>
+            <a:pPr marL="342900" indent="-342900">
+              <a:buFont typeface="Arial" panose="020B0604020202020204" pitchFamily="34" charset="0"/>
+              <a:buChar char="•"/>
+            </a:pPr>
+            <a:r>
+              <a:rPr lang="en-US" sz="3600" dirty="0" smtClean="0"/>
+              <a:t>Add wireless communication for viewable diagnostics and statistics (phone, computer, app)</a:t>
+            </a:r>
+          </a:p>
+        </p:txBody>
+      </p:sp>
+    </p:spTree>
+    <p:extLst>
+      <p:ext uri="{BB962C8B-B14F-4D97-AF65-F5344CB8AC3E}">
+        <p14:creationId xmlns:p14="http://schemas.microsoft.com/office/powerpoint/2010/main" val="261858471"/>
+      </p:ext>
+    </p:extLst>
+  </p:cSld>
+  <p:clrMapOvr>
+    <a:masterClrMapping/>
+  </p:clrMapOvr>
+  <p:timing>
+    <p:tnLst>
+      <p:par>
+        <p:cTn id="1" dur="indefinite" restart="never" nodeType="tmRoot"/>
+      </p:par>
+    </p:tnLst>
+  </p:timing>
+</p:sld>
+</file>
+
+<file path=ppt/slides/slide15.xml><?xml version="1.0" encoding="utf-8"?>
+<p:sld xmlns:a="http://schemas.openxmlformats.org/drawingml/2006/main" xmlns:r="http://schemas.openxmlformats.org/officeDocument/2006/relationships" xmlns:p="http://schemas.openxmlformats.org/presentationml/2006/main">
+  <p:cSld>
+    <p:spTree>
+      <p:nvGrpSpPr>
+        <p:cNvPr id="1" name=""/>
+        <p:cNvGrpSpPr/>
+        <p:nvPr/>
+      </p:nvGrpSpPr>
+      <p:grpSpPr>
+        <a:xfrm>
+          <a:off x="0" y="0"/>
+          <a:ext cx="0" cy="0"/>
+          <a:chOff x="0" y="0"/>
+          <a:chExt cx="0" cy="0"/>
+        </a:xfrm>
+      </p:grpSpPr>
+      <p:sp>
+        <p:nvSpPr>
+          <p:cNvPr id="4" name="Title 3"/>
+          <p:cNvSpPr>
+            <a:spLocks noGrp="1"/>
+          </p:cNvSpPr>
+          <p:nvPr>
+            <p:ph type="title"/>
+          </p:nvPr>
+        </p:nvSpPr>
+        <p:spPr>
+          <a:xfrm>
+            <a:off x="684212" y="685800"/>
+            <a:ext cx="10172209" cy="1558636"/>
+          </a:xfrm>
+        </p:spPr>
+        <p:txBody>
+          <a:bodyPr>
+            <a:noAutofit/>
+          </a:bodyPr>
+          <a:lstStyle/>
+          <a:p>
+            <a:r>
+              <a:rPr lang="en-US" sz="5600" dirty="0" smtClean="0"/>
+              <a:t>Lessons learned as team</a:t>
+            </a:r>
+            <a:endParaRPr lang="en-US" sz="5600" dirty="0"/>
+          </a:p>
+        </p:txBody>
+      </p:sp>
+      <p:sp>
+        <p:nvSpPr>
+          <p:cNvPr id="7" name="TextBox 6"/>
+          <p:cNvSpPr txBox="1"/>
+          <p:nvPr/>
+        </p:nvSpPr>
+        <p:spPr>
+          <a:xfrm>
+            <a:off x="684212" y="2244436"/>
+            <a:ext cx="10930271" cy="1569660"/>
+          </a:xfrm>
+          <a:prstGeom prst="rect">
+            <a:avLst/>
+          </a:prstGeom>
+          <a:noFill/>
+        </p:spPr>
+        <p:txBody>
+          <a:bodyPr wrap="square" rtlCol="0">
+            <a:spAutoFit/>
+          </a:bodyPr>
+          <a:lstStyle/>
+          <a:p>
+            <a:pPr marL="342900" indent="-342900">
+              <a:buFont typeface="Arial" panose="020B0604020202020204" pitchFamily="34" charset="0"/>
+              <a:buChar char="•"/>
+            </a:pPr>
+            <a:r>
+              <a:rPr lang="en-US" sz="3200" dirty="0" smtClean="0"/>
+              <a:t>Board layout took longer than expected</a:t>
+            </a:r>
+          </a:p>
+          <a:p>
+            <a:pPr marL="342900" indent="-342900">
+              <a:buFont typeface="Arial" panose="020B0604020202020204" pitchFamily="34" charset="0"/>
+              <a:buChar char="•"/>
+            </a:pPr>
+            <a:r>
+              <a:rPr lang="en-US" sz="3200" dirty="0" smtClean="0"/>
+              <a:t>Be careful with discount power supplies</a:t>
+            </a:r>
+          </a:p>
+          <a:p>
+            <a:pPr marL="342900" indent="-342900">
+              <a:buFont typeface="Arial" panose="020B0604020202020204" pitchFamily="34" charset="0"/>
+              <a:buChar char="•"/>
+            </a:pPr>
+            <a:endParaRPr lang="en-US" sz="3200" dirty="0"/>
+          </a:p>
+        </p:txBody>
+      </p:sp>
+      <p:sp>
+        <p:nvSpPr>
+          <p:cNvPr id="3" name="TextBox 2"/>
+          <p:cNvSpPr txBox="1"/>
+          <p:nvPr/>
+        </p:nvSpPr>
+        <p:spPr>
+          <a:xfrm>
+            <a:off x="315884" y="5482245"/>
+            <a:ext cx="3782291" cy="276999"/>
+          </a:xfrm>
+          <a:prstGeom prst="rect">
+            <a:avLst/>
+          </a:prstGeom>
+          <a:noFill/>
+        </p:spPr>
+        <p:txBody>
+          <a:bodyPr wrap="square" rtlCol="0">
+            <a:spAutoFit/>
+          </a:bodyPr>
+          <a:lstStyle/>
+          <a:p>
+            <a:r>
+              <a:rPr lang="en-US" sz="1200" dirty="0" smtClean="0">
+                <a:solidFill>
+                  <a:srgbClr val="136A9C"/>
+                </a:solidFill>
+              </a:rPr>
+              <a:t>Jon </a:t>
+            </a:r>
+            <a:r>
+              <a:rPr lang="en-US" sz="1200" dirty="0" err="1" smtClean="0">
+                <a:solidFill>
+                  <a:srgbClr val="136A9C"/>
+                </a:solidFill>
+              </a:rPr>
+              <a:t>lowkey</a:t>
+            </a:r>
+            <a:r>
+              <a:rPr lang="en-US" sz="1200" dirty="0" smtClean="0">
+                <a:solidFill>
+                  <a:srgbClr val="136A9C"/>
+                </a:solidFill>
+              </a:rPr>
+              <a:t> farts a lot in the lab</a:t>
+            </a:r>
+            <a:endParaRPr lang="en-US" sz="1200" dirty="0">
+              <a:solidFill>
+                <a:srgbClr val="136A9C"/>
+              </a:solidFill>
+            </a:endParaRPr>
+          </a:p>
+        </p:txBody>
+      </p:sp>
+    </p:spTree>
+    <p:extLst>
+      <p:ext uri="{BB962C8B-B14F-4D97-AF65-F5344CB8AC3E}">
+        <p14:creationId xmlns:p14="http://schemas.microsoft.com/office/powerpoint/2010/main" val="3992406287"/>
       </p:ext>
     </p:extLst>
   </p:cSld>
@@ -5829,7 +12451,7 @@
       </p:sp>
       <p:pic>
         <p:nvPicPr>
-          <p:cNvPr id="2" name="Picture 1"/>
+          <p:cNvPr id="3" name="Picture 2"/>
           <p:cNvPicPr>
             <a:picLocks noChangeAspect="1"/>
           </p:cNvPicPr>
@@ -5849,8 +12471,8 @@
         </p:blipFill>
         <p:spPr>
           <a:xfrm>
-            <a:off x="684213" y="2236991"/>
-            <a:ext cx="10502141" cy="3217323"/>
+            <a:off x="1262650" y="2252497"/>
+            <a:ext cx="9783349" cy="3860203"/>
           </a:xfrm>
           <a:prstGeom prst="rect">
             <a:avLst/>
@@ -7272,6 +13894,73 @@
           <a:chExt cx="0" cy="0"/>
         </a:xfrm>
       </p:grpSpPr>
+      <p:pic>
+        <p:nvPicPr>
+          <p:cNvPr id="3" name="Picture 2"/>
+          <p:cNvPicPr>
+            <a:picLocks noChangeAspect="1"/>
+          </p:cNvPicPr>
+          <p:nvPr/>
+        </p:nvPicPr>
+        <p:blipFill>
+          <a:blip r:embed="rId2">
+            <a:extLst>
+              <a:ext uri="{28A0092B-C50C-407E-A947-70E740481C1C}">
+                <a14:useLocalDpi xmlns:a14="http://schemas.microsoft.com/office/drawing/2010/main" val="0"/>
+              </a:ext>
+            </a:extLst>
+          </a:blip>
+          <a:stretch>
+            <a:fillRect/>
+          </a:stretch>
+        </p:blipFill>
+        <p:spPr>
+          <a:xfrm>
+            <a:off x="1667592" y="0"/>
+            <a:ext cx="8856815" cy="6858000"/>
+          </a:xfrm>
+          <a:prstGeom prst="rect">
+            <a:avLst/>
+          </a:prstGeom>
+        </p:spPr>
+      </p:pic>
+    </p:spTree>
+    <p:extLst>
+      <p:ext uri="{BB962C8B-B14F-4D97-AF65-F5344CB8AC3E}">
+        <p14:creationId xmlns:p14="http://schemas.microsoft.com/office/powerpoint/2010/main" val="4015027886"/>
+      </p:ext>
+    </p:extLst>
+  </p:cSld>
+  <p:clrMapOvr>
+    <a:masterClrMapping/>
+  </p:clrMapOvr>
+  <p:timing>
+    <p:tnLst>
+      <p:par>
+        <p:cTn id="1" dur="indefinite" restart="never" nodeType="tmRoot"/>
+      </p:par>
+    </p:tnLst>
+  </p:timing>
+</p:sld>
+</file>
+
+<file path=ppt/slides/slide8.xml><?xml version="1.0" encoding="utf-8"?>
+<p:sld xmlns:a="http://schemas.openxmlformats.org/drawingml/2006/main" xmlns:r="http://schemas.openxmlformats.org/officeDocument/2006/relationships" xmlns:p="http://schemas.openxmlformats.org/presentationml/2006/main">
+  <p:cSld>
+    <p:spTree>
+      <p:nvGrpSpPr>
+        <p:cNvPr id="1" name=""/>
+        <p:cNvGrpSpPr/>
+        <p:nvPr/>
+      </p:nvGrpSpPr>
+      <p:grpSpPr>
+        <a:xfrm>
+          <a:off x="0" y="0"/>
+          <a:ext cx="0" cy="0"/>
+          <a:chOff x="0" y="0"/>
+          <a:chExt cx="0" cy="0"/>
+        </a:xfrm>
+      </p:grpSpPr>
       <p:sp>
         <p:nvSpPr>
           <p:cNvPr id="4" name="Title 3"/>
@@ -7296,7 +13985,74 @@
           <a:p>
             <a:r>
               <a:rPr lang="en-US" sz="6000" dirty="0" smtClean="0"/>
-              <a:t>Solution</a:t>
+              <a:t>Insert layout</a:t>
+            </a:r>
+            <a:endParaRPr lang="en-US" sz="6000" dirty="0"/>
+          </a:p>
+        </p:txBody>
+      </p:sp>
+    </p:spTree>
+    <p:extLst>
+      <p:ext uri="{BB962C8B-B14F-4D97-AF65-F5344CB8AC3E}">
+        <p14:creationId xmlns:p14="http://schemas.microsoft.com/office/powerpoint/2010/main" val="3073376403"/>
+      </p:ext>
+    </p:extLst>
+  </p:cSld>
+  <p:clrMapOvr>
+    <a:masterClrMapping/>
+  </p:clrMapOvr>
+  <p:timing>
+    <p:tnLst>
+      <p:par>
+        <p:cTn id="1" dur="indefinite" restart="never" nodeType="tmRoot"/>
+      </p:par>
+    </p:tnLst>
+  </p:timing>
+</p:sld>
+</file>
+
+<file path=ppt/slides/slide9.xml><?xml version="1.0" encoding="utf-8"?>
+<p:sld xmlns:a="http://schemas.openxmlformats.org/drawingml/2006/main" xmlns:r="http://schemas.openxmlformats.org/officeDocument/2006/relationships" xmlns:p="http://schemas.openxmlformats.org/presentationml/2006/main">
+  <p:cSld>
+    <p:spTree>
+      <p:nvGrpSpPr>
+        <p:cNvPr id="1" name=""/>
+        <p:cNvGrpSpPr/>
+        <p:nvPr/>
+      </p:nvGrpSpPr>
+      <p:grpSpPr>
+        <a:xfrm>
+          <a:off x="0" y="0"/>
+          <a:ext cx="0" cy="0"/>
+          <a:chOff x="0" y="0"/>
+          <a:chExt cx="0" cy="0"/>
+        </a:xfrm>
+      </p:grpSpPr>
+      <p:sp>
+        <p:nvSpPr>
+          <p:cNvPr id="4" name="Title 3"/>
+          <p:cNvSpPr>
+            <a:spLocks noGrp="1"/>
+          </p:cNvSpPr>
+          <p:nvPr>
+            <p:ph type="title"/>
+          </p:nvPr>
+        </p:nvSpPr>
+        <p:spPr>
+          <a:xfrm>
+            <a:off x="684213" y="685800"/>
+            <a:ext cx="10058400" cy="645695"/>
+          </a:xfrm>
+        </p:spPr>
+        <p:txBody>
+          <a:bodyPr>
+            <a:noAutofit/>
+          </a:bodyPr>
+          <a:lstStyle/>
+          <a:p>
+            <a:r>
+              <a:rPr lang="en-US" sz="6000" dirty="0" smtClean="0"/>
+              <a:t>Firmware overview</a:t>
             </a:r>
             <a:endParaRPr lang="en-US" sz="6000" dirty="0"/>
           </a:p>
@@ -7311,7 +14067,7 @@
         <p:spPr>
           <a:xfrm>
             <a:off x="684213" y="2085473"/>
-            <a:ext cx="10930271" cy="4154984"/>
+            <a:ext cx="10930271" cy="4401205"/>
           </a:xfrm>
           <a:prstGeom prst="rect">
             <a:avLst/>
@@ -7324,61 +14080,97 @@
           </a:bodyPr>
           <a:lstStyle/>
           <a:p>
-            <a:pPr marL="342900" indent="-342900">
+            <a:pPr marL="1028700" lvl="1" indent="-571500">
               <a:buFont typeface="Arial" panose="020B0604020202020204" pitchFamily="34" charset="0"/>
               <a:buChar char="•"/>
             </a:pPr>
             <a:r>
-              <a:rPr lang="en-US" sz="4400" dirty="0" smtClean="0"/>
-              <a:t>Self watering plant system</a:t>
-            </a:r>
-          </a:p>
-          <a:p>
-            <a:pPr marL="800100" lvl="1" indent="-342900">
+              <a:rPr lang="en-US" sz="2800" dirty="0" smtClean="0"/>
+              <a:t>If moisture reading is lower than set bounds</a:t>
+            </a:r>
+          </a:p>
+          <a:p>
+            <a:pPr marL="1485900" lvl="2" indent="-571500">
               <a:buFont typeface="Arial" panose="020B0604020202020204" pitchFamily="34" charset="0"/>
               <a:buChar char="•"/>
             </a:pPr>
             <a:r>
-              <a:rPr lang="en-US" sz="4400" dirty="0" smtClean="0"/>
-              <a:t>Turns on at night</a:t>
-            </a:r>
-          </a:p>
-          <a:p>
-            <a:pPr marL="800100" lvl="1" indent="-342900">
+              <a:rPr lang="en-US" sz="2800" dirty="0" smtClean="0"/>
+              <a:t>Water plant for time specified</a:t>
+            </a:r>
+          </a:p>
+          <a:p>
+            <a:pPr marL="1943100" lvl="3" indent="-571500">
               <a:buFont typeface="Arial" panose="020B0604020202020204" pitchFamily="34" charset="0"/>
               <a:buChar char="•"/>
             </a:pPr>
             <a:r>
-              <a:rPr lang="en-US" sz="4400" dirty="0" smtClean="0"/>
-              <a:t>Checks moisture level</a:t>
-            </a:r>
-          </a:p>
-          <a:p>
-            <a:pPr marL="800100" lvl="1" indent="-342900">
+              <a:rPr lang="en-US" sz="2800" dirty="0" smtClean="0"/>
+              <a:t>Time specified by potentiometer (between 5 and 30 seconds)</a:t>
+            </a:r>
+          </a:p>
+          <a:p>
+            <a:pPr marL="1028700" lvl="1" indent="-571500">
               <a:buFont typeface="Arial" panose="020B0604020202020204" pitchFamily="34" charset="0"/>
               <a:buChar char="•"/>
             </a:pPr>
             <a:r>
-              <a:rPr lang="en-US" sz="4400" dirty="0" smtClean="0"/>
-              <a:t>Waters appropriate amount</a:t>
-            </a:r>
-          </a:p>
-          <a:p>
-            <a:pPr marL="800100" lvl="1" indent="-342900">
+              <a:rPr lang="en-US" sz="2800" dirty="0" smtClean="0"/>
+              <a:t>Verification of hardware via </a:t>
+            </a:r>
+            <a:r>
+              <a:rPr lang="en-US" sz="2800" dirty="0" err="1" smtClean="0"/>
+              <a:t>testbench</a:t>
+            </a:r>
+            <a:endParaRPr lang="en-US" sz="2800" dirty="0" smtClean="0"/>
+          </a:p>
+          <a:p>
+            <a:pPr marL="1485900" lvl="2" indent="-571500">
               <a:buFont typeface="Arial" panose="020B0604020202020204" pitchFamily="34" charset="0"/>
               <a:buChar char="•"/>
             </a:pPr>
             <a:r>
-              <a:rPr lang="en-US" sz="4400" dirty="0" smtClean="0"/>
-              <a:t>Logs historical data for more accurate watering</a:t>
-            </a:r>
+              <a:rPr lang="en-US" sz="2800" dirty="0" smtClean="0"/>
+              <a:t>Valve functionalities</a:t>
+            </a:r>
+          </a:p>
+          <a:p>
+            <a:pPr marL="1943100" lvl="3" indent="-571500">
+              <a:buFont typeface="Arial" panose="020B0604020202020204" pitchFamily="34" charset="0"/>
+              <a:buChar char="•"/>
+            </a:pPr>
+            <a:r>
+              <a:rPr lang="en-US" sz="2800" dirty="0" smtClean="0"/>
+              <a:t>Open valve, close valve, test potentiometer</a:t>
+            </a:r>
+          </a:p>
+          <a:p>
+            <a:pPr marL="1485900" lvl="2" indent="-571500">
+              <a:buFont typeface="Arial" panose="020B0604020202020204" pitchFamily="34" charset="0"/>
+              <a:buChar char="•"/>
+            </a:pPr>
+            <a:r>
+              <a:rPr lang="en-US" sz="2800" dirty="0" smtClean="0"/>
+              <a:t>Sensor functionalities</a:t>
+            </a:r>
+          </a:p>
+          <a:p>
+            <a:pPr marL="1943100" lvl="3" indent="-571500">
+              <a:buFont typeface="Arial" panose="020B0604020202020204" pitchFamily="34" charset="0"/>
+              <a:buChar char="•"/>
+            </a:pPr>
+            <a:r>
+              <a:rPr lang="en-US" sz="2800" dirty="0" smtClean="0"/>
+              <a:t>Read sensor once, read sensor x times, read sensor and average</a:t>
+            </a:r>
+            <a:endParaRPr lang="en-US" sz="2800" dirty="0" smtClean="0"/>
           </a:p>
         </p:txBody>
       </p:sp>
     </p:spTree>
     <p:extLst>
       <p:ext uri="{BB962C8B-B14F-4D97-AF65-F5344CB8AC3E}">
-        <p14:creationId xmlns:p14="http://schemas.microsoft.com/office/powerpoint/2010/main" val="4015027886"/>
+        <p14:creationId xmlns:p14="http://schemas.microsoft.com/office/powerpoint/2010/main" val="3577402348"/>
       </p:ext>
     </p:extLst>
   </p:cSld>

--- a/documents/presentation.pptx
+++ b/documents/presentation.pptx
@@ -5440,33 +5440,17 @@
                   <a:schemeClr val="tx1"/>
                 </a:solidFill>
               </a:rPr>
-              <a:t>Bruno </a:t>
-            </a:r>
+              <a:t>Bruno Duregon</a:t>
+            </a:r>
+          </a:p>
+          <a:p>
             <a:r>
               <a:rPr lang="en-US" dirty="0" smtClean="0">
                 <a:solidFill>
                   <a:schemeClr val="tx1"/>
                 </a:solidFill>
               </a:rPr>
-              <a:t>Duregon</a:t>
-            </a:r>
-          </a:p>
-          <a:p>
-            <a:r>
-              <a:rPr lang="en-US" dirty="0" smtClean="0">
-                <a:solidFill>
-                  <a:schemeClr val="tx1"/>
-                </a:solidFill>
-              </a:rPr>
-              <a:t>Justin </a:t>
-            </a:r>
-            <a:r>
-              <a:rPr lang="en-US" dirty="0" smtClean="0">
-                <a:solidFill>
-                  <a:schemeClr val="tx1"/>
-                </a:solidFill>
-              </a:rPr>
-              <a:t>Patterson</a:t>
+              <a:t>Justin Patterson</a:t>
             </a:r>
           </a:p>
           <a:p>
@@ -13973,7 +13957,7 @@
         </p:nvSpPr>
         <p:spPr>
           <a:xfrm>
-            <a:off x="684213" y="685800"/>
+            <a:off x="725777" y="685800"/>
             <a:ext cx="10058400" cy="645695"/>
           </a:xfrm>
         </p:spPr>
@@ -13985,12 +13969,42 @@
           <a:p>
             <a:r>
               <a:rPr lang="en-US" sz="6000" dirty="0" smtClean="0"/>
-              <a:t>Insert layout</a:t>
+              <a:t>layout</a:t>
             </a:r>
             <a:endParaRPr lang="en-US" sz="6000" dirty="0"/>
           </a:p>
         </p:txBody>
       </p:sp>
+      <p:pic>
+        <p:nvPicPr>
+          <p:cNvPr id="2" name="Picture 1"/>
+          <p:cNvPicPr>
+            <a:picLocks noChangeAspect="1"/>
+          </p:cNvPicPr>
+          <p:nvPr/>
+        </p:nvPicPr>
+        <p:blipFill>
+          <a:blip r:embed="rId2">
+            <a:extLst>
+              <a:ext uri="{28A0092B-C50C-407E-A947-70E740481C1C}">
+                <a14:useLocalDpi xmlns:a14="http://schemas.microsoft.com/office/drawing/2010/main" val="0"/>
+              </a:ext>
+            </a:extLst>
+          </a:blip>
+          <a:stretch>
+            <a:fillRect/>
+          </a:stretch>
+        </p:blipFill>
+        <p:spPr>
+          <a:xfrm>
+            <a:off x="2103120" y="1493406"/>
+            <a:ext cx="6822302" cy="5256527"/>
+          </a:xfrm>
+          <a:prstGeom prst="rect">
+            <a:avLst/>
+          </a:prstGeom>
+        </p:spPr>
+      </p:pic>
     </p:spTree>
     <p:extLst>
       <p:ext uri="{BB962C8B-B14F-4D97-AF65-F5344CB8AC3E}">
@@ -14163,7 +14177,6 @@
               <a:rPr lang="en-US" sz="2800" dirty="0" smtClean="0"/>
               <a:t>Read sensor once, read sensor x times, read sensor and average</a:t>
             </a:r>
-            <a:endParaRPr lang="en-US" sz="2800" dirty="0" smtClean="0"/>
           </a:p>
         </p:txBody>
       </p:sp>

--- a/documents/presentation.pptx
+++ b/documents/presentation.pptx
@@ -6,20 +6,20 @@
   </p:sldMasterIdLst>
   <p:sldIdLst>
     <p:sldId id="256" r:id="rId2"/>
-    <p:sldId id="257" r:id="rId3"/>
-    <p:sldId id="259" r:id="rId4"/>
-    <p:sldId id="260" r:id="rId5"/>
-    <p:sldId id="261" r:id="rId6"/>
-    <p:sldId id="262" r:id="rId7"/>
+    <p:sldId id="262" r:id="rId3"/>
+    <p:sldId id="257" r:id="rId4"/>
+    <p:sldId id="259" r:id="rId5"/>
+    <p:sldId id="260" r:id="rId6"/>
+    <p:sldId id="261" r:id="rId7"/>
     <p:sldId id="263" r:id="rId8"/>
     <p:sldId id="264" r:id="rId9"/>
     <p:sldId id="265" r:id="rId10"/>
-    <p:sldId id="266" r:id="rId11"/>
-    <p:sldId id="267" r:id="rId12"/>
-    <p:sldId id="268" r:id="rId13"/>
-    <p:sldId id="270" r:id="rId14"/>
-    <p:sldId id="271" r:id="rId15"/>
-    <p:sldId id="272" r:id="rId16"/>
+    <p:sldId id="267" r:id="rId11"/>
+    <p:sldId id="268" r:id="rId12"/>
+    <p:sldId id="270" r:id="rId13"/>
+    <p:sldId id="271" r:id="rId14"/>
+    <p:sldId id="272" r:id="rId15"/>
+    <p:sldId id="266" r:id="rId16"/>
   </p:sldIdLst>
   <p:sldSz cx="12192000" cy="6858000"/>
   <p:notesSz cx="6858000" cy="9144000"/>
@@ -317,7 +317,7 @@
           <a:p>
             <a:fld id="{DA0DCAAE-88C2-4711-BA08-F240E32515AA}" type="datetimeFigureOut">
               <a:rPr lang="en-US" smtClean="0"/>
-              <a:t>12/5/2018</a:t>
+              <a:t>12/6/2018</a:t>
             </a:fld>
             <a:endParaRPr lang="en-US"/>
           </a:p>
@@ -753,7 +753,7 @@
           <a:p>
             <a:fld id="{DA0DCAAE-88C2-4711-BA08-F240E32515AA}" type="datetimeFigureOut">
               <a:rPr lang="en-US" smtClean="0"/>
-              <a:t>12/5/2018</a:t>
+              <a:t>12/6/2018</a:t>
             </a:fld>
             <a:endParaRPr lang="en-US"/>
           </a:p>
@@ -1003,7 +1003,7 @@
           <a:p>
             <a:fld id="{DA0DCAAE-88C2-4711-BA08-F240E32515AA}" type="datetimeFigureOut">
               <a:rPr lang="en-US" smtClean="0"/>
-              <a:t>12/5/2018</a:t>
+              <a:t>12/6/2018</a:t>
             </a:fld>
             <a:endParaRPr lang="en-US"/>
           </a:p>
@@ -1311,7 +1311,7 @@
           <a:p>
             <a:fld id="{DA0DCAAE-88C2-4711-BA08-F240E32515AA}" type="datetimeFigureOut">
               <a:rPr lang="en-US" smtClean="0"/>
-              <a:t>12/5/2018</a:t>
+              <a:t>12/6/2018</a:t>
             </a:fld>
             <a:endParaRPr lang="en-US"/>
           </a:p>
@@ -1629,7 +1629,7 @@
           <a:p>
             <a:fld id="{DA0DCAAE-88C2-4711-BA08-F240E32515AA}" type="datetimeFigureOut">
               <a:rPr lang="en-US" smtClean="0"/>
-              <a:t>12/5/2018</a:t>
+              <a:t>12/6/2018</a:t>
             </a:fld>
             <a:endParaRPr lang="en-US"/>
           </a:p>
@@ -1931,7 +1931,7 @@
           <a:p>
             <a:fld id="{DA0DCAAE-88C2-4711-BA08-F240E32515AA}" type="datetimeFigureOut">
               <a:rPr lang="en-US" smtClean="0"/>
-              <a:t>12/5/2018</a:t>
+              <a:t>12/6/2018</a:t>
             </a:fld>
             <a:endParaRPr lang="en-US"/>
           </a:p>
@@ -2298,7 +2298,7 @@
           <a:p>
             <a:fld id="{DA0DCAAE-88C2-4711-BA08-F240E32515AA}" type="datetimeFigureOut">
               <a:rPr lang="en-US" smtClean="0"/>
-              <a:t>12/5/2018</a:t>
+              <a:t>12/6/2018</a:t>
             </a:fld>
             <a:endParaRPr lang="en-US"/>
           </a:p>
@@ -2472,7 +2472,7 @@
           <a:p>
             <a:fld id="{DA0DCAAE-88C2-4711-BA08-F240E32515AA}" type="datetimeFigureOut">
               <a:rPr lang="en-US" smtClean="0"/>
-              <a:t>12/5/2018</a:t>
+              <a:t>12/6/2018</a:t>
             </a:fld>
             <a:endParaRPr lang="en-US"/>
           </a:p>
@@ -2652,7 +2652,7 @@
           <a:p>
             <a:fld id="{DA0DCAAE-88C2-4711-BA08-F240E32515AA}" type="datetimeFigureOut">
               <a:rPr lang="en-US" smtClean="0"/>
-              <a:t>12/5/2018</a:t>
+              <a:t>12/6/2018</a:t>
             </a:fld>
             <a:endParaRPr lang="en-US"/>
           </a:p>
@@ -2822,7 +2822,7 @@
           <a:p>
             <a:fld id="{DA0DCAAE-88C2-4711-BA08-F240E32515AA}" type="datetimeFigureOut">
               <a:rPr lang="en-US" smtClean="0"/>
-              <a:t>12/5/2018</a:t>
+              <a:t>12/6/2018</a:t>
             </a:fld>
             <a:endParaRPr lang="en-US"/>
           </a:p>
@@ -3072,7 +3072,7 @@
           <a:p>
             <a:fld id="{DA0DCAAE-88C2-4711-BA08-F240E32515AA}" type="datetimeFigureOut">
               <a:rPr lang="en-US" smtClean="0"/>
-              <a:t>12/5/2018</a:t>
+              <a:t>12/6/2018</a:t>
             </a:fld>
             <a:endParaRPr lang="en-US"/>
           </a:p>
@@ -3308,7 +3308,7 @@
           <a:p>
             <a:fld id="{DA0DCAAE-88C2-4711-BA08-F240E32515AA}" type="datetimeFigureOut">
               <a:rPr lang="en-US" smtClean="0"/>
-              <a:t>12/5/2018</a:t>
+              <a:t>12/6/2018</a:t>
             </a:fld>
             <a:endParaRPr lang="en-US"/>
           </a:p>
@@ -3690,7 +3690,7 @@
           <a:p>
             <a:fld id="{DA0DCAAE-88C2-4711-BA08-F240E32515AA}" type="datetimeFigureOut">
               <a:rPr lang="en-US" smtClean="0"/>
-              <a:t>12/5/2018</a:t>
+              <a:t>12/6/2018</a:t>
             </a:fld>
             <a:endParaRPr lang="en-US"/>
           </a:p>
@@ -3808,7 +3808,7 @@
           <a:p>
             <a:fld id="{DA0DCAAE-88C2-4711-BA08-F240E32515AA}" type="datetimeFigureOut">
               <a:rPr lang="en-US" smtClean="0"/>
-              <a:t>12/5/2018</a:t>
+              <a:t>12/6/2018</a:t>
             </a:fld>
             <a:endParaRPr lang="en-US"/>
           </a:p>
@@ -3903,7 +3903,7 @@
           <a:p>
             <a:fld id="{DA0DCAAE-88C2-4711-BA08-F240E32515AA}" type="datetimeFigureOut">
               <a:rPr lang="en-US" smtClean="0"/>
-              <a:t>12/5/2018</a:t>
+              <a:t>12/6/2018</a:t>
             </a:fld>
             <a:endParaRPr lang="en-US"/>
           </a:p>
@@ -4158,7 +4158,7 @@
           <a:p>
             <a:fld id="{DA0DCAAE-88C2-4711-BA08-F240E32515AA}" type="datetimeFigureOut">
               <a:rPr lang="en-US" smtClean="0"/>
-              <a:t>12/5/2018</a:t>
+              <a:t>12/6/2018</a:t>
             </a:fld>
             <a:endParaRPr lang="en-US"/>
           </a:p>
@@ -4441,7 +4441,7 @@
           <a:p>
             <a:fld id="{DA0DCAAE-88C2-4711-BA08-F240E32515AA}" type="datetimeFigureOut">
               <a:rPr lang="en-US" smtClean="0"/>
-              <a:t>12/5/2018</a:t>
+              <a:t>12/6/2018</a:t>
             </a:fld>
             <a:endParaRPr lang="en-US"/>
           </a:p>
@@ -4847,7 +4847,7 @@
           <a:p>
             <a:fld id="{DA0DCAAE-88C2-4711-BA08-F240E32515AA}" type="datetimeFigureOut">
               <a:rPr lang="en-US" smtClean="0"/>
-              <a:t>12/5/2018</a:t>
+              <a:t>12/6/2018</a:t>
             </a:fld>
             <a:endParaRPr lang="en-US"/>
           </a:p>
@@ -5550,148 +5550,6 @@
         </p:nvSpPr>
         <p:spPr>
           <a:xfrm>
-            <a:off x="684213" y="685800"/>
-            <a:ext cx="10058400" cy="645695"/>
-          </a:xfrm>
-        </p:spPr>
-        <p:txBody>
-          <a:bodyPr>
-            <a:noAutofit/>
-          </a:bodyPr>
-          <a:lstStyle/>
-          <a:p>
-            <a:r>
-              <a:rPr lang="en-US" sz="6000" dirty="0" smtClean="0"/>
-              <a:t>IP used</a:t>
-            </a:r>
-            <a:endParaRPr lang="en-US" sz="6000" dirty="0"/>
-          </a:p>
-        </p:txBody>
-      </p:sp>
-      <p:sp>
-        <p:nvSpPr>
-          <p:cNvPr id="7" name="TextBox 6"/>
-          <p:cNvSpPr txBox="1"/>
-          <p:nvPr/>
-        </p:nvSpPr>
-        <p:spPr>
-          <a:xfrm>
-            <a:off x="684213" y="2085473"/>
-            <a:ext cx="10930271" cy="3477875"/>
-          </a:xfrm>
-          <a:prstGeom prst="rect">
-            <a:avLst/>
-          </a:prstGeom>
-          <a:noFill/>
-        </p:spPr>
-        <p:txBody>
-          <a:bodyPr wrap="square" rtlCol="0">
-            <a:spAutoFit/>
-          </a:bodyPr>
-          <a:lstStyle/>
-          <a:p>
-            <a:pPr marL="342900" indent="-342900">
-              <a:buFont typeface="Arial" panose="020B0604020202020204" pitchFamily="34" charset="0"/>
-              <a:buChar char="•"/>
-            </a:pPr>
-            <a:r>
-              <a:rPr lang="en-US" sz="4400" dirty="0" smtClean="0"/>
-              <a:t>Eagle</a:t>
-            </a:r>
-          </a:p>
-          <a:p>
-            <a:pPr marL="342900" indent="-342900">
-              <a:buFont typeface="Arial" panose="020B0604020202020204" pitchFamily="34" charset="0"/>
-              <a:buChar char="•"/>
-            </a:pPr>
-            <a:r>
-              <a:rPr lang="en-US" sz="4400" dirty="0" smtClean="0"/>
-              <a:t>LT Spice</a:t>
-            </a:r>
-          </a:p>
-          <a:p>
-            <a:pPr marL="342900" indent="-342900">
-              <a:buFont typeface="Arial" panose="020B0604020202020204" pitchFamily="34" charset="0"/>
-              <a:buChar char="•"/>
-            </a:pPr>
-            <a:r>
-              <a:rPr lang="en-US" sz="4400" dirty="0" smtClean="0"/>
-              <a:t>Microsoft Office</a:t>
-            </a:r>
-          </a:p>
-          <a:p>
-            <a:pPr marL="342900" indent="-342900">
-              <a:buFont typeface="Arial" panose="020B0604020202020204" pitchFamily="34" charset="0"/>
-              <a:buChar char="•"/>
-            </a:pPr>
-            <a:r>
-              <a:rPr lang="en-US" sz="4400" dirty="0" err="1" smtClean="0"/>
-              <a:t>Github</a:t>
-            </a:r>
-            <a:endParaRPr lang="en-US" sz="4400" dirty="0" smtClean="0"/>
-          </a:p>
-          <a:p>
-            <a:pPr marL="342900" indent="-342900">
-              <a:buFont typeface="Arial" panose="020B0604020202020204" pitchFamily="34" charset="0"/>
-              <a:buChar char="•"/>
-            </a:pPr>
-            <a:r>
-              <a:rPr lang="en-US" sz="4400" dirty="0" smtClean="0"/>
-              <a:t>Arduino</a:t>
-            </a:r>
-            <a:endParaRPr lang="en-US" sz="4400" dirty="0"/>
-          </a:p>
-        </p:txBody>
-      </p:sp>
-    </p:spTree>
-    <p:extLst>
-      <p:ext uri="{BB962C8B-B14F-4D97-AF65-F5344CB8AC3E}">
-        <p14:creationId xmlns:p14="http://schemas.microsoft.com/office/powerpoint/2010/main" val="139375834"/>
-      </p:ext>
-    </p:extLst>
-  </p:cSld>
-  <p:clrMapOvr>
-    <a:masterClrMapping/>
-  </p:clrMapOvr>
-  <p:timing>
-    <p:tnLst>
-      <p:par>
-        <p:cTn id="1" dur="indefinite" restart="never" nodeType="tmRoot"/>
-      </p:par>
-    </p:tnLst>
-  </p:timing>
-</p:sld>
-</file>
-
-<file path=ppt/slides/slide11.xml><?xml version="1.0" encoding="utf-8"?>
-<p:sld xmlns:a="http://schemas.openxmlformats.org/drawingml/2006/main" xmlns:r="http://schemas.openxmlformats.org/officeDocument/2006/relationships" xmlns:p="http://schemas.openxmlformats.org/presentationml/2006/main">
-  <p:cSld>
-    <p:spTree>
-      <p:nvGrpSpPr>
-        <p:cNvPr id="1" name=""/>
-        <p:cNvGrpSpPr/>
-        <p:nvPr/>
-      </p:nvGrpSpPr>
-      <p:grpSpPr>
-        <a:xfrm>
-          <a:off x="0" y="0"/>
-          <a:ext cx="0" cy="0"/>
-          <a:chOff x="0" y="0"/>
-          <a:chExt cx="0" cy="0"/>
-        </a:xfrm>
-      </p:grpSpPr>
-      <p:sp>
-        <p:nvSpPr>
-          <p:cNvPr id="4" name="Title 3"/>
-          <p:cNvSpPr>
-            <a:spLocks noGrp="1"/>
-          </p:cNvSpPr>
-          <p:nvPr>
-            <p:ph type="title"/>
-          </p:nvPr>
-        </p:nvSpPr>
-        <p:spPr>
-          <a:xfrm>
             <a:off x="667587" y="120534"/>
             <a:ext cx="10058400" cy="645695"/>
           </a:xfrm>
@@ -5719,7 +5577,7 @@
           <p:nvPr>
             <p:extLst>
               <p:ext uri="{D42A27DB-BD31-4B8C-83A1-F6EECF244321}">
-                <p14:modId xmlns:p14="http://schemas.microsoft.com/office/powerpoint/2010/main" val="2638268666"/>
+                <p14:modId xmlns:p14="http://schemas.microsoft.com/office/powerpoint/2010/main" val="3617735929"/>
               </p:ext>
             </p:extLst>
           </p:nvPr>
@@ -6235,12 +6093,12 @@
                     <a:p>
                       <a:pPr algn="r" fontAlgn="b"/>
                       <a:r>
-                        <a:rPr lang="en-US" sz="900" u="none" strike="noStrike">
+                        <a:rPr lang="en-US" sz="900" b="1" u="none" strike="noStrike" dirty="0">
                           <a:effectLst/>
                         </a:rPr>
                         <a:t>3.49</a:t>
                       </a:r>
-                      <a:endParaRPr lang="en-US" sz="900" b="0" i="0" u="none" strike="noStrike">
+                      <a:endParaRPr lang="en-US" sz="900" b="1" i="0" u="none" strike="noStrike" dirty="0">
                         <a:solidFill>
                           <a:srgbClr val="000000"/>
                         </a:solidFill>
@@ -6258,12 +6116,12 @@
                     <a:p>
                       <a:pPr algn="r" fontAlgn="b"/>
                       <a:r>
-                        <a:rPr lang="en-US" sz="900" u="none" strike="noStrike">
+                        <a:rPr lang="en-US" sz="900" b="1" u="none" strike="noStrike" dirty="0">
                           <a:effectLst/>
                         </a:rPr>
                         <a:t>3.49</a:t>
                       </a:r>
-                      <a:endParaRPr lang="en-US" sz="900" b="0" i="0" u="none" strike="noStrike">
+                      <a:endParaRPr lang="en-US" sz="900" b="1" i="0" u="none" strike="noStrike" dirty="0">
                         <a:solidFill>
                           <a:srgbClr val="000000"/>
                         </a:solidFill>
@@ -6472,12 +6330,12 @@
                     <a:p>
                       <a:pPr algn="r" fontAlgn="b"/>
                       <a:r>
-                        <a:rPr lang="en-US" sz="900" u="none" strike="noStrike">
+                        <a:rPr lang="en-US" sz="900" b="1" u="none" strike="noStrike" dirty="0">
                           <a:effectLst/>
                         </a:rPr>
                         <a:t>0.82</a:t>
                       </a:r>
-                      <a:endParaRPr lang="en-US" sz="900" b="0" i="0" u="none" strike="noStrike">
+                      <a:endParaRPr lang="en-US" sz="900" b="1" i="0" u="none" strike="noStrike" dirty="0">
                         <a:solidFill>
                           <a:srgbClr val="000000"/>
                         </a:solidFill>
@@ -6495,12 +6353,12 @@
                     <a:p>
                       <a:pPr algn="r" fontAlgn="b"/>
                       <a:r>
-                        <a:rPr lang="en-US" sz="900" u="none" strike="noStrike">
+                        <a:rPr lang="en-US" sz="900" b="1" u="none" strike="noStrike" dirty="0">
                           <a:effectLst/>
                         </a:rPr>
                         <a:t>0.82</a:t>
                       </a:r>
-                      <a:endParaRPr lang="en-US" sz="900" b="0" i="0" u="none" strike="noStrike">
+                      <a:endParaRPr lang="en-US" sz="900" b="1" i="0" u="none" strike="noStrike" dirty="0">
                         <a:solidFill>
                           <a:srgbClr val="000000"/>
                         </a:solidFill>
@@ -6709,12 +6567,12 @@
                     <a:p>
                       <a:pPr algn="r" fontAlgn="b"/>
                       <a:r>
-                        <a:rPr lang="en-US" sz="900" u="none" strike="noStrike">
+                        <a:rPr lang="en-US" sz="900" u="none" strike="noStrike" dirty="0">
                           <a:effectLst/>
                         </a:rPr>
                         <a:t>0.53</a:t>
                       </a:r>
-                      <a:endParaRPr lang="en-US" sz="900" b="0" i="0" u="none" strike="noStrike">
+                      <a:endParaRPr lang="en-US" sz="900" b="0" i="0" u="none" strike="noStrike" dirty="0">
                         <a:solidFill>
                           <a:srgbClr val="000000"/>
                         </a:solidFill>
@@ -6946,12 +6804,12 @@
                     <a:p>
                       <a:pPr algn="r" fontAlgn="b"/>
                       <a:r>
-                        <a:rPr lang="en-US" sz="900" u="none" strike="noStrike">
+                        <a:rPr lang="en-US" sz="900" u="none" strike="noStrike" dirty="0">
                           <a:effectLst/>
                         </a:rPr>
                         <a:t>0.02397</a:t>
                       </a:r>
-                      <a:endParaRPr lang="en-US" sz="900" b="0" i="0" u="none" strike="noStrike">
+                      <a:endParaRPr lang="en-US" sz="900" b="0" i="0" u="none" strike="noStrike" dirty="0">
                         <a:solidFill>
                           <a:srgbClr val="000000"/>
                         </a:solidFill>
@@ -7443,12 +7301,12 @@
                     <a:p>
                       <a:pPr algn="r" fontAlgn="b"/>
                       <a:r>
-                        <a:rPr lang="en-US" sz="900" u="none" strike="noStrike">
+                        <a:rPr lang="en-US" sz="900" u="none" strike="noStrike" dirty="0">
                           <a:effectLst/>
                         </a:rPr>
                         <a:t>0.02397</a:t>
                       </a:r>
-                      <a:endParaRPr lang="en-US" sz="900" b="0" i="0" u="none" strike="noStrike">
+                      <a:endParaRPr lang="en-US" sz="900" b="0" i="0" u="none" strike="noStrike" dirty="0">
                         <a:solidFill>
                           <a:srgbClr val="000000"/>
                         </a:solidFill>
@@ -8536,12 +8394,36 @@
                     <a:p>
                       <a:pPr algn="l" fontAlgn="b"/>
                       <a:r>
-                        <a:rPr lang="es-ES" sz="900" u="none" strike="noStrike">
-                          <a:effectLst/>
-                        </a:rPr>
-                        <a:t>0.1µF -20%, +80% 50V Ceramic Capacitor Y5V (F) 0805 (2012 Metric)</a:t>
-                      </a:r>
-                      <a:endParaRPr lang="es-ES" sz="900" b="0" i="0" u="none" strike="noStrike">
+                        <a:rPr lang="es-ES" sz="900" u="none" strike="noStrike" dirty="0">
+                          <a:effectLst/>
+                        </a:rPr>
+                        <a:t>0.1µF -20%, +80% 50V </a:t>
+                      </a:r>
+                      <a:r>
+                        <a:rPr lang="es-ES" sz="900" u="none" strike="noStrike" dirty="0" err="1">
+                          <a:effectLst/>
+                        </a:rPr>
+                        <a:t>Ceramic</a:t>
+                      </a:r>
+                      <a:r>
+                        <a:rPr lang="es-ES" sz="900" u="none" strike="noStrike" dirty="0">
+                          <a:effectLst/>
+                        </a:rPr>
+                        <a:t> Capacitor Y5V (F) 0805 (2012 </a:t>
+                      </a:r>
+                      <a:r>
+                        <a:rPr lang="es-ES" sz="900" u="none" strike="noStrike" dirty="0" err="1">
+                          <a:effectLst/>
+                        </a:rPr>
+                        <a:t>Metric</a:t>
+                      </a:r>
+                      <a:r>
+                        <a:rPr lang="es-ES" sz="900" u="none" strike="noStrike" dirty="0">
+                          <a:effectLst/>
+                        </a:rPr>
+                        <a:t>)</a:t>
+                      </a:r>
+                      <a:endParaRPr lang="es-ES" sz="900" b="0" i="0" u="none" strike="noStrike" dirty="0">
                         <a:solidFill>
                           <a:srgbClr val="000000"/>
                         </a:solidFill>
@@ -8628,12 +8510,12 @@
                     <a:p>
                       <a:pPr algn="r" fontAlgn="b"/>
                       <a:r>
-                        <a:rPr lang="en-US" sz="900" u="none" strike="noStrike">
+                        <a:rPr lang="en-US" sz="900" u="none" strike="noStrike" dirty="0">
                           <a:effectLst/>
                         </a:rPr>
                         <a:t>0.96</a:t>
                       </a:r>
-                      <a:endParaRPr lang="en-US" sz="900" b="0" i="0" u="none" strike="noStrike">
+                      <a:endParaRPr lang="en-US" sz="900" b="0" i="0" u="none" strike="noStrike" dirty="0">
                         <a:solidFill>
                           <a:srgbClr val="000000"/>
                         </a:solidFill>
@@ -8865,12 +8747,12 @@
                     <a:p>
                       <a:pPr algn="r" fontAlgn="b"/>
                       <a:r>
-                        <a:rPr lang="en-US" sz="900" u="none" strike="noStrike">
+                        <a:rPr lang="en-US" sz="900" u="none" strike="noStrike" dirty="0">
                           <a:effectLst/>
                         </a:rPr>
                         <a:t>0.28</a:t>
                       </a:r>
-                      <a:endParaRPr lang="en-US" sz="900" b="0" i="0" u="none" strike="noStrike">
+                      <a:endParaRPr lang="en-US" sz="900" b="0" i="0" u="none" strike="noStrike" dirty="0">
                         <a:solidFill>
                           <a:srgbClr val="000000"/>
                         </a:solidFill>
@@ -9339,12 +9221,12 @@
                     <a:p>
                       <a:pPr algn="r" fontAlgn="b"/>
                       <a:r>
-                        <a:rPr lang="en-US" sz="900" u="none" strike="noStrike">
+                        <a:rPr lang="en-US" sz="900" u="none" strike="noStrike" dirty="0">
                           <a:effectLst/>
                         </a:rPr>
                         <a:t>0.2</a:t>
                       </a:r>
-                      <a:endParaRPr lang="en-US" sz="900" b="0" i="0" u="none" strike="noStrike">
+                      <a:endParaRPr lang="en-US" sz="900" b="0" i="0" u="none" strike="noStrike" dirty="0">
                         <a:solidFill>
                           <a:srgbClr val="000000"/>
                         </a:solidFill>
@@ -10027,12 +9909,12 @@
                     <a:p>
                       <a:pPr algn="r" fontAlgn="b"/>
                       <a:r>
-                        <a:rPr lang="en-US" sz="900" u="none" strike="noStrike">
+                        <a:rPr lang="en-US" sz="900" b="1" u="none" strike="noStrike" dirty="0">
                           <a:effectLst/>
                         </a:rPr>
                         <a:t>0.85</a:t>
                       </a:r>
-                      <a:endParaRPr lang="en-US" sz="900" b="0" i="0" u="none" strike="noStrike">
+                      <a:endParaRPr lang="en-US" sz="900" b="1" i="0" u="none" strike="noStrike" dirty="0">
                         <a:solidFill>
                           <a:srgbClr val="000000"/>
                         </a:solidFill>
@@ -10050,12 +9932,12 @@
                     <a:p>
                       <a:pPr algn="r" fontAlgn="b"/>
                       <a:r>
-                        <a:rPr lang="en-US" sz="900" u="none" strike="noStrike">
+                        <a:rPr lang="en-US" sz="900" b="1" u="none" strike="noStrike" dirty="0">
                           <a:effectLst/>
                         </a:rPr>
                         <a:t>0.85</a:t>
                       </a:r>
-                      <a:endParaRPr lang="en-US" sz="900" b="0" i="0" u="none" strike="noStrike">
+                      <a:endParaRPr lang="en-US" sz="900" b="1" i="0" u="none" strike="noStrike" dirty="0">
                         <a:solidFill>
                           <a:srgbClr val="000000"/>
                         </a:solidFill>
@@ -10738,12 +10620,12 @@
                     <a:p>
                       <a:pPr algn="r" fontAlgn="b"/>
                       <a:r>
-                        <a:rPr lang="en-US" sz="900" u="none" strike="noStrike">
+                        <a:rPr lang="en-US" sz="900" b="1" u="none" strike="noStrike" dirty="0">
                           <a:effectLst/>
                         </a:rPr>
                         <a:t>0.57</a:t>
                       </a:r>
-                      <a:endParaRPr lang="en-US" sz="900" b="0" i="0" u="none" strike="noStrike">
+                      <a:endParaRPr lang="en-US" sz="900" b="1" i="0" u="none" strike="noStrike" dirty="0">
                         <a:solidFill>
                           <a:srgbClr val="000000"/>
                         </a:solidFill>
@@ -10761,12 +10643,12 @@
                     <a:p>
                       <a:pPr algn="r" fontAlgn="b"/>
                       <a:r>
-                        <a:rPr lang="en-US" sz="900" u="none" strike="noStrike">
+                        <a:rPr lang="en-US" sz="900" b="1" u="none" strike="noStrike" dirty="0">
                           <a:effectLst/>
                         </a:rPr>
                         <a:t>1.14</a:t>
                       </a:r>
-                      <a:endParaRPr lang="en-US" sz="900" b="0" i="0" u="none" strike="noStrike">
+                      <a:endParaRPr lang="en-US" sz="900" b="1" i="0" u="none" strike="noStrike" dirty="0">
                         <a:solidFill>
                           <a:srgbClr val="000000"/>
                         </a:solidFill>
@@ -11133,10 +11015,16 @@
                     <a:p>
                       <a:pPr algn="l" fontAlgn="b"/>
                       <a:r>
-                        <a:rPr lang="en-US" sz="900" u="none" strike="noStrike" dirty="0">
-                          <a:effectLst/>
-                        </a:rPr>
-                        <a:t> $         10.25 </a:t>
+                        <a:rPr lang="en-US" sz="900" b="1" u="none" strike="noStrike" dirty="0">
+                          <a:effectLst/>
+                        </a:rPr>
+                        <a:t> $        </a:t>
+                      </a:r>
+                      <a:r>
+                        <a:rPr lang="en-US" sz="900" b="1" u="none" strike="noStrike" dirty="0" smtClean="0">
+                          <a:effectLst/>
+                        </a:rPr>
+                        <a:t>10.25 </a:t>
                       </a:r>
                       <a:endParaRPr lang="en-US" sz="900" b="1" i="0" u="none" strike="noStrike" dirty="0">
                         <a:solidFill>
@@ -11163,6 +11051,103 @@
     <p:extLst>
       <p:ext uri="{BB962C8B-B14F-4D97-AF65-F5344CB8AC3E}">
         <p14:creationId xmlns:p14="http://schemas.microsoft.com/office/powerpoint/2010/main" val="2500951938"/>
+      </p:ext>
+    </p:extLst>
+  </p:cSld>
+  <p:clrMapOvr>
+    <a:masterClrMapping/>
+  </p:clrMapOvr>
+  <p:timing>
+    <p:tnLst>
+      <p:par>
+        <p:cTn id="1" dur="indefinite" restart="never" nodeType="tmRoot"/>
+      </p:par>
+    </p:tnLst>
+  </p:timing>
+</p:sld>
+</file>
+
+<file path=ppt/slides/slide11.xml><?xml version="1.0" encoding="utf-8"?>
+<p:sld xmlns:a="http://schemas.openxmlformats.org/drawingml/2006/main" xmlns:r="http://schemas.openxmlformats.org/officeDocument/2006/relationships" xmlns:p="http://schemas.openxmlformats.org/presentationml/2006/main">
+  <p:cSld>
+    <p:spTree>
+      <p:nvGrpSpPr>
+        <p:cNvPr id="1" name=""/>
+        <p:cNvGrpSpPr/>
+        <p:nvPr/>
+      </p:nvGrpSpPr>
+      <p:grpSpPr>
+        <a:xfrm>
+          <a:off x="0" y="0"/>
+          <a:ext cx="0" cy="0"/>
+          <a:chOff x="0" y="0"/>
+          <a:chExt cx="0" cy="0"/>
+        </a:xfrm>
+      </p:grpSpPr>
+      <p:sp>
+        <p:nvSpPr>
+          <p:cNvPr id="4" name="Title 3"/>
+          <p:cNvSpPr>
+            <a:spLocks noGrp="1"/>
+          </p:cNvSpPr>
+          <p:nvPr>
+            <p:ph type="title"/>
+          </p:nvPr>
+        </p:nvSpPr>
+        <p:spPr>
+          <a:xfrm>
+            <a:off x="684213" y="685800"/>
+            <a:ext cx="10058400" cy="645695"/>
+          </a:xfrm>
+        </p:spPr>
+        <p:txBody>
+          <a:bodyPr>
+            <a:noAutofit/>
+          </a:bodyPr>
+          <a:lstStyle/>
+          <a:p>
+            <a:r>
+              <a:rPr lang="en-US" sz="6000" dirty="0" smtClean="0"/>
+              <a:t>Test plan 1</a:t>
+            </a:r>
+            <a:endParaRPr lang="en-US" sz="6000" dirty="0"/>
+          </a:p>
+        </p:txBody>
+      </p:sp>
+      <p:pic>
+        <p:nvPicPr>
+          <p:cNvPr id="2" name="Picture 1"/>
+          <p:cNvPicPr>
+            <a:picLocks noChangeAspect="1"/>
+          </p:cNvPicPr>
+          <p:nvPr/>
+        </p:nvPicPr>
+        <p:blipFill>
+          <a:blip r:embed="rId2">
+            <a:extLst>
+              <a:ext uri="{28A0092B-C50C-407E-A947-70E740481C1C}">
+                <a14:useLocalDpi xmlns:a14="http://schemas.microsoft.com/office/drawing/2010/main" val="0"/>
+              </a:ext>
+            </a:extLst>
+          </a:blip>
+          <a:stretch>
+            <a:fillRect/>
+          </a:stretch>
+        </p:blipFill>
+        <p:spPr>
+          <a:xfrm>
+            <a:off x="1828799" y="1833421"/>
+            <a:ext cx="7456212" cy="3804711"/>
+          </a:xfrm>
+          <a:prstGeom prst="rect">
+            <a:avLst/>
+          </a:prstGeom>
+        </p:spPr>
+      </p:pic>
+    </p:spTree>
+    <p:extLst>
+      <p:ext uri="{BB962C8B-B14F-4D97-AF65-F5344CB8AC3E}">
+        <p14:creationId xmlns:p14="http://schemas.microsoft.com/office/powerpoint/2010/main" val="599824598"/>
       </p:ext>
     </p:extLst>
   </p:cSld>
@@ -11220,46 +11205,481 @@
           <a:p>
             <a:r>
               <a:rPr lang="en-US" sz="6000" dirty="0" smtClean="0"/>
-              <a:t>Test plan 1</a:t>
+              <a:t>Test plan 2</a:t>
             </a:r>
             <a:endParaRPr lang="en-US" sz="6000" dirty="0"/>
           </a:p>
         </p:txBody>
       </p:sp>
-      <p:pic>
-        <p:nvPicPr>
-          <p:cNvPr id="2" name="Picture 1"/>
-          <p:cNvPicPr>
-            <a:picLocks noChangeAspect="1"/>
-          </p:cNvPicPr>
+      <p:sp>
+        <p:nvSpPr>
+          <p:cNvPr id="2" name="TextBox 1"/>
+          <p:cNvSpPr txBox="1"/>
           <p:nvPr/>
-        </p:nvPicPr>
-        <p:blipFill>
-          <a:blip r:embed="rId2">
-            <a:extLst>
-              <a:ext uri="{28A0092B-C50C-407E-A947-70E740481C1C}">
-                <a14:useLocalDpi xmlns:a14="http://schemas.microsoft.com/office/drawing/2010/main" val="0"/>
-              </a:ext>
-            </a:extLst>
-          </a:blip>
-          <a:stretch>
-            <a:fillRect/>
-          </a:stretch>
-        </p:blipFill>
+        </p:nvSpPr>
         <p:spPr>
           <a:xfrm>
-            <a:off x="1828799" y="1833421"/>
-            <a:ext cx="7456212" cy="3804711"/>
+            <a:off x="532015" y="1637607"/>
+            <a:ext cx="3857105" cy="5286062"/>
           </a:xfrm>
           <a:prstGeom prst="rect">
             <a:avLst/>
           </a:prstGeom>
+          <a:noFill/>
         </p:spPr>
-      </p:pic>
+        <p:txBody>
+          <a:bodyPr wrap="square" rtlCol="0">
+            <a:spAutoFit/>
+          </a:bodyPr>
+          <a:lstStyle/>
+          <a:p>
+            <a:r>
+              <a:rPr lang="en-US" sz="750" dirty="0"/>
+              <a:t>PART 1: Initial Power Setup</a:t>
+            </a:r>
+          </a:p>
+          <a:p>
+            <a:r>
+              <a:rPr lang="en-US" sz="750" dirty="0"/>
+              <a:t>1. Before Power is provided to the board for the first time a visual inspection should be</a:t>
+            </a:r>
+          </a:p>
+          <a:p>
+            <a:r>
+              <a:rPr lang="en-US" sz="750" dirty="0"/>
+              <a:t>performed by a at least one person whom is not the assembler.</a:t>
+            </a:r>
+          </a:p>
+          <a:p>
+            <a:r>
+              <a:rPr lang="en-US" sz="750" dirty="0"/>
+              <a:t>2. Power module test:</a:t>
+            </a:r>
+          </a:p>
+          <a:p>
+            <a:r>
+              <a:rPr lang="en-US" sz="750" dirty="0"/>
+              <a:t>a. Power cable connection test</a:t>
+            </a:r>
+          </a:p>
+          <a:p>
+            <a:r>
+              <a:rPr lang="en-US" sz="750" dirty="0"/>
+              <a:t>b. Voltage regulator test</a:t>
+            </a:r>
+          </a:p>
+          <a:p>
+            <a:r>
+              <a:rPr lang="en-US" sz="750" dirty="0"/>
+              <a:t>3. Power up test:</a:t>
+            </a:r>
+          </a:p>
+          <a:p>
+            <a:r>
+              <a:rPr lang="en-US" sz="750" dirty="0"/>
+              <a:t>a. Current level test</a:t>
+            </a:r>
+          </a:p>
+          <a:p>
+            <a:r>
+              <a:rPr lang="en-US" sz="750" dirty="0"/>
+              <a:t>b. Voltage level check</a:t>
+            </a:r>
+          </a:p>
+          <a:p>
+            <a:r>
+              <a:rPr lang="en-US" sz="750" dirty="0"/>
+              <a:t>c. Leakage check: Check movement of current between two conductors that are not</a:t>
+            </a:r>
+          </a:p>
+          <a:p>
+            <a:r>
+              <a:rPr lang="en-US" sz="750" dirty="0"/>
+              <a:t>connected.</a:t>
+            </a:r>
+          </a:p>
+          <a:p>
+            <a:r>
+              <a:rPr lang="en-US" sz="750" dirty="0"/>
+              <a:t>d. Opens Test: Check to make sure there is current flow from one "node" to the next</a:t>
+            </a:r>
+          </a:p>
+          <a:p>
+            <a:r>
+              <a:rPr lang="en-US" sz="750" dirty="0"/>
+              <a:t>for every net on the board, again by measuring the amount of resistance of the</a:t>
+            </a:r>
+          </a:p>
+          <a:p>
+            <a:r>
+              <a:rPr lang="en-US" sz="750" dirty="0"/>
+              <a:t>conductor.</a:t>
+            </a:r>
+          </a:p>
+          <a:p>
+            <a:r>
+              <a:rPr lang="en-US" sz="750" dirty="0"/>
+              <a:t>e. Shorts Test: Check to make sure that NO current flows between separate nets by</a:t>
+            </a:r>
+          </a:p>
+          <a:p>
+            <a:r>
+              <a:rPr lang="en-US" sz="750" dirty="0"/>
+              <a:t>measuring the amount resistance between them.</a:t>
+            </a:r>
+          </a:p>
+          <a:p>
+            <a:r>
+              <a:rPr lang="en-US" sz="750" dirty="0"/>
+              <a:t>2</a:t>
+            </a:r>
+          </a:p>
+          <a:p>
+            <a:r>
+              <a:rPr lang="en-US" sz="750" dirty="0"/>
+              <a:t>PART 2: System test</a:t>
+            </a:r>
+          </a:p>
+          <a:p>
+            <a:r>
+              <a:rPr lang="en-US" sz="750" dirty="0"/>
+              <a:t>The test session of the system includes two parts:</a:t>
+            </a:r>
+          </a:p>
+          <a:p>
+            <a:r>
+              <a:rPr lang="en-US" sz="750" dirty="0"/>
+              <a:t>1. Single component test:</a:t>
+            </a:r>
+          </a:p>
+          <a:p>
+            <a:r>
+              <a:rPr lang="en-US" sz="750" dirty="0"/>
+              <a:t>a. Check the type and the specification model of the sensor and actuator</a:t>
+            </a:r>
+          </a:p>
+          <a:p>
+            <a:r>
+              <a:rPr lang="en-US" sz="750" dirty="0"/>
+              <a:t>b. Test the functionality of the sensor and actuator</a:t>
+            </a:r>
+          </a:p>
+          <a:p>
+            <a:r>
+              <a:rPr lang="en-US" sz="750" dirty="0"/>
+              <a:t>2. System test:</a:t>
+            </a:r>
+          </a:p>
+          <a:p>
+            <a:r>
+              <a:rPr lang="en-US" sz="750" dirty="0"/>
+              <a:t>a. Design Validation: PCB Layout validation and code verification.</a:t>
+            </a:r>
+          </a:p>
+          <a:p>
+            <a:r>
+              <a:rPr lang="en-US" sz="750" dirty="0"/>
+              <a:t>b. Manufacturing test: Detect the manufacturing defects.</a:t>
+            </a:r>
+          </a:p>
+          <a:p>
+            <a:r>
+              <a:rPr lang="en-US" sz="750" dirty="0"/>
+              <a:t>c. Function test: Follow the block diagram of the system to make sure each part of</a:t>
+            </a:r>
+          </a:p>
+          <a:p>
+            <a:r>
+              <a:rPr lang="en-US" sz="750" dirty="0"/>
+              <a:t>the system can work correctly.</a:t>
+            </a:r>
+          </a:p>
+          <a:p>
+            <a:r>
+              <a:rPr lang="en-US" sz="750" dirty="0"/>
+              <a:t>PART 2 - 1 - 1: Moisture sensor test (FINISHED)</a:t>
+            </a:r>
+          </a:p>
+          <a:p>
+            <a:r>
+              <a:rPr lang="en-US" sz="750" dirty="0"/>
+              <a:t>A. Structure of the sensor: Moisture sensor is testing the resistance across two probes, the</a:t>
+            </a:r>
+          </a:p>
+          <a:p>
+            <a:r>
+              <a:rPr lang="en-US" sz="750" dirty="0"/>
+              <a:t>moisture level of the soil is represented as the voltage value.</a:t>
+            </a:r>
+          </a:p>
+          <a:p>
+            <a:r>
+              <a:rPr lang="en-US" sz="750" dirty="0"/>
+              <a:t>B. Test Method: Plug the probes into the different soil samples(each soil sample got</a:t>
+            </a:r>
+          </a:p>
+          <a:p>
+            <a:r>
+              <a:rPr lang="en-US" sz="750" dirty="0"/>
+              <a:t>different level moisture), measure the returned voltage level.</a:t>
+            </a:r>
+          </a:p>
+          <a:p>
+            <a:r>
+              <a:rPr lang="en-US" sz="750" dirty="0"/>
+              <a:t>C. Results: By increasing the moisture level of the sample soil, the measured maximum</a:t>
+            </a:r>
+          </a:p>
+          <a:p>
+            <a:r>
+              <a:rPr lang="en-US" sz="750" dirty="0"/>
+              <a:t>voltage level is about 4.3V(Under 5V power supply voltage). The minimum voltage level</a:t>
+            </a:r>
+          </a:p>
+          <a:p>
+            <a:r>
+              <a:rPr lang="en-US" sz="750" dirty="0"/>
+              <a:t>is about 2V.</a:t>
+            </a:r>
+          </a:p>
+          <a:p>
+            <a:r>
+              <a:rPr lang="en-US" sz="750" dirty="0"/>
+              <a:t>PART 2 - 1 </a:t>
+            </a:r>
+            <a:r>
+              <a:rPr lang="en-US" sz="750" dirty="0" smtClean="0"/>
+              <a:t>-</a:t>
+            </a:r>
+            <a:endParaRPr lang="en-US" sz="750" dirty="0"/>
+          </a:p>
+        </p:txBody>
+      </p:sp>
+      <p:sp>
+        <p:nvSpPr>
+          <p:cNvPr id="5" name="TextBox 4"/>
+          <p:cNvSpPr txBox="1"/>
+          <p:nvPr/>
+        </p:nvSpPr>
+        <p:spPr>
+          <a:xfrm>
+            <a:off x="4389120" y="1687354"/>
+            <a:ext cx="3857105" cy="4478149"/>
+          </a:xfrm>
+          <a:prstGeom prst="rect">
+            <a:avLst/>
+          </a:prstGeom>
+          <a:noFill/>
+        </p:spPr>
+        <p:txBody>
+          <a:bodyPr wrap="square" rtlCol="0">
+            <a:spAutoFit/>
+          </a:bodyPr>
+          <a:lstStyle/>
+          <a:p>
+            <a:r>
+              <a:rPr lang="en-US" sz="750" dirty="0" smtClean="0"/>
+              <a:t>PART </a:t>
+            </a:r>
+            <a:r>
+              <a:rPr lang="en-US" sz="750" dirty="0"/>
+              <a:t>2 - 1 - 2: Actuator Test (FINISHED)</a:t>
+            </a:r>
+          </a:p>
+          <a:p>
+            <a:r>
+              <a:rPr lang="en-US" sz="750" dirty="0"/>
+              <a:t>The actuator of the automated watering system is a water valve. The I/O pin of the processor</a:t>
+            </a:r>
+          </a:p>
+          <a:p>
+            <a:r>
+              <a:rPr lang="en-US" sz="750" dirty="0"/>
+              <a:t>control the ON and OFF of the actuator. When the moisture level lower than the threshold value,</a:t>
+            </a:r>
+          </a:p>
+          <a:p>
+            <a:r>
+              <a:rPr lang="en-US" sz="750" dirty="0"/>
+              <a:t>3</a:t>
+            </a:r>
+          </a:p>
+          <a:p>
+            <a:r>
+              <a:rPr lang="en-US" sz="750" dirty="0"/>
+              <a:t>the system will turn on the valve. In other words, the goal of the test is to make sure that the</a:t>
+            </a:r>
+          </a:p>
+          <a:p>
+            <a:r>
+              <a:rPr lang="en-US" sz="750" dirty="0"/>
+              <a:t>actuator is capable for multiple ON/OFF in a short time period.</a:t>
+            </a:r>
+          </a:p>
+          <a:p>
+            <a:r>
+              <a:rPr lang="en-US" sz="750" dirty="0"/>
+              <a:t>A. Test Method: Connect the valve to the output pin of the circuit, run the “Blink” file on</a:t>
+            </a:r>
+          </a:p>
+          <a:p>
+            <a:r>
+              <a:rPr lang="en-US" sz="750" dirty="0"/>
+              <a:t>the circuit.</a:t>
+            </a:r>
+          </a:p>
+          <a:p>
+            <a:r>
+              <a:rPr lang="en-US" sz="750" dirty="0"/>
+              <a:t>B. Results: Run the program for 2 minutes, the system will keep turning ON/OFF of the</a:t>
+            </a:r>
+          </a:p>
+          <a:p>
+            <a:r>
+              <a:rPr lang="en-US" sz="750" dirty="0"/>
+              <a:t>valve, the valve worked correctly.</a:t>
+            </a:r>
+          </a:p>
+          <a:p>
+            <a:r>
+              <a:rPr lang="en-US" sz="750" dirty="0"/>
+              <a:t>PART 2 - 2 - 1: PCB Validation</a:t>
+            </a:r>
+          </a:p>
+          <a:p>
+            <a:r>
+              <a:rPr lang="en-US" sz="750" dirty="0"/>
+              <a:t>A. Parts completion check:</a:t>
+            </a:r>
+          </a:p>
+          <a:p>
+            <a:r>
+              <a:rPr lang="en-US" sz="750" dirty="0"/>
+              <a:t>a. All major components included?</a:t>
+            </a:r>
+          </a:p>
+          <a:p>
+            <a:r>
+              <a:rPr lang="en-US" sz="750" dirty="0" err="1"/>
+              <a:t>i</a:t>
+            </a:r>
+            <a:r>
+              <a:rPr lang="en-US" sz="750" dirty="0"/>
+              <a:t>. Processor</a:t>
+            </a:r>
+          </a:p>
+          <a:p>
+            <a:r>
+              <a:rPr lang="en-US" sz="750" dirty="0"/>
+              <a:t>ii. Power supply (Voltage regulator)</a:t>
+            </a:r>
+          </a:p>
+          <a:p>
+            <a:r>
+              <a:rPr lang="en-US" sz="750" dirty="0"/>
+              <a:t>iii. Moisture sensor</a:t>
+            </a:r>
+          </a:p>
+          <a:p>
+            <a:r>
+              <a:rPr lang="en-US" sz="750" dirty="0"/>
+              <a:t>iv. The actuator (Valve)</a:t>
+            </a:r>
+          </a:p>
+          <a:p>
+            <a:r>
+              <a:rPr lang="en-US" sz="750" dirty="0"/>
+              <a:t>b. All support components included?</a:t>
+            </a:r>
+          </a:p>
+          <a:p>
+            <a:r>
+              <a:rPr lang="en-US" sz="750" dirty="0" err="1"/>
+              <a:t>i</a:t>
+            </a:r>
+            <a:r>
+              <a:rPr lang="en-US" sz="750" dirty="0"/>
+              <a:t>. USB connection port</a:t>
+            </a:r>
+          </a:p>
+          <a:p>
+            <a:r>
+              <a:rPr lang="en-US" sz="750" dirty="0"/>
+              <a:t>ii. Power connection port</a:t>
+            </a:r>
+          </a:p>
+          <a:p>
+            <a:r>
+              <a:rPr lang="en-US" sz="750" dirty="0"/>
+              <a:t>iii. Reset switch</a:t>
+            </a:r>
+          </a:p>
+          <a:p>
+            <a:r>
+              <a:rPr lang="en-US" sz="750" dirty="0"/>
+              <a:t>c. All the surface mount circuit component included?</a:t>
+            </a:r>
+          </a:p>
+          <a:p>
+            <a:r>
+              <a:rPr lang="en-US" sz="750" dirty="0"/>
+              <a:t>B. PCB footprint check</a:t>
+            </a:r>
+          </a:p>
+          <a:p>
+            <a:r>
+              <a:rPr lang="en-US" sz="750" dirty="0"/>
+              <a:t>C. Parts placement test</a:t>
+            </a:r>
+          </a:p>
+          <a:p>
+            <a:r>
+              <a:rPr lang="en-US" sz="750" dirty="0"/>
+              <a:t>PART 2 - 2 - 2: Function Test</a:t>
+            </a:r>
+          </a:p>
+          <a:p>
+            <a:r>
+              <a:rPr lang="en-US" sz="750" dirty="0"/>
+              <a:t>A. Debug the code to make sure the code can successfully flash into the processor.</a:t>
+            </a:r>
+          </a:p>
+          <a:p>
+            <a:r>
+              <a:rPr lang="en-US" sz="750" dirty="0"/>
+              <a:t>4</a:t>
+            </a:r>
+          </a:p>
+          <a:p>
+            <a:r>
+              <a:rPr lang="en-US" sz="750" dirty="0"/>
+              <a:t>B. After the program is flashed to the processor via USB, a test run should be performed.</a:t>
+            </a:r>
+          </a:p>
+          <a:p>
+            <a:r>
+              <a:rPr lang="en-US" sz="750" dirty="0"/>
+              <a:t>PART 2 - 2 - 3: Manufacturing Test</a:t>
+            </a:r>
+          </a:p>
+          <a:p>
+            <a:r>
+              <a:rPr lang="en-US" sz="750" dirty="0"/>
+              <a:t>A. Follow the schematic and assemble the circuit on each board.</a:t>
+            </a:r>
+          </a:p>
+          <a:p>
+            <a:r>
+              <a:rPr lang="en-US" sz="750" dirty="0"/>
+              <a:t>B. Follow the test method in PART 2 - 2 - 2 to test all the prototypes.</a:t>
+            </a:r>
+          </a:p>
+        </p:txBody>
+      </p:sp>
     </p:spTree>
     <p:extLst>
       <p:ext uri="{BB962C8B-B14F-4D97-AF65-F5344CB8AC3E}">
-        <p14:creationId xmlns:p14="http://schemas.microsoft.com/office/powerpoint/2010/main" val="599824598"/>
+        <p14:creationId xmlns:p14="http://schemas.microsoft.com/office/powerpoint/2010/main" val="246382489"/>
       </p:ext>
     </p:extLst>
   </p:cSld>
@@ -11317,7 +11737,7 @@
           <a:p>
             <a:r>
               <a:rPr lang="en-US" sz="6000" dirty="0" smtClean="0"/>
-              <a:t>Test plan 2</a:t>
+              <a:t>what’s left to do</a:t>
             </a:r>
             <a:endParaRPr lang="en-US" sz="6000" dirty="0"/>
           </a:p>
@@ -11325,14 +11745,14 @@
       </p:sp>
       <p:sp>
         <p:nvSpPr>
-          <p:cNvPr id="2" name="TextBox 1"/>
+          <p:cNvPr id="7" name="TextBox 6"/>
           <p:cNvSpPr txBox="1"/>
           <p:nvPr/>
         </p:nvSpPr>
         <p:spPr>
           <a:xfrm>
-            <a:off x="532015" y="1637607"/>
-            <a:ext cx="3857105" cy="5286062"/>
+            <a:off x="684213" y="2085473"/>
+            <a:ext cx="10930271" cy="3970318"/>
           </a:xfrm>
           <a:prstGeom prst="rect">
             <a:avLst/>
@@ -11345,445 +11765,53 @@
           </a:bodyPr>
           <a:lstStyle/>
           <a:p>
-            <a:r>
-              <a:rPr lang="en-US" sz="750" dirty="0"/>
-              <a:t>PART 1: Initial Power Setup</a:t>
-            </a:r>
-          </a:p>
-          <a:p>
-            <a:r>
-              <a:rPr lang="en-US" sz="750" dirty="0"/>
-              <a:t>1. Before Power is provided to the board for the first time a visual inspection should be</a:t>
-            </a:r>
-          </a:p>
-          <a:p>
-            <a:r>
-              <a:rPr lang="en-US" sz="750" dirty="0"/>
-              <a:t>performed by a at least one person whom is not the assembler.</a:t>
-            </a:r>
-          </a:p>
-          <a:p>
-            <a:r>
-              <a:rPr lang="en-US" sz="750" dirty="0"/>
-              <a:t>2. Power module test:</a:t>
-            </a:r>
-          </a:p>
-          <a:p>
-            <a:r>
-              <a:rPr lang="en-US" sz="750" dirty="0"/>
-              <a:t>a. Power cable connection test</a:t>
-            </a:r>
-          </a:p>
-          <a:p>
-            <a:r>
-              <a:rPr lang="en-US" sz="750" dirty="0"/>
-              <a:t>b. Voltage regulator test</a:t>
-            </a:r>
-          </a:p>
-          <a:p>
-            <a:r>
-              <a:rPr lang="en-US" sz="750" dirty="0"/>
-              <a:t>3. Power up test:</a:t>
-            </a:r>
-          </a:p>
-          <a:p>
-            <a:r>
-              <a:rPr lang="en-US" sz="750" dirty="0"/>
-              <a:t>a. Current level test</a:t>
-            </a:r>
-          </a:p>
-          <a:p>
-            <a:r>
-              <a:rPr lang="en-US" sz="750" dirty="0"/>
-              <a:t>b. Voltage level check</a:t>
-            </a:r>
-          </a:p>
-          <a:p>
-            <a:r>
-              <a:rPr lang="en-US" sz="750" dirty="0"/>
-              <a:t>c. Leakage check: Check movement of current between two conductors that are not</a:t>
-            </a:r>
-          </a:p>
-          <a:p>
-            <a:r>
-              <a:rPr lang="en-US" sz="750" dirty="0"/>
-              <a:t>connected.</a:t>
-            </a:r>
-          </a:p>
-          <a:p>
-            <a:r>
-              <a:rPr lang="en-US" sz="750" dirty="0"/>
-              <a:t>d. Opens Test: Check to make sure there is current flow from one "node" to the next</a:t>
-            </a:r>
-          </a:p>
-          <a:p>
-            <a:r>
-              <a:rPr lang="en-US" sz="750" dirty="0"/>
-              <a:t>for every net on the board, again by measuring the amount of resistance of the</a:t>
-            </a:r>
-          </a:p>
-          <a:p>
-            <a:r>
-              <a:rPr lang="en-US" sz="750" dirty="0"/>
-              <a:t>conductor.</a:t>
-            </a:r>
-          </a:p>
-          <a:p>
-            <a:r>
-              <a:rPr lang="en-US" sz="750" dirty="0"/>
-              <a:t>e. Shorts Test: Check to make sure that NO current flows between separate nets by</a:t>
-            </a:r>
-          </a:p>
-          <a:p>
-            <a:r>
-              <a:rPr lang="en-US" sz="750" dirty="0"/>
-              <a:t>measuring the amount resistance between them.</a:t>
-            </a:r>
-          </a:p>
-          <a:p>
-            <a:r>
-              <a:rPr lang="en-US" sz="750" dirty="0"/>
-              <a:t>2</a:t>
-            </a:r>
-          </a:p>
-          <a:p>
-            <a:r>
-              <a:rPr lang="en-US" sz="750" dirty="0"/>
-              <a:t>PART 2: System test</a:t>
-            </a:r>
-          </a:p>
-          <a:p>
-            <a:r>
-              <a:rPr lang="en-US" sz="750" dirty="0"/>
-              <a:t>The test session of the system includes two parts:</a:t>
-            </a:r>
-          </a:p>
-          <a:p>
-            <a:r>
-              <a:rPr lang="en-US" sz="750" dirty="0"/>
-              <a:t>1. Single component test:</a:t>
-            </a:r>
-          </a:p>
-          <a:p>
-            <a:r>
-              <a:rPr lang="en-US" sz="750" dirty="0"/>
-              <a:t>a. Check the type and the specification model of the sensor and actuator</a:t>
-            </a:r>
-          </a:p>
-          <a:p>
-            <a:r>
-              <a:rPr lang="en-US" sz="750" dirty="0"/>
-              <a:t>b. Test the functionality of the sensor and actuator</a:t>
-            </a:r>
-          </a:p>
-          <a:p>
-            <a:r>
-              <a:rPr lang="en-US" sz="750" dirty="0"/>
-              <a:t>2. System test:</a:t>
-            </a:r>
-          </a:p>
-          <a:p>
-            <a:r>
-              <a:rPr lang="en-US" sz="750" dirty="0"/>
-              <a:t>a. Design Validation: PCB Layout validation and code verification.</a:t>
-            </a:r>
-          </a:p>
-          <a:p>
-            <a:r>
-              <a:rPr lang="en-US" sz="750" dirty="0"/>
-              <a:t>b. Manufacturing test: Detect the manufacturing defects.</a:t>
-            </a:r>
-          </a:p>
-          <a:p>
-            <a:r>
-              <a:rPr lang="en-US" sz="750" dirty="0"/>
-              <a:t>c. Function test: Follow the block diagram of the system to make sure each part of</a:t>
-            </a:r>
-          </a:p>
-          <a:p>
-            <a:r>
-              <a:rPr lang="en-US" sz="750" dirty="0"/>
-              <a:t>the system can work correctly.</a:t>
-            </a:r>
-          </a:p>
-          <a:p>
-            <a:r>
-              <a:rPr lang="en-US" sz="750" dirty="0"/>
-              <a:t>PART 2 - 1 - 1: Moisture sensor test (FINISHED)</a:t>
-            </a:r>
-          </a:p>
-          <a:p>
-            <a:r>
-              <a:rPr lang="en-US" sz="750" dirty="0"/>
-              <a:t>A. Structure of the sensor: Moisture sensor is testing the resistance across two probes, the</a:t>
-            </a:r>
-          </a:p>
-          <a:p>
-            <a:r>
-              <a:rPr lang="en-US" sz="750" dirty="0"/>
-              <a:t>moisture level of the soil is represented as the voltage value.</a:t>
-            </a:r>
-          </a:p>
-          <a:p>
-            <a:r>
-              <a:rPr lang="en-US" sz="750" dirty="0"/>
-              <a:t>B. Test Method: Plug the probes into the different soil samples(each soil sample got</a:t>
-            </a:r>
-          </a:p>
-          <a:p>
-            <a:r>
-              <a:rPr lang="en-US" sz="750" dirty="0"/>
-              <a:t>different level moisture), measure the returned voltage level.</a:t>
-            </a:r>
-          </a:p>
-          <a:p>
-            <a:r>
-              <a:rPr lang="en-US" sz="750" dirty="0"/>
-              <a:t>C. Results: By increasing the moisture level of the sample soil, the measured maximum</a:t>
-            </a:r>
-          </a:p>
-          <a:p>
-            <a:r>
-              <a:rPr lang="en-US" sz="750" dirty="0"/>
-              <a:t>voltage level is about 4.3V(Under 5V power supply voltage). The minimum voltage level</a:t>
-            </a:r>
-          </a:p>
-          <a:p>
-            <a:r>
-              <a:rPr lang="en-US" sz="750" dirty="0"/>
-              <a:t>is about 2V.</a:t>
-            </a:r>
-          </a:p>
-          <a:p>
-            <a:r>
-              <a:rPr lang="en-US" sz="750" dirty="0"/>
-              <a:t>PART 2 - 1 </a:t>
-            </a:r>
-            <a:r>
-              <a:rPr lang="en-US" sz="750" dirty="0" smtClean="0"/>
-              <a:t>-</a:t>
-            </a:r>
-            <a:endParaRPr lang="en-US" sz="750" dirty="0"/>
-          </a:p>
-        </p:txBody>
-      </p:sp>
-      <p:sp>
-        <p:nvSpPr>
-          <p:cNvPr id="5" name="TextBox 4"/>
-          <p:cNvSpPr txBox="1"/>
-          <p:nvPr/>
-        </p:nvSpPr>
-        <p:spPr>
-          <a:xfrm>
-            <a:off x="4389120" y="1687354"/>
-            <a:ext cx="3857105" cy="4478149"/>
-          </a:xfrm>
-          <a:prstGeom prst="rect">
-            <a:avLst/>
-          </a:prstGeom>
-          <a:noFill/>
-        </p:spPr>
-        <p:txBody>
-          <a:bodyPr wrap="square" rtlCol="0">
-            <a:spAutoFit/>
-          </a:bodyPr>
-          <a:lstStyle/>
-          <a:p>
-            <a:r>
-              <a:rPr lang="en-US" sz="750" dirty="0" smtClean="0"/>
-              <a:t>PART </a:t>
-            </a:r>
-            <a:r>
-              <a:rPr lang="en-US" sz="750" dirty="0"/>
-              <a:t>2 - 1 - 2: Actuator Test (FINISHED)</a:t>
-            </a:r>
-          </a:p>
-          <a:p>
-            <a:r>
-              <a:rPr lang="en-US" sz="750" dirty="0"/>
-              <a:t>The actuator of the automated watering system is a water valve. The I/O pin of the processor</a:t>
-            </a:r>
-          </a:p>
-          <a:p>
-            <a:r>
-              <a:rPr lang="en-US" sz="750" dirty="0"/>
-              <a:t>control the ON and OFF of the actuator. When the moisture level lower than the threshold value,</a:t>
-            </a:r>
-          </a:p>
-          <a:p>
-            <a:r>
-              <a:rPr lang="en-US" sz="750" dirty="0"/>
-              <a:t>3</a:t>
-            </a:r>
-          </a:p>
-          <a:p>
-            <a:r>
-              <a:rPr lang="en-US" sz="750" dirty="0"/>
-              <a:t>the system will turn on the valve. In other words, the goal of the test is to make sure that the</a:t>
-            </a:r>
-          </a:p>
-          <a:p>
-            <a:r>
-              <a:rPr lang="en-US" sz="750" dirty="0"/>
-              <a:t>actuator is capable for multiple ON/OFF in a short time period.</a:t>
-            </a:r>
-          </a:p>
-          <a:p>
-            <a:r>
-              <a:rPr lang="en-US" sz="750" dirty="0"/>
-              <a:t>A. Test Method: Connect the valve to the output pin of the circuit, run the “Blink” file on</a:t>
-            </a:r>
-          </a:p>
-          <a:p>
-            <a:r>
-              <a:rPr lang="en-US" sz="750" dirty="0"/>
-              <a:t>the circuit.</a:t>
-            </a:r>
-          </a:p>
-          <a:p>
-            <a:r>
-              <a:rPr lang="en-US" sz="750" dirty="0"/>
-              <a:t>B. Results: Run the program for 2 minutes, the system will keep turning ON/OFF of the</a:t>
-            </a:r>
-          </a:p>
-          <a:p>
-            <a:r>
-              <a:rPr lang="en-US" sz="750" dirty="0"/>
-              <a:t>valve, the valve worked correctly.</a:t>
-            </a:r>
-          </a:p>
-          <a:p>
-            <a:r>
-              <a:rPr lang="en-US" sz="750" dirty="0"/>
-              <a:t>PART 2 - 2 - 1: PCB Validation</a:t>
-            </a:r>
-          </a:p>
-          <a:p>
-            <a:r>
-              <a:rPr lang="en-US" sz="750" dirty="0"/>
-              <a:t>A. Parts completion check:</a:t>
-            </a:r>
-          </a:p>
-          <a:p>
-            <a:r>
-              <a:rPr lang="en-US" sz="750" dirty="0"/>
-              <a:t>a. All major components included?</a:t>
-            </a:r>
-          </a:p>
-          <a:p>
-            <a:r>
-              <a:rPr lang="en-US" sz="750" dirty="0" err="1"/>
-              <a:t>i</a:t>
-            </a:r>
-            <a:r>
-              <a:rPr lang="en-US" sz="750" dirty="0"/>
-              <a:t>. Processor</a:t>
-            </a:r>
-          </a:p>
-          <a:p>
-            <a:r>
-              <a:rPr lang="en-US" sz="750" dirty="0"/>
-              <a:t>ii. Power supply (Voltage regulator)</a:t>
-            </a:r>
-          </a:p>
-          <a:p>
-            <a:r>
-              <a:rPr lang="en-US" sz="750" dirty="0"/>
-              <a:t>iii. Moisture sensor</a:t>
-            </a:r>
-          </a:p>
-          <a:p>
-            <a:r>
-              <a:rPr lang="en-US" sz="750" dirty="0"/>
-              <a:t>iv. The actuator (Valve)</a:t>
-            </a:r>
-          </a:p>
-          <a:p>
-            <a:r>
-              <a:rPr lang="en-US" sz="750" dirty="0"/>
-              <a:t>b. All support components included?</a:t>
-            </a:r>
-          </a:p>
-          <a:p>
-            <a:r>
-              <a:rPr lang="en-US" sz="750" dirty="0" err="1"/>
-              <a:t>i</a:t>
-            </a:r>
-            <a:r>
-              <a:rPr lang="en-US" sz="750" dirty="0"/>
-              <a:t>. USB connection port</a:t>
-            </a:r>
-          </a:p>
-          <a:p>
-            <a:r>
-              <a:rPr lang="en-US" sz="750" dirty="0"/>
-              <a:t>ii. Power connection port</a:t>
-            </a:r>
-          </a:p>
-          <a:p>
-            <a:r>
-              <a:rPr lang="en-US" sz="750" dirty="0"/>
-              <a:t>iii. Reset switch</a:t>
-            </a:r>
-          </a:p>
-          <a:p>
-            <a:r>
-              <a:rPr lang="en-US" sz="750" dirty="0"/>
-              <a:t>c. All the surface mount circuit component included?</a:t>
-            </a:r>
-          </a:p>
-          <a:p>
-            <a:r>
-              <a:rPr lang="en-US" sz="750" dirty="0"/>
-              <a:t>B. PCB footprint check</a:t>
-            </a:r>
-          </a:p>
-          <a:p>
-            <a:r>
-              <a:rPr lang="en-US" sz="750" dirty="0"/>
-              <a:t>C. Parts placement test</a:t>
-            </a:r>
-          </a:p>
-          <a:p>
-            <a:r>
-              <a:rPr lang="en-US" sz="750" dirty="0"/>
-              <a:t>PART 2 - 2 - 2: Function Test</a:t>
-            </a:r>
-          </a:p>
-          <a:p>
-            <a:r>
-              <a:rPr lang="en-US" sz="750" dirty="0"/>
-              <a:t>A. Debug the code to make sure the code can successfully flash into the processor.</a:t>
-            </a:r>
-          </a:p>
-          <a:p>
-            <a:r>
-              <a:rPr lang="en-US" sz="750" dirty="0"/>
-              <a:t>4</a:t>
-            </a:r>
-          </a:p>
-          <a:p>
-            <a:r>
-              <a:rPr lang="en-US" sz="750" dirty="0"/>
-              <a:t>B. After the program is flashed to the processor via USB, a test run should be performed.</a:t>
-            </a:r>
-          </a:p>
-          <a:p>
-            <a:r>
-              <a:rPr lang="en-US" sz="750" dirty="0"/>
-              <a:t>PART 2 - 2 - 3: Manufacturing Test</a:t>
-            </a:r>
-          </a:p>
-          <a:p>
-            <a:r>
-              <a:rPr lang="en-US" sz="750" dirty="0"/>
-              <a:t>A. Follow the schematic and assemble the circuit on each board.</a:t>
-            </a:r>
-          </a:p>
-          <a:p>
-            <a:r>
-              <a:rPr lang="en-US" sz="750" dirty="0"/>
-              <a:t>B. Follow the test method in PART 2 - 2 - 2 to test all the prototypes.</a:t>
+            <a:pPr marL="342900" indent="-342900">
+              <a:buFont typeface="Arial" panose="020B0604020202020204" pitchFamily="34" charset="0"/>
+              <a:buChar char="•"/>
+            </a:pPr>
+            <a:r>
+              <a:rPr lang="en-US" sz="3600" dirty="0" smtClean="0"/>
+              <a:t>Second revision of board (fix board issue)</a:t>
+            </a:r>
+          </a:p>
+          <a:p>
+            <a:pPr marL="342900" indent="-342900">
+              <a:buFont typeface="Arial" panose="020B0604020202020204" pitchFamily="34" charset="0"/>
+              <a:buChar char="•"/>
+            </a:pPr>
+            <a:r>
+              <a:rPr lang="en-US" sz="3600" dirty="0" smtClean="0"/>
+              <a:t>Put it in box – waterproof it</a:t>
+            </a:r>
+          </a:p>
+          <a:p>
+            <a:pPr marL="342900" indent="-342900">
+              <a:buFont typeface="Arial" panose="020B0604020202020204" pitchFamily="34" charset="0"/>
+              <a:buChar char="•"/>
+            </a:pPr>
+            <a:r>
+              <a:rPr lang="en-US" sz="3600" dirty="0" smtClean="0"/>
+              <a:t>More I/O for sensors and plants</a:t>
+            </a:r>
+          </a:p>
+          <a:p>
+            <a:pPr marL="342900" indent="-342900">
+              <a:buFont typeface="Arial" panose="020B0604020202020204" pitchFamily="34" charset="0"/>
+              <a:buChar char="•"/>
+            </a:pPr>
+            <a:r>
+              <a:rPr lang="en-US" sz="3600" dirty="0" smtClean="0"/>
+              <a:t>Keep historical data for seasonal average</a:t>
+            </a:r>
+          </a:p>
+          <a:p>
+            <a:pPr marL="342900" indent="-342900">
+              <a:buFont typeface="Arial" panose="020B0604020202020204" pitchFamily="34" charset="0"/>
+              <a:buChar char="•"/>
+            </a:pPr>
+            <a:r>
+              <a:rPr lang="en-US" sz="3600" dirty="0" smtClean="0"/>
+              <a:t>Add wireless communication for viewable diagnostics and statistics (phone, computer, app)</a:t>
             </a:r>
           </a:p>
         </p:txBody>
@@ -11791,7 +11819,7 @@
     </p:spTree>
     <p:extLst>
       <p:ext uri="{BB962C8B-B14F-4D97-AF65-F5344CB8AC3E}">
-        <p14:creationId xmlns:p14="http://schemas.microsoft.com/office/powerpoint/2010/main" val="246382489"/>
+        <p14:creationId xmlns:p14="http://schemas.microsoft.com/office/powerpoint/2010/main" val="261858471"/>
       </p:ext>
     </p:extLst>
   </p:cSld>
@@ -11837,8 +11865,8 @@
         </p:nvSpPr>
         <p:spPr>
           <a:xfrm>
-            <a:off x="684213" y="685800"/>
-            <a:ext cx="10058400" cy="645695"/>
+            <a:off x="684212" y="685800"/>
+            <a:ext cx="10172209" cy="1558636"/>
           </a:xfrm>
         </p:spPr>
         <p:txBody>
@@ -11848,10 +11876,14 @@
           <a:lstStyle/>
           <a:p>
             <a:r>
-              <a:rPr lang="en-US" sz="6000" dirty="0" smtClean="0"/>
-              <a:t>what’s left to do</a:t>
-            </a:r>
-            <a:endParaRPr lang="en-US" sz="6000" dirty="0"/>
+              <a:rPr lang="en-US" sz="5600" dirty="0" smtClean="0"/>
+              <a:t>Lessons </a:t>
+            </a:r>
+            <a:r>
+              <a:rPr lang="en-US" sz="5600" dirty="0" smtClean="0"/>
+              <a:t>learned</a:t>
+            </a:r>
+            <a:endParaRPr lang="en-US" sz="5600" dirty="0"/>
           </a:p>
         </p:txBody>
       </p:sp>
@@ -11863,8 +11895,8 @@
         </p:nvSpPr>
         <p:spPr>
           <a:xfrm>
-            <a:off x="684213" y="2085473"/>
-            <a:ext cx="10930271" cy="3970318"/>
+            <a:off x="684212" y="2244436"/>
+            <a:ext cx="10930271" cy="3539430"/>
           </a:xfrm>
           <a:prstGeom prst="rect">
             <a:avLst/>
@@ -11882,8 +11914,8 @@
               <a:buChar char="•"/>
             </a:pPr>
             <a:r>
-              <a:rPr lang="en-US" sz="3600" dirty="0" smtClean="0"/>
-              <a:t>Second revision of board (fix board issue)</a:t>
+              <a:rPr lang="en-US" sz="3200" dirty="0" smtClean="0"/>
+              <a:t>Board layout took longer than expected</a:t>
             </a:r>
           </a:p>
           <a:p>
@@ -11892,8 +11924,12 @@
               <a:buChar char="•"/>
             </a:pPr>
             <a:r>
-              <a:rPr lang="en-US" sz="3600" dirty="0" smtClean="0"/>
-              <a:t>Put it in box – waterproof it</a:t>
+              <a:rPr lang="en-US" sz="3200" dirty="0" smtClean="0"/>
+              <a:t>Be careful with discount power </a:t>
+            </a:r>
+            <a:r>
+              <a:rPr lang="en-US" sz="3200" dirty="0" smtClean="0"/>
+              <a:t>supplies</a:t>
             </a:r>
           </a:p>
           <a:p>
@@ -11902,8 +11938,8 @@
               <a:buChar char="•"/>
             </a:pPr>
             <a:r>
-              <a:rPr lang="en-US" sz="3600" dirty="0" smtClean="0"/>
-              <a:t>More I/O for sensors and plants</a:t>
+              <a:rPr lang="en-US" sz="3200" dirty="0" smtClean="0"/>
+              <a:t>No lull time – always stay on top of something</a:t>
             </a:r>
           </a:p>
           <a:p>
@@ -11912,8 +11948,8 @@
               <a:buChar char="•"/>
             </a:pPr>
             <a:r>
-              <a:rPr lang="en-US" sz="3600" dirty="0" smtClean="0"/>
-              <a:t>Keep historical data for seasonal average</a:t>
+              <a:rPr lang="en-US" sz="3200" dirty="0" smtClean="0"/>
+              <a:t>Be careful soldering, we only have four boards</a:t>
             </a:r>
           </a:p>
           <a:p>
@@ -11922,16 +11958,78 @@
               <a:buChar char="•"/>
             </a:pPr>
             <a:r>
-              <a:rPr lang="en-US" sz="3600" dirty="0" smtClean="0"/>
-              <a:t>Add wireless communication for viewable diagnostics and statistics (phone, computer, app)</a:t>
-            </a:r>
+              <a:rPr lang="en-US" sz="3200" dirty="0" smtClean="0"/>
+              <a:t>Can have greater spacing between traces (it’s okay)</a:t>
+            </a:r>
+            <a:endParaRPr lang="en-US" sz="3200" dirty="0" smtClean="0"/>
+          </a:p>
+          <a:p>
+            <a:pPr marL="342900" indent="-342900">
+              <a:buFont typeface="Arial" panose="020B0604020202020204" pitchFamily="34" charset="0"/>
+              <a:buChar char="•"/>
+            </a:pPr>
+            <a:endParaRPr lang="en-US" sz="3200" dirty="0"/>
+          </a:p>
+        </p:txBody>
+      </p:sp>
+      <p:sp>
+        <p:nvSpPr>
+          <p:cNvPr id="3" name="TextBox 2"/>
+          <p:cNvSpPr txBox="1"/>
+          <p:nvPr/>
+        </p:nvSpPr>
+        <p:spPr>
+          <a:xfrm>
+            <a:off x="315884" y="5482245"/>
+            <a:ext cx="3782291" cy="276999"/>
+          </a:xfrm>
+          <a:prstGeom prst="rect">
+            <a:avLst/>
+          </a:prstGeom>
+          <a:noFill/>
+        </p:spPr>
+        <p:txBody>
+          <a:bodyPr wrap="square" rtlCol="0">
+            <a:spAutoFit/>
+          </a:bodyPr>
+          <a:lstStyle/>
+          <a:p>
+            <a:r>
+              <a:rPr lang="en-US" sz="1200" dirty="0" smtClean="0">
+                <a:solidFill>
+                  <a:srgbClr val="136A9C"/>
+                </a:solidFill>
+              </a:rPr>
+              <a:t>Jon </a:t>
+            </a:r>
+            <a:r>
+              <a:rPr lang="en-US" sz="1200" dirty="0" err="1" smtClean="0">
+                <a:solidFill>
+                  <a:srgbClr val="136A9C"/>
+                </a:solidFill>
+              </a:rPr>
+              <a:t>lowkey</a:t>
+            </a:r>
+            <a:r>
+              <a:rPr lang="en-US" sz="1200" dirty="0" smtClean="0">
+                <a:solidFill>
+                  <a:srgbClr val="136A9C"/>
+                </a:solidFill>
+              </a:rPr>
+              <a:t> farts a lot in the lab</a:t>
+            </a:r>
+            <a:endParaRPr lang="en-US" sz="1200" dirty="0">
+              <a:solidFill>
+                <a:srgbClr val="136A9C"/>
+              </a:solidFill>
+            </a:endParaRPr>
           </a:p>
         </p:txBody>
       </p:sp>
     </p:spTree>
     <p:extLst>
       <p:ext uri="{BB962C8B-B14F-4D97-AF65-F5344CB8AC3E}">
-        <p14:creationId xmlns:p14="http://schemas.microsoft.com/office/powerpoint/2010/main" val="261858471"/>
+        <p14:creationId xmlns:p14="http://schemas.microsoft.com/office/powerpoint/2010/main" val="3992406287"/>
       </p:ext>
     </p:extLst>
   </p:cSld>
@@ -11977,8 +12075,8 @@
         </p:nvSpPr>
         <p:spPr>
           <a:xfrm>
-            <a:off x="684212" y="685800"/>
-            <a:ext cx="10172209" cy="1558636"/>
+            <a:off x="684213" y="685800"/>
+            <a:ext cx="10058400" cy="645695"/>
           </a:xfrm>
         </p:spPr>
         <p:txBody>
@@ -11988,10 +12086,10 @@
           <a:lstStyle/>
           <a:p>
             <a:r>
-              <a:rPr lang="en-US" sz="5600" dirty="0" smtClean="0"/>
-              <a:t>Lessons learned as team</a:t>
-            </a:r>
-            <a:endParaRPr lang="en-US" sz="5600" dirty="0"/>
+              <a:rPr lang="en-US" sz="6000" dirty="0" smtClean="0"/>
+              <a:t>IP used</a:t>
+            </a:r>
+            <a:endParaRPr lang="en-US" sz="6000" dirty="0"/>
           </a:p>
         </p:txBody>
       </p:sp>
@@ -12003,8 +12101,8 @@
         </p:nvSpPr>
         <p:spPr>
           <a:xfrm>
-            <a:off x="684212" y="2244436"/>
-            <a:ext cx="10930271" cy="1569660"/>
+            <a:off x="684213" y="2085473"/>
+            <a:ext cx="10930271" cy="3477875"/>
           </a:xfrm>
           <a:prstGeom prst="rect">
             <a:avLst/>
@@ -12022,8 +12120,8 @@
               <a:buChar char="•"/>
             </a:pPr>
             <a:r>
-              <a:rPr lang="en-US" sz="3200" dirty="0" smtClean="0"/>
-              <a:t>Board layout took longer than expected</a:t>
+              <a:rPr lang="en-US" sz="4400" dirty="0" smtClean="0"/>
+              <a:t>Eagle</a:t>
             </a:r>
           </a:p>
           <a:p>
@@ -12032,8 +12130,8 @@
               <a:buChar char="•"/>
             </a:pPr>
             <a:r>
-              <a:rPr lang="en-US" sz="3200" dirty="0" smtClean="0"/>
-              <a:t>Be careful with discount power supplies</a:t>
+              <a:rPr lang="en-US" sz="4400" dirty="0" smtClean="0"/>
+              <a:t>LT Spice</a:t>
             </a:r>
           </a:p>
           <a:p>
@@ -12041,68 +12139,41 @@
               <a:buFont typeface="Arial" panose="020B0604020202020204" pitchFamily="34" charset="0"/>
               <a:buChar char="•"/>
             </a:pPr>
-            <a:endParaRPr lang="en-US" sz="3200" dirty="0"/>
-          </a:p>
-        </p:txBody>
-      </p:sp>
-      <p:sp>
-        <p:nvSpPr>
-          <p:cNvPr id="3" name="TextBox 2"/>
-          <p:cNvSpPr txBox="1"/>
-          <p:nvPr/>
-        </p:nvSpPr>
-        <p:spPr>
-          <a:xfrm>
-            <a:off x="315884" y="5482245"/>
-            <a:ext cx="3782291" cy="276999"/>
-          </a:xfrm>
-          <a:prstGeom prst="rect">
-            <a:avLst/>
-          </a:prstGeom>
-          <a:noFill/>
-        </p:spPr>
-        <p:txBody>
-          <a:bodyPr wrap="square" rtlCol="0">
-            <a:spAutoFit/>
-          </a:bodyPr>
-          <a:lstStyle/>
-          <a:p>
-            <a:r>
-              <a:rPr lang="en-US" sz="1200" dirty="0" smtClean="0">
-                <a:solidFill>
-                  <a:srgbClr val="136A9C"/>
-                </a:solidFill>
+            <a:r>
+              <a:rPr lang="en-US" sz="4400" dirty="0" smtClean="0"/>
+              <a:t>Microsoft Office</a:t>
+            </a:r>
+          </a:p>
+          <a:p>
+            <a:pPr marL="342900" indent="-342900">
+              <a:buFont typeface="Arial" panose="020B0604020202020204" pitchFamily="34" charset="0"/>
+              <a:buChar char="•"/>
+            </a:pPr>
+            <a:r>
+              <a:rPr lang="en-US" sz="4400" smtClean="0">
+                <a:hlinkClick r:id="rId2"/>
               </a:rPr>
-              <a:t>Jon </a:t>
-            </a:r>
-            <a:r>
-              <a:rPr lang="en-US" sz="1200" dirty="0" err="1" smtClean="0">
-                <a:solidFill>
-                  <a:srgbClr val="136A9C"/>
-                </a:solidFill>
-              </a:rPr>
-              <a:t>lowkey</a:t>
-            </a:r>
-            <a:r>
-              <a:rPr lang="en-US" sz="1200" dirty="0" smtClean="0">
-                <a:solidFill>
-                  <a:srgbClr val="136A9C"/>
-                </a:solidFill>
-              </a:rPr>
-              <a:t> farts a lot in the lab</a:t>
-            </a:r>
-            <a:endParaRPr lang="en-US" sz="1200" dirty="0">
-              <a:solidFill>
-                <a:srgbClr val="136A9C"/>
-              </a:solidFill>
-            </a:endParaRPr>
+              <a:t>GitHub</a:t>
+            </a:r>
+            <a:endParaRPr lang="en-US" sz="1600" dirty="0" smtClean="0"/>
+          </a:p>
+          <a:p>
+            <a:pPr marL="342900" indent="-342900">
+              <a:buFont typeface="Arial" panose="020B0604020202020204" pitchFamily="34" charset="0"/>
+              <a:buChar char="•"/>
+            </a:pPr>
+            <a:r>
+              <a:rPr lang="en-US" sz="4400" dirty="0" smtClean="0"/>
+              <a:t>Arduino</a:t>
+            </a:r>
+            <a:endParaRPr lang="en-US" sz="4400" dirty="0"/>
           </a:p>
         </p:txBody>
       </p:sp>
     </p:spTree>
     <p:extLst>
       <p:ext uri="{BB962C8B-B14F-4D97-AF65-F5344CB8AC3E}">
-        <p14:creationId xmlns:p14="http://schemas.microsoft.com/office/powerpoint/2010/main" val="3992406287"/>
+        <p14:creationId xmlns:p14="http://schemas.microsoft.com/office/powerpoint/2010/main" val="139375834"/>
       </p:ext>
     </p:extLst>
   </p:cSld>
@@ -12120,467 +12191,6 @@
 </file>
 
 <file path=ppt/slides/slide2.xml><?xml version="1.0" encoding="utf-8"?>
-<p:sld xmlns:a="http://schemas.openxmlformats.org/drawingml/2006/main" xmlns:r="http://schemas.openxmlformats.org/officeDocument/2006/relationships" xmlns:p="http://schemas.openxmlformats.org/presentationml/2006/main">
-  <p:cSld>
-    <p:spTree>
-      <p:nvGrpSpPr>
-        <p:cNvPr id="1" name=""/>
-        <p:cNvGrpSpPr/>
-        <p:nvPr/>
-      </p:nvGrpSpPr>
-      <p:grpSpPr>
-        <a:xfrm>
-          <a:off x="0" y="0"/>
-          <a:ext cx="0" cy="0"/>
-          <a:chOff x="0" y="0"/>
-          <a:chExt cx="0" cy="0"/>
-        </a:xfrm>
-      </p:grpSpPr>
-      <p:sp>
-        <p:nvSpPr>
-          <p:cNvPr id="4" name="Title 3"/>
-          <p:cNvSpPr>
-            <a:spLocks noGrp="1"/>
-          </p:cNvSpPr>
-          <p:nvPr>
-            <p:ph type="title"/>
-          </p:nvPr>
-        </p:nvSpPr>
-        <p:spPr>
-          <a:xfrm>
-            <a:off x="684213" y="685800"/>
-            <a:ext cx="10058400" cy="645695"/>
-          </a:xfrm>
-        </p:spPr>
-        <p:txBody>
-          <a:bodyPr>
-            <a:noAutofit/>
-          </a:bodyPr>
-          <a:lstStyle/>
-          <a:p>
-            <a:r>
-              <a:rPr lang="en-US" sz="6000" dirty="0" smtClean="0"/>
-              <a:t>Overview of problem </a:t>
-            </a:r>
-            <a:endParaRPr lang="en-US" sz="6000" dirty="0"/>
-          </a:p>
-        </p:txBody>
-      </p:sp>
-      <p:sp>
-        <p:nvSpPr>
-          <p:cNvPr id="7" name="TextBox 6"/>
-          <p:cNvSpPr txBox="1"/>
-          <p:nvPr/>
-        </p:nvSpPr>
-        <p:spPr>
-          <a:xfrm>
-            <a:off x="684213" y="2085473"/>
-            <a:ext cx="10930271" cy="4154984"/>
-          </a:xfrm>
-          <a:prstGeom prst="rect">
-            <a:avLst/>
-          </a:prstGeom>
-          <a:noFill/>
-        </p:spPr>
-        <p:txBody>
-          <a:bodyPr wrap="square" rtlCol="0">
-            <a:spAutoFit/>
-          </a:bodyPr>
-          <a:lstStyle/>
-          <a:p>
-            <a:pPr marL="342900" indent="-342900">
-              <a:buFont typeface="Arial" panose="020B0604020202020204" pitchFamily="34" charset="0"/>
-              <a:buChar char="•"/>
-            </a:pPr>
-            <a:r>
-              <a:rPr lang="en-US" sz="4400" dirty="0" smtClean="0"/>
-              <a:t>Making the home garden watering process more efficient</a:t>
-            </a:r>
-          </a:p>
-          <a:p>
-            <a:pPr marL="342900" indent="-342900">
-              <a:buFont typeface="Arial" panose="020B0604020202020204" pitchFamily="34" charset="0"/>
-              <a:buChar char="•"/>
-            </a:pPr>
-            <a:r>
-              <a:rPr lang="en-US" sz="4400" dirty="0" smtClean="0"/>
-              <a:t>Necessity to water house plants without being present</a:t>
-            </a:r>
-          </a:p>
-          <a:p>
-            <a:pPr marL="342900" indent="-342900">
-              <a:buFont typeface="Arial" panose="020B0604020202020204" pitchFamily="34" charset="0"/>
-              <a:buChar char="•"/>
-            </a:pPr>
-            <a:r>
-              <a:rPr lang="en-US" sz="4400" dirty="0" smtClean="0"/>
-              <a:t>Rethinking water usage</a:t>
-            </a:r>
-          </a:p>
-          <a:p>
-            <a:pPr marL="342900" indent="-342900">
-              <a:buFont typeface="Arial" panose="020B0604020202020204" pitchFamily="34" charset="0"/>
-              <a:buChar char="•"/>
-            </a:pPr>
-            <a:endParaRPr lang="en-US" sz="4400" dirty="0"/>
-          </a:p>
-        </p:txBody>
-      </p:sp>
-    </p:spTree>
-    <p:extLst>
-      <p:ext uri="{BB962C8B-B14F-4D97-AF65-F5344CB8AC3E}">
-        <p14:creationId xmlns:p14="http://schemas.microsoft.com/office/powerpoint/2010/main" val="1111726825"/>
-      </p:ext>
-    </p:extLst>
-  </p:cSld>
-  <p:clrMapOvr>
-    <a:masterClrMapping/>
-  </p:clrMapOvr>
-  <p:timing>
-    <p:tnLst>
-      <p:par>
-        <p:cTn id="1" dur="indefinite" restart="never" nodeType="tmRoot"/>
-      </p:par>
-    </p:tnLst>
-  </p:timing>
-</p:sld>
-</file>
-
-<file path=ppt/slides/slide3.xml><?xml version="1.0" encoding="utf-8"?>
-<p:sld xmlns:a="http://schemas.openxmlformats.org/drawingml/2006/main" xmlns:r="http://schemas.openxmlformats.org/officeDocument/2006/relationships" xmlns:p="http://schemas.openxmlformats.org/presentationml/2006/main">
-  <p:cSld>
-    <p:spTree>
-      <p:nvGrpSpPr>
-        <p:cNvPr id="1" name=""/>
-        <p:cNvGrpSpPr/>
-        <p:nvPr/>
-      </p:nvGrpSpPr>
-      <p:grpSpPr>
-        <a:xfrm>
-          <a:off x="0" y="0"/>
-          <a:ext cx="0" cy="0"/>
-          <a:chOff x="0" y="0"/>
-          <a:chExt cx="0" cy="0"/>
-        </a:xfrm>
-      </p:grpSpPr>
-      <p:sp>
-        <p:nvSpPr>
-          <p:cNvPr id="4" name="Title 3"/>
-          <p:cNvSpPr>
-            <a:spLocks noGrp="1"/>
-          </p:cNvSpPr>
-          <p:nvPr>
-            <p:ph type="title"/>
-          </p:nvPr>
-        </p:nvSpPr>
-        <p:spPr>
-          <a:xfrm>
-            <a:off x="684213" y="685800"/>
-            <a:ext cx="10058400" cy="645695"/>
-          </a:xfrm>
-        </p:spPr>
-        <p:txBody>
-          <a:bodyPr>
-            <a:noAutofit/>
-          </a:bodyPr>
-          <a:lstStyle/>
-          <a:p>
-            <a:r>
-              <a:rPr lang="en-US" sz="6000" dirty="0" smtClean="0"/>
-              <a:t>Solution</a:t>
-            </a:r>
-            <a:endParaRPr lang="en-US" sz="6000" dirty="0"/>
-          </a:p>
-        </p:txBody>
-      </p:sp>
-      <p:sp>
-        <p:nvSpPr>
-          <p:cNvPr id="7" name="TextBox 6"/>
-          <p:cNvSpPr txBox="1"/>
-          <p:nvPr/>
-        </p:nvSpPr>
-        <p:spPr>
-          <a:xfrm>
-            <a:off x="684213" y="2085473"/>
-            <a:ext cx="10930271" cy="4154984"/>
-          </a:xfrm>
-          <a:prstGeom prst="rect">
-            <a:avLst/>
-          </a:prstGeom>
-          <a:noFill/>
-        </p:spPr>
-        <p:txBody>
-          <a:bodyPr wrap="square" rtlCol="0">
-            <a:spAutoFit/>
-          </a:bodyPr>
-          <a:lstStyle/>
-          <a:p>
-            <a:pPr marL="342900" indent="-342900">
-              <a:buFont typeface="Arial" panose="020B0604020202020204" pitchFamily="34" charset="0"/>
-              <a:buChar char="•"/>
-            </a:pPr>
-            <a:r>
-              <a:rPr lang="en-US" sz="4400" dirty="0" smtClean="0"/>
-              <a:t>Self watering plant system</a:t>
-            </a:r>
-          </a:p>
-          <a:p>
-            <a:pPr marL="800100" lvl="1" indent="-342900">
-              <a:buFont typeface="Arial" panose="020B0604020202020204" pitchFamily="34" charset="0"/>
-              <a:buChar char="•"/>
-            </a:pPr>
-            <a:r>
-              <a:rPr lang="en-US" sz="4400" dirty="0" smtClean="0"/>
-              <a:t>Turns on at night</a:t>
-            </a:r>
-          </a:p>
-          <a:p>
-            <a:pPr marL="800100" lvl="1" indent="-342900">
-              <a:buFont typeface="Arial" panose="020B0604020202020204" pitchFamily="34" charset="0"/>
-              <a:buChar char="•"/>
-            </a:pPr>
-            <a:r>
-              <a:rPr lang="en-US" sz="4400" dirty="0" smtClean="0"/>
-              <a:t>Checks moisture level</a:t>
-            </a:r>
-          </a:p>
-          <a:p>
-            <a:pPr marL="800100" lvl="1" indent="-342900">
-              <a:buFont typeface="Arial" panose="020B0604020202020204" pitchFamily="34" charset="0"/>
-              <a:buChar char="•"/>
-            </a:pPr>
-            <a:r>
-              <a:rPr lang="en-US" sz="4400" dirty="0" smtClean="0"/>
-              <a:t>Waters appropriate amount</a:t>
-            </a:r>
-          </a:p>
-          <a:p>
-            <a:pPr marL="800100" lvl="1" indent="-342900">
-              <a:buFont typeface="Arial" panose="020B0604020202020204" pitchFamily="34" charset="0"/>
-              <a:buChar char="•"/>
-            </a:pPr>
-            <a:r>
-              <a:rPr lang="en-US" sz="4400" dirty="0" smtClean="0"/>
-              <a:t>Logs historical data for more accurate watering</a:t>
-            </a:r>
-          </a:p>
-        </p:txBody>
-      </p:sp>
-    </p:spTree>
-    <p:extLst>
-      <p:ext uri="{BB962C8B-B14F-4D97-AF65-F5344CB8AC3E}">
-        <p14:creationId xmlns:p14="http://schemas.microsoft.com/office/powerpoint/2010/main" val="446184131"/>
-      </p:ext>
-    </p:extLst>
-  </p:cSld>
-  <p:clrMapOvr>
-    <a:masterClrMapping/>
-  </p:clrMapOvr>
-  <p:timing>
-    <p:tnLst>
-      <p:par>
-        <p:cTn id="1" dur="indefinite" restart="never" nodeType="tmRoot"/>
-      </p:par>
-    </p:tnLst>
-  </p:timing>
-</p:sld>
-</file>
-
-<file path=ppt/slides/slide4.xml><?xml version="1.0" encoding="utf-8"?>
-<p:sld xmlns:a="http://schemas.openxmlformats.org/drawingml/2006/main" xmlns:r="http://schemas.openxmlformats.org/officeDocument/2006/relationships" xmlns:p="http://schemas.openxmlformats.org/presentationml/2006/main">
-  <p:cSld>
-    <p:spTree>
-      <p:nvGrpSpPr>
-        <p:cNvPr id="1" name=""/>
-        <p:cNvGrpSpPr/>
-        <p:nvPr/>
-      </p:nvGrpSpPr>
-      <p:grpSpPr>
-        <a:xfrm>
-          <a:off x="0" y="0"/>
-          <a:ext cx="0" cy="0"/>
-          <a:chOff x="0" y="0"/>
-          <a:chExt cx="0" cy="0"/>
-        </a:xfrm>
-      </p:grpSpPr>
-      <p:sp>
-        <p:nvSpPr>
-          <p:cNvPr id="4" name="Title 3"/>
-          <p:cNvSpPr>
-            <a:spLocks noGrp="1"/>
-          </p:cNvSpPr>
-          <p:nvPr>
-            <p:ph type="title"/>
-          </p:nvPr>
-        </p:nvSpPr>
-        <p:spPr>
-          <a:xfrm>
-            <a:off x="684213" y="685800"/>
-            <a:ext cx="10058400" cy="645695"/>
-          </a:xfrm>
-        </p:spPr>
-        <p:txBody>
-          <a:bodyPr>
-            <a:noAutofit/>
-          </a:bodyPr>
-          <a:lstStyle/>
-          <a:p>
-            <a:r>
-              <a:rPr lang="en-US" sz="6000" dirty="0" smtClean="0"/>
-              <a:t>Block Diagram level 0</a:t>
-            </a:r>
-            <a:endParaRPr lang="en-US" sz="6000" dirty="0"/>
-          </a:p>
-        </p:txBody>
-      </p:sp>
-      <p:pic>
-        <p:nvPicPr>
-          <p:cNvPr id="3" name="Picture 2"/>
-          <p:cNvPicPr>
-            <a:picLocks noChangeAspect="1"/>
-          </p:cNvPicPr>
-          <p:nvPr/>
-        </p:nvPicPr>
-        <p:blipFill>
-          <a:blip r:embed="rId2">
-            <a:extLst>
-              <a:ext uri="{28A0092B-C50C-407E-A947-70E740481C1C}">
-                <a14:useLocalDpi xmlns:a14="http://schemas.microsoft.com/office/drawing/2010/main" val="0"/>
-              </a:ext>
-            </a:extLst>
-          </a:blip>
-          <a:stretch>
-            <a:fillRect/>
-          </a:stretch>
-        </p:blipFill>
-        <p:spPr>
-          <a:xfrm>
-            <a:off x="1262650" y="2252497"/>
-            <a:ext cx="9783349" cy="3860203"/>
-          </a:xfrm>
-          <a:prstGeom prst="rect">
-            <a:avLst/>
-          </a:prstGeom>
-        </p:spPr>
-      </p:pic>
-    </p:spTree>
-    <p:extLst>
-      <p:ext uri="{BB962C8B-B14F-4D97-AF65-F5344CB8AC3E}">
-        <p14:creationId xmlns:p14="http://schemas.microsoft.com/office/powerpoint/2010/main" val="2481556077"/>
-      </p:ext>
-    </p:extLst>
-  </p:cSld>
-  <p:clrMapOvr>
-    <a:masterClrMapping/>
-  </p:clrMapOvr>
-  <p:timing>
-    <p:tnLst>
-      <p:par>
-        <p:cTn id="1" dur="indefinite" restart="never" nodeType="tmRoot"/>
-      </p:par>
-    </p:tnLst>
-  </p:timing>
-</p:sld>
-</file>
-
-<file path=ppt/slides/slide5.xml><?xml version="1.0" encoding="utf-8"?>
-<p:sld xmlns:a="http://schemas.openxmlformats.org/drawingml/2006/main" xmlns:r="http://schemas.openxmlformats.org/officeDocument/2006/relationships" xmlns:p="http://schemas.openxmlformats.org/presentationml/2006/main">
-  <p:cSld>
-    <p:spTree>
-      <p:nvGrpSpPr>
-        <p:cNvPr id="1" name=""/>
-        <p:cNvGrpSpPr/>
-        <p:nvPr/>
-      </p:nvGrpSpPr>
-      <p:grpSpPr>
-        <a:xfrm>
-          <a:off x="0" y="0"/>
-          <a:ext cx="0" cy="0"/>
-          <a:chOff x="0" y="0"/>
-          <a:chExt cx="0" cy="0"/>
-        </a:xfrm>
-      </p:grpSpPr>
-      <p:sp>
-        <p:nvSpPr>
-          <p:cNvPr id="4" name="Title 3"/>
-          <p:cNvSpPr>
-            <a:spLocks noGrp="1"/>
-          </p:cNvSpPr>
-          <p:nvPr>
-            <p:ph type="title"/>
-          </p:nvPr>
-        </p:nvSpPr>
-        <p:spPr>
-          <a:xfrm>
-            <a:off x="684213" y="685800"/>
-            <a:ext cx="10058400" cy="645695"/>
-          </a:xfrm>
-        </p:spPr>
-        <p:txBody>
-          <a:bodyPr>
-            <a:noAutofit/>
-          </a:bodyPr>
-          <a:lstStyle/>
-          <a:p>
-            <a:r>
-              <a:rPr lang="en-US" sz="6000" dirty="0" smtClean="0"/>
-              <a:t>Block diagram level 1</a:t>
-            </a:r>
-            <a:endParaRPr lang="en-US" sz="6000" dirty="0"/>
-          </a:p>
-        </p:txBody>
-      </p:sp>
-      <p:pic>
-        <p:nvPicPr>
-          <p:cNvPr id="2" name="Picture 1"/>
-          <p:cNvPicPr>
-            <a:picLocks noChangeAspect="1"/>
-          </p:cNvPicPr>
-          <p:nvPr/>
-        </p:nvPicPr>
-        <p:blipFill>
-          <a:blip r:embed="rId2">
-            <a:extLst>
-              <a:ext uri="{28A0092B-C50C-407E-A947-70E740481C1C}">
-                <a14:useLocalDpi xmlns:a14="http://schemas.microsoft.com/office/drawing/2010/main" val="0"/>
-              </a:ext>
-            </a:extLst>
-          </a:blip>
-          <a:stretch>
-            <a:fillRect/>
-          </a:stretch>
-        </p:blipFill>
-        <p:spPr>
-          <a:xfrm>
-            <a:off x="1113609" y="1694712"/>
-            <a:ext cx="9199608" cy="4882551"/>
-          </a:xfrm>
-          <a:prstGeom prst="rect">
-            <a:avLst/>
-          </a:prstGeom>
-        </p:spPr>
-      </p:pic>
-    </p:spTree>
-    <p:extLst>
-      <p:ext uri="{BB962C8B-B14F-4D97-AF65-F5344CB8AC3E}">
-        <p14:creationId xmlns:p14="http://schemas.microsoft.com/office/powerpoint/2010/main" val="2375352249"/>
-      </p:ext>
-    </p:extLst>
-  </p:cSld>
-  <p:clrMapOvr>
-    <a:masterClrMapping/>
-  </p:clrMapOvr>
-  <p:timing>
-    <p:tnLst>
-      <p:par>
-        <p:cTn id="1" dur="indefinite" restart="never" nodeType="tmRoot"/>
-      </p:par>
-    </p:tnLst>
-  </p:timing>
-</p:sld>
-</file>
-
-<file path=ppt/slides/slide6.xml><?xml version="1.0" encoding="utf-8"?>
 <p:sld xmlns:a="http://schemas.openxmlformats.org/drawingml/2006/main" xmlns:r="http://schemas.openxmlformats.org/officeDocument/2006/relationships" xmlns:p="http://schemas.openxmlformats.org/presentationml/2006/main">
   <p:cSld>
     <p:spTree>
@@ -12737,12 +12347,12 @@
                     <a:p>
                       <a:pPr algn="l" fontAlgn="b"/>
                       <a:r>
-                        <a:rPr lang="en-US" sz="2000" u="none" strike="noStrike">
+                        <a:rPr lang="en-US" sz="2000" u="none" strike="noStrike" dirty="0">
                           <a:effectLst/>
                         </a:rPr>
                         <a:t>Magnetic Gripper</a:t>
                       </a:r>
-                      <a:endParaRPr lang="en-US" sz="2000" b="1" i="0" u="none" strike="noStrike">
+                      <a:endParaRPr lang="en-US" sz="2000" b="1" i="0" u="none" strike="noStrike" dirty="0">
                         <a:solidFill>
                           <a:srgbClr val="000000"/>
                         </a:solidFill>
@@ -12882,12 +12492,12 @@
                     <a:p>
                       <a:pPr algn="ctr" fontAlgn="b"/>
                       <a:r>
-                        <a:rPr lang="en-US" sz="2000" u="none" strike="noStrike">
+                        <a:rPr lang="en-US" sz="2000" u="none" strike="noStrike" dirty="0">
                           <a:effectLst/>
                         </a:rPr>
                         <a:t>1</a:t>
                       </a:r>
-                      <a:endParaRPr lang="en-US" sz="2000" b="0" i="0" u="none" strike="noStrike">
+                      <a:endParaRPr lang="en-US" sz="2000" b="0" i="0" u="none" strike="noStrike" dirty="0">
                         <a:solidFill>
                           <a:srgbClr val="000000"/>
                         </a:solidFill>
@@ -13845,6 +13455,522 @@
     <p:extLst>
       <p:ext uri="{BB962C8B-B14F-4D97-AF65-F5344CB8AC3E}">
         <p14:creationId xmlns:p14="http://schemas.microsoft.com/office/powerpoint/2010/main" val="382832918"/>
+      </p:ext>
+    </p:extLst>
+  </p:cSld>
+  <p:clrMapOvr>
+    <a:masterClrMapping/>
+  </p:clrMapOvr>
+  <p:timing>
+    <p:tnLst>
+      <p:par>
+        <p:cTn id="1" dur="indefinite" restart="never" nodeType="tmRoot"/>
+      </p:par>
+    </p:tnLst>
+  </p:timing>
+</p:sld>
+</file>
+
+<file path=ppt/slides/slide3.xml><?xml version="1.0" encoding="utf-8"?>
+<p:sld xmlns:a="http://schemas.openxmlformats.org/drawingml/2006/main" xmlns:r="http://schemas.openxmlformats.org/officeDocument/2006/relationships" xmlns:p="http://schemas.openxmlformats.org/presentationml/2006/main">
+  <p:cSld>
+    <p:spTree>
+      <p:nvGrpSpPr>
+        <p:cNvPr id="1" name=""/>
+        <p:cNvGrpSpPr/>
+        <p:nvPr/>
+      </p:nvGrpSpPr>
+      <p:grpSpPr>
+        <a:xfrm>
+          <a:off x="0" y="0"/>
+          <a:ext cx="0" cy="0"/>
+          <a:chOff x="0" y="0"/>
+          <a:chExt cx="0" cy="0"/>
+        </a:xfrm>
+      </p:grpSpPr>
+      <p:sp>
+        <p:nvSpPr>
+          <p:cNvPr id="4" name="Title 3"/>
+          <p:cNvSpPr>
+            <a:spLocks noGrp="1"/>
+          </p:cNvSpPr>
+          <p:nvPr>
+            <p:ph type="title"/>
+          </p:nvPr>
+        </p:nvSpPr>
+        <p:spPr>
+          <a:xfrm>
+            <a:off x="684213" y="685800"/>
+            <a:ext cx="10058400" cy="645695"/>
+          </a:xfrm>
+        </p:spPr>
+        <p:txBody>
+          <a:bodyPr>
+            <a:noAutofit/>
+          </a:bodyPr>
+          <a:lstStyle/>
+          <a:p>
+            <a:r>
+              <a:rPr lang="en-US" sz="6000" dirty="0" smtClean="0"/>
+              <a:t>Overview of problem </a:t>
+            </a:r>
+            <a:endParaRPr lang="en-US" sz="6000" dirty="0"/>
+          </a:p>
+        </p:txBody>
+      </p:sp>
+      <p:sp>
+        <p:nvSpPr>
+          <p:cNvPr id="7" name="TextBox 6"/>
+          <p:cNvSpPr txBox="1"/>
+          <p:nvPr/>
+        </p:nvSpPr>
+        <p:spPr>
+          <a:xfrm>
+            <a:off x="684213" y="2085473"/>
+            <a:ext cx="10930271" cy="4154984"/>
+          </a:xfrm>
+          <a:prstGeom prst="rect">
+            <a:avLst/>
+          </a:prstGeom>
+          <a:noFill/>
+        </p:spPr>
+        <p:txBody>
+          <a:bodyPr wrap="square" rtlCol="0">
+            <a:spAutoFit/>
+          </a:bodyPr>
+          <a:lstStyle/>
+          <a:p>
+            <a:pPr marL="342900" indent="-342900">
+              <a:buFont typeface="Arial" panose="020B0604020202020204" pitchFamily="34" charset="0"/>
+              <a:buChar char="•"/>
+            </a:pPr>
+            <a:r>
+              <a:rPr lang="en-US" sz="4400" dirty="0" smtClean="0"/>
+              <a:t>Making the home garden watering process more efficient</a:t>
+            </a:r>
+          </a:p>
+          <a:p>
+            <a:pPr marL="342900" indent="-342900">
+              <a:buFont typeface="Arial" panose="020B0604020202020204" pitchFamily="34" charset="0"/>
+              <a:buChar char="•"/>
+            </a:pPr>
+            <a:r>
+              <a:rPr lang="en-US" sz="4400" dirty="0" smtClean="0"/>
+              <a:t>Necessity to water house plants without being present</a:t>
+            </a:r>
+          </a:p>
+          <a:p>
+            <a:pPr marL="342900" indent="-342900">
+              <a:buFont typeface="Arial" panose="020B0604020202020204" pitchFamily="34" charset="0"/>
+              <a:buChar char="•"/>
+            </a:pPr>
+            <a:r>
+              <a:rPr lang="en-US" sz="4400" dirty="0" smtClean="0"/>
+              <a:t>Rethinking water usage</a:t>
+            </a:r>
+          </a:p>
+          <a:p>
+            <a:pPr marL="342900" indent="-342900">
+              <a:buFont typeface="Arial" panose="020B0604020202020204" pitchFamily="34" charset="0"/>
+              <a:buChar char="•"/>
+            </a:pPr>
+            <a:endParaRPr lang="en-US" sz="4400" dirty="0"/>
+          </a:p>
+        </p:txBody>
+      </p:sp>
+    </p:spTree>
+    <p:extLst>
+      <p:ext uri="{BB962C8B-B14F-4D97-AF65-F5344CB8AC3E}">
+        <p14:creationId xmlns:p14="http://schemas.microsoft.com/office/powerpoint/2010/main" val="1111726825"/>
+      </p:ext>
+    </p:extLst>
+  </p:cSld>
+  <p:clrMapOvr>
+    <a:masterClrMapping/>
+  </p:clrMapOvr>
+  <p:timing>
+    <p:tnLst>
+      <p:par>
+        <p:cTn id="1" dur="indefinite" restart="never" nodeType="tmRoot"/>
+      </p:par>
+    </p:tnLst>
+  </p:timing>
+</p:sld>
+</file>
+
+<file path=ppt/slides/slide4.xml><?xml version="1.0" encoding="utf-8"?>
+<p:sld xmlns:a="http://schemas.openxmlformats.org/drawingml/2006/main" xmlns:r="http://schemas.openxmlformats.org/officeDocument/2006/relationships" xmlns:p="http://schemas.openxmlformats.org/presentationml/2006/main">
+  <p:cSld>
+    <p:spTree>
+      <p:nvGrpSpPr>
+        <p:cNvPr id="1" name=""/>
+        <p:cNvGrpSpPr/>
+        <p:nvPr/>
+      </p:nvGrpSpPr>
+      <p:grpSpPr>
+        <a:xfrm>
+          <a:off x="0" y="0"/>
+          <a:ext cx="0" cy="0"/>
+          <a:chOff x="0" y="0"/>
+          <a:chExt cx="0" cy="0"/>
+        </a:xfrm>
+      </p:grpSpPr>
+      <p:sp>
+        <p:nvSpPr>
+          <p:cNvPr id="4" name="Title 3"/>
+          <p:cNvSpPr>
+            <a:spLocks noGrp="1"/>
+          </p:cNvSpPr>
+          <p:nvPr>
+            <p:ph type="title"/>
+          </p:nvPr>
+        </p:nvSpPr>
+        <p:spPr>
+          <a:xfrm>
+            <a:off x="684213" y="685800"/>
+            <a:ext cx="10058400" cy="645695"/>
+          </a:xfrm>
+        </p:spPr>
+        <p:txBody>
+          <a:bodyPr>
+            <a:noAutofit/>
+          </a:bodyPr>
+          <a:lstStyle/>
+          <a:p>
+            <a:r>
+              <a:rPr lang="en-US" sz="6000" dirty="0" smtClean="0"/>
+              <a:t>Solution</a:t>
+            </a:r>
+            <a:endParaRPr lang="en-US" sz="6000" dirty="0"/>
+          </a:p>
+        </p:txBody>
+      </p:sp>
+      <p:sp>
+        <p:nvSpPr>
+          <p:cNvPr id="7" name="TextBox 6"/>
+          <p:cNvSpPr txBox="1"/>
+          <p:nvPr/>
+        </p:nvSpPr>
+        <p:spPr>
+          <a:xfrm>
+            <a:off x="684213" y="2085473"/>
+            <a:ext cx="10930271" cy="3170099"/>
+          </a:xfrm>
+          <a:prstGeom prst="rect">
+            <a:avLst/>
+          </a:prstGeom>
+          <a:noFill/>
+        </p:spPr>
+        <p:txBody>
+          <a:bodyPr wrap="square" rtlCol="0">
+            <a:spAutoFit/>
+          </a:bodyPr>
+          <a:lstStyle/>
+          <a:p>
+            <a:pPr marL="342900" indent="-342900">
+              <a:buFont typeface="Arial" panose="020B0604020202020204" pitchFamily="34" charset="0"/>
+              <a:buChar char="•"/>
+            </a:pPr>
+            <a:r>
+              <a:rPr lang="en-US" sz="4000" dirty="0" smtClean="0"/>
+              <a:t>Self watering plant </a:t>
+            </a:r>
+            <a:r>
+              <a:rPr lang="en-US" sz="4000" dirty="0" smtClean="0"/>
+              <a:t>system</a:t>
+            </a:r>
+          </a:p>
+          <a:p>
+            <a:pPr marL="800100" lvl="1" indent="-342900">
+              <a:buFont typeface="Arial" panose="020B0604020202020204" pitchFamily="34" charset="0"/>
+              <a:buChar char="•"/>
+            </a:pPr>
+            <a:r>
+              <a:rPr lang="en-US" sz="4000" dirty="0" smtClean="0"/>
+              <a:t>Periodically checks moisture level</a:t>
+            </a:r>
+            <a:endParaRPr lang="en-US" sz="4000" dirty="0" smtClean="0"/>
+          </a:p>
+          <a:p>
+            <a:pPr marL="800100" lvl="1" indent="-342900">
+              <a:buFont typeface="Arial" panose="020B0604020202020204" pitchFamily="34" charset="0"/>
+              <a:buChar char="•"/>
+            </a:pPr>
+            <a:r>
+              <a:rPr lang="en-US" sz="4000" dirty="0" smtClean="0"/>
+              <a:t>Turns </a:t>
+            </a:r>
+            <a:r>
+              <a:rPr lang="en-US" sz="4000" dirty="0" smtClean="0"/>
+              <a:t>on when moisture level out of bounds</a:t>
+            </a:r>
+            <a:endParaRPr lang="en-US" sz="4000" dirty="0" smtClean="0"/>
+          </a:p>
+          <a:p>
+            <a:pPr marL="800100" lvl="1" indent="-342900">
+              <a:buFont typeface="Arial" panose="020B0604020202020204" pitchFamily="34" charset="0"/>
+              <a:buChar char="•"/>
+            </a:pPr>
+            <a:r>
+              <a:rPr lang="en-US" sz="4000" dirty="0" smtClean="0"/>
+              <a:t>Waters </a:t>
+            </a:r>
+            <a:r>
+              <a:rPr lang="en-US" sz="4000" dirty="0" smtClean="0"/>
+              <a:t>appropriate </a:t>
+            </a:r>
+            <a:r>
+              <a:rPr lang="en-US" sz="4000" dirty="0" smtClean="0"/>
+              <a:t>amount</a:t>
+            </a:r>
+            <a:endParaRPr lang="en-US" sz="4000" dirty="0" smtClean="0"/>
+          </a:p>
+        </p:txBody>
+      </p:sp>
+    </p:spTree>
+    <p:extLst>
+      <p:ext uri="{BB962C8B-B14F-4D97-AF65-F5344CB8AC3E}">
+        <p14:creationId xmlns:p14="http://schemas.microsoft.com/office/powerpoint/2010/main" val="446184131"/>
+      </p:ext>
+    </p:extLst>
+  </p:cSld>
+  <p:clrMapOvr>
+    <a:masterClrMapping/>
+  </p:clrMapOvr>
+  <p:timing>
+    <p:tnLst>
+      <p:par>
+        <p:cTn id="1" dur="indefinite" restart="never" nodeType="tmRoot"/>
+      </p:par>
+    </p:tnLst>
+  </p:timing>
+</p:sld>
+</file>
+
+<file path=ppt/slides/slide5.xml><?xml version="1.0" encoding="utf-8"?>
+<p:sld xmlns:a="http://schemas.openxmlformats.org/drawingml/2006/main" xmlns:r="http://schemas.openxmlformats.org/officeDocument/2006/relationships" xmlns:p="http://schemas.openxmlformats.org/presentationml/2006/main">
+  <p:cSld>
+    <p:spTree>
+      <p:nvGrpSpPr>
+        <p:cNvPr id="1" name=""/>
+        <p:cNvGrpSpPr/>
+        <p:nvPr/>
+      </p:nvGrpSpPr>
+      <p:grpSpPr>
+        <a:xfrm>
+          <a:off x="0" y="0"/>
+          <a:ext cx="0" cy="0"/>
+          <a:chOff x="0" y="0"/>
+          <a:chExt cx="0" cy="0"/>
+        </a:xfrm>
+      </p:grpSpPr>
+      <p:sp>
+        <p:nvSpPr>
+          <p:cNvPr id="4" name="Title 3"/>
+          <p:cNvSpPr>
+            <a:spLocks noGrp="1"/>
+          </p:cNvSpPr>
+          <p:nvPr>
+            <p:ph type="title"/>
+          </p:nvPr>
+        </p:nvSpPr>
+        <p:spPr>
+          <a:xfrm>
+            <a:off x="684213" y="685800"/>
+            <a:ext cx="10058400" cy="645695"/>
+          </a:xfrm>
+        </p:spPr>
+        <p:txBody>
+          <a:bodyPr>
+            <a:noAutofit/>
+          </a:bodyPr>
+          <a:lstStyle/>
+          <a:p>
+            <a:r>
+              <a:rPr lang="en-US" sz="6000" dirty="0" smtClean="0"/>
+              <a:t>Block Diagram level 0</a:t>
+            </a:r>
+            <a:endParaRPr lang="en-US" sz="6000" dirty="0"/>
+          </a:p>
+        </p:txBody>
+      </p:sp>
+      <p:pic>
+        <p:nvPicPr>
+          <p:cNvPr id="3" name="Picture 2"/>
+          <p:cNvPicPr>
+            <a:picLocks noChangeAspect="1"/>
+          </p:cNvPicPr>
+          <p:nvPr/>
+        </p:nvPicPr>
+        <p:blipFill>
+          <a:blip r:embed="rId2">
+            <a:extLst>
+              <a:ext uri="{28A0092B-C50C-407E-A947-70E740481C1C}">
+                <a14:useLocalDpi xmlns:a14="http://schemas.microsoft.com/office/drawing/2010/main" val="0"/>
+              </a:ext>
+            </a:extLst>
+          </a:blip>
+          <a:stretch>
+            <a:fillRect/>
+          </a:stretch>
+        </p:blipFill>
+        <p:spPr>
+          <a:xfrm>
+            <a:off x="1262650" y="2252497"/>
+            <a:ext cx="9783349" cy="3860203"/>
+          </a:xfrm>
+          <a:prstGeom prst="rect">
+            <a:avLst/>
+          </a:prstGeom>
+        </p:spPr>
+      </p:pic>
+      <p:sp>
+        <p:nvSpPr>
+          <p:cNvPr id="2" name="TextBox 1"/>
+          <p:cNvSpPr txBox="1"/>
+          <p:nvPr/>
+        </p:nvSpPr>
+        <p:spPr>
+          <a:xfrm>
+            <a:off x="1737361" y="4763191"/>
+            <a:ext cx="872836" cy="369332"/>
+          </a:xfrm>
+          <a:prstGeom prst="rect">
+            <a:avLst/>
+          </a:prstGeom>
+          <a:solidFill>
+            <a:schemeClr val="tx1"/>
+          </a:solidFill>
+        </p:spPr>
+        <p:txBody>
+          <a:bodyPr wrap="square" rtlCol="0">
+            <a:spAutoFit/>
+          </a:bodyPr>
+          <a:lstStyle/>
+          <a:p>
+            <a:r>
+              <a:rPr lang="en-US" b="1" dirty="0" smtClean="0">
+                <a:solidFill>
+                  <a:schemeClr val="bg1">
+                    <a:lumMod val="95000"/>
+                    <a:lumOff val="5000"/>
+                  </a:schemeClr>
+                </a:solidFill>
+              </a:rPr>
+              <a:t>V DC</a:t>
+            </a:r>
+            <a:endParaRPr lang="en-US" b="1" dirty="0">
+              <a:solidFill>
+                <a:schemeClr val="bg1">
+                  <a:lumMod val="95000"/>
+                  <a:lumOff val="5000"/>
+                </a:schemeClr>
+              </a:solidFill>
+            </a:endParaRPr>
+          </a:p>
+        </p:txBody>
+      </p:sp>
+    </p:spTree>
+    <p:extLst>
+      <p:ext uri="{BB962C8B-B14F-4D97-AF65-F5344CB8AC3E}">
+        <p14:creationId xmlns:p14="http://schemas.microsoft.com/office/powerpoint/2010/main" val="2481556077"/>
+      </p:ext>
+    </p:extLst>
+  </p:cSld>
+  <p:clrMapOvr>
+    <a:masterClrMapping/>
+  </p:clrMapOvr>
+  <p:timing>
+    <p:tnLst>
+      <p:par>
+        <p:cTn id="1" dur="indefinite" restart="never" nodeType="tmRoot"/>
+      </p:par>
+    </p:tnLst>
+  </p:timing>
+</p:sld>
+</file>
+
+<file path=ppt/slides/slide6.xml><?xml version="1.0" encoding="utf-8"?>
+<p:sld xmlns:a="http://schemas.openxmlformats.org/drawingml/2006/main" xmlns:r="http://schemas.openxmlformats.org/officeDocument/2006/relationships" xmlns:p="http://schemas.openxmlformats.org/presentationml/2006/main">
+  <p:cSld>
+    <p:spTree>
+      <p:nvGrpSpPr>
+        <p:cNvPr id="1" name=""/>
+        <p:cNvGrpSpPr/>
+        <p:nvPr/>
+      </p:nvGrpSpPr>
+      <p:grpSpPr>
+        <a:xfrm>
+          <a:off x="0" y="0"/>
+          <a:ext cx="0" cy="0"/>
+          <a:chOff x="0" y="0"/>
+          <a:chExt cx="0" cy="0"/>
+        </a:xfrm>
+      </p:grpSpPr>
+      <p:sp>
+        <p:nvSpPr>
+          <p:cNvPr id="4" name="Title 3"/>
+          <p:cNvSpPr>
+            <a:spLocks noGrp="1"/>
+          </p:cNvSpPr>
+          <p:nvPr>
+            <p:ph type="title"/>
+          </p:nvPr>
+        </p:nvSpPr>
+        <p:spPr>
+          <a:xfrm>
+            <a:off x="684213" y="685800"/>
+            <a:ext cx="10058400" cy="645695"/>
+          </a:xfrm>
+        </p:spPr>
+        <p:txBody>
+          <a:bodyPr>
+            <a:noAutofit/>
+          </a:bodyPr>
+          <a:lstStyle/>
+          <a:p>
+            <a:r>
+              <a:rPr lang="en-US" sz="6000" dirty="0" smtClean="0"/>
+              <a:t>Block diagram level 1</a:t>
+            </a:r>
+            <a:endParaRPr lang="en-US" sz="6000" dirty="0"/>
+          </a:p>
+        </p:txBody>
+      </p:sp>
+      <p:pic>
+        <p:nvPicPr>
+          <p:cNvPr id="3" name="Picture 2"/>
+          <p:cNvPicPr>
+            <a:picLocks noChangeAspect="1"/>
+          </p:cNvPicPr>
+          <p:nvPr/>
+        </p:nvPicPr>
+        <p:blipFill>
+          <a:blip r:embed="rId2">
+            <a:extLst>
+              <a:ext uri="{28A0092B-C50C-407E-A947-70E740481C1C}">
+                <a14:useLocalDpi xmlns:a14="http://schemas.microsoft.com/office/drawing/2010/main" val="0"/>
+              </a:ext>
+            </a:extLst>
+          </a:blip>
+          <a:stretch>
+            <a:fillRect/>
+          </a:stretch>
+        </p:blipFill>
+        <p:spPr>
+          <a:xfrm>
+            <a:off x="2298223" y="1733404"/>
+            <a:ext cx="7317515" cy="3561803"/>
+          </a:xfrm>
+          <a:prstGeom prst="rect">
+            <a:avLst/>
+          </a:prstGeom>
+        </p:spPr>
+      </p:pic>
+    </p:spTree>
+    <p:extLst>
+      <p:ext uri="{BB962C8B-B14F-4D97-AF65-F5344CB8AC3E}">
+        <p14:creationId xmlns:p14="http://schemas.microsoft.com/office/powerpoint/2010/main" val="2375352249"/>
       </p:ext>
     </p:extLst>
   </p:cSld>
@@ -14114,23 +14240,39 @@
             </a:r>
           </a:p>
           <a:p>
-            <a:pPr marL="1943100" lvl="3" indent="-571500">
-              <a:buFont typeface="Arial" panose="020B0604020202020204" pitchFamily="34" charset="0"/>
-              <a:buChar char="•"/>
-            </a:pPr>
-            <a:r>
-              <a:rPr lang="en-US" sz="2800" dirty="0" smtClean="0"/>
-              <a:t>Time specified by potentiometer (between 5 and 30 seconds)</a:t>
-            </a:r>
-          </a:p>
-          <a:p>
             <a:pPr marL="1028700" lvl="1" indent="-571500">
               <a:buFont typeface="Arial" panose="020B0604020202020204" pitchFamily="34" charset="0"/>
               <a:buChar char="•"/>
             </a:pPr>
             <a:r>
+              <a:rPr lang="en-US" sz="2800" dirty="0" err="1" smtClean="0"/>
+              <a:t>VerificTime</a:t>
+            </a:r>
+            <a:r>
               <a:rPr lang="en-US" sz="2800" dirty="0" smtClean="0"/>
-              <a:t>Verification of hardware via </a:t>
+              <a:t> </a:t>
+            </a:r>
+            <a:r>
+              <a:rPr lang="en-US" sz="2800" dirty="0"/>
+              <a:t>specified by potentiometer (between 5 and 30 seconds)</a:t>
+            </a:r>
+          </a:p>
+          <a:p>
+            <a:pPr marL="1028700" lvl="1" indent="-571500">
+              <a:buFont typeface="Arial" panose="020B0604020202020204" pitchFamily="34" charset="0"/>
+              <a:buChar char="•"/>
+            </a:pPr>
+            <a:r>
+              <a:rPr lang="en-US" sz="2800" dirty="0" err="1" smtClean="0"/>
+              <a:t>ation</a:t>
+            </a:r>
+            <a:r>
+              <a:rPr lang="en-US" sz="2800" dirty="0" smtClean="0"/>
+              <a:t> </a:t>
+            </a:r>
+            <a:r>
+              <a:rPr lang="en-US" sz="2800" dirty="0" smtClean="0"/>
+              <a:t>of hardware via </a:t>
             </a:r>
             <a:r>
               <a:rPr lang="en-US" sz="2800" dirty="0" err="1" smtClean="0"/>

--- a/documents/presentation.pptx
+++ b/documents/presentation.pptx
@@ -18,8 +18,9 @@
     <p:sldId id="268" r:id="rId12"/>
     <p:sldId id="270" r:id="rId13"/>
     <p:sldId id="271" r:id="rId14"/>
-    <p:sldId id="272" r:id="rId15"/>
-    <p:sldId id="266" r:id="rId16"/>
+    <p:sldId id="273" r:id="rId15"/>
+    <p:sldId id="272" r:id="rId16"/>
+    <p:sldId id="266" r:id="rId17"/>
   </p:sldIdLst>
   <p:sldSz cx="12192000" cy="6858000"/>
   <p:notesSz cx="6858000" cy="9144000"/>
@@ -11855,6 +11856,181 @@
       </p:grpSpPr>
       <p:sp>
         <p:nvSpPr>
+          <p:cNvPr id="3" name="Rectangle 2"/>
+          <p:cNvSpPr/>
+          <p:nvPr/>
+        </p:nvSpPr>
+        <p:spPr>
+          <a:xfrm>
+            <a:off x="473825" y="1778924"/>
+            <a:ext cx="11629506" cy="3399905"/>
+          </a:xfrm>
+          <a:prstGeom prst="rect">
+            <a:avLst/>
+          </a:prstGeom>
+          <a:solidFill>
+            <a:schemeClr val="tx1"/>
+          </a:solidFill>
+        </p:spPr>
+        <p:style>
+          <a:lnRef idx="2">
+            <a:schemeClr val="accent1">
+              <a:shade val="50000"/>
+            </a:schemeClr>
+          </a:lnRef>
+          <a:fillRef idx="1">
+            <a:schemeClr val="accent1"/>
+          </a:fillRef>
+          <a:effectRef idx="0">
+            <a:schemeClr val="accent1"/>
+          </a:effectRef>
+          <a:fontRef idx="minor">
+            <a:schemeClr val="lt1"/>
+          </a:fontRef>
+        </p:style>
+        <p:txBody>
+          <a:bodyPr rtlCol="0" anchor="ctr"/>
+          <a:lstStyle/>
+          <a:p>
+            <a:pPr algn="ctr"/>
+            <a:endParaRPr lang="en-US"/>
+          </a:p>
+        </p:txBody>
+      </p:sp>
+      <p:sp>
+        <p:nvSpPr>
+          <p:cNvPr id="4" name="Title 3"/>
+          <p:cNvSpPr>
+            <a:spLocks noGrp="1"/>
+          </p:cNvSpPr>
+          <p:nvPr>
+            <p:ph type="title"/>
+          </p:nvPr>
+        </p:nvSpPr>
+        <p:spPr>
+          <a:xfrm>
+            <a:off x="684213" y="685800"/>
+            <a:ext cx="10058400" cy="645695"/>
+          </a:xfrm>
+        </p:spPr>
+        <p:txBody>
+          <a:bodyPr>
+            <a:noAutofit/>
+          </a:bodyPr>
+          <a:lstStyle/>
+          <a:p>
+            <a:r>
+              <a:rPr lang="en-US" sz="6000" dirty="0" smtClean="0"/>
+              <a:t>Finalized </a:t>
+            </a:r>
+            <a:r>
+              <a:rPr lang="en-US" sz="6000" dirty="0" err="1" smtClean="0"/>
+              <a:t>gantt</a:t>
+            </a:r>
+            <a:r>
+              <a:rPr lang="en-US" sz="6000" dirty="0" smtClean="0"/>
+              <a:t> chart</a:t>
+            </a:r>
+            <a:endParaRPr lang="en-US" sz="6000" dirty="0"/>
+          </a:p>
+        </p:txBody>
+      </p:sp>
+      <p:graphicFrame>
+        <p:nvGraphicFramePr>
+          <p:cNvPr id="2" name="Object 1"/>
+          <p:cNvGraphicFramePr>
+            <a:graphicFrameLocks noChangeAspect="1"/>
+          </p:cNvGraphicFramePr>
+          <p:nvPr>
+            <p:extLst>
+              <p:ext uri="{D42A27DB-BD31-4B8C-83A1-F6EECF244321}">
+                <p14:modId xmlns:p14="http://schemas.microsoft.com/office/powerpoint/2010/main" val="121927459"/>
+              </p:ext>
+            </p:extLst>
+          </p:nvPr>
+        </p:nvGraphicFramePr>
+        <p:xfrm>
+          <a:off x="534804" y="1936865"/>
+          <a:ext cx="11302283" cy="2909455"/>
+        </p:xfrm>
+        <a:graphic>
+          <a:graphicData uri="http://schemas.openxmlformats.org/presentationml/2006/ole">
+            <mc:AlternateContent xmlns:mc="http://schemas.openxmlformats.org/markup-compatibility/2006">
+              <mc:Choice xmlns:v="urn:schemas-microsoft-com:vml" Requires="v">
+                <p:oleObj spid="_x0000_s1029" name="Worksheet" r:id="rId3" imgW="18459383" imgH="4752882" progId="Excel.Sheet.12">
+                  <p:embed/>
+                </p:oleObj>
+              </mc:Choice>
+              <mc:Fallback>
+                <p:oleObj name="Worksheet" r:id="rId3" imgW="18459383" imgH="4752882" progId="Excel.Sheet.12">
+                  <p:embed/>
+                  <p:pic>
+                    <p:nvPicPr>
+                      <p:cNvPr id="0" name=""/>
+                      <p:cNvPicPr/>
+                      <p:nvPr/>
+                    </p:nvPicPr>
+                    <p:blipFill>
+                      <a:blip r:embed="rId4"/>
+                      <a:stretch>
+                        <a:fillRect/>
+                      </a:stretch>
+                    </p:blipFill>
+                    <p:spPr>
+                      <a:xfrm>
+                        <a:off x="534804" y="1936865"/>
+                        <a:ext cx="11302283" cy="2909455"/>
+                      </a:xfrm>
+                      <a:prstGeom prst="rect">
+                        <a:avLst/>
+                      </a:prstGeom>
+                    </p:spPr>
+                  </p:pic>
+                </p:oleObj>
+              </mc:Fallback>
+            </mc:AlternateContent>
+          </a:graphicData>
+        </a:graphic>
+      </p:graphicFrame>
+    </p:spTree>
+    <p:extLst>
+      <p:ext uri="{BB962C8B-B14F-4D97-AF65-F5344CB8AC3E}">
+        <p14:creationId xmlns:p14="http://schemas.microsoft.com/office/powerpoint/2010/main" val="3505502397"/>
+      </p:ext>
+    </p:extLst>
+  </p:cSld>
+  <p:clrMapOvr>
+    <a:masterClrMapping/>
+  </p:clrMapOvr>
+  <p:timing>
+    <p:tnLst>
+      <p:par>
+        <p:cTn id="1" dur="indefinite" restart="never" nodeType="tmRoot"/>
+      </p:par>
+    </p:tnLst>
+  </p:timing>
+</p:sld>
+</file>
+
+<file path=ppt/slides/slide15.xml><?xml version="1.0" encoding="utf-8"?>
+<p:sld xmlns:a="http://schemas.openxmlformats.org/drawingml/2006/main" xmlns:r="http://schemas.openxmlformats.org/officeDocument/2006/relationships" xmlns:p="http://schemas.openxmlformats.org/presentationml/2006/main">
+  <p:cSld>
+    <p:spTree>
+      <p:nvGrpSpPr>
+        <p:cNvPr id="1" name=""/>
+        <p:cNvGrpSpPr/>
+        <p:nvPr/>
+      </p:nvGrpSpPr>
+      <p:grpSpPr>
+        <a:xfrm>
+          <a:off x="0" y="0"/>
+          <a:ext cx="0" cy="0"/>
+          <a:chOff x="0" y="0"/>
+          <a:chExt cx="0" cy="0"/>
+        </a:xfrm>
+      </p:grpSpPr>
+      <p:sp>
+        <p:nvSpPr>
           <p:cNvPr id="4" name="Title 3"/>
           <p:cNvSpPr>
             <a:spLocks noGrp="1"/>
@@ -11877,11 +12053,7 @@
           <a:p>
             <a:r>
               <a:rPr lang="en-US" sz="5600" dirty="0" smtClean="0"/>
-              <a:t>Lessons </a:t>
-            </a:r>
-            <a:r>
-              <a:rPr lang="en-US" sz="5600" dirty="0" smtClean="0"/>
-              <a:t>learned</a:t>
+              <a:t>Lessons learned</a:t>
             </a:r>
             <a:endParaRPr lang="en-US" sz="5600" dirty="0"/>
           </a:p>
@@ -11925,11 +12097,7 @@
             </a:pPr>
             <a:r>
               <a:rPr lang="en-US" sz="3200" dirty="0" smtClean="0"/>
-              <a:t>Be careful with discount power </a:t>
-            </a:r>
-            <a:r>
-              <a:rPr lang="en-US" sz="3200" dirty="0" smtClean="0"/>
-              <a:t>supplies</a:t>
+              <a:t>Be careful with discount power supplies</a:t>
             </a:r>
           </a:p>
           <a:p>
@@ -11961,7 +12129,6 @@
               <a:rPr lang="en-US" sz="3200" dirty="0" smtClean="0"/>
               <a:t>Can have greater spacing between traces (it’s okay)</a:t>
             </a:r>
-            <a:endParaRPr lang="en-US" sz="3200" dirty="0" smtClean="0"/>
           </a:p>
           <a:p>
             <a:pPr marL="342900" indent="-342900">
@@ -12046,7 +12213,7 @@
 </p:sld>
 </file>
 
-<file path=ppt/slides/slide15.xml><?xml version="1.0" encoding="utf-8"?>
+<file path=ppt/slides/slide16.xml><?xml version="1.0" encoding="utf-8"?>
 <p:sld xmlns:a="http://schemas.openxmlformats.org/drawingml/2006/main" xmlns:r="http://schemas.openxmlformats.org/officeDocument/2006/relationships" xmlns:p="http://schemas.openxmlformats.org/presentationml/2006/main">
   <p:cSld>
     <p:spTree>
@@ -13673,11 +13840,7 @@
             </a:pPr>
             <a:r>
               <a:rPr lang="en-US" sz="4000" dirty="0" smtClean="0"/>
-              <a:t>Self watering plant </a:t>
-            </a:r>
-            <a:r>
-              <a:rPr lang="en-US" sz="4000" dirty="0" smtClean="0"/>
-              <a:t>system</a:t>
+              <a:t>Self watering plant system</a:t>
             </a:r>
           </a:p>
           <a:p>
@@ -13689,7 +13852,6 @@
               <a:rPr lang="en-US" sz="4000" dirty="0" smtClean="0"/>
               <a:t>Periodically checks moisture level</a:t>
             </a:r>
-            <a:endParaRPr lang="en-US" sz="4000" dirty="0" smtClean="0"/>
           </a:p>
           <a:p>
             <a:pPr marL="800100" lvl="1" indent="-342900">
@@ -13698,13 +13860,8 @@
             </a:pPr>
             <a:r>
               <a:rPr lang="en-US" sz="4000" dirty="0" smtClean="0"/>
-              <a:t>Turns </a:t>
-            </a:r>
-            <a:r>
-              <a:rPr lang="en-US" sz="4000" dirty="0" smtClean="0"/>
-              <a:t>on when moisture level out of bounds</a:t>
-            </a:r>
-            <a:endParaRPr lang="en-US" sz="4000" dirty="0" smtClean="0"/>
+              <a:t>Turns on when moisture level out of bounds</a:t>
+            </a:r>
           </a:p>
           <a:p>
             <a:pPr marL="800100" lvl="1" indent="-342900">
@@ -13713,17 +13870,8 @@
             </a:pPr>
             <a:r>
               <a:rPr lang="en-US" sz="4000" dirty="0" smtClean="0"/>
-              <a:t>Waters </a:t>
-            </a:r>
-            <a:r>
-              <a:rPr lang="en-US" sz="4000" dirty="0" smtClean="0"/>
-              <a:t>appropriate </a:t>
-            </a:r>
-            <a:r>
-              <a:rPr lang="en-US" sz="4000" dirty="0" smtClean="0"/>
-              <a:t>amount</a:t>
-            </a:r>
-            <a:endParaRPr lang="en-US" sz="4000" dirty="0" smtClean="0"/>
+              <a:t>Waters appropriate amount</a:t>
+            </a:r>
           </a:p>
         </p:txBody>
       </p:sp>
@@ -14268,11 +14416,7 @@
             </a:r>
             <a:r>
               <a:rPr lang="en-US" sz="2800" dirty="0" smtClean="0"/>
-              <a:t> </a:t>
-            </a:r>
-            <a:r>
-              <a:rPr lang="en-US" sz="2800" dirty="0" smtClean="0"/>
-              <a:t>of hardware via </a:t>
+              <a:t> of hardware via </a:t>
             </a:r>
             <a:r>
               <a:rPr lang="en-US" sz="2800" dirty="0" err="1" smtClean="0"/>
